--- a/Documentacion/Diseño funcional y modelos.pptx
+++ b/Documentacion/Diseño funcional y modelos.pptx
@@ -265,7 +265,7 @@
           <a:p>
             <a:fld id="{33C8F781-4471-4207-AA15-D02BAF5FD67C}" type="datetimeFigureOut">
               <a:rPr lang="es-ES" smtClean="0"/>
-              <a:t>07/12/2020</a:t>
+              <a:t>18/12/2020</a:t>
             </a:fld>
             <a:endParaRPr lang="es-ES"/>
           </a:p>
@@ -463,7 +463,7 @@
           <a:p>
             <a:fld id="{33C8F781-4471-4207-AA15-D02BAF5FD67C}" type="datetimeFigureOut">
               <a:rPr lang="es-ES" smtClean="0"/>
-              <a:t>07/12/2020</a:t>
+              <a:t>18/12/2020</a:t>
             </a:fld>
             <a:endParaRPr lang="es-ES"/>
           </a:p>
@@ -671,7 +671,7 @@
           <a:p>
             <a:fld id="{33C8F781-4471-4207-AA15-D02BAF5FD67C}" type="datetimeFigureOut">
               <a:rPr lang="es-ES" smtClean="0"/>
-              <a:t>07/12/2020</a:t>
+              <a:t>18/12/2020</a:t>
             </a:fld>
             <a:endParaRPr lang="es-ES"/>
           </a:p>
@@ -869,7 +869,7 @@
           <a:p>
             <a:fld id="{33C8F781-4471-4207-AA15-D02BAF5FD67C}" type="datetimeFigureOut">
               <a:rPr lang="es-ES" smtClean="0"/>
-              <a:t>07/12/2020</a:t>
+              <a:t>18/12/2020</a:t>
             </a:fld>
             <a:endParaRPr lang="es-ES"/>
           </a:p>
@@ -1144,7 +1144,7 @@
           <a:p>
             <a:fld id="{33C8F781-4471-4207-AA15-D02BAF5FD67C}" type="datetimeFigureOut">
               <a:rPr lang="es-ES" smtClean="0"/>
-              <a:t>07/12/2020</a:t>
+              <a:t>18/12/2020</a:t>
             </a:fld>
             <a:endParaRPr lang="es-ES"/>
           </a:p>
@@ -1409,7 +1409,7 @@
           <a:p>
             <a:fld id="{33C8F781-4471-4207-AA15-D02BAF5FD67C}" type="datetimeFigureOut">
               <a:rPr lang="es-ES" smtClean="0"/>
-              <a:t>07/12/2020</a:t>
+              <a:t>18/12/2020</a:t>
             </a:fld>
             <a:endParaRPr lang="es-ES"/>
           </a:p>
@@ -1821,7 +1821,7 @@
           <a:p>
             <a:fld id="{33C8F781-4471-4207-AA15-D02BAF5FD67C}" type="datetimeFigureOut">
               <a:rPr lang="es-ES" smtClean="0"/>
-              <a:t>07/12/2020</a:t>
+              <a:t>18/12/2020</a:t>
             </a:fld>
             <a:endParaRPr lang="es-ES"/>
           </a:p>
@@ -1962,7 +1962,7 @@
           <a:p>
             <a:fld id="{33C8F781-4471-4207-AA15-D02BAF5FD67C}" type="datetimeFigureOut">
               <a:rPr lang="es-ES" smtClean="0"/>
-              <a:t>07/12/2020</a:t>
+              <a:t>18/12/2020</a:t>
             </a:fld>
             <a:endParaRPr lang="es-ES"/>
           </a:p>
@@ -2075,7 +2075,7 @@
           <a:p>
             <a:fld id="{33C8F781-4471-4207-AA15-D02BAF5FD67C}" type="datetimeFigureOut">
               <a:rPr lang="es-ES" smtClean="0"/>
-              <a:t>07/12/2020</a:t>
+              <a:t>18/12/2020</a:t>
             </a:fld>
             <a:endParaRPr lang="es-ES"/>
           </a:p>
@@ -2386,7 +2386,7 @@
           <a:p>
             <a:fld id="{33C8F781-4471-4207-AA15-D02BAF5FD67C}" type="datetimeFigureOut">
               <a:rPr lang="es-ES" smtClean="0"/>
-              <a:t>07/12/2020</a:t>
+              <a:t>18/12/2020</a:t>
             </a:fld>
             <a:endParaRPr lang="es-ES"/>
           </a:p>
@@ -2674,7 +2674,7 @@
           <a:p>
             <a:fld id="{33C8F781-4471-4207-AA15-D02BAF5FD67C}" type="datetimeFigureOut">
               <a:rPr lang="es-ES" smtClean="0"/>
-              <a:t>07/12/2020</a:t>
+              <a:t>18/12/2020</a:t>
             </a:fld>
             <a:endParaRPr lang="es-ES"/>
           </a:p>
@@ -2915,7 +2915,7 @@
           <a:p>
             <a:fld id="{33C8F781-4471-4207-AA15-D02BAF5FD67C}" type="datetimeFigureOut">
               <a:rPr lang="es-ES" smtClean="0"/>
-              <a:t>07/12/2020</a:t>
+              <a:t>18/12/2020</a:t>
             </a:fld>
             <a:endParaRPr lang="es-ES"/>
           </a:p>
@@ -4732,7 +4732,7 @@
         </p:nvCxnSpPr>
         <p:spPr>
           <a:xfrm flipV="1">
-            <a:off x="380882" y="5697780"/>
+            <a:off x="380882" y="4137426"/>
             <a:ext cx="2070770" cy="653"/>
           </a:xfrm>
           <a:prstGeom prst="straightConnector1">
@@ -4771,8 +4771,8 @@
         </p:nvSpPr>
         <p:spPr>
           <a:xfrm>
-            <a:off x="145109" y="3466087"/>
-            <a:ext cx="2328952" cy="2308324"/>
+            <a:off x="145109" y="2870468"/>
+            <a:ext cx="2328952" cy="1477328"/>
           </a:xfrm>
           <a:prstGeom prst="rect">
             <a:avLst/>
@@ -4789,7 +4789,7 @@
               <a:rPr lang="es-ES" dirty="0">
                 <a:latin typeface="LM Roman 10" panose="00000500000000000000" pitchFamily="50" charset="0"/>
               </a:rPr>
-              <a:t>Datos de la BBDD:</a:t>
+              <a:t>Datos de los CSV:</a:t>
             </a:r>
           </a:p>
           <a:p>
@@ -4801,7 +4801,7 @@
               <a:rPr lang="es-ES" dirty="0">
                 <a:latin typeface="LM Roman 10" panose="00000500000000000000" pitchFamily="50" charset="0"/>
               </a:rPr>
-              <a:t>Coches eléctricos</a:t>
+              <a:t>Coches eléctricos </a:t>
             </a:r>
           </a:p>
           <a:p>
@@ -4815,36 +4815,6 @@
               </a:rPr>
               <a:t>Puntos de recarga (latitud, longitud)</a:t>
             </a:r>
-          </a:p>
-          <a:p>
-            <a:pPr marL="285750" indent="-285750">
-              <a:buFontTx/>
-              <a:buChar char="-"/>
-            </a:pPr>
-            <a:r>
-              <a:rPr lang="es-ES" dirty="0">
-                <a:latin typeface="LM Roman 10" panose="00000500000000000000" pitchFamily="50" charset="0"/>
-              </a:rPr>
-              <a:t>Red de carreteras</a:t>
-            </a:r>
-          </a:p>
-          <a:p>
-            <a:pPr marL="285750" indent="-285750">
-              <a:buFontTx/>
-              <a:buChar char="-"/>
-            </a:pPr>
-            <a:r>
-              <a:rPr lang="es-ES" dirty="0">
-                <a:solidFill>
-                  <a:srgbClr val="00B0F0"/>
-                </a:solidFill>
-                <a:latin typeface="LM Roman 10" panose="00000500000000000000" pitchFamily="50" charset="0"/>
-              </a:rPr>
-              <a:t>Volumen de tráfico</a:t>
-            </a:r>
-            <a:endParaRPr lang="es-ES" dirty="0">
-              <a:latin typeface="LM Roman 10" panose="00000500000000000000" pitchFamily="50" charset="0"/>
-            </a:endParaRPr>
           </a:p>
           <a:p>
             <a:endParaRPr lang="es-ES" dirty="0">
@@ -4920,7 +4890,7 @@
         <p:spPr>
           <a:xfrm>
             <a:off x="2709836" y="1709992"/>
-            <a:ext cx="2697051" cy="1754326"/>
+            <a:ext cx="2697051" cy="1477328"/>
           </a:xfrm>
           <a:prstGeom prst="rect">
             <a:avLst/>
@@ -4934,22 +4904,10 @@
           <a:lstStyle/>
           <a:p>
             <a:r>
-              <a:rPr lang="es-ES" dirty="0" err="1">
-                <a:latin typeface="LM Roman 10" panose="00000500000000000000" pitchFamily="50" charset="0"/>
-              </a:rPr>
-              <a:t>Queries</a:t>
-            </a:r>
-            <a:r>
-              <a:rPr lang="es-ES" dirty="0">
-                <a:latin typeface="LM Roman 10" panose="00000500000000000000" pitchFamily="50" charset="0"/>
-              </a:rPr>
-              <a:t> a la </a:t>
-            </a:r>
-            <a:r>
               <a:rPr lang="es-ES" b="1" i="1" dirty="0">
                 <a:latin typeface="LM Roman 10" panose="00000500000000000000" pitchFamily="50" charset="0"/>
               </a:rPr>
-              <a:t>BBDD Coche </a:t>
+              <a:t>Coche </a:t>
             </a:r>
             <a:r>
               <a:rPr lang="es-ES" dirty="0">
@@ -5124,7 +5082,7 @@
         <p:spPr>
           <a:xfrm>
             <a:off x="5441615" y="3126573"/>
-            <a:ext cx="2269787" cy="1477328"/>
+            <a:ext cx="2269787" cy="1200329"/>
           </a:xfrm>
           <a:prstGeom prst="rect">
             <a:avLst/>
@@ -5138,22 +5096,10 @@
           <a:lstStyle/>
           <a:p>
             <a:r>
-              <a:rPr lang="es-ES" dirty="0" err="1">
-                <a:latin typeface="LM Roman 10" panose="00000500000000000000" pitchFamily="50" charset="0"/>
-              </a:rPr>
-              <a:t>Queries</a:t>
-            </a:r>
-            <a:r>
-              <a:rPr lang="es-ES" dirty="0">
-                <a:latin typeface="LM Roman 10" panose="00000500000000000000" pitchFamily="50" charset="0"/>
-              </a:rPr>
-              <a:t> a la </a:t>
-            </a:r>
-            <a:r>
               <a:rPr lang="es-ES" b="1" i="1" dirty="0">
                 <a:latin typeface="LM Roman 10" panose="00000500000000000000" pitchFamily="50" charset="0"/>
               </a:rPr>
-              <a:t>BBDD Red de carreteras  </a:t>
+              <a:t>Red de carreteras  </a:t>
             </a:r>
             <a:r>
               <a:rPr lang="es-ES" dirty="0">
@@ -5200,7 +5146,7 @@
         <p:spPr>
           <a:xfrm>
             <a:off x="8069658" y="4660248"/>
-            <a:ext cx="2448457" cy="1754326"/>
+            <a:ext cx="2448457" cy="1477328"/>
           </a:xfrm>
           <a:prstGeom prst="rect">
             <a:avLst/>
@@ -5214,22 +5160,10 @@
           <a:lstStyle/>
           <a:p>
             <a:r>
-              <a:rPr lang="es-ES" dirty="0" err="1">
-                <a:latin typeface="LM Roman 10" panose="00000500000000000000" pitchFamily="50" charset="0"/>
-              </a:rPr>
-              <a:t>Queries</a:t>
-            </a:r>
-            <a:r>
-              <a:rPr lang="es-ES" dirty="0">
-                <a:latin typeface="LM Roman 10" panose="00000500000000000000" pitchFamily="50" charset="0"/>
-              </a:rPr>
-              <a:t> a la </a:t>
-            </a:r>
-            <a:r>
               <a:rPr lang="es-ES" b="1" i="1" dirty="0">
                 <a:latin typeface="LM Roman 10" panose="00000500000000000000" pitchFamily="50" charset="0"/>
               </a:rPr>
-              <a:t>BBDD Puntos de recarga </a:t>
+              <a:t>Puntos de recarga </a:t>
             </a:r>
             <a:r>
               <a:rPr lang="es-ES" dirty="0">
@@ -5370,6 +5304,114 @@
           <a:xfrm>
             <a:off x="10800522" y="3944962"/>
             <a:ext cx="1258956" cy="0"/>
+          </a:xfrm>
+          <a:prstGeom prst="straightConnector1">
+            <a:avLst/>
+          </a:prstGeom>
+          <a:ln w="38100">
+            <a:tailEnd type="triangle"/>
+          </a:ln>
+        </p:spPr>
+        <p:style>
+          <a:lnRef idx="1">
+            <a:schemeClr val="dk1"/>
+          </a:lnRef>
+          <a:fillRef idx="0">
+            <a:schemeClr val="dk1"/>
+          </a:fillRef>
+          <a:effectRef idx="0">
+            <a:schemeClr val="dk1"/>
+          </a:effectRef>
+          <a:fontRef idx="minor">
+            <a:schemeClr val="tx1"/>
+          </a:fontRef>
+        </p:style>
+      </p:cxnSp>
+      <p:sp>
+        <p:nvSpPr>
+          <p:cNvPr id="19" name="CuadroTexto 18">
+            <a:extLst>
+              <a:ext uri="{FF2B5EF4-FFF2-40B4-BE49-F238E27FC236}">
+                <a16:creationId xmlns:a16="http://schemas.microsoft.com/office/drawing/2014/main" id="{654D80CF-744A-4F3A-862E-1C6364150E61}"/>
+              </a:ext>
+            </a:extLst>
+          </p:cNvPr>
+          <p:cNvSpPr txBox="1"/>
+          <p:nvPr/>
+        </p:nvSpPr>
+        <p:spPr>
+          <a:xfrm>
+            <a:off x="94775" y="4719493"/>
+            <a:ext cx="6107184" cy="923330"/>
+          </a:xfrm>
+          <a:prstGeom prst="rect">
+            <a:avLst/>
+          </a:prstGeom>
+          <a:noFill/>
+        </p:spPr>
+        <p:txBody>
+          <a:bodyPr wrap="square">
+            <a:spAutoFit/>
+          </a:bodyPr>
+          <a:lstStyle/>
+          <a:p>
+            <a:r>
+              <a:rPr lang="es-ES" dirty="0">
+                <a:latin typeface="LM Roman 10" panose="00000500000000000000" pitchFamily="50" charset="0"/>
+              </a:rPr>
+              <a:t>Datos de API:</a:t>
+            </a:r>
+          </a:p>
+          <a:p>
+            <a:pPr marL="285750" indent="-285750">
+              <a:buFontTx/>
+              <a:buChar char="-"/>
+            </a:pPr>
+            <a:r>
+              <a:rPr lang="es-ES" dirty="0">
+                <a:latin typeface="LM Roman 10" panose="00000500000000000000" pitchFamily="50" charset="0"/>
+              </a:rPr>
+              <a:t>Red de carreteras</a:t>
+            </a:r>
+          </a:p>
+          <a:p>
+            <a:pPr marL="285750" indent="-285750">
+              <a:buFontTx/>
+              <a:buChar char="-"/>
+            </a:pPr>
+            <a:r>
+              <a:rPr lang="es-ES" dirty="0">
+                <a:solidFill>
+                  <a:srgbClr val="00B0F0"/>
+                </a:solidFill>
+                <a:latin typeface="LM Roman 10" panose="00000500000000000000" pitchFamily="50" charset="0"/>
+              </a:rPr>
+              <a:t>Volumen de tráfico</a:t>
+            </a:r>
+            <a:endParaRPr lang="es-ES" dirty="0">
+              <a:latin typeface="LM Roman 10" panose="00000500000000000000" pitchFamily="50" charset="0"/>
+            </a:endParaRPr>
+          </a:p>
+        </p:txBody>
+      </p:sp>
+      <p:cxnSp>
+        <p:nvCxnSpPr>
+          <p:cNvPr id="20" name="Conector recto de flecha 19">
+            <a:extLst>
+              <a:ext uri="{FF2B5EF4-FFF2-40B4-BE49-F238E27FC236}">
+                <a16:creationId xmlns:a16="http://schemas.microsoft.com/office/drawing/2014/main" id="{2F158AAB-572D-4AB5-BF80-456D94966595}"/>
+              </a:ext>
+            </a:extLst>
+          </p:cNvPr>
+          <p:cNvCxnSpPr>
+            <a:cxnSpLocks/>
+          </p:cNvCxnSpPr>
+          <p:nvPr/>
+        </p:nvCxnSpPr>
+        <p:spPr>
+          <a:xfrm flipV="1">
+            <a:off x="373891" y="5648844"/>
+            <a:ext cx="2070770" cy="653"/>
           </a:xfrm>
           <a:prstGeom prst="straightConnector1">
             <a:avLst/>
@@ -5737,8 +5779,8 @@
         </p:nvSpPr>
         <p:spPr>
           <a:xfrm>
-            <a:off x="6142036" y="2231459"/>
-            <a:ext cx="2788007" cy="369332"/>
+            <a:off x="4950798" y="2231459"/>
+            <a:ext cx="5298374" cy="369332"/>
           </a:xfrm>
           <a:prstGeom prst="rect">
             <a:avLst/>
@@ -5755,7 +5797,7 @@
               <a:rPr lang="es-ES" dirty="0">
                 <a:latin typeface="LM Roman 10" panose="00000500000000000000" pitchFamily="50" charset="0"/>
               </a:rPr>
-              <a:t>Modelo optimización ruta</a:t>
+              <a:t>Modelo optimización ruta -&gt; Problema del viajero</a:t>
             </a:r>
           </a:p>
         </p:txBody>

--- a/Documentacion/Diseño funcional y modelos.pptx
+++ b/Documentacion/Diseño funcional y modelos.pptx
@@ -265,7 +265,7 @@
           <a:p>
             <a:fld id="{33C8F781-4471-4207-AA15-D02BAF5FD67C}" type="datetimeFigureOut">
               <a:rPr lang="es-ES" smtClean="0"/>
-              <a:t>18/12/2020</a:t>
+              <a:t>03/01/2021</a:t>
             </a:fld>
             <a:endParaRPr lang="es-ES"/>
           </a:p>
@@ -463,7 +463,7 @@
           <a:p>
             <a:fld id="{33C8F781-4471-4207-AA15-D02BAF5FD67C}" type="datetimeFigureOut">
               <a:rPr lang="es-ES" smtClean="0"/>
-              <a:t>18/12/2020</a:t>
+              <a:t>03/01/2021</a:t>
             </a:fld>
             <a:endParaRPr lang="es-ES"/>
           </a:p>
@@ -671,7 +671,7 @@
           <a:p>
             <a:fld id="{33C8F781-4471-4207-AA15-D02BAF5FD67C}" type="datetimeFigureOut">
               <a:rPr lang="es-ES" smtClean="0"/>
-              <a:t>18/12/2020</a:t>
+              <a:t>03/01/2021</a:t>
             </a:fld>
             <a:endParaRPr lang="es-ES"/>
           </a:p>
@@ -869,7 +869,7 @@
           <a:p>
             <a:fld id="{33C8F781-4471-4207-AA15-D02BAF5FD67C}" type="datetimeFigureOut">
               <a:rPr lang="es-ES" smtClean="0"/>
-              <a:t>18/12/2020</a:t>
+              <a:t>03/01/2021</a:t>
             </a:fld>
             <a:endParaRPr lang="es-ES"/>
           </a:p>
@@ -1144,7 +1144,7 @@
           <a:p>
             <a:fld id="{33C8F781-4471-4207-AA15-D02BAF5FD67C}" type="datetimeFigureOut">
               <a:rPr lang="es-ES" smtClean="0"/>
-              <a:t>18/12/2020</a:t>
+              <a:t>03/01/2021</a:t>
             </a:fld>
             <a:endParaRPr lang="es-ES"/>
           </a:p>
@@ -1409,7 +1409,7 @@
           <a:p>
             <a:fld id="{33C8F781-4471-4207-AA15-D02BAF5FD67C}" type="datetimeFigureOut">
               <a:rPr lang="es-ES" smtClean="0"/>
-              <a:t>18/12/2020</a:t>
+              <a:t>03/01/2021</a:t>
             </a:fld>
             <a:endParaRPr lang="es-ES"/>
           </a:p>
@@ -1821,7 +1821,7 @@
           <a:p>
             <a:fld id="{33C8F781-4471-4207-AA15-D02BAF5FD67C}" type="datetimeFigureOut">
               <a:rPr lang="es-ES" smtClean="0"/>
-              <a:t>18/12/2020</a:t>
+              <a:t>03/01/2021</a:t>
             </a:fld>
             <a:endParaRPr lang="es-ES"/>
           </a:p>
@@ -1962,7 +1962,7 @@
           <a:p>
             <a:fld id="{33C8F781-4471-4207-AA15-D02BAF5FD67C}" type="datetimeFigureOut">
               <a:rPr lang="es-ES" smtClean="0"/>
-              <a:t>18/12/2020</a:t>
+              <a:t>03/01/2021</a:t>
             </a:fld>
             <a:endParaRPr lang="es-ES"/>
           </a:p>
@@ -2075,7 +2075,7 @@
           <a:p>
             <a:fld id="{33C8F781-4471-4207-AA15-D02BAF5FD67C}" type="datetimeFigureOut">
               <a:rPr lang="es-ES" smtClean="0"/>
-              <a:t>18/12/2020</a:t>
+              <a:t>03/01/2021</a:t>
             </a:fld>
             <a:endParaRPr lang="es-ES"/>
           </a:p>
@@ -2386,7 +2386,7 @@
           <a:p>
             <a:fld id="{33C8F781-4471-4207-AA15-D02BAF5FD67C}" type="datetimeFigureOut">
               <a:rPr lang="es-ES" smtClean="0"/>
-              <a:t>18/12/2020</a:t>
+              <a:t>03/01/2021</a:t>
             </a:fld>
             <a:endParaRPr lang="es-ES"/>
           </a:p>
@@ -2674,7 +2674,7 @@
           <a:p>
             <a:fld id="{33C8F781-4471-4207-AA15-D02BAF5FD67C}" type="datetimeFigureOut">
               <a:rPr lang="es-ES" smtClean="0"/>
-              <a:t>18/12/2020</a:t>
+              <a:t>03/01/2021</a:t>
             </a:fld>
             <a:endParaRPr lang="es-ES"/>
           </a:p>
@@ -2915,7 +2915,7 @@
           <a:p>
             <a:fld id="{33C8F781-4471-4207-AA15-D02BAF5FD67C}" type="datetimeFigureOut">
               <a:rPr lang="es-ES" smtClean="0"/>
-              <a:t>18/12/2020</a:t>
+              <a:t>03/01/2021</a:t>
             </a:fld>
             <a:endParaRPr lang="es-ES"/>
           </a:p>
@@ -4595,7 +4595,7 @@
         </p:nvCxnSpPr>
         <p:spPr>
           <a:xfrm>
-            <a:off x="380882" y="2516520"/>
+            <a:off x="380882" y="4179862"/>
             <a:ext cx="2070770" cy="0"/>
           </a:xfrm>
           <a:prstGeom prst="straightConnector1">
@@ -4634,8 +4634,8 @@
         </p:nvSpPr>
         <p:spPr>
           <a:xfrm>
-            <a:off x="47513" y="1007166"/>
-            <a:ext cx="2570925" cy="1754326"/>
+            <a:off x="152019" y="3227864"/>
+            <a:ext cx="2570925" cy="923330"/>
           </a:xfrm>
           <a:prstGeom prst="rect">
             <a:avLst/>
@@ -4679,148 +4679,6 @@
               <a:t>Modelo del coche</a:t>
             </a:r>
           </a:p>
-          <a:p>
-            <a:pPr marL="285750" indent="-285750">
-              <a:buFontTx/>
-              <a:buChar char="-"/>
-            </a:pPr>
-            <a:r>
-              <a:rPr lang="es-ES" dirty="0">
-                <a:solidFill>
-                  <a:srgbClr val="00B0F0"/>
-                </a:solidFill>
-                <a:latin typeface="LM Roman 10" panose="00000500000000000000" pitchFamily="50" charset="0"/>
-              </a:rPr>
-              <a:t>Número de paradas</a:t>
-            </a:r>
-          </a:p>
-          <a:p>
-            <a:pPr marL="285750" indent="-285750">
-              <a:buFontTx/>
-              <a:buChar char="-"/>
-            </a:pPr>
-            <a:r>
-              <a:rPr lang="es-ES" dirty="0">
-                <a:solidFill>
-                  <a:srgbClr val="00B0F0"/>
-                </a:solidFill>
-                <a:latin typeface="LM Roman 10" panose="00000500000000000000" pitchFamily="50" charset="0"/>
-              </a:rPr>
-              <a:t>Tipo de carretera</a:t>
-            </a:r>
-          </a:p>
-          <a:p>
-            <a:endParaRPr lang="es-ES" dirty="0">
-              <a:latin typeface="LM Roman 10" panose="00000500000000000000" pitchFamily="50" charset="0"/>
-            </a:endParaRPr>
-          </a:p>
-        </p:txBody>
-      </p:sp>
-      <p:cxnSp>
-        <p:nvCxnSpPr>
-          <p:cNvPr id="6" name="Conector recto de flecha 5">
-            <a:extLst>
-              <a:ext uri="{FF2B5EF4-FFF2-40B4-BE49-F238E27FC236}">
-                <a16:creationId xmlns:a16="http://schemas.microsoft.com/office/drawing/2014/main" id="{3200878F-4669-4C39-8A37-828A326F5B46}"/>
-              </a:ext>
-            </a:extLst>
-          </p:cNvPr>
-          <p:cNvCxnSpPr>
-            <a:cxnSpLocks/>
-          </p:cNvCxnSpPr>
-          <p:nvPr/>
-        </p:nvCxnSpPr>
-        <p:spPr>
-          <a:xfrm flipV="1">
-            <a:off x="380882" y="4137426"/>
-            <a:ext cx="2070770" cy="653"/>
-          </a:xfrm>
-          <a:prstGeom prst="straightConnector1">
-            <a:avLst/>
-          </a:prstGeom>
-          <a:ln w="38100">
-            <a:tailEnd type="triangle"/>
-          </a:ln>
-        </p:spPr>
-        <p:style>
-          <a:lnRef idx="1">
-            <a:schemeClr val="dk1"/>
-          </a:lnRef>
-          <a:fillRef idx="0">
-            <a:schemeClr val="dk1"/>
-          </a:fillRef>
-          <a:effectRef idx="0">
-            <a:schemeClr val="dk1"/>
-          </a:effectRef>
-          <a:fontRef idx="minor">
-            <a:schemeClr val="tx1"/>
-          </a:fontRef>
-        </p:style>
-      </p:cxnSp>
-      <p:sp>
-        <p:nvSpPr>
-          <p:cNvPr id="8" name="CuadroTexto 7">
-            <a:extLst>
-              <a:ext uri="{FF2B5EF4-FFF2-40B4-BE49-F238E27FC236}">
-                <a16:creationId xmlns:a16="http://schemas.microsoft.com/office/drawing/2014/main" id="{4180A893-DDAD-4B9A-8CA4-01EB77F7B7F3}"/>
-              </a:ext>
-            </a:extLst>
-          </p:cNvPr>
-          <p:cNvSpPr txBox="1"/>
-          <p:nvPr/>
-        </p:nvSpPr>
-        <p:spPr>
-          <a:xfrm>
-            <a:off x="145109" y="2870468"/>
-            <a:ext cx="2328952" cy="1477328"/>
-          </a:xfrm>
-          <a:prstGeom prst="rect">
-            <a:avLst/>
-          </a:prstGeom>
-          <a:noFill/>
-        </p:spPr>
-        <p:txBody>
-          <a:bodyPr wrap="square" rtlCol="0">
-            <a:spAutoFit/>
-          </a:bodyPr>
-          <a:lstStyle/>
-          <a:p>
-            <a:r>
-              <a:rPr lang="es-ES" dirty="0">
-                <a:latin typeface="LM Roman 10" panose="00000500000000000000" pitchFamily="50" charset="0"/>
-              </a:rPr>
-              <a:t>Datos de los CSV:</a:t>
-            </a:r>
-          </a:p>
-          <a:p>
-            <a:pPr marL="285750" indent="-285750">
-              <a:buFontTx/>
-              <a:buChar char="-"/>
-            </a:pPr>
-            <a:r>
-              <a:rPr lang="es-ES" dirty="0">
-                <a:latin typeface="LM Roman 10" panose="00000500000000000000" pitchFamily="50" charset="0"/>
-              </a:rPr>
-              <a:t>Coches eléctricos </a:t>
-            </a:r>
-          </a:p>
-          <a:p>
-            <a:pPr marL="285750" indent="-285750">
-              <a:buFontTx/>
-              <a:buChar char="-"/>
-            </a:pPr>
-            <a:r>
-              <a:rPr lang="es-ES" dirty="0">
-                <a:latin typeface="LM Roman 10" panose="00000500000000000000" pitchFamily="50" charset="0"/>
-              </a:rPr>
-              <a:t>Puntos de recarga (latitud, longitud)</a:t>
-            </a:r>
-          </a:p>
-          <a:p>
-            <a:endParaRPr lang="es-ES" dirty="0">
-              <a:latin typeface="LM Roman 10" panose="00000500000000000000" pitchFamily="50" charset="0"/>
-            </a:endParaRPr>
-          </a:p>
         </p:txBody>
       </p:sp>
       <p:sp>
@@ -4837,8 +4695,8 @@
         </p:nvSpPr>
         <p:spPr>
           <a:xfrm>
-            <a:off x="2640380" y="1639357"/>
-            <a:ext cx="2697051" cy="1580921"/>
+            <a:off x="2930692" y="1492676"/>
+            <a:ext cx="7557572" cy="1163434"/>
           </a:xfrm>
           <a:prstGeom prst="rect">
             <a:avLst/>
@@ -4889,7 +4747,7 @@
         </p:nvSpPr>
         <p:spPr>
           <a:xfrm>
-            <a:off x="2709836" y="1709992"/>
+            <a:off x="5360950" y="1461393"/>
             <a:ext cx="2697051" cy="1477328"/>
           </a:xfrm>
           <a:prstGeom prst="rect">
@@ -4965,10 +4823,10 @@
       </p:sp>
       <p:sp>
         <p:nvSpPr>
-          <p:cNvPr id="12" name="Rectángulo 11">
-            <a:extLst>
-              <a:ext uri="{FF2B5EF4-FFF2-40B4-BE49-F238E27FC236}">
-                <a16:creationId xmlns:a16="http://schemas.microsoft.com/office/drawing/2014/main" id="{FEFD7840-45FF-4406-AF1F-39F7821CE4F8}"/>
+          <p:cNvPr id="13" name="Rectángulo 12">
+            <a:extLst>
+              <a:ext uri="{FF2B5EF4-FFF2-40B4-BE49-F238E27FC236}">
+                <a16:creationId xmlns:a16="http://schemas.microsoft.com/office/drawing/2014/main" id="{1A70B054-A8E7-4B33-872B-FD26857F6DE4}"/>
               </a:ext>
             </a:extLst>
           </p:cNvPr>
@@ -4977,8 +4835,8 @@
         </p:nvSpPr>
         <p:spPr>
           <a:xfrm>
-            <a:off x="5428829" y="3126573"/>
-            <a:ext cx="2416925" cy="1561043"/>
+            <a:off x="2930693" y="2744576"/>
+            <a:ext cx="7557571" cy="1051573"/>
           </a:xfrm>
           <a:prstGeom prst="rect">
             <a:avLst/>
@@ -5017,10 +4875,158 @@
       </p:sp>
       <p:sp>
         <p:nvSpPr>
-          <p:cNvPr id="13" name="Rectángulo 12">
-            <a:extLst>
-              <a:ext uri="{FF2B5EF4-FFF2-40B4-BE49-F238E27FC236}">
-                <a16:creationId xmlns:a16="http://schemas.microsoft.com/office/drawing/2014/main" id="{1A70B054-A8E7-4B33-872B-FD26857F6DE4}"/>
+          <p:cNvPr id="15" name="CuadroTexto 14">
+            <a:extLst>
+              <a:ext uri="{FF2B5EF4-FFF2-40B4-BE49-F238E27FC236}">
+                <a16:creationId xmlns:a16="http://schemas.microsoft.com/office/drawing/2014/main" id="{D34329C7-800D-44FD-94FE-057092D4EA10}"/>
+              </a:ext>
+            </a:extLst>
+          </p:cNvPr>
+          <p:cNvSpPr txBox="1"/>
+          <p:nvPr/>
+        </p:nvSpPr>
+        <p:spPr>
+          <a:xfrm>
+            <a:off x="4804256" y="2824500"/>
+            <a:ext cx="4457051" cy="923330"/>
+          </a:xfrm>
+          <a:prstGeom prst="rect">
+            <a:avLst/>
+          </a:prstGeom>
+          <a:noFill/>
+        </p:spPr>
+        <p:txBody>
+          <a:bodyPr wrap="square" rtlCol="0">
+            <a:spAutoFit/>
+          </a:bodyPr>
+          <a:lstStyle/>
+          <a:p>
+            <a:r>
+              <a:rPr lang="es-ES" b="1" i="1" dirty="0">
+                <a:latin typeface="LM Roman 10" panose="00000500000000000000" pitchFamily="50" charset="0"/>
+              </a:rPr>
+              <a:t>Puntos de recarga (GMAPI) </a:t>
+            </a:r>
+          </a:p>
+          <a:p>
+            <a:r>
+              <a:rPr lang="es-ES" b="1" i="1" dirty="0">
+                <a:latin typeface="LM Roman 10" panose="00000500000000000000" pitchFamily="50" charset="0"/>
+              </a:rPr>
+              <a:t>- </a:t>
+            </a:r>
+            <a:r>
+              <a:rPr lang="es-ES" dirty="0">
+                <a:latin typeface="LM Roman 10" panose="00000500000000000000" pitchFamily="50" charset="0"/>
+              </a:rPr>
+              <a:t>Nombre, dirección, coordenadas</a:t>
+            </a:r>
+          </a:p>
+          <a:p>
+            <a:endParaRPr lang="es-ES" dirty="0">
+              <a:latin typeface="LM Roman 10" panose="00000500000000000000" pitchFamily="50" charset="0"/>
+            </a:endParaRPr>
+          </a:p>
+        </p:txBody>
+      </p:sp>
+      <p:cxnSp>
+        <p:nvCxnSpPr>
+          <p:cNvPr id="24" name="Conector recto de flecha 23">
+            <a:extLst>
+              <a:ext uri="{FF2B5EF4-FFF2-40B4-BE49-F238E27FC236}">
+                <a16:creationId xmlns:a16="http://schemas.microsoft.com/office/drawing/2014/main" id="{E2D56C3C-C4A5-4480-80FE-3BDC16684003}"/>
+              </a:ext>
+            </a:extLst>
+          </p:cNvPr>
+          <p:cNvCxnSpPr>
+            <a:cxnSpLocks/>
+          </p:cNvCxnSpPr>
+          <p:nvPr/>
+        </p:nvCxnSpPr>
+        <p:spPr>
+          <a:xfrm>
+            <a:off x="10800522" y="3944962"/>
+            <a:ext cx="1258956" cy="0"/>
+          </a:xfrm>
+          <a:prstGeom prst="straightConnector1">
+            <a:avLst/>
+          </a:prstGeom>
+          <a:ln w="38100">
+            <a:tailEnd type="triangle"/>
+          </a:ln>
+        </p:spPr>
+        <p:style>
+          <a:lnRef idx="1">
+            <a:schemeClr val="dk1"/>
+          </a:lnRef>
+          <a:fillRef idx="0">
+            <a:schemeClr val="dk1"/>
+          </a:fillRef>
+          <a:effectRef idx="0">
+            <a:schemeClr val="dk1"/>
+          </a:effectRef>
+          <a:fontRef idx="minor">
+            <a:schemeClr val="tx1"/>
+          </a:fontRef>
+        </p:style>
+      </p:cxnSp>
+      <p:sp>
+        <p:nvSpPr>
+          <p:cNvPr id="21" name="CuadroTexto 20">
+            <a:extLst>
+              <a:ext uri="{FF2B5EF4-FFF2-40B4-BE49-F238E27FC236}">
+                <a16:creationId xmlns:a16="http://schemas.microsoft.com/office/drawing/2014/main" id="{8FEA196E-BCB3-485B-8A5B-AD791CF39639}"/>
+              </a:ext>
+            </a:extLst>
+          </p:cNvPr>
+          <p:cNvSpPr txBox="1"/>
+          <p:nvPr/>
+        </p:nvSpPr>
+        <p:spPr>
+          <a:xfrm>
+            <a:off x="4804256" y="3894454"/>
+            <a:ext cx="4670670" cy="923330"/>
+          </a:xfrm>
+          <a:prstGeom prst="rect">
+            <a:avLst/>
+          </a:prstGeom>
+          <a:noFill/>
+        </p:spPr>
+        <p:txBody>
+          <a:bodyPr wrap="square" rtlCol="0">
+            <a:spAutoFit/>
+          </a:bodyPr>
+          <a:lstStyle/>
+          <a:p>
+            <a:r>
+              <a:rPr lang="es-ES" b="1" i="1" dirty="0">
+                <a:latin typeface="LM Roman 10" panose="00000500000000000000" pitchFamily="50" charset="0"/>
+              </a:rPr>
+              <a:t>Opciones Origen/Destino (desplegable) (GMAPI) </a:t>
+            </a:r>
+          </a:p>
+          <a:p>
+            <a:r>
+              <a:rPr lang="es-ES" b="1" i="1" dirty="0">
+                <a:latin typeface="LM Roman 10" panose="00000500000000000000" pitchFamily="50" charset="0"/>
+              </a:rPr>
+              <a:t>- </a:t>
+            </a:r>
+            <a:r>
+              <a:rPr lang="es-ES" dirty="0">
+                <a:latin typeface="LM Roman 10" panose="00000500000000000000" pitchFamily="50" charset="0"/>
+              </a:rPr>
+              <a:t>Nombre, dirección, coordenadas</a:t>
+            </a:r>
+          </a:p>
+        </p:txBody>
+      </p:sp>
+      <p:sp>
+        <p:nvSpPr>
+          <p:cNvPr id="22" name="Rectángulo 21">
+            <a:extLst>
+              <a:ext uri="{FF2B5EF4-FFF2-40B4-BE49-F238E27FC236}">
+                <a16:creationId xmlns:a16="http://schemas.microsoft.com/office/drawing/2014/main" id="{B568EC4A-9C31-4D1B-81E0-9BBBF41E5EB6}"/>
               </a:ext>
             </a:extLst>
           </p:cNvPr>
@@ -5029,8 +5035,8 @@
         </p:nvSpPr>
         <p:spPr>
           <a:xfrm>
-            <a:off x="7945362" y="4644860"/>
-            <a:ext cx="2697051" cy="1580921"/>
+            <a:off x="2930693" y="3894692"/>
+            <a:ext cx="7557572" cy="1021394"/>
           </a:xfrm>
           <a:prstGeom prst="rect">
             <a:avLst/>
@@ -5038,7 +5044,7 @@
           <a:noFill/>
           <a:ln w="38100">
             <a:solidFill>
-              <a:schemeClr val="tx1"/>
+              <a:srgbClr val="FF0000"/>
             </a:solidFill>
           </a:ln>
         </p:spPr>
@@ -5063,276 +5069,82 @@
           <a:lstStyle/>
           <a:p>
             <a:pPr algn="ctr"/>
-            <a:endParaRPr lang="es-ES"/>
-          </a:p>
-        </p:txBody>
-      </p:sp>
-      <p:sp>
-        <p:nvSpPr>
-          <p:cNvPr id="14" name="CuadroTexto 13">
-            <a:extLst>
-              <a:ext uri="{FF2B5EF4-FFF2-40B4-BE49-F238E27FC236}">
-                <a16:creationId xmlns:a16="http://schemas.microsoft.com/office/drawing/2014/main" id="{BAAF61F9-DB3E-491A-9FBB-D62846EFB100}"/>
-              </a:ext>
-            </a:extLst>
-          </p:cNvPr>
-          <p:cNvSpPr txBox="1"/>
+            <a:endParaRPr lang="es-ES" dirty="0">
+              <a:solidFill>
+                <a:srgbClr val="FF0000"/>
+              </a:solidFill>
+              <a:highlight>
+                <a:srgbClr val="FF0000"/>
+              </a:highlight>
+            </a:endParaRPr>
+          </a:p>
+        </p:txBody>
+      </p:sp>
+      <p:sp>
+        <p:nvSpPr>
+          <p:cNvPr id="14" name="Rectángulo 13">
+            <a:extLst>
+              <a:ext uri="{FF2B5EF4-FFF2-40B4-BE49-F238E27FC236}">
+                <a16:creationId xmlns:a16="http://schemas.microsoft.com/office/drawing/2014/main" id="{4E9CA07D-7A6B-4EAB-B0B9-1BD325015D4F}"/>
+              </a:ext>
+            </a:extLst>
+          </p:cNvPr>
+          <p:cNvSpPr/>
           <p:nvPr/>
         </p:nvSpPr>
         <p:spPr>
           <a:xfrm>
-            <a:off x="5441615" y="3126573"/>
-            <a:ext cx="2269787" cy="1200329"/>
+            <a:off x="2930689" y="5046516"/>
+            <a:ext cx="7557572" cy="1200090"/>
           </a:xfrm>
           <a:prstGeom prst="rect">
             <a:avLst/>
           </a:prstGeom>
           <a:noFill/>
-        </p:spPr>
-        <p:txBody>
-          <a:bodyPr wrap="square" rtlCol="0">
-            <a:spAutoFit/>
-          </a:bodyPr>
-          <a:lstStyle/>
-          <a:p>
-            <a:r>
-              <a:rPr lang="es-ES" b="1" i="1" dirty="0">
-                <a:latin typeface="LM Roman 10" panose="00000500000000000000" pitchFamily="50" charset="0"/>
-              </a:rPr>
-              <a:t>Red de carreteras  </a:t>
-            </a:r>
-            <a:r>
-              <a:rPr lang="es-ES" dirty="0">
-                <a:latin typeface="LM Roman 10" panose="00000500000000000000" pitchFamily="50" charset="0"/>
-              </a:rPr>
-              <a:t>para obtener:</a:t>
-            </a:r>
-          </a:p>
-          <a:p>
-            <a:pPr marL="285750" indent="-285750">
-              <a:buFontTx/>
-              <a:buChar char="-"/>
-            </a:pPr>
-            <a:r>
-              <a:rPr lang="es-ES" dirty="0">
-                <a:latin typeface="LM Roman 10" panose="00000500000000000000" pitchFamily="50" charset="0"/>
-              </a:rPr>
-              <a:t>Rutas posibles</a:t>
-            </a:r>
-          </a:p>
-          <a:p>
-            <a:pPr marL="285750" indent="-285750">
-              <a:buFontTx/>
-              <a:buChar char="-"/>
-            </a:pPr>
-            <a:endParaRPr lang="es-ES" dirty="0">
-              <a:latin typeface="LM Roman 10" panose="00000500000000000000" pitchFamily="50" charset="0"/>
-            </a:endParaRPr>
-          </a:p>
-        </p:txBody>
-      </p:sp>
-      <p:sp>
-        <p:nvSpPr>
-          <p:cNvPr id="15" name="CuadroTexto 14">
-            <a:extLst>
-              <a:ext uri="{FF2B5EF4-FFF2-40B4-BE49-F238E27FC236}">
-                <a16:creationId xmlns:a16="http://schemas.microsoft.com/office/drawing/2014/main" id="{D34329C7-800D-44FD-94FE-057092D4EA10}"/>
-              </a:ext>
-            </a:extLst>
-          </p:cNvPr>
-          <p:cNvSpPr txBox="1"/>
-          <p:nvPr/>
-        </p:nvSpPr>
-        <p:spPr>
-          <a:xfrm>
-            <a:off x="8069658" y="4660248"/>
-            <a:ext cx="2448457" cy="1477328"/>
-          </a:xfrm>
-          <a:prstGeom prst="rect">
-            <a:avLst/>
-          </a:prstGeom>
-          <a:noFill/>
-        </p:spPr>
-        <p:txBody>
-          <a:bodyPr wrap="square" rtlCol="0">
-            <a:spAutoFit/>
-          </a:bodyPr>
-          <a:lstStyle/>
-          <a:p>
-            <a:r>
-              <a:rPr lang="es-ES" b="1" i="1" dirty="0">
-                <a:latin typeface="LM Roman 10" panose="00000500000000000000" pitchFamily="50" charset="0"/>
-              </a:rPr>
-              <a:t>Puntos de recarga </a:t>
-            </a:r>
-            <a:r>
-              <a:rPr lang="es-ES" dirty="0">
-                <a:latin typeface="LM Roman 10" panose="00000500000000000000" pitchFamily="50" charset="0"/>
-              </a:rPr>
-              <a:t>para obtener:</a:t>
-            </a:r>
-          </a:p>
-          <a:p>
-            <a:pPr marL="285750" indent="-285750">
-              <a:buFontTx/>
-              <a:buChar char="-"/>
-            </a:pPr>
-            <a:r>
-              <a:rPr lang="es-ES" dirty="0">
-                <a:latin typeface="LM Roman 10" panose="00000500000000000000" pitchFamily="50" charset="0"/>
-              </a:rPr>
-              <a:t>Puntos a lo largo de las rutas</a:t>
-            </a:r>
-          </a:p>
-          <a:p>
-            <a:pPr marL="285750" indent="-285750">
-              <a:buFontTx/>
-              <a:buChar char="-"/>
-            </a:pPr>
-            <a:endParaRPr lang="es-ES" dirty="0">
-              <a:latin typeface="LM Roman 10" panose="00000500000000000000" pitchFamily="50" charset="0"/>
-            </a:endParaRPr>
-          </a:p>
-        </p:txBody>
-      </p:sp>
-      <p:cxnSp>
-        <p:nvCxnSpPr>
-          <p:cNvPr id="17" name="Conector: angular 16">
-            <a:extLst>
-              <a:ext uri="{FF2B5EF4-FFF2-40B4-BE49-F238E27FC236}">
-                <a16:creationId xmlns:a16="http://schemas.microsoft.com/office/drawing/2014/main" id="{6F65442A-BD0E-4E7C-AE27-991D5B1CF834}"/>
-              </a:ext>
-            </a:extLst>
-          </p:cNvPr>
-          <p:cNvCxnSpPr>
-            <a:cxnSpLocks/>
-            <a:endCxn id="14" idx="0"/>
-          </p:cNvCxnSpPr>
-          <p:nvPr/>
-        </p:nvCxnSpPr>
-        <p:spPr>
-          <a:xfrm>
-            <a:off x="5359373" y="2319130"/>
-            <a:ext cx="1217136" cy="807443"/>
-          </a:xfrm>
-          <a:prstGeom prst="bentConnector2">
-            <a:avLst/>
-          </a:prstGeom>
           <a:ln w="38100">
             <a:solidFill>
-              <a:schemeClr val="tx1"/>
+              <a:srgbClr val="FF0000"/>
             </a:solidFill>
-            <a:tailEnd type="triangle"/>
           </a:ln>
         </p:spPr>
         <p:style>
-          <a:lnRef idx="1">
-            <a:schemeClr val="accent1"/>
+          <a:lnRef idx="2">
+            <a:schemeClr val="accent1">
+              <a:shade val="50000"/>
+            </a:schemeClr>
           </a:lnRef>
-          <a:fillRef idx="0">
+          <a:fillRef idx="1">
             <a:schemeClr val="accent1"/>
           </a:fillRef>
           <a:effectRef idx="0">
             <a:schemeClr val="accent1"/>
           </a:effectRef>
           <a:fontRef idx="minor">
-            <a:schemeClr val="tx1"/>
+            <a:schemeClr val="lt1"/>
           </a:fontRef>
         </p:style>
-      </p:cxnSp>
-      <p:cxnSp>
-        <p:nvCxnSpPr>
-          <p:cNvPr id="18" name="Conector: angular 17">
-            <a:extLst>
-              <a:ext uri="{FF2B5EF4-FFF2-40B4-BE49-F238E27FC236}">
-                <a16:creationId xmlns:a16="http://schemas.microsoft.com/office/drawing/2014/main" id="{47679E21-B8BA-46B0-83BD-4CCA1BEFFDC5}"/>
-              </a:ext>
-            </a:extLst>
-          </p:cNvPr>
-          <p:cNvCxnSpPr>
-            <a:cxnSpLocks/>
-            <a:stCxn id="12" idx="3"/>
-            <a:endCxn id="13" idx="0"/>
-          </p:cNvCxnSpPr>
-          <p:nvPr/>
-        </p:nvCxnSpPr>
-        <p:spPr>
-          <a:xfrm>
-            <a:off x="7845754" y="3907095"/>
-            <a:ext cx="1448134" cy="737765"/>
-          </a:xfrm>
-          <a:prstGeom prst="bentConnector2">
-            <a:avLst/>
-          </a:prstGeom>
-          <a:ln w="38100">
-            <a:solidFill>
-              <a:schemeClr val="tx1"/>
-            </a:solidFill>
-            <a:tailEnd type="triangle"/>
-          </a:ln>
-        </p:spPr>
-        <p:style>
-          <a:lnRef idx="1">
-            <a:schemeClr val="accent1"/>
-          </a:lnRef>
-          <a:fillRef idx="0">
-            <a:schemeClr val="accent1"/>
-          </a:fillRef>
-          <a:effectRef idx="0">
-            <a:schemeClr val="accent1"/>
-          </a:effectRef>
-          <a:fontRef idx="minor">
-            <a:schemeClr val="tx1"/>
-          </a:fontRef>
-        </p:style>
-      </p:cxnSp>
-      <p:cxnSp>
-        <p:nvCxnSpPr>
-          <p:cNvPr id="24" name="Conector recto de flecha 23">
-            <a:extLst>
-              <a:ext uri="{FF2B5EF4-FFF2-40B4-BE49-F238E27FC236}">
-                <a16:creationId xmlns:a16="http://schemas.microsoft.com/office/drawing/2014/main" id="{E2D56C3C-C4A5-4480-80FE-3BDC16684003}"/>
-              </a:ext>
-            </a:extLst>
-          </p:cNvPr>
-          <p:cNvCxnSpPr>
-            <a:cxnSpLocks/>
-          </p:cNvCxnSpPr>
-          <p:nvPr/>
-        </p:nvCxnSpPr>
-        <p:spPr>
-          <a:xfrm>
-            <a:off x="10800522" y="3944962"/>
-            <a:ext cx="1258956" cy="0"/>
-          </a:xfrm>
-          <a:prstGeom prst="straightConnector1">
-            <a:avLst/>
-          </a:prstGeom>
-          <a:ln w="38100">
-            <a:tailEnd type="triangle"/>
-          </a:ln>
-        </p:spPr>
-        <p:style>
-          <a:lnRef idx="1">
-            <a:schemeClr val="dk1"/>
-          </a:lnRef>
-          <a:fillRef idx="0">
-            <a:schemeClr val="dk1"/>
-          </a:fillRef>
-          <a:effectRef idx="0">
-            <a:schemeClr val="dk1"/>
-          </a:effectRef>
-          <a:fontRef idx="minor">
-            <a:schemeClr val="tx1"/>
-          </a:fontRef>
-        </p:style>
-      </p:cxnSp>
-      <p:sp>
-        <p:nvSpPr>
-          <p:cNvPr id="19" name="CuadroTexto 18">
-            <a:extLst>
-              <a:ext uri="{FF2B5EF4-FFF2-40B4-BE49-F238E27FC236}">
-                <a16:creationId xmlns:a16="http://schemas.microsoft.com/office/drawing/2014/main" id="{654D80CF-744A-4F3A-862E-1C6364150E61}"/>
+        <p:txBody>
+          <a:bodyPr rtlCol="0" anchor="ctr"/>
+          <a:lstStyle/>
+          <a:p>
+            <a:pPr algn="ctr"/>
+            <a:endParaRPr lang="es-ES" dirty="0">
+              <a:solidFill>
+                <a:srgbClr val="FF0000"/>
+              </a:solidFill>
+              <a:highlight>
+                <a:srgbClr val="FF0000"/>
+              </a:highlight>
+            </a:endParaRPr>
+          </a:p>
+        </p:txBody>
+      </p:sp>
+      <p:sp>
+        <p:nvSpPr>
+          <p:cNvPr id="16" name="CuadroTexto 15">
+            <a:extLst>
+              <a:ext uri="{FF2B5EF4-FFF2-40B4-BE49-F238E27FC236}">
+                <a16:creationId xmlns:a16="http://schemas.microsoft.com/office/drawing/2014/main" id="{8D7EFB92-7FA5-46CA-86D7-6DF3898E5B52}"/>
               </a:ext>
             </a:extLst>
           </p:cNvPr>
@@ -5341,8 +5153,8 @@
         </p:nvSpPr>
         <p:spPr>
           <a:xfrm>
-            <a:off x="94775" y="4719493"/>
-            <a:ext cx="6107184" cy="923330"/>
+            <a:off x="4745106" y="5109433"/>
+            <a:ext cx="4670670" cy="646331"/>
           </a:xfrm>
           <a:prstGeom prst="rect">
             <a:avLst/>
@@ -5350,91 +5162,34 @@
           <a:noFill/>
         </p:spPr>
         <p:txBody>
-          <a:bodyPr wrap="square">
+          <a:bodyPr wrap="square" rtlCol="0">
             <a:spAutoFit/>
           </a:bodyPr>
           <a:lstStyle/>
           <a:p>
             <a:r>
+              <a:rPr lang="es-ES" b="1" i="1" dirty="0">
+                <a:latin typeface="LM Roman 10" panose="00000500000000000000" pitchFamily="50" charset="0"/>
+              </a:rPr>
+              <a:t>Gasolineras de España </a:t>
+            </a:r>
+          </a:p>
+          <a:p>
+            <a:r>
+              <a:rPr lang="es-ES" b="1" i="1" dirty="0">
+                <a:latin typeface="LM Roman 10" panose="00000500000000000000" pitchFamily="50" charset="0"/>
+              </a:rPr>
+              <a:t>- </a:t>
+            </a:r>
+            <a:r>
               <a:rPr lang="es-ES" dirty="0">
                 <a:latin typeface="LM Roman 10" panose="00000500000000000000" pitchFamily="50" charset="0"/>
               </a:rPr>
-              <a:t>Datos de API:</a:t>
-            </a:r>
-          </a:p>
-          <a:p>
-            <a:pPr marL="285750" indent="-285750">
-              <a:buFontTx/>
-              <a:buChar char="-"/>
-            </a:pPr>
-            <a:r>
-              <a:rPr lang="es-ES" dirty="0">
-                <a:latin typeface="LM Roman 10" panose="00000500000000000000" pitchFamily="50" charset="0"/>
-              </a:rPr>
-              <a:t>Red de carreteras</a:t>
-            </a:r>
-          </a:p>
-          <a:p>
-            <a:pPr marL="285750" indent="-285750">
-              <a:buFontTx/>
-              <a:buChar char="-"/>
-            </a:pPr>
-            <a:r>
-              <a:rPr lang="es-ES" dirty="0">
-                <a:solidFill>
-                  <a:srgbClr val="00B0F0"/>
-                </a:solidFill>
-                <a:latin typeface="LM Roman 10" panose="00000500000000000000" pitchFamily="50" charset="0"/>
-              </a:rPr>
-              <a:t>Volumen de tráfico</a:t>
-            </a:r>
-            <a:endParaRPr lang="es-ES" dirty="0">
-              <a:latin typeface="LM Roman 10" panose="00000500000000000000" pitchFamily="50" charset="0"/>
-            </a:endParaRPr>
-          </a:p>
-        </p:txBody>
-      </p:sp>
-      <p:cxnSp>
-        <p:nvCxnSpPr>
-          <p:cNvPr id="20" name="Conector recto de flecha 19">
-            <a:extLst>
-              <a:ext uri="{FF2B5EF4-FFF2-40B4-BE49-F238E27FC236}">
-                <a16:creationId xmlns:a16="http://schemas.microsoft.com/office/drawing/2014/main" id="{2F158AAB-572D-4AB5-BF80-456D94966595}"/>
-              </a:ext>
-            </a:extLst>
-          </p:cNvPr>
-          <p:cNvCxnSpPr>
-            <a:cxnSpLocks/>
-          </p:cNvCxnSpPr>
-          <p:nvPr/>
-        </p:nvCxnSpPr>
-        <p:spPr>
-          <a:xfrm flipV="1">
-            <a:off x="373891" y="5648844"/>
-            <a:ext cx="2070770" cy="653"/>
-          </a:xfrm>
-          <a:prstGeom prst="straightConnector1">
-            <a:avLst/>
-          </a:prstGeom>
-          <a:ln w="38100">
-            <a:tailEnd type="triangle"/>
-          </a:ln>
-        </p:spPr>
-        <p:style>
-          <a:lnRef idx="1">
-            <a:schemeClr val="dk1"/>
-          </a:lnRef>
-          <a:fillRef idx="0">
-            <a:schemeClr val="dk1"/>
-          </a:fillRef>
-          <a:effectRef idx="0">
-            <a:schemeClr val="dk1"/>
-          </a:effectRef>
-          <a:fontRef idx="minor">
-            <a:schemeClr val="tx1"/>
-          </a:fontRef>
-        </p:style>
-      </p:cxnSp>
+              <a:t>Nombre, dirección, coordenadas, ??</a:t>
+            </a:r>
+          </a:p>
+        </p:txBody>
+      </p:sp>
     </p:spTree>
     <p:extLst>
       <p:ext uri="{BB962C8B-B14F-4D97-AF65-F5344CB8AC3E}">

--- a/Documentacion/Diseño funcional y modelos.pptx
+++ b/Documentacion/Diseño funcional y modelos.pptx
@@ -1,30 +1,125 @@
 
 <file path=ppt/presentation.xml><?xml version="1.0" encoding="utf-8"?>
-<p:presentation xmlns:a="http://schemas.openxmlformats.org/drawingml/2006/main" xmlns:p="http://schemas.openxmlformats.org/presentationml/2006/main" xmlns:r="http://schemas.openxmlformats.org/officeDocument/2006/relationships" xmlns:p14="http://schemas.microsoft.com/office/powerpoint/2010/main" xmlns:p15="http://schemas.microsoft.com/office/powerpoint/2012/main" xmlns:mc="http://schemas.openxmlformats.org/markup-compatibility/2006">
+<p:presentation xmlns:a="http://schemas.openxmlformats.org/drawingml/2006/main" xmlns:r="http://schemas.openxmlformats.org/officeDocument/2006/relationships" xmlns:p="http://schemas.openxmlformats.org/presentationml/2006/main">
   <p:sldMasterIdLst>
-    <p:sldMasterId id="2147483648" r:id="rId2"/>
-    <p:sldMasterId id="2147483661" r:id="rId3"/>
+    <p:sldMasterId id="2147483648" r:id="rId1"/>
+    <p:sldMasterId id="2147483661" r:id="rId2"/>
   </p:sldMasterIdLst>
   <p:sldIdLst>
-    <p:sldId id="256" r:id="rId4"/>
-    <p:sldId id="257" r:id="rId5"/>
-    <p:sldId id="258" r:id="rId6"/>
-    <p:sldId id="259" r:id="rId7"/>
-    <p:sldId id="260" r:id="rId8"/>
-    <p:sldId id="261" r:id="rId9"/>
-    <p:sldId id="262" r:id="rId10"/>
-    <p:sldId id="263" r:id="rId11"/>
-    <p:sldId id="264" r:id="rId12"/>
-    <p:sldId id="265" r:id="rId13"/>
-    <p:sldId id="266" r:id="rId14"/>
+    <p:sldId id="256" r:id="rId3"/>
+    <p:sldId id="257" r:id="rId4"/>
+    <p:sldId id="258" r:id="rId5"/>
+    <p:sldId id="259" r:id="rId6"/>
+    <p:sldId id="260" r:id="rId7"/>
+    <p:sldId id="263" r:id="rId8"/>
+    <p:sldId id="264" r:id="rId9"/>
+    <p:sldId id="265" r:id="rId10"/>
+    <p:sldId id="266" r:id="rId11"/>
+    <p:sldId id="261" r:id="rId12"/>
+    <p:sldId id="262" r:id="rId13"/>
   </p:sldIdLst>
   <p:sldSz cx="12192000" cy="6858000"/>
-  <p:notesSz cx="7559675" cy="10691812"/>
+  <p:notesSz cx="7559675" cy="10691813"/>
+  <p:defaultTextStyle>
+    <a:defPPr>
+      <a:defRPr lang="es-ES"/>
+    </a:defPPr>
+    <a:lvl1pPr marL="0" algn="l" defTabSz="914400" rtl="0" eaLnBrk="1" latinLnBrk="0" hangingPunct="1">
+      <a:defRPr sz="1800" kern="1200">
+        <a:solidFill>
+          <a:schemeClr val="tx1"/>
+        </a:solidFill>
+        <a:latin typeface="+mn-lt"/>
+        <a:ea typeface="+mn-ea"/>
+        <a:cs typeface="+mn-cs"/>
+      </a:defRPr>
+    </a:lvl1pPr>
+    <a:lvl2pPr marL="457200" algn="l" defTabSz="914400" rtl="0" eaLnBrk="1" latinLnBrk="0" hangingPunct="1">
+      <a:defRPr sz="1800" kern="1200">
+        <a:solidFill>
+          <a:schemeClr val="tx1"/>
+        </a:solidFill>
+        <a:latin typeface="+mn-lt"/>
+        <a:ea typeface="+mn-ea"/>
+        <a:cs typeface="+mn-cs"/>
+      </a:defRPr>
+    </a:lvl2pPr>
+    <a:lvl3pPr marL="914400" algn="l" defTabSz="914400" rtl="0" eaLnBrk="1" latinLnBrk="0" hangingPunct="1">
+      <a:defRPr sz="1800" kern="1200">
+        <a:solidFill>
+          <a:schemeClr val="tx1"/>
+        </a:solidFill>
+        <a:latin typeface="+mn-lt"/>
+        <a:ea typeface="+mn-ea"/>
+        <a:cs typeface="+mn-cs"/>
+      </a:defRPr>
+    </a:lvl3pPr>
+    <a:lvl4pPr marL="1371600" algn="l" defTabSz="914400" rtl="0" eaLnBrk="1" latinLnBrk="0" hangingPunct="1">
+      <a:defRPr sz="1800" kern="1200">
+        <a:solidFill>
+          <a:schemeClr val="tx1"/>
+        </a:solidFill>
+        <a:latin typeface="+mn-lt"/>
+        <a:ea typeface="+mn-ea"/>
+        <a:cs typeface="+mn-cs"/>
+      </a:defRPr>
+    </a:lvl4pPr>
+    <a:lvl5pPr marL="1828800" algn="l" defTabSz="914400" rtl="0" eaLnBrk="1" latinLnBrk="0" hangingPunct="1">
+      <a:defRPr sz="1800" kern="1200">
+        <a:solidFill>
+          <a:schemeClr val="tx1"/>
+        </a:solidFill>
+        <a:latin typeface="+mn-lt"/>
+        <a:ea typeface="+mn-ea"/>
+        <a:cs typeface="+mn-cs"/>
+      </a:defRPr>
+    </a:lvl5pPr>
+    <a:lvl6pPr marL="2286000" algn="l" defTabSz="914400" rtl="0" eaLnBrk="1" latinLnBrk="0" hangingPunct="1">
+      <a:defRPr sz="1800" kern="1200">
+        <a:solidFill>
+          <a:schemeClr val="tx1"/>
+        </a:solidFill>
+        <a:latin typeface="+mn-lt"/>
+        <a:ea typeface="+mn-ea"/>
+        <a:cs typeface="+mn-cs"/>
+      </a:defRPr>
+    </a:lvl6pPr>
+    <a:lvl7pPr marL="2743200" algn="l" defTabSz="914400" rtl="0" eaLnBrk="1" latinLnBrk="0" hangingPunct="1">
+      <a:defRPr sz="1800" kern="1200">
+        <a:solidFill>
+          <a:schemeClr val="tx1"/>
+        </a:solidFill>
+        <a:latin typeface="+mn-lt"/>
+        <a:ea typeface="+mn-ea"/>
+        <a:cs typeface="+mn-cs"/>
+      </a:defRPr>
+    </a:lvl7pPr>
+    <a:lvl8pPr marL="3200400" algn="l" defTabSz="914400" rtl="0" eaLnBrk="1" latinLnBrk="0" hangingPunct="1">
+      <a:defRPr sz="1800" kern="1200">
+        <a:solidFill>
+          <a:schemeClr val="tx1"/>
+        </a:solidFill>
+        <a:latin typeface="+mn-lt"/>
+        <a:ea typeface="+mn-ea"/>
+        <a:cs typeface="+mn-cs"/>
+      </a:defRPr>
+    </a:lvl8pPr>
+    <a:lvl9pPr marL="3657600" algn="l" defTabSz="914400" rtl="0" eaLnBrk="1" latinLnBrk="0" hangingPunct="1">
+      <a:defRPr sz="1800" kern="1200">
+        <a:solidFill>
+          <a:schemeClr val="tx1"/>
+        </a:solidFill>
+        <a:latin typeface="+mn-lt"/>
+        <a:ea typeface="+mn-ea"/>
+        <a:cs typeface="+mn-cs"/>
+      </a:defRPr>
+    </a:lvl9pPr>
+  </p:defaultTextStyle>
 </p:presentation>
 </file>
 
 <file path=ppt/slideLayouts/slideLayout1.xml><?xml version="1.0" encoding="utf-8"?>
-<p:sldLayout xmlns:a="http://schemas.openxmlformats.org/drawingml/2006/main" xmlns:p="http://schemas.openxmlformats.org/presentationml/2006/main" xmlns:r="http://schemas.openxmlformats.org/officeDocument/2006/relationships" xmlns:p14="http://schemas.microsoft.com/office/powerpoint/2010/main" xmlns:p15="http://schemas.microsoft.com/office/powerpoint/2012/main" xmlns:mc="http://schemas.openxmlformats.org/markup-compatibility/2006" type="blank" preserve="1">
+<p:sldLayout xmlns:a="http://schemas.openxmlformats.org/drawingml/2006/main" xmlns:r="http://schemas.openxmlformats.org/officeDocument/2006/relationships" xmlns:p="http://schemas.openxmlformats.org/presentationml/2006/main" type="blank" preserve="1">
   <p:cSld name="Blank Slide">
     <p:spTree>
       <p:nvGrpSpPr>
@@ -42,11 +137,14 @@
       </p:grpSpPr>
     </p:spTree>
   </p:cSld>
+  <p:clrMapOvr>
+    <a:masterClrMapping/>
+  </p:clrMapOvr>
 </p:sldLayout>
 </file>
 
 <file path=ppt/slideLayouts/slideLayout10.xml><?xml version="1.0" encoding="utf-8"?>
-<p:sldLayout xmlns:a="http://schemas.openxmlformats.org/drawingml/2006/main" xmlns:p="http://schemas.openxmlformats.org/presentationml/2006/main" xmlns:r="http://schemas.openxmlformats.org/officeDocument/2006/relationships" xmlns:p14="http://schemas.microsoft.com/office/powerpoint/2010/main" xmlns:p15="http://schemas.microsoft.com/office/powerpoint/2012/main" xmlns:mc="http://schemas.openxmlformats.org/markup-compatibility/2006" type="objOverTx" preserve="1">
+<p:sldLayout xmlns:a="http://schemas.openxmlformats.org/drawingml/2006/main" xmlns:r="http://schemas.openxmlformats.org/officeDocument/2006/relationships" xmlns:p="http://schemas.openxmlformats.org/presentationml/2006/main" type="objOverTx" preserve="1">
   <p:cSld name="Title, Content over Content">
     <p:spTree>
       <p:nvGrpSpPr>
@@ -82,9 +180,10 @@
           </a:prstGeom>
         </p:spPr>
         <p:txBody>
-          <a:bodyPr lIns="0" rIns="0" tIns="0" bIns="0" anchor="ctr"/>
-          <a:p>
-            <a:endParaRPr b="0" lang="es-ES" sz="1800" spc="-1" strike="noStrike">
+          <a:bodyPr lIns="0" tIns="0" rIns="0" bIns="0" anchor="ctr"/>
+          <a:lstStyle/>
+          <a:p>
+            <a:endParaRPr lang="es-ES" sz="1800" b="0" strike="noStrike" spc="-1">
               <a:solidFill>
                 <a:srgbClr val="000000"/>
               </a:solidFill>
@@ -113,11 +212,12 @@
           </a:prstGeom>
         </p:spPr>
         <p:txBody>
-          <a:bodyPr lIns="0" rIns="0" tIns="0" bIns="0">
+          <a:bodyPr lIns="0" tIns="0" rIns="0" bIns="0">
             <a:normAutofit/>
           </a:bodyPr>
-          <a:p>
-            <a:endParaRPr b="0" lang="es-ES" sz="2800" spc="-1" strike="noStrike">
+          <a:lstStyle/>
+          <a:p>
+            <a:endParaRPr lang="es-ES" sz="2800" b="0" strike="noStrike" spc="-1">
               <a:solidFill>
                 <a:srgbClr val="000000"/>
               </a:solidFill>
@@ -146,11 +246,12 @@
           </a:prstGeom>
         </p:spPr>
         <p:txBody>
-          <a:bodyPr lIns="0" rIns="0" tIns="0" bIns="0">
+          <a:bodyPr lIns="0" tIns="0" rIns="0" bIns="0">
             <a:normAutofit/>
           </a:bodyPr>
-          <a:p>
-            <a:endParaRPr b="0" lang="es-ES" sz="2800" spc="-1" strike="noStrike">
+          <a:lstStyle/>
+          <a:p>
+            <a:endParaRPr lang="es-ES" sz="2800" b="0" strike="noStrike" spc="-1">
               <a:solidFill>
                 <a:srgbClr val="000000"/>
               </a:solidFill>
@@ -161,11 +262,14 @@
       </p:sp>
     </p:spTree>
   </p:cSld>
+  <p:clrMapOvr>
+    <a:masterClrMapping/>
+  </p:clrMapOvr>
 </p:sldLayout>
 </file>
 
 <file path=ppt/slideLayouts/slideLayout11.xml><?xml version="1.0" encoding="utf-8"?>
-<p:sldLayout xmlns:a="http://schemas.openxmlformats.org/drawingml/2006/main" xmlns:p="http://schemas.openxmlformats.org/presentationml/2006/main" xmlns:r="http://schemas.openxmlformats.org/officeDocument/2006/relationships" xmlns:p14="http://schemas.microsoft.com/office/powerpoint/2010/main" xmlns:p15="http://schemas.microsoft.com/office/powerpoint/2012/main" xmlns:mc="http://schemas.openxmlformats.org/markup-compatibility/2006" type="fourObj" preserve="1">
+<p:sldLayout xmlns:a="http://schemas.openxmlformats.org/drawingml/2006/main" xmlns:r="http://schemas.openxmlformats.org/officeDocument/2006/relationships" xmlns:p="http://schemas.openxmlformats.org/presentationml/2006/main" type="fourObj" preserve="1">
   <p:cSld name="Title, 4 Content">
     <p:spTree>
       <p:nvGrpSpPr>
@@ -201,9 +305,10 @@
           </a:prstGeom>
         </p:spPr>
         <p:txBody>
-          <a:bodyPr lIns="0" rIns="0" tIns="0" bIns="0" anchor="ctr"/>
-          <a:p>
-            <a:endParaRPr b="0" lang="es-ES" sz="1800" spc="-1" strike="noStrike">
+          <a:bodyPr lIns="0" tIns="0" rIns="0" bIns="0" anchor="ctr"/>
+          <a:lstStyle/>
+          <a:p>
+            <a:endParaRPr lang="es-ES" sz="1800" b="0" strike="noStrike" spc="-1">
               <a:solidFill>
                 <a:srgbClr val="000000"/>
               </a:solidFill>
@@ -232,11 +337,12 @@
           </a:prstGeom>
         </p:spPr>
         <p:txBody>
-          <a:bodyPr lIns="0" rIns="0" tIns="0" bIns="0">
+          <a:bodyPr lIns="0" tIns="0" rIns="0" bIns="0">
             <a:normAutofit/>
           </a:bodyPr>
-          <a:p>
-            <a:endParaRPr b="0" lang="es-ES" sz="2800" spc="-1" strike="noStrike">
+          <a:lstStyle/>
+          <a:p>
+            <a:endParaRPr lang="es-ES" sz="2800" b="0" strike="noStrike" spc="-1">
               <a:solidFill>
                 <a:srgbClr val="000000"/>
               </a:solidFill>
@@ -265,11 +371,12 @@
           </a:prstGeom>
         </p:spPr>
         <p:txBody>
-          <a:bodyPr lIns="0" rIns="0" tIns="0" bIns="0">
+          <a:bodyPr lIns="0" tIns="0" rIns="0" bIns="0">
             <a:normAutofit/>
           </a:bodyPr>
-          <a:p>
-            <a:endParaRPr b="0" lang="es-ES" sz="2800" spc="-1" strike="noStrike">
+          <a:lstStyle/>
+          <a:p>
+            <a:endParaRPr lang="es-ES" sz="2800" b="0" strike="noStrike" spc="-1">
               <a:solidFill>
                 <a:srgbClr val="000000"/>
               </a:solidFill>
@@ -298,11 +405,12 @@
           </a:prstGeom>
         </p:spPr>
         <p:txBody>
-          <a:bodyPr lIns="0" rIns="0" tIns="0" bIns="0">
+          <a:bodyPr lIns="0" tIns="0" rIns="0" bIns="0">
             <a:normAutofit/>
           </a:bodyPr>
-          <a:p>
-            <a:endParaRPr b="0" lang="es-ES" sz="2800" spc="-1" strike="noStrike">
+          <a:lstStyle/>
+          <a:p>
+            <a:endParaRPr lang="es-ES" sz="2800" b="0" strike="noStrike" spc="-1">
               <a:solidFill>
                 <a:srgbClr val="000000"/>
               </a:solidFill>
@@ -331,11 +439,12 @@
           </a:prstGeom>
         </p:spPr>
         <p:txBody>
-          <a:bodyPr lIns="0" rIns="0" tIns="0" bIns="0">
+          <a:bodyPr lIns="0" tIns="0" rIns="0" bIns="0">
             <a:normAutofit/>
           </a:bodyPr>
-          <a:p>
-            <a:endParaRPr b="0" lang="es-ES" sz="2800" spc="-1" strike="noStrike">
+          <a:lstStyle/>
+          <a:p>
+            <a:endParaRPr lang="es-ES" sz="2800" b="0" strike="noStrike" spc="-1">
               <a:solidFill>
                 <a:srgbClr val="000000"/>
               </a:solidFill>
@@ -346,11 +455,14 @@
       </p:sp>
     </p:spTree>
   </p:cSld>
+  <p:clrMapOvr>
+    <a:masterClrMapping/>
+  </p:clrMapOvr>
 </p:sldLayout>
 </file>
 
 <file path=ppt/slideLayouts/slideLayout12.xml><?xml version="1.0" encoding="utf-8"?>
-<p:sldLayout xmlns:a="http://schemas.openxmlformats.org/drawingml/2006/main" xmlns:p="http://schemas.openxmlformats.org/presentationml/2006/main" xmlns:r="http://schemas.openxmlformats.org/officeDocument/2006/relationships" xmlns:p14="http://schemas.microsoft.com/office/powerpoint/2010/main" xmlns:p15="http://schemas.microsoft.com/office/powerpoint/2012/main" xmlns:mc="http://schemas.openxmlformats.org/markup-compatibility/2006" type="blank" preserve="1">
+<p:sldLayout xmlns:a="http://schemas.openxmlformats.org/drawingml/2006/main" xmlns:r="http://schemas.openxmlformats.org/officeDocument/2006/relationships" xmlns:p="http://schemas.openxmlformats.org/presentationml/2006/main" type="blank" preserve="1">
   <p:cSld name="Title, 6 Content">
     <p:spTree>
       <p:nvGrpSpPr>
@@ -386,9 +498,10 @@
           </a:prstGeom>
         </p:spPr>
         <p:txBody>
-          <a:bodyPr lIns="0" rIns="0" tIns="0" bIns="0" anchor="ctr"/>
-          <a:p>
-            <a:endParaRPr b="0" lang="es-ES" sz="1800" spc="-1" strike="noStrike">
+          <a:bodyPr lIns="0" tIns="0" rIns="0" bIns="0" anchor="ctr"/>
+          <a:lstStyle/>
+          <a:p>
+            <a:endParaRPr lang="es-ES" sz="1800" b="0" strike="noStrike" spc="-1">
               <a:solidFill>
                 <a:srgbClr val="000000"/>
               </a:solidFill>
@@ -417,11 +530,12 @@
           </a:prstGeom>
         </p:spPr>
         <p:txBody>
-          <a:bodyPr lIns="0" rIns="0" tIns="0" bIns="0">
+          <a:bodyPr lIns="0" tIns="0" rIns="0" bIns="0">
             <a:normAutofit/>
           </a:bodyPr>
-          <a:p>
-            <a:endParaRPr b="0" lang="es-ES" sz="2800" spc="-1" strike="noStrike">
+          <a:lstStyle/>
+          <a:p>
+            <a:endParaRPr lang="es-ES" sz="2800" b="0" strike="noStrike" spc="-1">
               <a:solidFill>
                 <a:srgbClr val="000000"/>
               </a:solidFill>
@@ -450,11 +564,12 @@
           </a:prstGeom>
         </p:spPr>
         <p:txBody>
-          <a:bodyPr lIns="0" rIns="0" tIns="0" bIns="0">
+          <a:bodyPr lIns="0" tIns="0" rIns="0" bIns="0">
             <a:normAutofit/>
           </a:bodyPr>
-          <a:p>
-            <a:endParaRPr b="0" lang="es-ES" sz="2800" spc="-1" strike="noStrike">
+          <a:lstStyle/>
+          <a:p>
+            <a:endParaRPr lang="es-ES" sz="2800" b="0" strike="noStrike" spc="-1">
               <a:solidFill>
                 <a:srgbClr val="000000"/>
               </a:solidFill>
@@ -483,11 +598,12 @@
           </a:prstGeom>
         </p:spPr>
         <p:txBody>
-          <a:bodyPr lIns="0" rIns="0" tIns="0" bIns="0">
+          <a:bodyPr lIns="0" tIns="0" rIns="0" bIns="0">
             <a:normAutofit/>
           </a:bodyPr>
-          <a:p>
-            <a:endParaRPr b="0" lang="es-ES" sz="2800" spc="-1" strike="noStrike">
+          <a:lstStyle/>
+          <a:p>
+            <a:endParaRPr lang="es-ES" sz="2800" b="0" strike="noStrike" spc="-1">
               <a:solidFill>
                 <a:srgbClr val="000000"/>
               </a:solidFill>
@@ -516,11 +632,12 @@
           </a:prstGeom>
         </p:spPr>
         <p:txBody>
-          <a:bodyPr lIns="0" rIns="0" tIns="0" bIns="0">
+          <a:bodyPr lIns="0" tIns="0" rIns="0" bIns="0">
             <a:normAutofit/>
           </a:bodyPr>
-          <a:p>
-            <a:endParaRPr b="0" lang="es-ES" sz="2800" spc="-1" strike="noStrike">
+          <a:lstStyle/>
+          <a:p>
+            <a:endParaRPr lang="es-ES" sz="2800" b="0" strike="noStrike" spc="-1">
               <a:solidFill>
                 <a:srgbClr val="000000"/>
               </a:solidFill>
@@ -549,11 +666,12 @@
           </a:prstGeom>
         </p:spPr>
         <p:txBody>
-          <a:bodyPr lIns="0" rIns="0" tIns="0" bIns="0">
+          <a:bodyPr lIns="0" tIns="0" rIns="0" bIns="0">
             <a:normAutofit/>
           </a:bodyPr>
-          <a:p>
-            <a:endParaRPr b="0" lang="es-ES" sz="2800" spc="-1" strike="noStrike">
+          <a:lstStyle/>
+          <a:p>
+            <a:endParaRPr lang="es-ES" sz="2800" b="0" strike="noStrike" spc="-1">
               <a:solidFill>
                 <a:srgbClr val="000000"/>
               </a:solidFill>
@@ -582,11 +700,12 @@
           </a:prstGeom>
         </p:spPr>
         <p:txBody>
-          <a:bodyPr lIns="0" rIns="0" tIns="0" bIns="0">
+          <a:bodyPr lIns="0" tIns="0" rIns="0" bIns="0">
             <a:normAutofit/>
           </a:bodyPr>
-          <a:p>
-            <a:endParaRPr b="0" lang="es-ES" sz="2800" spc="-1" strike="noStrike">
+          <a:lstStyle/>
+          <a:p>
+            <a:endParaRPr lang="es-ES" sz="2800" b="0" strike="noStrike" spc="-1">
               <a:solidFill>
                 <a:srgbClr val="000000"/>
               </a:solidFill>
@@ -597,11 +716,14 @@
       </p:sp>
     </p:spTree>
   </p:cSld>
+  <p:clrMapOvr>
+    <a:masterClrMapping/>
+  </p:clrMapOvr>
 </p:sldLayout>
 </file>
 
 <file path=ppt/slideLayouts/slideLayout13.xml><?xml version="1.0" encoding="utf-8"?>
-<p:sldLayout xmlns:a="http://schemas.openxmlformats.org/drawingml/2006/main" xmlns:p="http://schemas.openxmlformats.org/presentationml/2006/main" xmlns:r="http://schemas.openxmlformats.org/officeDocument/2006/relationships" xmlns:p14="http://schemas.microsoft.com/office/powerpoint/2010/main" xmlns:p15="http://schemas.microsoft.com/office/powerpoint/2012/main" xmlns:mc="http://schemas.openxmlformats.org/markup-compatibility/2006" type="blank" preserve="1">
+<p:sldLayout xmlns:a="http://schemas.openxmlformats.org/drawingml/2006/main" xmlns:r="http://schemas.openxmlformats.org/officeDocument/2006/relationships" xmlns:p="http://schemas.openxmlformats.org/presentationml/2006/main" type="blank" preserve="1">
   <p:cSld name="Blank Slide">
     <p:spTree>
       <p:nvGrpSpPr>
@@ -619,11 +741,14 @@
       </p:grpSpPr>
     </p:spTree>
   </p:cSld>
+  <p:clrMapOvr>
+    <a:masterClrMapping/>
+  </p:clrMapOvr>
 </p:sldLayout>
 </file>
 
 <file path=ppt/slideLayouts/slideLayout14.xml><?xml version="1.0" encoding="utf-8"?>
-<p:sldLayout xmlns:a="http://schemas.openxmlformats.org/drawingml/2006/main" xmlns:p="http://schemas.openxmlformats.org/presentationml/2006/main" xmlns:r="http://schemas.openxmlformats.org/officeDocument/2006/relationships" xmlns:p14="http://schemas.microsoft.com/office/powerpoint/2010/main" xmlns:p15="http://schemas.microsoft.com/office/powerpoint/2012/main" xmlns:mc="http://schemas.openxmlformats.org/markup-compatibility/2006" type="tx" preserve="1">
+<p:sldLayout xmlns:a="http://schemas.openxmlformats.org/drawingml/2006/main" xmlns:r="http://schemas.openxmlformats.org/officeDocument/2006/relationships" xmlns:p="http://schemas.openxmlformats.org/presentationml/2006/main" type="tx" preserve="1">
   <p:cSld name="Title Slide">
     <p:spTree>
       <p:nvGrpSpPr>
@@ -659,9 +784,10 @@
           </a:prstGeom>
         </p:spPr>
         <p:txBody>
-          <a:bodyPr lIns="0" rIns="0" tIns="0" bIns="0" anchor="ctr"/>
-          <a:p>
-            <a:endParaRPr b="0" lang="es-ES" sz="1800" spc="-1" strike="noStrike">
+          <a:bodyPr lIns="0" tIns="0" rIns="0" bIns="0" anchor="ctr"/>
+          <a:lstStyle/>
+          <a:p>
+            <a:endParaRPr lang="es-ES" sz="1800" b="0" strike="noStrike" spc="-1">
               <a:solidFill>
                 <a:srgbClr val="000000"/>
               </a:solidFill>
@@ -690,10 +816,11 @@
           </a:prstGeom>
         </p:spPr>
         <p:txBody>
-          <a:bodyPr lIns="0" rIns="0" tIns="0" bIns="0" anchor="ctr"/>
+          <a:bodyPr lIns="0" tIns="0" rIns="0" bIns="0" anchor="ctr"/>
+          <a:lstStyle/>
           <a:p>
             <a:pPr algn="ctr"/>
-            <a:endParaRPr b="0" lang="es-ES" sz="3200" spc="-1" strike="noStrike">
+            <a:endParaRPr lang="es-ES" sz="3200" b="0" strike="noStrike" spc="-1">
               <a:latin typeface="Arial"/>
             </a:endParaRPr>
           </a:p>
@@ -701,11 +828,14 @@
       </p:sp>
     </p:spTree>
   </p:cSld>
+  <p:clrMapOvr>
+    <a:masterClrMapping/>
+  </p:clrMapOvr>
 </p:sldLayout>
 </file>
 
 <file path=ppt/slideLayouts/slideLayout15.xml><?xml version="1.0" encoding="utf-8"?>
-<p:sldLayout xmlns:a="http://schemas.openxmlformats.org/drawingml/2006/main" xmlns:p="http://schemas.openxmlformats.org/presentationml/2006/main" xmlns:r="http://schemas.openxmlformats.org/officeDocument/2006/relationships" xmlns:p14="http://schemas.microsoft.com/office/powerpoint/2010/main" xmlns:p15="http://schemas.microsoft.com/office/powerpoint/2012/main" xmlns:mc="http://schemas.openxmlformats.org/markup-compatibility/2006" type="obj" preserve="1">
+<p:sldLayout xmlns:a="http://schemas.openxmlformats.org/drawingml/2006/main" xmlns:r="http://schemas.openxmlformats.org/officeDocument/2006/relationships" xmlns:p="http://schemas.openxmlformats.org/presentationml/2006/main" type="obj" preserve="1">
   <p:cSld name="Title, Content">
     <p:spTree>
       <p:nvGrpSpPr>
@@ -741,9 +871,10 @@
           </a:prstGeom>
         </p:spPr>
         <p:txBody>
-          <a:bodyPr lIns="0" rIns="0" tIns="0" bIns="0" anchor="ctr"/>
-          <a:p>
-            <a:endParaRPr b="0" lang="es-ES" sz="1800" spc="-1" strike="noStrike">
+          <a:bodyPr lIns="0" tIns="0" rIns="0" bIns="0" anchor="ctr"/>
+          <a:lstStyle/>
+          <a:p>
+            <a:endParaRPr lang="es-ES" sz="1800" b="0" strike="noStrike" spc="-1">
               <a:solidFill>
                 <a:srgbClr val="000000"/>
               </a:solidFill>
@@ -772,11 +903,12 @@
           </a:prstGeom>
         </p:spPr>
         <p:txBody>
-          <a:bodyPr lIns="0" rIns="0" tIns="0" bIns="0">
+          <a:bodyPr lIns="0" tIns="0" rIns="0" bIns="0">
             <a:normAutofit/>
           </a:bodyPr>
-          <a:p>
-            <a:endParaRPr b="0" lang="es-ES" sz="2800" spc="-1" strike="noStrike">
+          <a:lstStyle/>
+          <a:p>
+            <a:endParaRPr lang="es-ES" sz="2800" b="0" strike="noStrike" spc="-1">
               <a:solidFill>
                 <a:srgbClr val="000000"/>
               </a:solidFill>
@@ -787,11 +919,14 @@
       </p:sp>
     </p:spTree>
   </p:cSld>
+  <p:clrMapOvr>
+    <a:masterClrMapping/>
+  </p:clrMapOvr>
 </p:sldLayout>
 </file>
 
 <file path=ppt/slideLayouts/slideLayout16.xml><?xml version="1.0" encoding="utf-8"?>
-<p:sldLayout xmlns:a="http://schemas.openxmlformats.org/drawingml/2006/main" xmlns:p="http://schemas.openxmlformats.org/presentationml/2006/main" xmlns:r="http://schemas.openxmlformats.org/officeDocument/2006/relationships" xmlns:p14="http://schemas.microsoft.com/office/powerpoint/2010/main" xmlns:p15="http://schemas.microsoft.com/office/powerpoint/2012/main" xmlns:mc="http://schemas.openxmlformats.org/markup-compatibility/2006" type="twoObj" preserve="1">
+<p:sldLayout xmlns:a="http://schemas.openxmlformats.org/drawingml/2006/main" xmlns:r="http://schemas.openxmlformats.org/officeDocument/2006/relationships" xmlns:p="http://schemas.openxmlformats.org/presentationml/2006/main" type="twoObj" preserve="1">
   <p:cSld name="Title, 2 Content">
     <p:spTree>
       <p:nvGrpSpPr>
@@ -827,9 +962,10 @@
           </a:prstGeom>
         </p:spPr>
         <p:txBody>
-          <a:bodyPr lIns="0" rIns="0" tIns="0" bIns="0" anchor="ctr"/>
-          <a:p>
-            <a:endParaRPr b="0" lang="es-ES" sz="1800" spc="-1" strike="noStrike">
+          <a:bodyPr lIns="0" tIns="0" rIns="0" bIns="0" anchor="ctr"/>
+          <a:lstStyle/>
+          <a:p>
+            <a:endParaRPr lang="es-ES" sz="1800" b="0" strike="noStrike" spc="-1">
               <a:solidFill>
                 <a:srgbClr val="000000"/>
               </a:solidFill>
@@ -858,11 +994,12 @@
           </a:prstGeom>
         </p:spPr>
         <p:txBody>
-          <a:bodyPr lIns="0" rIns="0" tIns="0" bIns="0">
+          <a:bodyPr lIns="0" tIns="0" rIns="0" bIns="0">
             <a:normAutofit/>
           </a:bodyPr>
-          <a:p>
-            <a:endParaRPr b="0" lang="es-ES" sz="2800" spc="-1" strike="noStrike">
+          <a:lstStyle/>
+          <a:p>
+            <a:endParaRPr lang="es-ES" sz="2800" b="0" strike="noStrike" spc="-1">
               <a:solidFill>
                 <a:srgbClr val="000000"/>
               </a:solidFill>
@@ -891,11 +1028,12 @@
           </a:prstGeom>
         </p:spPr>
         <p:txBody>
-          <a:bodyPr lIns="0" rIns="0" tIns="0" bIns="0">
+          <a:bodyPr lIns="0" tIns="0" rIns="0" bIns="0">
             <a:normAutofit/>
           </a:bodyPr>
-          <a:p>
-            <a:endParaRPr b="0" lang="es-ES" sz="2800" spc="-1" strike="noStrike">
+          <a:lstStyle/>
+          <a:p>
+            <a:endParaRPr lang="es-ES" sz="2800" b="0" strike="noStrike" spc="-1">
               <a:solidFill>
                 <a:srgbClr val="000000"/>
               </a:solidFill>
@@ -906,11 +1044,14 @@
       </p:sp>
     </p:spTree>
   </p:cSld>
+  <p:clrMapOvr>
+    <a:masterClrMapping/>
+  </p:clrMapOvr>
 </p:sldLayout>
 </file>
 
 <file path=ppt/slideLayouts/slideLayout17.xml><?xml version="1.0" encoding="utf-8"?>
-<p:sldLayout xmlns:a="http://schemas.openxmlformats.org/drawingml/2006/main" xmlns:p="http://schemas.openxmlformats.org/presentationml/2006/main" xmlns:r="http://schemas.openxmlformats.org/officeDocument/2006/relationships" xmlns:p14="http://schemas.microsoft.com/office/powerpoint/2010/main" xmlns:p15="http://schemas.microsoft.com/office/powerpoint/2012/main" xmlns:mc="http://schemas.openxmlformats.org/markup-compatibility/2006" type="titleOnly" preserve="1">
+<p:sldLayout xmlns:a="http://schemas.openxmlformats.org/drawingml/2006/main" xmlns:r="http://schemas.openxmlformats.org/officeDocument/2006/relationships" xmlns:p="http://schemas.openxmlformats.org/presentationml/2006/main" type="titleOnly" preserve="1">
   <p:cSld name="Title Only">
     <p:spTree>
       <p:nvGrpSpPr>
@@ -946,9 +1087,10 @@
           </a:prstGeom>
         </p:spPr>
         <p:txBody>
-          <a:bodyPr lIns="0" rIns="0" tIns="0" bIns="0" anchor="ctr"/>
-          <a:p>
-            <a:endParaRPr b="0" lang="es-ES" sz="1800" spc="-1" strike="noStrike">
+          <a:bodyPr lIns="0" tIns="0" rIns="0" bIns="0" anchor="ctr"/>
+          <a:lstStyle/>
+          <a:p>
+            <a:endParaRPr lang="es-ES" sz="1800" b="0" strike="noStrike" spc="-1">
               <a:solidFill>
                 <a:srgbClr val="000000"/>
               </a:solidFill>
@@ -959,11 +1101,14 @@
       </p:sp>
     </p:spTree>
   </p:cSld>
+  <p:clrMapOvr>
+    <a:masterClrMapping/>
+  </p:clrMapOvr>
 </p:sldLayout>
 </file>
 
 <file path=ppt/slideLayouts/slideLayout18.xml><?xml version="1.0" encoding="utf-8"?>
-<p:sldLayout xmlns:a="http://schemas.openxmlformats.org/drawingml/2006/main" xmlns:p="http://schemas.openxmlformats.org/presentationml/2006/main" xmlns:r="http://schemas.openxmlformats.org/officeDocument/2006/relationships" xmlns:p14="http://schemas.microsoft.com/office/powerpoint/2010/main" xmlns:p15="http://schemas.microsoft.com/office/powerpoint/2012/main" xmlns:mc="http://schemas.openxmlformats.org/markup-compatibility/2006" type="objOnly" preserve="1">
+<p:sldLayout xmlns:a="http://schemas.openxmlformats.org/drawingml/2006/main" xmlns:r="http://schemas.openxmlformats.org/officeDocument/2006/relationships" xmlns:p="http://schemas.openxmlformats.org/presentationml/2006/main" type="objOnly" preserve="1">
   <p:cSld name="Centered Text">
     <p:spTree>
       <p:nvGrpSpPr>
@@ -999,10 +1144,11 @@
           </a:prstGeom>
         </p:spPr>
         <p:txBody>
-          <a:bodyPr lIns="0" rIns="0" tIns="0" bIns="0" anchor="ctr"/>
+          <a:bodyPr lIns="0" tIns="0" rIns="0" bIns="0" anchor="ctr"/>
+          <a:lstStyle/>
           <a:p>
             <a:pPr algn="ctr"/>
-            <a:endParaRPr b="0" lang="es-ES" sz="3200" spc="-1" strike="noStrike">
+            <a:endParaRPr lang="es-ES" sz="3200" b="0" strike="noStrike" spc="-1">
               <a:latin typeface="Arial"/>
             </a:endParaRPr>
           </a:p>
@@ -1010,11 +1156,14 @@
       </p:sp>
     </p:spTree>
   </p:cSld>
+  <p:clrMapOvr>
+    <a:masterClrMapping/>
+  </p:clrMapOvr>
 </p:sldLayout>
 </file>
 
 <file path=ppt/slideLayouts/slideLayout19.xml><?xml version="1.0" encoding="utf-8"?>
-<p:sldLayout xmlns:a="http://schemas.openxmlformats.org/drawingml/2006/main" xmlns:p="http://schemas.openxmlformats.org/presentationml/2006/main" xmlns:r="http://schemas.openxmlformats.org/officeDocument/2006/relationships" xmlns:p14="http://schemas.microsoft.com/office/powerpoint/2010/main" xmlns:p15="http://schemas.microsoft.com/office/powerpoint/2012/main" xmlns:mc="http://schemas.openxmlformats.org/markup-compatibility/2006" type="twoObjAndObj" preserve="1">
+<p:sldLayout xmlns:a="http://schemas.openxmlformats.org/drawingml/2006/main" xmlns:r="http://schemas.openxmlformats.org/officeDocument/2006/relationships" xmlns:p="http://schemas.openxmlformats.org/presentationml/2006/main" type="twoObjAndObj" preserve="1">
   <p:cSld name="Title, 2 Content and Content">
     <p:spTree>
       <p:nvGrpSpPr>
@@ -1050,9 +1199,10 @@
           </a:prstGeom>
         </p:spPr>
         <p:txBody>
-          <a:bodyPr lIns="0" rIns="0" tIns="0" bIns="0" anchor="ctr"/>
-          <a:p>
-            <a:endParaRPr b="0" lang="es-ES" sz="1800" spc="-1" strike="noStrike">
+          <a:bodyPr lIns="0" tIns="0" rIns="0" bIns="0" anchor="ctr"/>
+          <a:lstStyle/>
+          <a:p>
+            <a:endParaRPr lang="es-ES" sz="1800" b="0" strike="noStrike" spc="-1">
               <a:solidFill>
                 <a:srgbClr val="000000"/>
               </a:solidFill>
@@ -1081,11 +1231,12 @@
           </a:prstGeom>
         </p:spPr>
         <p:txBody>
-          <a:bodyPr lIns="0" rIns="0" tIns="0" bIns="0">
+          <a:bodyPr lIns="0" tIns="0" rIns="0" bIns="0">
             <a:normAutofit/>
           </a:bodyPr>
-          <a:p>
-            <a:endParaRPr b="0" lang="es-ES" sz="2800" spc="-1" strike="noStrike">
+          <a:lstStyle/>
+          <a:p>
+            <a:endParaRPr lang="es-ES" sz="2800" b="0" strike="noStrike" spc="-1">
               <a:solidFill>
                 <a:srgbClr val="000000"/>
               </a:solidFill>
@@ -1114,11 +1265,12 @@
           </a:prstGeom>
         </p:spPr>
         <p:txBody>
-          <a:bodyPr lIns="0" rIns="0" tIns="0" bIns="0">
+          <a:bodyPr lIns="0" tIns="0" rIns="0" bIns="0">
             <a:normAutofit/>
           </a:bodyPr>
-          <a:p>
-            <a:endParaRPr b="0" lang="es-ES" sz="2800" spc="-1" strike="noStrike">
+          <a:lstStyle/>
+          <a:p>
+            <a:endParaRPr lang="es-ES" sz="2800" b="0" strike="noStrike" spc="-1">
               <a:solidFill>
                 <a:srgbClr val="000000"/>
               </a:solidFill>
@@ -1147,11 +1299,12 @@
           </a:prstGeom>
         </p:spPr>
         <p:txBody>
-          <a:bodyPr lIns="0" rIns="0" tIns="0" bIns="0">
+          <a:bodyPr lIns="0" tIns="0" rIns="0" bIns="0">
             <a:normAutofit/>
           </a:bodyPr>
-          <a:p>
-            <a:endParaRPr b="0" lang="es-ES" sz="2800" spc="-1" strike="noStrike">
+          <a:lstStyle/>
+          <a:p>
+            <a:endParaRPr lang="es-ES" sz="2800" b="0" strike="noStrike" spc="-1">
               <a:solidFill>
                 <a:srgbClr val="000000"/>
               </a:solidFill>
@@ -1162,11 +1315,14 @@
       </p:sp>
     </p:spTree>
   </p:cSld>
+  <p:clrMapOvr>
+    <a:masterClrMapping/>
+  </p:clrMapOvr>
 </p:sldLayout>
 </file>
 
 <file path=ppt/slideLayouts/slideLayout2.xml><?xml version="1.0" encoding="utf-8"?>
-<p:sldLayout xmlns:a="http://schemas.openxmlformats.org/drawingml/2006/main" xmlns:p="http://schemas.openxmlformats.org/presentationml/2006/main" xmlns:r="http://schemas.openxmlformats.org/officeDocument/2006/relationships" xmlns:p14="http://schemas.microsoft.com/office/powerpoint/2010/main" xmlns:p15="http://schemas.microsoft.com/office/powerpoint/2012/main" xmlns:mc="http://schemas.openxmlformats.org/markup-compatibility/2006" type="tx" preserve="1">
+<p:sldLayout xmlns:a="http://schemas.openxmlformats.org/drawingml/2006/main" xmlns:r="http://schemas.openxmlformats.org/officeDocument/2006/relationships" xmlns:p="http://schemas.openxmlformats.org/presentationml/2006/main" type="tx" preserve="1">
   <p:cSld name="Title Slide">
     <p:spTree>
       <p:nvGrpSpPr>
@@ -1202,9 +1358,10 @@
           </a:prstGeom>
         </p:spPr>
         <p:txBody>
-          <a:bodyPr lIns="0" rIns="0" tIns="0" bIns="0" anchor="ctr"/>
-          <a:p>
-            <a:endParaRPr b="0" lang="es-ES" sz="1800" spc="-1" strike="noStrike">
+          <a:bodyPr lIns="0" tIns="0" rIns="0" bIns="0" anchor="ctr"/>
+          <a:lstStyle/>
+          <a:p>
+            <a:endParaRPr lang="es-ES" sz="1800" b="0" strike="noStrike" spc="-1">
               <a:solidFill>
                 <a:srgbClr val="000000"/>
               </a:solidFill>
@@ -1233,10 +1390,11 @@
           </a:prstGeom>
         </p:spPr>
         <p:txBody>
-          <a:bodyPr lIns="0" rIns="0" tIns="0" bIns="0" anchor="ctr"/>
+          <a:bodyPr lIns="0" tIns="0" rIns="0" bIns="0" anchor="ctr"/>
+          <a:lstStyle/>
           <a:p>
             <a:pPr algn="ctr"/>
-            <a:endParaRPr b="0" lang="es-ES" sz="3200" spc="-1" strike="noStrike">
+            <a:endParaRPr lang="es-ES" sz="3200" b="0" strike="noStrike" spc="-1">
               <a:latin typeface="Arial"/>
             </a:endParaRPr>
           </a:p>
@@ -1244,11 +1402,14 @@
       </p:sp>
     </p:spTree>
   </p:cSld>
+  <p:clrMapOvr>
+    <a:masterClrMapping/>
+  </p:clrMapOvr>
 </p:sldLayout>
 </file>
 
 <file path=ppt/slideLayouts/slideLayout20.xml><?xml version="1.0" encoding="utf-8"?>
-<p:sldLayout xmlns:a="http://schemas.openxmlformats.org/drawingml/2006/main" xmlns:p="http://schemas.openxmlformats.org/presentationml/2006/main" xmlns:r="http://schemas.openxmlformats.org/officeDocument/2006/relationships" xmlns:p14="http://schemas.microsoft.com/office/powerpoint/2010/main" xmlns:p15="http://schemas.microsoft.com/office/powerpoint/2012/main" xmlns:mc="http://schemas.openxmlformats.org/markup-compatibility/2006" type="objAndTwoObj" preserve="1">
+<p:sldLayout xmlns:a="http://schemas.openxmlformats.org/drawingml/2006/main" xmlns:r="http://schemas.openxmlformats.org/officeDocument/2006/relationships" xmlns:p="http://schemas.openxmlformats.org/presentationml/2006/main" type="objAndTwoObj" preserve="1">
   <p:cSld name="Title Content and 2 Content">
     <p:spTree>
       <p:nvGrpSpPr>
@@ -1284,9 +1445,10 @@
           </a:prstGeom>
         </p:spPr>
         <p:txBody>
-          <a:bodyPr lIns="0" rIns="0" tIns="0" bIns="0" anchor="ctr"/>
-          <a:p>
-            <a:endParaRPr b="0" lang="es-ES" sz="1800" spc="-1" strike="noStrike">
+          <a:bodyPr lIns="0" tIns="0" rIns="0" bIns="0" anchor="ctr"/>
+          <a:lstStyle/>
+          <a:p>
+            <a:endParaRPr lang="es-ES" sz="1800" b="0" strike="noStrike" spc="-1">
               <a:solidFill>
                 <a:srgbClr val="000000"/>
               </a:solidFill>
@@ -1315,11 +1477,12 @@
           </a:prstGeom>
         </p:spPr>
         <p:txBody>
-          <a:bodyPr lIns="0" rIns="0" tIns="0" bIns="0">
+          <a:bodyPr lIns="0" tIns="0" rIns="0" bIns="0">
             <a:normAutofit/>
           </a:bodyPr>
-          <a:p>
-            <a:endParaRPr b="0" lang="es-ES" sz="2800" spc="-1" strike="noStrike">
+          <a:lstStyle/>
+          <a:p>
+            <a:endParaRPr lang="es-ES" sz="2800" b="0" strike="noStrike" spc="-1">
               <a:solidFill>
                 <a:srgbClr val="000000"/>
               </a:solidFill>
@@ -1348,11 +1511,12 @@
           </a:prstGeom>
         </p:spPr>
         <p:txBody>
-          <a:bodyPr lIns="0" rIns="0" tIns="0" bIns="0">
+          <a:bodyPr lIns="0" tIns="0" rIns="0" bIns="0">
             <a:normAutofit/>
           </a:bodyPr>
-          <a:p>
-            <a:endParaRPr b="0" lang="es-ES" sz="2800" spc="-1" strike="noStrike">
+          <a:lstStyle/>
+          <a:p>
+            <a:endParaRPr lang="es-ES" sz="2800" b="0" strike="noStrike" spc="-1">
               <a:solidFill>
                 <a:srgbClr val="000000"/>
               </a:solidFill>
@@ -1381,11 +1545,12 @@
           </a:prstGeom>
         </p:spPr>
         <p:txBody>
-          <a:bodyPr lIns="0" rIns="0" tIns="0" bIns="0">
+          <a:bodyPr lIns="0" tIns="0" rIns="0" bIns="0">
             <a:normAutofit/>
           </a:bodyPr>
-          <a:p>
-            <a:endParaRPr b="0" lang="es-ES" sz="2800" spc="-1" strike="noStrike">
+          <a:lstStyle/>
+          <a:p>
+            <a:endParaRPr lang="es-ES" sz="2800" b="0" strike="noStrike" spc="-1">
               <a:solidFill>
                 <a:srgbClr val="000000"/>
               </a:solidFill>
@@ -1396,11 +1561,14 @@
       </p:sp>
     </p:spTree>
   </p:cSld>
+  <p:clrMapOvr>
+    <a:masterClrMapping/>
+  </p:clrMapOvr>
 </p:sldLayout>
 </file>
 
 <file path=ppt/slideLayouts/slideLayout21.xml><?xml version="1.0" encoding="utf-8"?>
-<p:sldLayout xmlns:a="http://schemas.openxmlformats.org/drawingml/2006/main" xmlns:p="http://schemas.openxmlformats.org/presentationml/2006/main" xmlns:r="http://schemas.openxmlformats.org/officeDocument/2006/relationships" xmlns:p14="http://schemas.microsoft.com/office/powerpoint/2010/main" xmlns:p15="http://schemas.microsoft.com/office/powerpoint/2012/main" xmlns:mc="http://schemas.openxmlformats.org/markup-compatibility/2006" type="twoObjOverTx" preserve="1">
+<p:sldLayout xmlns:a="http://schemas.openxmlformats.org/drawingml/2006/main" xmlns:r="http://schemas.openxmlformats.org/officeDocument/2006/relationships" xmlns:p="http://schemas.openxmlformats.org/presentationml/2006/main" type="twoObjOverTx" preserve="1">
   <p:cSld name="Title, 2 Content over Content">
     <p:spTree>
       <p:nvGrpSpPr>
@@ -1436,9 +1604,10 @@
           </a:prstGeom>
         </p:spPr>
         <p:txBody>
-          <a:bodyPr lIns="0" rIns="0" tIns="0" bIns="0" anchor="ctr"/>
-          <a:p>
-            <a:endParaRPr b="0" lang="es-ES" sz="1800" spc="-1" strike="noStrike">
+          <a:bodyPr lIns="0" tIns="0" rIns="0" bIns="0" anchor="ctr"/>
+          <a:lstStyle/>
+          <a:p>
+            <a:endParaRPr lang="es-ES" sz="1800" b="0" strike="noStrike" spc="-1">
               <a:solidFill>
                 <a:srgbClr val="000000"/>
               </a:solidFill>
@@ -1467,11 +1636,12 @@
           </a:prstGeom>
         </p:spPr>
         <p:txBody>
-          <a:bodyPr lIns="0" rIns="0" tIns="0" bIns="0">
+          <a:bodyPr lIns="0" tIns="0" rIns="0" bIns="0">
             <a:normAutofit/>
           </a:bodyPr>
-          <a:p>
-            <a:endParaRPr b="0" lang="es-ES" sz="2800" spc="-1" strike="noStrike">
+          <a:lstStyle/>
+          <a:p>
+            <a:endParaRPr lang="es-ES" sz="2800" b="0" strike="noStrike" spc="-1">
               <a:solidFill>
                 <a:srgbClr val="000000"/>
               </a:solidFill>
@@ -1500,11 +1670,12 @@
           </a:prstGeom>
         </p:spPr>
         <p:txBody>
-          <a:bodyPr lIns="0" rIns="0" tIns="0" bIns="0">
+          <a:bodyPr lIns="0" tIns="0" rIns="0" bIns="0">
             <a:normAutofit/>
           </a:bodyPr>
-          <a:p>
-            <a:endParaRPr b="0" lang="es-ES" sz="2800" spc="-1" strike="noStrike">
+          <a:lstStyle/>
+          <a:p>
+            <a:endParaRPr lang="es-ES" sz="2800" b="0" strike="noStrike" spc="-1">
               <a:solidFill>
                 <a:srgbClr val="000000"/>
               </a:solidFill>
@@ -1533,11 +1704,12 @@
           </a:prstGeom>
         </p:spPr>
         <p:txBody>
-          <a:bodyPr lIns="0" rIns="0" tIns="0" bIns="0">
+          <a:bodyPr lIns="0" tIns="0" rIns="0" bIns="0">
             <a:normAutofit/>
           </a:bodyPr>
-          <a:p>
-            <a:endParaRPr b="0" lang="es-ES" sz="2800" spc="-1" strike="noStrike">
+          <a:lstStyle/>
+          <a:p>
+            <a:endParaRPr lang="es-ES" sz="2800" b="0" strike="noStrike" spc="-1">
               <a:solidFill>
                 <a:srgbClr val="000000"/>
               </a:solidFill>
@@ -1548,11 +1720,14 @@
       </p:sp>
     </p:spTree>
   </p:cSld>
+  <p:clrMapOvr>
+    <a:masterClrMapping/>
+  </p:clrMapOvr>
 </p:sldLayout>
 </file>
 
 <file path=ppt/slideLayouts/slideLayout22.xml><?xml version="1.0" encoding="utf-8"?>
-<p:sldLayout xmlns:a="http://schemas.openxmlformats.org/drawingml/2006/main" xmlns:p="http://schemas.openxmlformats.org/presentationml/2006/main" xmlns:r="http://schemas.openxmlformats.org/officeDocument/2006/relationships" xmlns:p14="http://schemas.microsoft.com/office/powerpoint/2010/main" xmlns:p15="http://schemas.microsoft.com/office/powerpoint/2012/main" xmlns:mc="http://schemas.openxmlformats.org/markup-compatibility/2006" type="objOverTx" preserve="1">
+<p:sldLayout xmlns:a="http://schemas.openxmlformats.org/drawingml/2006/main" xmlns:r="http://schemas.openxmlformats.org/officeDocument/2006/relationships" xmlns:p="http://schemas.openxmlformats.org/presentationml/2006/main" type="objOverTx" preserve="1">
   <p:cSld name="Title, Content over Content">
     <p:spTree>
       <p:nvGrpSpPr>
@@ -1588,9 +1763,10 @@
           </a:prstGeom>
         </p:spPr>
         <p:txBody>
-          <a:bodyPr lIns="0" rIns="0" tIns="0" bIns="0" anchor="ctr"/>
-          <a:p>
-            <a:endParaRPr b="0" lang="es-ES" sz="1800" spc="-1" strike="noStrike">
+          <a:bodyPr lIns="0" tIns="0" rIns="0" bIns="0" anchor="ctr"/>
+          <a:lstStyle/>
+          <a:p>
+            <a:endParaRPr lang="es-ES" sz="1800" b="0" strike="noStrike" spc="-1">
               <a:solidFill>
                 <a:srgbClr val="000000"/>
               </a:solidFill>
@@ -1619,11 +1795,12 @@
           </a:prstGeom>
         </p:spPr>
         <p:txBody>
-          <a:bodyPr lIns="0" rIns="0" tIns="0" bIns="0">
+          <a:bodyPr lIns="0" tIns="0" rIns="0" bIns="0">
             <a:normAutofit/>
           </a:bodyPr>
-          <a:p>
-            <a:endParaRPr b="0" lang="es-ES" sz="2800" spc="-1" strike="noStrike">
+          <a:lstStyle/>
+          <a:p>
+            <a:endParaRPr lang="es-ES" sz="2800" b="0" strike="noStrike" spc="-1">
               <a:solidFill>
                 <a:srgbClr val="000000"/>
               </a:solidFill>
@@ -1652,11 +1829,12 @@
           </a:prstGeom>
         </p:spPr>
         <p:txBody>
-          <a:bodyPr lIns="0" rIns="0" tIns="0" bIns="0">
+          <a:bodyPr lIns="0" tIns="0" rIns="0" bIns="0">
             <a:normAutofit/>
           </a:bodyPr>
-          <a:p>
-            <a:endParaRPr b="0" lang="es-ES" sz="2800" spc="-1" strike="noStrike">
+          <a:lstStyle/>
+          <a:p>
+            <a:endParaRPr lang="es-ES" sz="2800" b="0" strike="noStrike" spc="-1">
               <a:solidFill>
                 <a:srgbClr val="000000"/>
               </a:solidFill>
@@ -1667,11 +1845,14 @@
       </p:sp>
     </p:spTree>
   </p:cSld>
+  <p:clrMapOvr>
+    <a:masterClrMapping/>
+  </p:clrMapOvr>
 </p:sldLayout>
 </file>
 
 <file path=ppt/slideLayouts/slideLayout23.xml><?xml version="1.0" encoding="utf-8"?>
-<p:sldLayout xmlns:a="http://schemas.openxmlformats.org/drawingml/2006/main" xmlns:p="http://schemas.openxmlformats.org/presentationml/2006/main" xmlns:r="http://schemas.openxmlformats.org/officeDocument/2006/relationships" xmlns:p14="http://schemas.microsoft.com/office/powerpoint/2010/main" xmlns:p15="http://schemas.microsoft.com/office/powerpoint/2012/main" xmlns:mc="http://schemas.openxmlformats.org/markup-compatibility/2006" type="fourObj" preserve="1">
+<p:sldLayout xmlns:a="http://schemas.openxmlformats.org/drawingml/2006/main" xmlns:r="http://schemas.openxmlformats.org/officeDocument/2006/relationships" xmlns:p="http://schemas.openxmlformats.org/presentationml/2006/main" type="fourObj" preserve="1">
   <p:cSld name="Title, 4 Content">
     <p:spTree>
       <p:nvGrpSpPr>
@@ -1707,9 +1888,10 @@
           </a:prstGeom>
         </p:spPr>
         <p:txBody>
-          <a:bodyPr lIns="0" rIns="0" tIns="0" bIns="0" anchor="ctr"/>
-          <a:p>
-            <a:endParaRPr b="0" lang="es-ES" sz="1800" spc="-1" strike="noStrike">
+          <a:bodyPr lIns="0" tIns="0" rIns="0" bIns="0" anchor="ctr"/>
+          <a:lstStyle/>
+          <a:p>
+            <a:endParaRPr lang="es-ES" sz="1800" b="0" strike="noStrike" spc="-1">
               <a:solidFill>
                 <a:srgbClr val="000000"/>
               </a:solidFill>
@@ -1738,11 +1920,12 @@
           </a:prstGeom>
         </p:spPr>
         <p:txBody>
-          <a:bodyPr lIns="0" rIns="0" tIns="0" bIns="0">
+          <a:bodyPr lIns="0" tIns="0" rIns="0" bIns="0">
             <a:normAutofit/>
           </a:bodyPr>
-          <a:p>
-            <a:endParaRPr b="0" lang="es-ES" sz="2800" spc="-1" strike="noStrike">
+          <a:lstStyle/>
+          <a:p>
+            <a:endParaRPr lang="es-ES" sz="2800" b="0" strike="noStrike" spc="-1">
               <a:solidFill>
                 <a:srgbClr val="000000"/>
               </a:solidFill>
@@ -1771,11 +1954,12 @@
           </a:prstGeom>
         </p:spPr>
         <p:txBody>
-          <a:bodyPr lIns="0" rIns="0" tIns="0" bIns="0">
+          <a:bodyPr lIns="0" tIns="0" rIns="0" bIns="0">
             <a:normAutofit/>
           </a:bodyPr>
-          <a:p>
-            <a:endParaRPr b="0" lang="es-ES" sz="2800" spc="-1" strike="noStrike">
+          <a:lstStyle/>
+          <a:p>
+            <a:endParaRPr lang="es-ES" sz="2800" b="0" strike="noStrike" spc="-1">
               <a:solidFill>
                 <a:srgbClr val="000000"/>
               </a:solidFill>
@@ -1804,11 +1988,12 @@
           </a:prstGeom>
         </p:spPr>
         <p:txBody>
-          <a:bodyPr lIns="0" rIns="0" tIns="0" bIns="0">
+          <a:bodyPr lIns="0" tIns="0" rIns="0" bIns="0">
             <a:normAutofit/>
           </a:bodyPr>
-          <a:p>
-            <a:endParaRPr b="0" lang="es-ES" sz="2800" spc="-1" strike="noStrike">
+          <a:lstStyle/>
+          <a:p>
+            <a:endParaRPr lang="es-ES" sz="2800" b="0" strike="noStrike" spc="-1">
               <a:solidFill>
                 <a:srgbClr val="000000"/>
               </a:solidFill>
@@ -1837,11 +2022,12 @@
           </a:prstGeom>
         </p:spPr>
         <p:txBody>
-          <a:bodyPr lIns="0" rIns="0" tIns="0" bIns="0">
+          <a:bodyPr lIns="0" tIns="0" rIns="0" bIns="0">
             <a:normAutofit/>
           </a:bodyPr>
-          <a:p>
-            <a:endParaRPr b="0" lang="es-ES" sz="2800" spc="-1" strike="noStrike">
+          <a:lstStyle/>
+          <a:p>
+            <a:endParaRPr lang="es-ES" sz="2800" b="0" strike="noStrike" spc="-1">
               <a:solidFill>
                 <a:srgbClr val="000000"/>
               </a:solidFill>
@@ -1852,11 +2038,14 @@
       </p:sp>
     </p:spTree>
   </p:cSld>
+  <p:clrMapOvr>
+    <a:masterClrMapping/>
+  </p:clrMapOvr>
 </p:sldLayout>
 </file>
 
 <file path=ppt/slideLayouts/slideLayout24.xml><?xml version="1.0" encoding="utf-8"?>
-<p:sldLayout xmlns:a="http://schemas.openxmlformats.org/drawingml/2006/main" xmlns:p="http://schemas.openxmlformats.org/presentationml/2006/main" xmlns:r="http://schemas.openxmlformats.org/officeDocument/2006/relationships" xmlns:p14="http://schemas.microsoft.com/office/powerpoint/2010/main" xmlns:p15="http://schemas.microsoft.com/office/powerpoint/2012/main" xmlns:mc="http://schemas.openxmlformats.org/markup-compatibility/2006" type="blank" preserve="1">
+<p:sldLayout xmlns:a="http://schemas.openxmlformats.org/drawingml/2006/main" xmlns:r="http://schemas.openxmlformats.org/officeDocument/2006/relationships" xmlns:p="http://schemas.openxmlformats.org/presentationml/2006/main" type="blank" preserve="1">
   <p:cSld name="Title, 6 Content">
     <p:spTree>
       <p:nvGrpSpPr>
@@ -1892,9 +2081,10 @@
           </a:prstGeom>
         </p:spPr>
         <p:txBody>
-          <a:bodyPr lIns="0" rIns="0" tIns="0" bIns="0" anchor="ctr"/>
-          <a:p>
-            <a:endParaRPr b="0" lang="es-ES" sz="1800" spc="-1" strike="noStrike">
+          <a:bodyPr lIns="0" tIns="0" rIns="0" bIns="0" anchor="ctr"/>
+          <a:lstStyle/>
+          <a:p>
+            <a:endParaRPr lang="es-ES" sz="1800" b="0" strike="noStrike" spc="-1">
               <a:solidFill>
                 <a:srgbClr val="000000"/>
               </a:solidFill>
@@ -1923,11 +2113,12 @@
           </a:prstGeom>
         </p:spPr>
         <p:txBody>
-          <a:bodyPr lIns="0" rIns="0" tIns="0" bIns="0">
+          <a:bodyPr lIns="0" tIns="0" rIns="0" bIns="0">
             <a:normAutofit/>
           </a:bodyPr>
-          <a:p>
-            <a:endParaRPr b="0" lang="es-ES" sz="2800" spc="-1" strike="noStrike">
+          <a:lstStyle/>
+          <a:p>
+            <a:endParaRPr lang="es-ES" sz="2800" b="0" strike="noStrike" spc="-1">
               <a:solidFill>
                 <a:srgbClr val="000000"/>
               </a:solidFill>
@@ -1956,11 +2147,12 @@
           </a:prstGeom>
         </p:spPr>
         <p:txBody>
-          <a:bodyPr lIns="0" rIns="0" tIns="0" bIns="0">
+          <a:bodyPr lIns="0" tIns="0" rIns="0" bIns="0">
             <a:normAutofit/>
           </a:bodyPr>
-          <a:p>
-            <a:endParaRPr b="0" lang="es-ES" sz="2800" spc="-1" strike="noStrike">
+          <a:lstStyle/>
+          <a:p>
+            <a:endParaRPr lang="es-ES" sz="2800" b="0" strike="noStrike" spc="-1">
               <a:solidFill>
                 <a:srgbClr val="000000"/>
               </a:solidFill>
@@ -1989,11 +2181,12 @@
           </a:prstGeom>
         </p:spPr>
         <p:txBody>
-          <a:bodyPr lIns="0" rIns="0" tIns="0" bIns="0">
+          <a:bodyPr lIns="0" tIns="0" rIns="0" bIns="0">
             <a:normAutofit/>
           </a:bodyPr>
-          <a:p>
-            <a:endParaRPr b="0" lang="es-ES" sz="2800" spc="-1" strike="noStrike">
+          <a:lstStyle/>
+          <a:p>
+            <a:endParaRPr lang="es-ES" sz="2800" b="0" strike="noStrike" spc="-1">
               <a:solidFill>
                 <a:srgbClr val="000000"/>
               </a:solidFill>
@@ -2022,11 +2215,12 @@
           </a:prstGeom>
         </p:spPr>
         <p:txBody>
-          <a:bodyPr lIns="0" rIns="0" tIns="0" bIns="0">
+          <a:bodyPr lIns="0" tIns="0" rIns="0" bIns="0">
             <a:normAutofit/>
           </a:bodyPr>
-          <a:p>
-            <a:endParaRPr b="0" lang="es-ES" sz="2800" spc="-1" strike="noStrike">
+          <a:lstStyle/>
+          <a:p>
+            <a:endParaRPr lang="es-ES" sz="2800" b="0" strike="noStrike" spc="-1">
               <a:solidFill>
                 <a:srgbClr val="000000"/>
               </a:solidFill>
@@ -2055,11 +2249,12 @@
           </a:prstGeom>
         </p:spPr>
         <p:txBody>
-          <a:bodyPr lIns="0" rIns="0" tIns="0" bIns="0">
+          <a:bodyPr lIns="0" tIns="0" rIns="0" bIns="0">
             <a:normAutofit/>
           </a:bodyPr>
-          <a:p>
-            <a:endParaRPr b="0" lang="es-ES" sz="2800" spc="-1" strike="noStrike">
+          <a:lstStyle/>
+          <a:p>
+            <a:endParaRPr lang="es-ES" sz="2800" b="0" strike="noStrike" spc="-1">
               <a:solidFill>
                 <a:srgbClr val="000000"/>
               </a:solidFill>
@@ -2088,11 +2283,12 @@
           </a:prstGeom>
         </p:spPr>
         <p:txBody>
-          <a:bodyPr lIns="0" rIns="0" tIns="0" bIns="0">
+          <a:bodyPr lIns="0" tIns="0" rIns="0" bIns="0">
             <a:normAutofit/>
           </a:bodyPr>
-          <a:p>
-            <a:endParaRPr b="0" lang="es-ES" sz="2800" spc="-1" strike="noStrike">
+          <a:lstStyle/>
+          <a:p>
+            <a:endParaRPr lang="es-ES" sz="2800" b="0" strike="noStrike" spc="-1">
               <a:solidFill>
                 <a:srgbClr val="000000"/>
               </a:solidFill>
@@ -2103,11 +2299,14 @@
       </p:sp>
     </p:spTree>
   </p:cSld>
+  <p:clrMapOvr>
+    <a:masterClrMapping/>
+  </p:clrMapOvr>
 </p:sldLayout>
 </file>
 
 <file path=ppt/slideLayouts/slideLayout3.xml><?xml version="1.0" encoding="utf-8"?>
-<p:sldLayout xmlns:a="http://schemas.openxmlformats.org/drawingml/2006/main" xmlns:p="http://schemas.openxmlformats.org/presentationml/2006/main" xmlns:r="http://schemas.openxmlformats.org/officeDocument/2006/relationships" xmlns:p14="http://schemas.microsoft.com/office/powerpoint/2010/main" xmlns:p15="http://schemas.microsoft.com/office/powerpoint/2012/main" xmlns:mc="http://schemas.openxmlformats.org/markup-compatibility/2006" type="obj" preserve="1">
+<p:sldLayout xmlns:a="http://schemas.openxmlformats.org/drawingml/2006/main" xmlns:r="http://schemas.openxmlformats.org/officeDocument/2006/relationships" xmlns:p="http://schemas.openxmlformats.org/presentationml/2006/main" type="obj" preserve="1">
   <p:cSld name="Title, Content">
     <p:spTree>
       <p:nvGrpSpPr>
@@ -2143,9 +2342,10 @@
           </a:prstGeom>
         </p:spPr>
         <p:txBody>
-          <a:bodyPr lIns="0" rIns="0" tIns="0" bIns="0" anchor="ctr"/>
-          <a:p>
-            <a:endParaRPr b="0" lang="es-ES" sz="1800" spc="-1" strike="noStrike">
+          <a:bodyPr lIns="0" tIns="0" rIns="0" bIns="0" anchor="ctr"/>
+          <a:lstStyle/>
+          <a:p>
+            <a:endParaRPr lang="es-ES" sz="1800" b="0" strike="noStrike" spc="-1">
               <a:solidFill>
                 <a:srgbClr val="000000"/>
               </a:solidFill>
@@ -2174,11 +2374,12 @@
           </a:prstGeom>
         </p:spPr>
         <p:txBody>
-          <a:bodyPr lIns="0" rIns="0" tIns="0" bIns="0">
+          <a:bodyPr lIns="0" tIns="0" rIns="0" bIns="0">
             <a:normAutofit/>
           </a:bodyPr>
-          <a:p>
-            <a:endParaRPr b="0" lang="es-ES" sz="2800" spc="-1" strike="noStrike">
+          <a:lstStyle/>
+          <a:p>
+            <a:endParaRPr lang="es-ES" sz="2800" b="0" strike="noStrike" spc="-1">
               <a:solidFill>
                 <a:srgbClr val="000000"/>
               </a:solidFill>
@@ -2189,11 +2390,14 @@
       </p:sp>
     </p:spTree>
   </p:cSld>
+  <p:clrMapOvr>
+    <a:masterClrMapping/>
+  </p:clrMapOvr>
 </p:sldLayout>
 </file>
 
 <file path=ppt/slideLayouts/slideLayout4.xml><?xml version="1.0" encoding="utf-8"?>
-<p:sldLayout xmlns:a="http://schemas.openxmlformats.org/drawingml/2006/main" xmlns:p="http://schemas.openxmlformats.org/presentationml/2006/main" xmlns:r="http://schemas.openxmlformats.org/officeDocument/2006/relationships" xmlns:p14="http://schemas.microsoft.com/office/powerpoint/2010/main" xmlns:p15="http://schemas.microsoft.com/office/powerpoint/2012/main" xmlns:mc="http://schemas.openxmlformats.org/markup-compatibility/2006" type="twoObj" preserve="1">
+<p:sldLayout xmlns:a="http://schemas.openxmlformats.org/drawingml/2006/main" xmlns:r="http://schemas.openxmlformats.org/officeDocument/2006/relationships" xmlns:p="http://schemas.openxmlformats.org/presentationml/2006/main" type="twoObj" preserve="1">
   <p:cSld name="Title, 2 Content">
     <p:spTree>
       <p:nvGrpSpPr>
@@ -2229,9 +2433,10 @@
           </a:prstGeom>
         </p:spPr>
         <p:txBody>
-          <a:bodyPr lIns="0" rIns="0" tIns="0" bIns="0" anchor="ctr"/>
-          <a:p>
-            <a:endParaRPr b="0" lang="es-ES" sz="1800" spc="-1" strike="noStrike">
+          <a:bodyPr lIns="0" tIns="0" rIns="0" bIns="0" anchor="ctr"/>
+          <a:lstStyle/>
+          <a:p>
+            <a:endParaRPr lang="es-ES" sz="1800" b="0" strike="noStrike" spc="-1">
               <a:solidFill>
                 <a:srgbClr val="000000"/>
               </a:solidFill>
@@ -2260,11 +2465,12 @@
           </a:prstGeom>
         </p:spPr>
         <p:txBody>
-          <a:bodyPr lIns="0" rIns="0" tIns="0" bIns="0">
+          <a:bodyPr lIns="0" tIns="0" rIns="0" bIns="0">
             <a:normAutofit/>
           </a:bodyPr>
-          <a:p>
-            <a:endParaRPr b="0" lang="es-ES" sz="2800" spc="-1" strike="noStrike">
+          <a:lstStyle/>
+          <a:p>
+            <a:endParaRPr lang="es-ES" sz="2800" b="0" strike="noStrike" spc="-1">
               <a:solidFill>
                 <a:srgbClr val="000000"/>
               </a:solidFill>
@@ -2293,11 +2499,12 @@
           </a:prstGeom>
         </p:spPr>
         <p:txBody>
-          <a:bodyPr lIns="0" rIns="0" tIns="0" bIns="0">
+          <a:bodyPr lIns="0" tIns="0" rIns="0" bIns="0">
             <a:normAutofit/>
           </a:bodyPr>
-          <a:p>
-            <a:endParaRPr b="0" lang="es-ES" sz="2800" spc="-1" strike="noStrike">
+          <a:lstStyle/>
+          <a:p>
+            <a:endParaRPr lang="es-ES" sz="2800" b="0" strike="noStrike" spc="-1">
               <a:solidFill>
                 <a:srgbClr val="000000"/>
               </a:solidFill>
@@ -2308,11 +2515,14 @@
       </p:sp>
     </p:spTree>
   </p:cSld>
+  <p:clrMapOvr>
+    <a:masterClrMapping/>
+  </p:clrMapOvr>
 </p:sldLayout>
 </file>
 
 <file path=ppt/slideLayouts/slideLayout5.xml><?xml version="1.0" encoding="utf-8"?>
-<p:sldLayout xmlns:a="http://schemas.openxmlformats.org/drawingml/2006/main" xmlns:p="http://schemas.openxmlformats.org/presentationml/2006/main" xmlns:r="http://schemas.openxmlformats.org/officeDocument/2006/relationships" xmlns:p14="http://schemas.microsoft.com/office/powerpoint/2010/main" xmlns:p15="http://schemas.microsoft.com/office/powerpoint/2012/main" xmlns:mc="http://schemas.openxmlformats.org/markup-compatibility/2006" type="titleOnly" preserve="1">
+<p:sldLayout xmlns:a="http://schemas.openxmlformats.org/drawingml/2006/main" xmlns:r="http://schemas.openxmlformats.org/officeDocument/2006/relationships" xmlns:p="http://schemas.openxmlformats.org/presentationml/2006/main" type="titleOnly" preserve="1">
   <p:cSld name="Title Only">
     <p:spTree>
       <p:nvGrpSpPr>
@@ -2348,9 +2558,10 @@
           </a:prstGeom>
         </p:spPr>
         <p:txBody>
-          <a:bodyPr lIns="0" rIns="0" tIns="0" bIns="0" anchor="ctr"/>
-          <a:p>
-            <a:endParaRPr b="0" lang="es-ES" sz="1800" spc="-1" strike="noStrike">
+          <a:bodyPr lIns="0" tIns="0" rIns="0" bIns="0" anchor="ctr"/>
+          <a:lstStyle/>
+          <a:p>
+            <a:endParaRPr lang="es-ES" sz="1800" b="0" strike="noStrike" spc="-1">
               <a:solidFill>
                 <a:srgbClr val="000000"/>
               </a:solidFill>
@@ -2361,11 +2572,14 @@
       </p:sp>
     </p:spTree>
   </p:cSld>
+  <p:clrMapOvr>
+    <a:masterClrMapping/>
+  </p:clrMapOvr>
 </p:sldLayout>
 </file>
 
 <file path=ppt/slideLayouts/slideLayout6.xml><?xml version="1.0" encoding="utf-8"?>
-<p:sldLayout xmlns:a="http://schemas.openxmlformats.org/drawingml/2006/main" xmlns:p="http://schemas.openxmlformats.org/presentationml/2006/main" xmlns:r="http://schemas.openxmlformats.org/officeDocument/2006/relationships" xmlns:p14="http://schemas.microsoft.com/office/powerpoint/2010/main" xmlns:p15="http://schemas.microsoft.com/office/powerpoint/2012/main" xmlns:mc="http://schemas.openxmlformats.org/markup-compatibility/2006" type="objOnly" preserve="1">
+<p:sldLayout xmlns:a="http://schemas.openxmlformats.org/drawingml/2006/main" xmlns:r="http://schemas.openxmlformats.org/officeDocument/2006/relationships" xmlns:p="http://schemas.openxmlformats.org/presentationml/2006/main" type="objOnly" preserve="1">
   <p:cSld name="Centered Text">
     <p:spTree>
       <p:nvGrpSpPr>
@@ -2401,10 +2615,11 @@
           </a:prstGeom>
         </p:spPr>
         <p:txBody>
-          <a:bodyPr lIns="0" rIns="0" tIns="0" bIns="0" anchor="ctr"/>
+          <a:bodyPr lIns="0" tIns="0" rIns="0" bIns="0" anchor="ctr"/>
+          <a:lstStyle/>
           <a:p>
             <a:pPr algn="ctr"/>
-            <a:endParaRPr b="0" lang="es-ES" sz="3200" spc="-1" strike="noStrike">
+            <a:endParaRPr lang="es-ES" sz="3200" b="0" strike="noStrike" spc="-1">
               <a:latin typeface="Arial"/>
             </a:endParaRPr>
           </a:p>
@@ -2412,11 +2627,14 @@
       </p:sp>
     </p:spTree>
   </p:cSld>
+  <p:clrMapOvr>
+    <a:masterClrMapping/>
+  </p:clrMapOvr>
 </p:sldLayout>
 </file>
 
 <file path=ppt/slideLayouts/slideLayout7.xml><?xml version="1.0" encoding="utf-8"?>
-<p:sldLayout xmlns:a="http://schemas.openxmlformats.org/drawingml/2006/main" xmlns:p="http://schemas.openxmlformats.org/presentationml/2006/main" xmlns:r="http://schemas.openxmlformats.org/officeDocument/2006/relationships" xmlns:p14="http://schemas.microsoft.com/office/powerpoint/2010/main" xmlns:p15="http://schemas.microsoft.com/office/powerpoint/2012/main" xmlns:mc="http://schemas.openxmlformats.org/markup-compatibility/2006" type="twoObjAndObj" preserve="1">
+<p:sldLayout xmlns:a="http://schemas.openxmlformats.org/drawingml/2006/main" xmlns:r="http://schemas.openxmlformats.org/officeDocument/2006/relationships" xmlns:p="http://schemas.openxmlformats.org/presentationml/2006/main" type="twoObjAndObj" preserve="1">
   <p:cSld name="Title, 2 Content and Content">
     <p:spTree>
       <p:nvGrpSpPr>
@@ -2452,9 +2670,10 @@
           </a:prstGeom>
         </p:spPr>
         <p:txBody>
-          <a:bodyPr lIns="0" rIns="0" tIns="0" bIns="0" anchor="ctr"/>
-          <a:p>
-            <a:endParaRPr b="0" lang="es-ES" sz="1800" spc="-1" strike="noStrike">
+          <a:bodyPr lIns="0" tIns="0" rIns="0" bIns="0" anchor="ctr"/>
+          <a:lstStyle/>
+          <a:p>
+            <a:endParaRPr lang="es-ES" sz="1800" b="0" strike="noStrike" spc="-1">
               <a:solidFill>
                 <a:srgbClr val="000000"/>
               </a:solidFill>
@@ -2483,11 +2702,12 @@
           </a:prstGeom>
         </p:spPr>
         <p:txBody>
-          <a:bodyPr lIns="0" rIns="0" tIns="0" bIns="0">
+          <a:bodyPr lIns="0" tIns="0" rIns="0" bIns="0">
             <a:normAutofit/>
           </a:bodyPr>
-          <a:p>
-            <a:endParaRPr b="0" lang="es-ES" sz="2800" spc="-1" strike="noStrike">
+          <a:lstStyle/>
+          <a:p>
+            <a:endParaRPr lang="es-ES" sz="2800" b="0" strike="noStrike" spc="-1">
               <a:solidFill>
                 <a:srgbClr val="000000"/>
               </a:solidFill>
@@ -2516,11 +2736,12 @@
           </a:prstGeom>
         </p:spPr>
         <p:txBody>
-          <a:bodyPr lIns="0" rIns="0" tIns="0" bIns="0">
+          <a:bodyPr lIns="0" tIns="0" rIns="0" bIns="0">
             <a:normAutofit/>
           </a:bodyPr>
-          <a:p>
-            <a:endParaRPr b="0" lang="es-ES" sz="2800" spc="-1" strike="noStrike">
+          <a:lstStyle/>
+          <a:p>
+            <a:endParaRPr lang="es-ES" sz="2800" b="0" strike="noStrike" spc="-1">
               <a:solidFill>
                 <a:srgbClr val="000000"/>
               </a:solidFill>
@@ -2549,11 +2770,12 @@
           </a:prstGeom>
         </p:spPr>
         <p:txBody>
-          <a:bodyPr lIns="0" rIns="0" tIns="0" bIns="0">
+          <a:bodyPr lIns="0" tIns="0" rIns="0" bIns="0">
             <a:normAutofit/>
           </a:bodyPr>
-          <a:p>
-            <a:endParaRPr b="0" lang="es-ES" sz="2800" spc="-1" strike="noStrike">
+          <a:lstStyle/>
+          <a:p>
+            <a:endParaRPr lang="es-ES" sz="2800" b="0" strike="noStrike" spc="-1">
               <a:solidFill>
                 <a:srgbClr val="000000"/>
               </a:solidFill>
@@ -2564,11 +2786,14 @@
       </p:sp>
     </p:spTree>
   </p:cSld>
+  <p:clrMapOvr>
+    <a:masterClrMapping/>
+  </p:clrMapOvr>
 </p:sldLayout>
 </file>
 
 <file path=ppt/slideLayouts/slideLayout8.xml><?xml version="1.0" encoding="utf-8"?>
-<p:sldLayout xmlns:a="http://schemas.openxmlformats.org/drawingml/2006/main" xmlns:p="http://schemas.openxmlformats.org/presentationml/2006/main" xmlns:r="http://schemas.openxmlformats.org/officeDocument/2006/relationships" xmlns:p14="http://schemas.microsoft.com/office/powerpoint/2010/main" xmlns:p15="http://schemas.microsoft.com/office/powerpoint/2012/main" xmlns:mc="http://schemas.openxmlformats.org/markup-compatibility/2006" type="objAndTwoObj" preserve="1">
+<p:sldLayout xmlns:a="http://schemas.openxmlformats.org/drawingml/2006/main" xmlns:r="http://schemas.openxmlformats.org/officeDocument/2006/relationships" xmlns:p="http://schemas.openxmlformats.org/presentationml/2006/main" type="objAndTwoObj" preserve="1">
   <p:cSld name="Title Content and 2 Content">
     <p:spTree>
       <p:nvGrpSpPr>
@@ -2604,9 +2829,10 @@
           </a:prstGeom>
         </p:spPr>
         <p:txBody>
-          <a:bodyPr lIns="0" rIns="0" tIns="0" bIns="0" anchor="ctr"/>
-          <a:p>
-            <a:endParaRPr b="0" lang="es-ES" sz="1800" spc="-1" strike="noStrike">
+          <a:bodyPr lIns="0" tIns="0" rIns="0" bIns="0" anchor="ctr"/>
+          <a:lstStyle/>
+          <a:p>
+            <a:endParaRPr lang="es-ES" sz="1800" b="0" strike="noStrike" spc="-1">
               <a:solidFill>
                 <a:srgbClr val="000000"/>
               </a:solidFill>
@@ -2635,11 +2861,12 @@
           </a:prstGeom>
         </p:spPr>
         <p:txBody>
-          <a:bodyPr lIns="0" rIns="0" tIns="0" bIns="0">
+          <a:bodyPr lIns="0" tIns="0" rIns="0" bIns="0">
             <a:normAutofit/>
           </a:bodyPr>
-          <a:p>
-            <a:endParaRPr b="0" lang="es-ES" sz="2800" spc="-1" strike="noStrike">
+          <a:lstStyle/>
+          <a:p>
+            <a:endParaRPr lang="es-ES" sz="2800" b="0" strike="noStrike" spc="-1">
               <a:solidFill>
                 <a:srgbClr val="000000"/>
               </a:solidFill>
@@ -2668,11 +2895,12 @@
           </a:prstGeom>
         </p:spPr>
         <p:txBody>
-          <a:bodyPr lIns="0" rIns="0" tIns="0" bIns="0">
+          <a:bodyPr lIns="0" tIns="0" rIns="0" bIns="0">
             <a:normAutofit/>
           </a:bodyPr>
-          <a:p>
-            <a:endParaRPr b="0" lang="es-ES" sz="2800" spc="-1" strike="noStrike">
+          <a:lstStyle/>
+          <a:p>
+            <a:endParaRPr lang="es-ES" sz="2800" b="0" strike="noStrike" spc="-1">
               <a:solidFill>
                 <a:srgbClr val="000000"/>
               </a:solidFill>
@@ -2701,11 +2929,12 @@
           </a:prstGeom>
         </p:spPr>
         <p:txBody>
-          <a:bodyPr lIns="0" rIns="0" tIns="0" bIns="0">
+          <a:bodyPr lIns="0" tIns="0" rIns="0" bIns="0">
             <a:normAutofit/>
           </a:bodyPr>
-          <a:p>
-            <a:endParaRPr b="0" lang="es-ES" sz="2800" spc="-1" strike="noStrike">
+          <a:lstStyle/>
+          <a:p>
+            <a:endParaRPr lang="es-ES" sz="2800" b="0" strike="noStrike" spc="-1">
               <a:solidFill>
                 <a:srgbClr val="000000"/>
               </a:solidFill>
@@ -2716,11 +2945,14 @@
       </p:sp>
     </p:spTree>
   </p:cSld>
+  <p:clrMapOvr>
+    <a:masterClrMapping/>
+  </p:clrMapOvr>
 </p:sldLayout>
 </file>
 
 <file path=ppt/slideLayouts/slideLayout9.xml><?xml version="1.0" encoding="utf-8"?>
-<p:sldLayout xmlns:a="http://schemas.openxmlformats.org/drawingml/2006/main" xmlns:p="http://schemas.openxmlformats.org/presentationml/2006/main" xmlns:r="http://schemas.openxmlformats.org/officeDocument/2006/relationships" xmlns:p14="http://schemas.microsoft.com/office/powerpoint/2010/main" xmlns:p15="http://schemas.microsoft.com/office/powerpoint/2012/main" xmlns:mc="http://schemas.openxmlformats.org/markup-compatibility/2006" type="twoObjOverTx" preserve="1">
+<p:sldLayout xmlns:a="http://schemas.openxmlformats.org/drawingml/2006/main" xmlns:r="http://schemas.openxmlformats.org/officeDocument/2006/relationships" xmlns:p="http://schemas.openxmlformats.org/presentationml/2006/main" type="twoObjOverTx" preserve="1">
   <p:cSld name="Title, 2 Content over Content">
     <p:spTree>
       <p:nvGrpSpPr>
@@ -2756,9 +2988,10 @@
           </a:prstGeom>
         </p:spPr>
         <p:txBody>
-          <a:bodyPr lIns="0" rIns="0" tIns="0" bIns="0" anchor="ctr"/>
-          <a:p>
-            <a:endParaRPr b="0" lang="es-ES" sz="1800" spc="-1" strike="noStrike">
+          <a:bodyPr lIns="0" tIns="0" rIns="0" bIns="0" anchor="ctr"/>
+          <a:lstStyle/>
+          <a:p>
+            <a:endParaRPr lang="es-ES" sz="1800" b="0" strike="noStrike" spc="-1">
               <a:solidFill>
                 <a:srgbClr val="000000"/>
               </a:solidFill>
@@ -2787,11 +3020,12 @@
           </a:prstGeom>
         </p:spPr>
         <p:txBody>
-          <a:bodyPr lIns="0" rIns="0" tIns="0" bIns="0">
+          <a:bodyPr lIns="0" tIns="0" rIns="0" bIns="0">
             <a:normAutofit/>
           </a:bodyPr>
-          <a:p>
-            <a:endParaRPr b="0" lang="es-ES" sz="2800" spc="-1" strike="noStrike">
+          <a:lstStyle/>
+          <a:p>
+            <a:endParaRPr lang="es-ES" sz="2800" b="0" strike="noStrike" spc="-1">
               <a:solidFill>
                 <a:srgbClr val="000000"/>
               </a:solidFill>
@@ -2820,11 +3054,12 @@
           </a:prstGeom>
         </p:spPr>
         <p:txBody>
-          <a:bodyPr lIns="0" rIns="0" tIns="0" bIns="0">
+          <a:bodyPr lIns="0" tIns="0" rIns="0" bIns="0">
             <a:normAutofit/>
           </a:bodyPr>
-          <a:p>
-            <a:endParaRPr b="0" lang="es-ES" sz="2800" spc="-1" strike="noStrike">
+          <a:lstStyle/>
+          <a:p>
+            <a:endParaRPr lang="es-ES" sz="2800" b="0" strike="noStrike" spc="-1">
               <a:solidFill>
                 <a:srgbClr val="000000"/>
               </a:solidFill>
@@ -2853,11 +3088,12 @@
           </a:prstGeom>
         </p:spPr>
         <p:txBody>
-          <a:bodyPr lIns="0" rIns="0" tIns="0" bIns="0">
+          <a:bodyPr lIns="0" tIns="0" rIns="0" bIns="0">
             <a:normAutofit/>
           </a:bodyPr>
-          <a:p>
-            <a:endParaRPr b="0" lang="es-ES" sz="2800" spc="-1" strike="noStrike">
+          <a:lstStyle/>
+          <a:p>
+            <a:endParaRPr lang="es-ES" sz="2800" b="0" strike="noStrike" spc="-1">
               <a:solidFill>
                 <a:srgbClr val="000000"/>
               </a:solidFill>
@@ -2868,17 +3104,21 @@
       </p:sp>
     </p:spTree>
   </p:cSld>
+  <p:clrMapOvr>
+    <a:masterClrMapping/>
+  </p:clrMapOvr>
 </p:sldLayout>
 </file>
 
 <file path=ppt/slideMasters/slideMaster1.xml><?xml version="1.0" encoding="utf-8"?>
-<p:sldMaster xmlns:a="http://schemas.openxmlformats.org/drawingml/2006/main" xmlns:p="http://schemas.openxmlformats.org/presentationml/2006/main" xmlns:r="http://schemas.openxmlformats.org/officeDocument/2006/relationships" xmlns:p14="http://schemas.microsoft.com/office/powerpoint/2010/main" xmlns:p15="http://schemas.microsoft.com/office/powerpoint/2012/main" xmlns:mc="http://schemas.openxmlformats.org/markup-compatibility/2006">
+<p:sldMaster xmlns:a="http://schemas.openxmlformats.org/drawingml/2006/main" xmlns:r="http://schemas.openxmlformats.org/officeDocument/2006/relationships" xmlns:p="http://schemas.openxmlformats.org/presentationml/2006/main">
   <p:cSld>
     <p:bg>
       <p:bgPr>
         <a:solidFill>
-          <a:srgbClr val="ffffff"/>
+          <a:srgbClr val="FFFFFF"/>
         </a:solidFill>
+        <a:effectLst/>
       </p:bgPr>
     </p:bg>
     <p:spTree>
@@ -2897,7 +3137,7 @@
       </p:grpSpPr>
       <p:sp>
         <p:nvSpPr>
-          <p:cNvPr id="0" name="PlaceHolder 1"/>
+          <p:cNvPr id="5" name="PlaceHolder 1"/>
           <p:cNvSpPr>
             <a:spLocks noGrp="1"/>
           </p:cNvSpPr>
@@ -2916,6 +3156,7 @@
         </p:spPr>
         <p:txBody>
           <a:bodyPr anchor="b"/>
+          <a:lstStyle/>
           <a:p>
             <a:pPr algn="ctr">
               <a:lnSpc>
@@ -2923,24 +3164,15 @@
               </a:lnSpc>
             </a:pPr>
             <a:r>
-              <a:rPr b="0" lang="es-ES" sz="6000" spc="-1" strike="noStrike">
+              <a:rPr lang="es-ES" sz="6000" b="0" strike="noStrike" spc="-1">
                 <a:solidFill>
                   <a:srgbClr val="000000"/>
                 </a:solidFill>
                 <a:latin typeface="Calibri Light"/>
               </a:rPr>
-              <a:t>Haga clic para modificar el </a:t>
+              <a:t>Haga clic para modificar el estilo de título del patrón</a:t>
             </a:r>
-            <a:r>
-              <a:rPr b="0" lang="es-ES" sz="6000" spc="-1" strike="noStrike">
-                <a:solidFill>
-                  <a:srgbClr val="000000"/>
-                </a:solidFill>
-                <a:latin typeface="Calibri Light"/>
-              </a:rPr>
-              <a:t>estilo de título del patrón</a:t>
-            </a:r>
-            <a:endParaRPr b="0" lang="es-ES" sz="6000" spc="-1" strike="noStrike">
+            <a:endParaRPr lang="es-ES" sz="6000" b="0" strike="noStrike" spc="-1">
               <a:solidFill>
                 <a:srgbClr val="000000"/>
               </a:solidFill>
@@ -2951,7 +3183,7 @@
       </p:sp>
       <p:sp>
         <p:nvSpPr>
-          <p:cNvPr id="1" name="PlaceHolder 2"/>
+          <p:cNvPr id="6" name="PlaceHolder 2"/>
           <p:cNvSpPr>
             <a:spLocks noGrp="1"/>
           </p:cNvSpPr>
@@ -2970,6 +3202,7 @@
         </p:spPr>
         <p:txBody>
           <a:bodyPr anchor="ctr"/>
+          <a:lstStyle/>
           <a:p>
             <a:pPr>
               <a:lnSpc>
@@ -2977,15 +3210,15 @@
               </a:lnSpc>
             </a:pPr>
             <a:fld id="{125327EE-58AF-443E-8944-4A44BE436933}" type="datetime">
-              <a:rPr b="0" lang="es-ES" sz="1200" spc="-1" strike="noStrike">
+              <a:rPr lang="es-ES" sz="1200" b="0" strike="noStrike" spc="-1">
                 <a:solidFill>
-                  <a:srgbClr val="8b8b8b"/>
+                  <a:srgbClr val="8B8B8B"/>
                 </a:solidFill>
                 <a:latin typeface="Calibri"/>
               </a:rPr>
-              <a:t>17/01/21</a:t>
+              <a:t>17/01/2021</a:t>
             </a:fld>
-            <a:endParaRPr b="0" lang="es-ES" sz="1200" spc="-1" strike="noStrike">
+            <a:endParaRPr lang="es-ES" sz="1200" b="0" strike="noStrike" spc="-1">
               <a:latin typeface="Times New Roman"/>
             </a:endParaRPr>
           </a:p>
@@ -3012,8 +3245,9 @@
         </p:spPr>
         <p:txBody>
           <a:bodyPr anchor="ctr"/>
-          <a:p>
-            <a:endParaRPr b="0" lang="es-ES" sz="2400" spc="-1" strike="noStrike">
+          <a:lstStyle/>
+          <a:p>
+            <a:endParaRPr lang="es-ES" sz="2400" b="0" strike="noStrike" spc="-1">
               <a:latin typeface="Times New Roman"/>
             </a:endParaRPr>
           </a:p>
@@ -3040,6 +3274,7 @@
         </p:spPr>
         <p:txBody>
           <a:bodyPr anchor="ctr"/>
+          <a:lstStyle/>
           <a:p>
             <a:pPr algn="r">
               <a:lnSpc>
@@ -3047,15 +3282,15 @@
               </a:lnSpc>
             </a:pPr>
             <a:fld id="{6BB77ADC-3F2F-4175-A463-174C6CD6148F}" type="slidenum">
-              <a:rPr b="0" lang="es-ES" sz="1200" spc="-1" strike="noStrike">
+              <a:rPr lang="es-ES" sz="1200" b="0" strike="noStrike" spc="-1">
                 <a:solidFill>
-                  <a:srgbClr val="8b8b8b"/>
+                  <a:srgbClr val="8B8B8B"/>
                 </a:solidFill>
                 <a:latin typeface="Calibri"/>
               </a:rPr>
-              <a:t>&lt;número&gt;</a:t>
+              <a:t>‹Nº›</a:t>
             </a:fld>
-            <a:endParaRPr b="0" lang="es-ES" sz="1200" spc="-1" strike="noStrike">
+            <a:endParaRPr lang="es-ES" sz="1200" b="0" strike="noStrike" spc="-1">
               <a:latin typeface="Times New Roman"/>
             </a:endParaRPr>
           </a:p>
@@ -3081,9 +3316,10 @@
           </a:prstGeom>
         </p:spPr>
         <p:txBody>
-          <a:bodyPr lIns="0" rIns="0" tIns="0" bIns="0">
+          <a:bodyPr lIns="0" tIns="0" rIns="0" bIns="0">
             <a:normAutofit/>
           </a:bodyPr>
+          <a:lstStyle/>
           <a:p>
             <a:pPr marL="432000" indent="-324000">
               <a:spcBef>
@@ -3097,7 +3333,7 @@
               <a:buChar char=""/>
             </a:pPr>
             <a:r>
-              <a:rPr b="0" lang="es-ES" sz="2800" spc="-1" strike="noStrike">
+              <a:rPr lang="es-ES" sz="2800" b="0" strike="noStrike" spc="-1">
                 <a:solidFill>
                   <a:srgbClr val="000000"/>
                 </a:solidFill>
@@ -3105,15 +3341,9 @@
               </a:rPr>
               <a:t>Pulse para editar el formato de esquema del texto</a:t>
             </a:r>
-            <a:endParaRPr b="0" lang="es-ES" sz="2800" spc="-1" strike="noStrike">
-              <a:solidFill>
-                <a:srgbClr val="000000"/>
-              </a:solidFill>
-              <a:latin typeface="Calibri"/>
-            </a:endParaRPr>
-          </a:p>
-          <a:p>
-            <a:pPr lvl="1" marL="864000" indent="-324000">
+          </a:p>
+          <a:p>
+            <a:pPr marL="864000" lvl="1" indent="-324000">
               <a:spcBef>
                 <a:spcPts val="1134"/>
               </a:spcBef>
@@ -3125,7 +3355,7 @@
               <a:buChar char=""/>
             </a:pPr>
             <a:r>
-              <a:rPr b="0" lang="es-ES" sz="2000" spc="-1" strike="noStrike">
+              <a:rPr lang="es-ES" sz="2000" b="0" strike="noStrike" spc="-1">
                 <a:solidFill>
                   <a:srgbClr val="000000"/>
                 </a:solidFill>
@@ -3133,15 +3363,9 @@
               </a:rPr>
               <a:t>Segundo nivel del esquema</a:t>
             </a:r>
-            <a:endParaRPr b="0" lang="es-ES" sz="2000" spc="-1" strike="noStrike">
-              <a:solidFill>
-                <a:srgbClr val="000000"/>
-              </a:solidFill>
-              <a:latin typeface="Calibri"/>
-            </a:endParaRPr>
-          </a:p>
-          <a:p>
-            <a:pPr lvl="2" marL="1296000" indent="-288000">
+          </a:p>
+          <a:p>
+            <a:pPr marL="1296000" lvl="2" indent="-288000">
               <a:spcBef>
                 <a:spcPts val="850"/>
               </a:spcBef>
@@ -3153,7 +3377,7 @@
               <a:buChar char=""/>
             </a:pPr>
             <a:r>
-              <a:rPr b="0" lang="es-ES" sz="1800" spc="-1" strike="noStrike">
+              <a:rPr lang="es-ES" sz="1800" b="0" strike="noStrike" spc="-1">
                 <a:solidFill>
                   <a:srgbClr val="000000"/>
                 </a:solidFill>
@@ -3161,15 +3385,9 @@
               </a:rPr>
               <a:t>Tercer nivel del esquema</a:t>
             </a:r>
-            <a:endParaRPr b="0" lang="es-ES" sz="1800" spc="-1" strike="noStrike">
-              <a:solidFill>
-                <a:srgbClr val="000000"/>
-              </a:solidFill>
-              <a:latin typeface="Calibri"/>
-            </a:endParaRPr>
-          </a:p>
-          <a:p>
-            <a:pPr lvl="3" marL="1728000" indent="-216000">
+          </a:p>
+          <a:p>
+            <a:pPr marL="1728000" lvl="3" indent="-216000">
               <a:spcBef>
                 <a:spcPts val="567"/>
               </a:spcBef>
@@ -3181,7 +3399,7 @@
               <a:buChar char=""/>
             </a:pPr>
             <a:r>
-              <a:rPr b="0" lang="es-ES" sz="1800" spc="-1" strike="noStrike">
+              <a:rPr lang="es-ES" sz="1800" b="0" strike="noStrike" spc="-1">
                 <a:solidFill>
                   <a:srgbClr val="000000"/>
                 </a:solidFill>
@@ -3189,15 +3407,9 @@
               </a:rPr>
               <a:t>Cuarto nivel del esquema</a:t>
             </a:r>
-            <a:endParaRPr b="0" lang="es-ES" sz="1800" spc="-1" strike="noStrike">
-              <a:solidFill>
-                <a:srgbClr val="000000"/>
-              </a:solidFill>
-              <a:latin typeface="Calibri"/>
-            </a:endParaRPr>
-          </a:p>
-          <a:p>
-            <a:pPr lvl="4" marL="2160000" indent="-216000">
+          </a:p>
+          <a:p>
+            <a:pPr marL="2160000" lvl="4" indent="-216000">
               <a:spcBef>
                 <a:spcPts val="283"/>
               </a:spcBef>
@@ -3209,7 +3421,7 @@
               <a:buChar char=""/>
             </a:pPr>
             <a:r>
-              <a:rPr b="0" lang="es-ES" sz="2000" spc="-1" strike="noStrike">
+              <a:rPr lang="es-ES" sz="2000" b="0" strike="noStrike" spc="-1">
                 <a:solidFill>
                   <a:srgbClr val="000000"/>
                 </a:solidFill>
@@ -3217,15 +3429,9 @@
               </a:rPr>
               <a:t>Quinto nivel del esquema</a:t>
             </a:r>
-            <a:endParaRPr b="0" lang="es-ES" sz="2000" spc="-1" strike="noStrike">
-              <a:solidFill>
-                <a:srgbClr val="000000"/>
-              </a:solidFill>
-              <a:latin typeface="Calibri"/>
-            </a:endParaRPr>
-          </a:p>
-          <a:p>
-            <a:pPr lvl="5" marL="2592000" indent="-216000">
+          </a:p>
+          <a:p>
+            <a:pPr marL="2592000" lvl="5" indent="-216000">
               <a:spcBef>
                 <a:spcPts val="283"/>
               </a:spcBef>
@@ -3237,7 +3443,7 @@
               <a:buChar char=""/>
             </a:pPr>
             <a:r>
-              <a:rPr b="0" lang="es-ES" sz="2000" spc="-1" strike="noStrike">
+              <a:rPr lang="es-ES" sz="2000" b="0" strike="noStrike" spc="-1">
                 <a:solidFill>
                   <a:srgbClr val="000000"/>
                 </a:solidFill>
@@ -3245,15 +3451,9 @@
               </a:rPr>
               <a:t>Sexto nivel del esquema</a:t>
             </a:r>
-            <a:endParaRPr b="0" lang="es-ES" sz="2000" spc="-1" strike="noStrike">
-              <a:solidFill>
-                <a:srgbClr val="000000"/>
-              </a:solidFill>
-              <a:latin typeface="Calibri"/>
-            </a:endParaRPr>
-          </a:p>
-          <a:p>
-            <a:pPr lvl="6" marL="3024000" indent="-216000">
+          </a:p>
+          <a:p>
+            <a:pPr marL="3024000" lvl="6" indent="-216000">
               <a:spcBef>
                 <a:spcPts val="283"/>
               </a:spcBef>
@@ -3265,7 +3465,7 @@
               <a:buChar char=""/>
             </a:pPr>
             <a:r>
-              <a:rPr b="0" lang="es-ES" sz="2000" spc="-1" strike="noStrike">
+              <a:rPr lang="es-ES" sz="2000" b="0" strike="noStrike" spc="-1">
                 <a:solidFill>
                   <a:srgbClr val="000000"/>
                 </a:solidFill>
@@ -3273,43 +3473,318 @@
               </a:rPr>
               <a:t>Séptimo nivel del esquema</a:t>
             </a:r>
-            <a:endParaRPr b="0" lang="es-ES" sz="2000" spc="-1" strike="noStrike">
-              <a:solidFill>
-                <a:srgbClr val="000000"/>
-              </a:solidFill>
-              <a:latin typeface="Calibri"/>
-            </a:endParaRPr>
           </a:p>
         </p:txBody>
       </p:sp>
     </p:spTree>
   </p:cSld>
-  <p:clrMap bg1="lt1" bg2="lt2" tx1="dk1" tx2="dk2" accent1="accent1" accent2="accent2" accent3="accent3" accent4="accent4" accent5="accent5" accent6="accent6" hlink="hlink" folHlink="folHlink"/>
+  <p:clrMap bg1="lt1" tx1="dk1" bg2="lt2" tx2="dk2" accent1="accent1" accent2="accent2" accent3="accent3" accent4="accent4" accent5="accent5" accent6="accent6" hlink="hlink" folHlink="folHlink"/>
   <p:sldLayoutIdLst>
-    <p:sldLayoutId id="2147483649" r:id="rId2"/>
-    <p:sldLayoutId id="2147483650" r:id="rId3"/>
-    <p:sldLayoutId id="2147483651" r:id="rId4"/>
-    <p:sldLayoutId id="2147483652" r:id="rId5"/>
-    <p:sldLayoutId id="2147483653" r:id="rId6"/>
-    <p:sldLayoutId id="2147483654" r:id="rId7"/>
-    <p:sldLayoutId id="2147483655" r:id="rId8"/>
-    <p:sldLayoutId id="2147483656" r:id="rId9"/>
-    <p:sldLayoutId id="2147483657" r:id="rId10"/>
-    <p:sldLayoutId id="2147483658" r:id="rId11"/>
-    <p:sldLayoutId id="2147483659" r:id="rId12"/>
-    <p:sldLayoutId id="2147483660" r:id="rId13"/>
+    <p:sldLayoutId id="2147483649" r:id="rId1"/>
+    <p:sldLayoutId id="2147483650" r:id="rId2"/>
+    <p:sldLayoutId id="2147483651" r:id="rId3"/>
+    <p:sldLayoutId id="2147483652" r:id="rId4"/>
+    <p:sldLayoutId id="2147483653" r:id="rId5"/>
+    <p:sldLayoutId id="2147483654" r:id="rId6"/>
+    <p:sldLayoutId id="2147483655" r:id="rId7"/>
+    <p:sldLayoutId id="2147483656" r:id="rId8"/>
+    <p:sldLayoutId id="2147483657" r:id="rId9"/>
+    <p:sldLayoutId id="2147483658" r:id="rId10"/>
+    <p:sldLayoutId id="2147483659" r:id="rId11"/>
+    <p:sldLayoutId id="2147483660" r:id="rId12"/>
   </p:sldLayoutIdLst>
+  <p:txStyles>
+    <p:titleStyle>
+      <a:lvl1pPr algn="l" defTabSz="914400" rtl="0" eaLnBrk="1" latinLnBrk="0" hangingPunct="1">
+        <a:lnSpc>
+          <a:spcPct val="90000"/>
+        </a:lnSpc>
+        <a:spcBef>
+          <a:spcPct val="0"/>
+        </a:spcBef>
+        <a:buNone/>
+        <a:defRPr sz="4400" kern="1200">
+          <a:solidFill>
+            <a:schemeClr val="tx1"/>
+          </a:solidFill>
+          <a:latin typeface="+mj-lt"/>
+          <a:ea typeface="+mj-ea"/>
+          <a:cs typeface="+mj-cs"/>
+        </a:defRPr>
+      </a:lvl1pPr>
+    </p:titleStyle>
+    <p:bodyStyle>
+      <a:lvl1pPr marL="228600" indent="-228600" algn="l" defTabSz="914400" rtl="0" eaLnBrk="1" latinLnBrk="0" hangingPunct="1">
+        <a:lnSpc>
+          <a:spcPct val="90000"/>
+        </a:lnSpc>
+        <a:spcBef>
+          <a:spcPts val="1000"/>
+        </a:spcBef>
+        <a:buFont typeface="Arial" panose="020B0604020202020204" pitchFamily="34" charset="0"/>
+        <a:buChar char="•"/>
+        <a:defRPr sz="2800" kern="1200">
+          <a:solidFill>
+            <a:schemeClr val="tx1"/>
+          </a:solidFill>
+          <a:latin typeface="+mn-lt"/>
+          <a:ea typeface="+mn-ea"/>
+          <a:cs typeface="+mn-cs"/>
+        </a:defRPr>
+      </a:lvl1pPr>
+      <a:lvl2pPr marL="685800" indent="-228600" algn="l" defTabSz="914400" rtl="0" eaLnBrk="1" latinLnBrk="0" hangingPunct="1">
+        <a:lnSpc>
+          <a:spcPct val="90000"/>
+        </a:lnSpc>
+        <a:spcBef>
+          <a:spcPts val="500"/>
+        </a:spcBef>
+        <a:buFont typeface="Arial" panose="020B0604020202020204" pitchFamily="34" charset="0"/>
+        <a:buChar char="•"/>
+        <a:defRPr sz="2400" kern="1200">
+          <a:solidFill>
+            <a:schemeClr val="tx1"/>
+          </a:solidFill>
+          <a:latin typeface="+mn-lt"/>
+          <a:ea typeface="+mn-ea"/>
+          <a:cs typeface="+mn-cs"/>
+        </a:defRPr>
+      </a:lvl2pPr>
+      <a:lvl3pPr marL="1143000" indent="-228600" algn="l" defTabSz="914400" rtl="0" eaLnBrk="1" latinLnBrk="0" hangingPunct="1">
+        <a:lnSpc>
+          <a:spcPct val="90000"/>
+        </a:lnSpc>
+        <a:spcBef>
+          <a:spcPts val="500"/>
+        </a:spcBef>
+        <a:buFont typeface="Arial" panose="020B0604020202020204" pitchFamily="34" charset="0"/>
+        <a:buChar char="•"/>
+        <a:defRPr sz="2000" kern="1200">
+          <a:solidFill>
+            <a:schemeClr val="tx1"/>
+          </a:solidFill>
+          <a:latin typeface="+mn-lt"/>
+          <a:ea typeface="+mn-ea"/>
+          <a:cs typeface="+mn-cs"/>
+        </a:defRPr>
+      </a:lvl3pPr>
+      <a:lvl4pPr marL="1600200" indent="-228600" algn="l" defTabSz="914400" rtl="0" eaLnBrk="1" latinLnBrk="0" hangingPunct="1">
+        <a:lnSpc>
+          <a:spcPct val="90000"/>
+        </a:lnSpc>
+        <a:spcBef>
+          <a:spcPts val="500"/>
+        </a:spcBef>
+        <a:buFont typeface="Arial" panose="020B0604020202020204" pitchFamily="34" charset="0"/>
+        <a:buChar char="•"/>
+        <a:defRPr sz="1800" kern="1200">
+          <a:solidFill>
+            <a:schemeClr val="tx1"/>
+          </a:solidFill>
+          <a:latin typeface="+mn-lt"/>
+          <a:ea typeface="+mn-ea"/>
+          <a:cs typeface="+mn-cs"/>
+        </a:defRPr>
+      </a:lvl4pPr>
+      <a:lvl5pPr marL="2057400" indent="-228600" algn="l" defTabSz="914400" rtl="0" eaLnBrk="1" latinLnBrk="0" hangingPunct="1">
+        <a:lnSpc>
+          <a:spcPct val="90000"/>
+        </a:lnSpc>
+        <a:spcBef>
+          <a:spcPts val="500"/>
+        </a:spcBef>
+        <a:buFont typeface="Arial" panose="020B0604020202020204" pitchFamily="34" charset="0"/>
+        <a:buChar char="•"/>
+        <a:defRPr sz="1800" kern="1200">
+          <a:solidFill>
+            <a:schemeClr val="tx1"/>
+          </a:solidFill>
+          <a:latin typeface="+mn-lt"/>
+          <a:ea typeface="+mn-ea"/>
+          <a:cs typeface="+mn-cs"/>
+        </a:defRPr>
+      </a:lvl5pPr>
+      <a:lvl6pPr marL="2514600" indent="-228600" algn="l" defTabSz="914400" rtl="0" eaLnBrk="1" latinLnBrk="0" hangingPunct="1">
+        <a:lnSpc>
+          <a:spcPct val="90000"/>
+        </a:lnSpc>
+        <a:spcBef>
+          <a:spcPts val="500"/>
+        </a:spcBef>
+        <a:buFont typeface="Arial" panose="020B0604020202020204" pitchFamily="34" charset="0"/>
+        <a:buChar char="•"/>
+        <a:defRPr sz="1800" kern="1200">
+          <a:solidFill>
+            <a:schemeClr val="tx1"/>
+          </a:solidFill>
+          <a:latin typeface="+mn-lt"/>
+          <a:ea typeface="+mn-ea"/>
+          <a:cs typeface="+mn-cs"/>
+        </a:defRPr>
+      </a:lvl6pPr>
+      <a:lvl7pPr marL="2971800" indent="-228600" algn="l" defTabSz="914400" rtl="0" eaLnBrk="1" latinLnBrk="0" hangingPunct="1">
+        <a:lnSpc>
+          <a:spcPct val="90000"/>
+        </a:lnSpc>
+        <a:spcBef>
+          <a:spcPts val="500"/>
+        </a:spcBef>
+        <a:buFont typeface="Arial" panose="020B0604020202020204" pitchFamily="34" charset="0"/>
+        <a:buChar char="•"/>
+        <a:defRPr sz="1800" kern="1200">
+          <a:solidFill>
+            <a:schemeClr val="tx1"/>
+          </a:solidFill>
+          <a:latin typeface="+mn-lt"/>
+          <a:ea typeface="+mn-ea"/>
+          <a:cs typeface="+mn-cs"/>
+        </a:defRPr>
+      </a:lvl7pPr>
+      <a:lvl8pPr marL="3429000" indent="-228600" algn="l" defTabSz="914400" rtl="0" eaLnBrk="1" latinLnBrk="0" hangingPunct="1">
+        <a:lnSpc>
+          <a:spcPct val="90000"/>
+        </a:lnSpc>
+        <a:spcBef>
+          <a:spcPts val="500"/>
+        </a:spcBef>
+        <a:buFont typeface="Arial" panose="020B0604020202020204" pitchFamily="34" charset="0"/>
+        <a:buChar char="•"/>
+        <a:defRPr sz="1800" kern="1200">
+          <a:solidFill>
+            <a:schemeClr val="tx1"/>
+          </a:solidFill>
+          <a:latin typeface="+mn-lt"/>
+          <a:ea typeface="+mn-ea"/>
+          <a:cs typeface="+mn-cs"/>
+        </a:defRPr>
+      </a:lvl8pPr>
+      <a:lvl9pPr marL="3886200" indent="-228600" algn="l" defTabSz="914400" rtl="0" eaLnBrk="1" latinLnBrk="0" hangingPunct="1">
+        <a:lnSpc>
+          <a:spcPct val="90000"/>
+        </a:lnSpc>
+        <a:spcBef>
+          <a:spcPts val="500"/>
+        </a:spcBef>
+        <a:buFont typeface="Arial" panose="020B0604020202020204" pitchFamily="34" charset="0"/>
+        <a:buChar char="•"/>
+        <a:defRPr sz="1800" kern="1200">
+          <a:solidFill>
+            <a:schemeClr val="tx1"/>
+          </a:solidFill>
+          <a:latin typeface="+mn-lt"/>
+          <a:ea typeface="+mn-ea"/>
+          <a:cs typeface="+mn-cs"/>
+        </a:defRPr>
+      </a:lvl9pPr>
+    </p:bodyStyle>
+    <p:otherStyle>
+      <a:defPPr>
+        <a:defRPr lang="es-ES"/>
+      </a:defPPr>
+      <a:lvl1pPr marL="0" algn="l" defTabSz="914400" rtl="0" eaLnBrk="1" latinLnBrk="0" hangingPunct="1">
+        <a:defRPr sz="1800" kern="1200">
+          <a:solidFill>
+            <a:schemeClr val="tx1"/>
+          </a:solidFill>
+          <a:latin typeface="+mn-lt"/>
+          <a:ea typeface="+mn-ea"/>
+          <a:cs typeface="+mn-cs"/>
+        </a:defRPr>
+      </a:lvl1pPr>
+      <a:lvl2pPr marL="457200" algn="l" defTabSz="914400" rtl="0" eaLnBrk="1" latinLnBrk="0" hangingPunct="1">
+        <a:defRPr sz="1800" kern="1200">
+          <a:solidFill>
+            <a:schemeClr val="tx1"/>
+          </a:solidFill>
+          <a:latin typeface="+mn-lt"/>
+          <a:ea typeface="+mn-ea"/>
+          <a:cs typeface="+mn-cs"/>
+        </a:defRPr>
+      </a:lvl2pPr>
+      <a:lvl3pPr marL="914400" algn="l" defTabSz="914400" rtl="0" eaLnBrk="1" latinLnBrk="0" hangingPunct="1">
+        <a:defRPr sz="1800" kern="1200">
+          <a:solidFill>
+            <a:schemeClr val="tx1"/>
+          </a:solidFill>
+          <a:latin typeface="+mn-lt"/>
+          <a:ea typeface="+mn-ea"/>
+          <a:cs typeface="+mn-cs"/>
+        </a:defRPr>
+      </a:lvl3pPr>
+      <a:lvl4pPr marL="1371600" algn="l" defTabSz="914400" rtl="0" eaLnBrk="1" latinLnBrk="0" hangingPunct="1">
+        <a:defRPr sz="1800" kern="1200">
+          <a:solidFill>
+            <a:schemeClr val="tx1"/>
+          </a:solidFill>
+          <a:latin typeface="+mn-lt"/>
+          <a:ea typeface="+mn-ea"/>
+          <a:cs typeface="+mn-cs"/>
+        </a:defRPr>
+      </a:lvl4pPr>
+      <a:lvl5pPr marL="1828800" algn="l" defTabSz="914400" rtl="0" eaLnBrk="1" latinLnBrk="0" hangingPunct="1">
+        <a:defRPr sz="1800" kern="1200">
+          <a:solidFill>
+            <a:schemeClr val="tx1"/>
+          </a:solidFill>
+          <a:latin typeface="+mn-lt"/>
+          <a:ea typeface="+mn-ea"/>
+          <a:cs typeface="+mn-cs"/>
+        </a:defRPr>
+      </a:lvl5pPr>
+      <a:lvl6pPr marL="2286000" algn="l" defTabSz="914400" rtl="0" eaLnBrk="1" latinLnBrk="0" hangingPunct="1">
+        <a:defRPr sz="1800" kern="1200">
+          <a:solidFill>
+            <a:schemeClr val="tx1"/>
+          </a:solidFill>
+          <a:latin typeface="+mn-lt"/>
+          <a:ea typeface="+mn-ea"/>
+          <a:cs typeface="+mn-cs"/>
+        </a:defRPr>
+      </a:lvl6pPr>
+      <a:lvl7pPr marL="2743200" algn="l" defTabSz="914400" rtl="0" eaLnBrk="1" latinLnBrk="0" hangingPunct="1">
+        <a:defRPr sz="1800" kern="1200">
+          <a:solidFill>
+            <a:schemeClr val="tx1"/>
+          </a:solidFill>
+          <a:latin typeface="+mn-lt"/>
+          <a:ea typeface="+mn-ea"/>
+          <a:cs typeface="+mn-cs"/>
+        </a:defRPr>
+      </a:lvl7pPr>
+      <a:lvl8pPr marL="3200400" algn="l" defTabSz="914400" rtl="0" eaLnBrk="1" latinLnBrk="0" hangingPunct="1">
+        <a:defRPr sz="1800" kern="1200">
+          <a:solidFill>
+            <a:schemeClr val="tx1"/>
+          </a:solidFill>
+          <a:latin typeface="+mn-lt"/>
+          <a:ea typeface="+mn-ea"/>
+          <a:cs typeface="+mn-cs"/>
+        </a:defRPr>
+      </a:lvl8pPr>
+      <a:lvl9pPr marL="3657600" algn="l" defTabSz="914400" rtl="0" eaLnBrk="1" latinLnBrk="0" hangingPunct="1">
+        <a:defRPr sz="1800" kern="1200">
+          <a:solidFill>
+            <a:schemeClr val="tx1"/>
+          </a:solidFill>
+          <a:latin typeface="+mn-lt"/>
+          <a:ea typeface="+mn-ea"/>
+          <a:cs typeface="+mn-cs"/>
+        </a:defRPr>
+      </a:lvl9pPr>
+    </p:otherStyle>
+  </p:txStyles>
 </p:sldMaster>
 </file>
 
 <file path=ppt/slideMasters/slideMaster2.xml><?xml version="1.0" encoding="utf-8"?>
-<p:sldMaster xmlns:a="http://schemas.openxmlformats.org/drawingml/2006/main" xmlns:p="http://schemas.openxmlformats.org/presentationml/2006/main" xmlns:r="http://schemas.openxmlformats.org/officeDocument/2006/relationships" xmlns:p14="http://schemas.microsoft.com/office/powerpoint/2010/main" xmlns:p15="http://schemas.microsoft.com/office/powerpoint/2012/main" xmlns:mc="http://schemas.openxmlformats.org/markup-compatibility/2006">
+<p:sldMaster xmlns:a="http://schemas.openxmlformats.org/drawingml/2006/main" xmlns:r="http://schemas.openxmlformats.org/officeDocument/2006/relationships" xmlns:p="http://schemas.openxmlformats.org/presentationml/2006/main">
   <p:cSld>
     <p:bg>
       <p:bgPr>
         <a:solidFill>
-          <a:srgbClr val="ffffff"/>
+          <a:srgbClr val="FFFFFF"/>
         </a:solidFill>
+        <a:effectLst/>
       </p:bgPr>
     </p:bg>
     <p:spTree>
@@ -3347,6 +3822,7 @@
         </p:spPr>
         <p:txBody>
           <a:bodyPr anchor="ctr"/>
+          <a:lstStyle/>
           <a:p>
             <a:pPr>
               <a:lnSpc>
@@ -3354,7 +3830,7 @@
               </a:lnSpc>
             </a:pPr>
             <a:r>
-              <a:rPr b="0" lang="es-ES" sz="4400" spc="-1" strike="noStrike">
+              <a:rPr lang="es-ES" sz="4400" b="0" strike="noStrike" spc="-1">
                 <a:solidFill>
                   <a:srgbClr val="000000"/>
                 </a:solidFill>
@@ -3362,7 +3838,7 @@
               </a:rPr>
               <a:t>Haga clic para modificar el estilo de título del patrón</a:t>
             </a:r>
-            <a:endParaRPr b="0" lang="es-ES" sz="4400" spc="-1" strike="noStrike">
+            <a:endParaRPr lang="es-ES" sz="4400" b="0" strike="noStrike" spc="-1">
               <a:solidFill>
                 <a:srgbClr val="000000"/>
               </a:solidFill>
@@ -3392,6 +3868,7 @@
         </p:spPr>
         <p:txBody>
           <a:bodyPr/>
+          <a:lstStyle/>
           <a:p>
             <a:pPr marL="228600" indent="-228240">
               <a:lnSpc>
@@ -3407,7 +3884,7 @@
               <a:buChar char="•"/>
             </a:pPr>
             <a:r>
-              <a:rPr b="0" lang="es-ES" sz="2800" spc="-1" strike="noStrike">
+              <a:rPr lang="es-ES" sz="2800" b="0" strike="noStrike" spc="-1">
                 <a:solidFill>
                   <a:srgbClr val="000000"/>
                 </a:solidFill>
@@ -3415,15 +3892,9 @@
               </a:rPr>
               <a:t>Haga clic para modificar los estilos de texto del patrón</a:t>
             </a:r>
-            <a:endParaRPr b="0" lang="es-ES" sz="2800" spc="-1" strike="noStrike">
-              <a:solidFill>
-                <a:srgbClr val="000000"/>
-              </a:solidFill>
-              <a:latin typeface="Calibri"/>
-            </a:endParaRPr>
-          </a:p>
-          <a:p>
-            <a:pPr lvl="1" marL="685800" indent="-228240">
+          </a:p>
+          <a:p>
+            <a:pPr marL="685800" lvl="1" indent="-228240">
               <a:lnSpc>
                 <a:spcPct val="90000"/>
               </a:lnSpc>
@@ -3437,7 +3908,7 @@
               <a:buChar char="•"/>
             </a:pPr>
             <a:r>
-              <a:rPr b="0" lang="es-ES" sz="2400" spc="-1" strike="noStrike">
+              <a:rPr lang="es-ES" sz="2400" b="0" strike="noStrike" spc="-1">
                 <a:solidFill>
                   <a:srgbClr val="000000"/>
                 </a:solidFill>
@@ -3445,15 +3916,9 @@
               </a:rPr>
               <a:t>Segundo nivel</a:t>
             </a:r>
-            <a:endParaRPr b="0" lang="es-ES" sz="2400" spc="-1" strike="noStrike">
-              <a:solidFill>
-                <a:srgbClr val="000000"/>
-              </a:solidFill>
-              <a:latin typeface="Calibri"/>
-            </a:endParaRPr>
-          </a:p>
-          <a:p>
-            <a:pPr lvl="2" marL="1143000" indent="-228240">
+          </a:p>
+          <a:p>
+            <a:pPr marL="1143000" lvl="2" indent="-228240">
               <a:lnSpc>
                 <a:spcPct val="90000"/>
               </a:lnSpc>
@@ -3467,7 +3932,7 @@
               <a:buChar char="•"/>
             </a:pPr>
             <a:r>
-              <a:rPr b="0" lang="es-ES" sz="2000" spc="-1" strike="noStrike">
+              <a:rPr lang="es-ES" sz="2000" b="0" strike="noStrike" spc="-1">
                 <a:solidFill>
                   <a:srgbClr val="000000"/>
                 </a:solidFill>
@@ -3475,15 +3940,9 @@
               </a:rPr>
               <a:t>Tercer nivel</a:t>
             </a:r>
-            <a:endParaRPr b="0" lang="es-ES" sz="2000" spc="-1" strike="noStrike">
-              <a:solidFill>
-                <a:srgbClr val="000000"/>
-              </a:solidFill>
-              <a:latin typeface="Calibri"/>
-            </a:endParaRPr>
-          </a:p>
-          <a:p>
-            <a:pPr lvl="3" marL="1600200" indent="-228240">
+          </a:p>
+          <a:p>
+            <a:pPr marL="1600200" lvl="3" indent="-228240">
               <a:lnSpc>
                 <a:spcPct val="90000"/>
               </a:lnSpc>
@@ -3497,7 +3956,7 @@
               <a:buChar char="•"/>
             </a:pPr>
             <a:r>
-              <a:rPr b="0" lang="es-ES" sz="1800" spc="-1" strike="noStrike">
+              <a:rPr lang="es-ES" sz="1800" b="0" strike="noStrike" spc="-1">
                 <a:solidFill>
                   <a:srgbClr val="000000"/>
                 </a:solidFill>
@@ -3505,15 +3964,9 @@
               </a:rPr>
               <a:t>Cuarto nivel</a:t>
             </a:r>
-            <a:endParaRPr b="0" lang="es-ES" sz="1800" spc="-1" strike="noStrike">
-              <a:solidFill>
-                <a:srgbClr val="000000"/>
-              </a:solidFill>
-              <a:latin typeface="Calibri"/>
-            </a:endParaRPr>
-          </a:p>
-          <a:p>
-            <a:pPr lvl="4" marL="2057400" indent="-228240">
+          </a:p>
+          <a:p>
+            <a:pPr marL="2057400" lvl="4" indent="-228240">
               <a:lnSpc>
                 <a:spcPct val="90000"/>
               </a:lnSpc>
@@ -3527,7 +3980,7 @@
               <a:buChar char="•"/>
             </a:pPr>
             <a:r>
-              <a:rPr b="0" lang="es-ES" sz="1800" spc="-1" strike="noStrike">
+              <a:rPr lang="es-ES" sz="1800" b="0" strike="noStrike" spc="-1">
                 <a:solidFill>
                   <a:srgbClr val="000000"/>
                 </a:solidFill>
@@ -3535,12 +3988,6 @@
               </a:rPr>
               <a:t>Quinto nivel</a:t>
             </a:r>
-            <a:endParaRPr b="0" lang="es-ES" sz="1800" spc="-1" strike="noStrike">
-              <a:solidFill>
-                <a:srgbClr val="000000"/>
-              </a:solidFill>
-              <a:latin typeface="Calibri"/>
-            </a:endParaRPr>
           </a:p>
         </p:txBody>
       </p:sp>
@@ -3565,6 +4012,7 @@
         </p:spPr>
         <p:txBody>
           <a:bodyPr anchor="ctr"/>
+          <a:lstStyle/>
           <a:p>
             <a:pPr>
               <a:lnSpc>
@@ -3572,15 +4020,15 @@
               </a:lnSpc>
             </a:pPr>
             <a:fld id="{3802CD27-F8AF-4740-B976-B41FCC0D7903}" type="datetime">
-              <a:rPr b="0" lang="es-ES" sz="1200" spc="-1" strike="noStrike">
+              <a:rPr lang="es-ES" sz="1200" b="0" strike="noStrike" spc="-1">
                 <a:solidFill>
-                  <a:srgbClr val="8b8b8b"/>
+                  <a:srgbClr val="8B8B8B"/>
                 </a:solidFill>
                 <a:latin typeface="Calibri"/>
               </a:rPr>
-              <a:t>17/01/21</a:t>
+              <a:t>17/01/2021</a:t>
             </a:fld>
-            <a:endParaRPr b="0" lang="es-ES" sz="1200" spc="-1" strike="noStrike">
+            <a:endParaRPr lang="es-ES" sz="1200" b="0" strike="noStrike" spc="-1">
               <a:latin typeface="Times New Roman"/>
             </a:endParaRPr>
           </a:p>
@@ -3607,8 +4055,9 @@
         </p:spPr>
         <p:txBody>
           <a:bodyPr anchor="ctr"/>
-          <a:p>
-            <a:endParaRPr b="0" lang="es-ES" sz="2400" spc="-1" strike="noStrike">
+          <a:lstStyle/>
+          <a:p>
+            <a:endParaRPr lang="es-ES" sz="2400" b="0" strike="noStrike" spc="-1">
               <a:latin typeface="Times New Roman"/>
             </a:endParaRPr>
           </a:p>
@@ -3635,6 +4084,7 @@
         </p:spPr>
         <p:txBody>
           <a:bodyPr anchor="ctr"/>
+          <a:lstStyle/>
           <a:p>
             <a:pPr algn="r">
               <a:lnSpc>
@@ -3642,15 +4092,15 @@
               </a:lnSpc>
             </a:pPr>
             <a:fld id="{AEA9D12A-9156-4F2A-B3DC-4C861B762CF8}" type="slidenum">
-              <a:rPr b="0" lang="es-ES" sz="1200" spc="-1" strike="noStrike">
+              <a:rPr lang="es-ES" sz="1200" b="0" strike="noStrike" spc="-1">
                 <a:solidFill>
-                  <a:srgbClr val="8b8b8b"/>
+                  <a:srgbClr val="8B8B8B"/>
                 </a:solidFill>
                 <a:latin typeface="Calibri"/>
               </a:rPr>
-              <a:t>&lt;número&gt;</a:t>
+              <a:t>‹Nº›</a:t>
             </a:fld>
-            <a:endParaRPr b="0" lang="es-ES" sz="1200" spc="-1" strike="noStrike">
+            <a:endParaRPr lang="es-ES" sz="1200" b="0" strike="noStrike" spc="-1">
               <a:latin typeface="Times New Roman"/>
             </a:endParaRPr>
           </a:p>
@@ -3658,26 +4108,306 @@
       </p:sp>
     </p:spTree>
   </p:cSld>
-  <p:clrMap bg1="lt1" bg2="lt2" tx1="dk1" tx2="dk2" accent1="accent1" accent2="accent2" accent3="accent3" accent4="accent4" accent5="accent5" accent6="accent6" hlink="hlink" folHlink="folHlink"/>
+  <p:clrMap bg1="lt1" tx1="dk1" bg2="lt2" tx2="dk2" accent1="accent1" accent2="accent2" accent3="accent3" accent4="accent4" accent5="accent5" accent6="accent6" hlink="hlink" folHlink="folHlink"/>
   <p:sldLayoutIdLst>
-    <p:sldLayoutId id="2147483662" r:id="rId2"/>
-    <p:sldLayoutId id="2147483663" r:id="rId3"/>
-    <p:sldLayoutId id="2147483664" r:id="rId4"/>
-    <p:sldLayoutId id="2147483665" r:id="rId5"/>
-    <p:sldLayoutId id="2147483666" r:id="rId6"/>
-    <p:sldLayoutId id="2147483667" r:id="rId7"/>
-    <p:sldLayoutId id="2147483668" r:id="rId8"/>
-    <p:sldLayoutId id="2147483669" r:id="rId9"/>
-    <p:sldLayoutId id="2147483670" r:id="rId10"/>
-    <p:sldLayoutId id="2147483671" r:id="rId11"/>
-    <p:sldLayoutId id="2147483672" r:id="rId12"/>
-    <p:sldLayoutId id="2147483673" r:id="rId13"/>
+    <p:sldLayoutId id="2147483662" r:id="rId1"/>
+    <p:sldLayoutId id="2147483663" r:id="rId2"/>
+    <p:sldLayoutId id="2147483664" r:id="rId3"/>
+    <p:sldLayoutId id="2147483665" r:id="rId4"/>
+    <p:sldLayoutId id="2147483666" r:id="rId5"/>
+    <p:sldLayoutId id="2147483667" r:id="rId6"/>
+    <p:sldLayoutId id="2147483668" r:id="rId7"/>
+    <p:sldLayoutId id="2147483669" r:id="rId8"/>
+    <p:sldLayoutId id="2147483670" r:id="rId9"/>
+    <p:sldLayoutId id="2147483671" r:id="rId10"/>
+    <p:sldLayoutId id="2147483672" r:id="rId11"/>
+    <p:sldLayoutId id="2147483673" r:id="rId12"/>
   </p:sldLayoutIdLst>
+  <p:txStyles>
+    <p:titleStyle>
+      <a:lvl1pPr algn="l" defTabSz="914400" rtl="0" eaLnBrk="1" latinLnBrk="0" hangingPunct="1">
+        <a:lnSpc>
+          <a:spcPct val="90000"/>
+        </a:lnSpc>
+        <a:spcBef>
+          <a:spcPct val="0"/>
+        </a:spcBef>
+        <a:buNone/>
+        <a:defRPr sz="4400" kern="1200">
+          <a:solidFill>
+            <a:schemeClr val="tx1"/>
+          </a:solidFill>
+          <a:latin typeface="+mj-lt"/>
+          <a:ea typeface="+mj-ea"/>
+          <a:cs typeface="+mj-cs"/>
+        </a:defRPr>
+      </a:lvl1pPr>
+    </p:titleStyle>
+    <p:bodyStyle>
+      <a:lvl1pPr marL="228600" indent="-228600" algn="l" defTabSz="914400" rtl="0" eaLnBrk="1" latinLnBrk="0" hangingPunct="1">
+        <a:lnSpc>
+          <a:spcPct val="90000"/>
+        </a:lnSpc>
+        <a:spcBef>
+          <a:spcPts val="1000"/>
+        </a:spcBef>
+        <a:buFont typeface="Arial" panose="020B0604020202020204" pitchFamily="34" charset="0"/>
+        <a:buChar char="•"/>
+        <a:defRPr sz="2800" kern="1200">
+          <a:solidFill>
+            <a:schemeClr val="tx1"/>
+          </a:solidFill>
+          <a:latin typeface="+mn-lt"/>
+          <a:ea typeface="+mn-ea"/>
+          <a:cs typeface="+mn-cs"/>
+        </a:defRPr>
+      </a:lvl1pPr>
+      <a:lvl2pPr marL="685800" indent="-228600" algn="l" defTabSz="914400" rtl="0" eaLnBrk="1" latinLnBrk="0" hangingPunct="1">
+        <a:lnSpc>
+          <a:spcPct val="90000"/>
+        </a:lnSpc>
+        <a:spcBef>
+          <a:spcPts val="500"/>
+        </a:spcBef>
+        <a:buFont typeface="Arial" panose="020B0604020202020204" pitchFamily="34" charset="0"/>
+        <a:buChar char="•"/>
+        <a:defRPr sz="2400" kern="1200">
+          <a:solidFill>
+            <a:schemeClr val="tx1"/>
+          </a:solidFill>
+          <a:latin typeface="+mn-lt"/>
+          <a:ea typeface="+mn-ea"/>
+          <a:cs typeface="+mn-cs"/>
+        </a:defRPr>
+      </a:lvl2pPr>
+      <a:lvl3pPr marL="1143000" indent="-228600" algn="l" defTabSz="914400" rtl="0" eaLnBrk="1" latinLnBrk="0" hangingPunct="1">
+        <a:lnSpc>
+          <a:spcPct val="90000"/>
+        </a:lnSpc>
+        <a:spcBef>
+          <a:spcPts val="500"/>
+        </a:spcBef>
+        <a:buFont typeface="Arial" panose="020B0604020202020204" pitchFamily="34" charset="0"/>
+        <a:buChar char="•"/>
+        <a:defRPr sz="2000" kern="1200">
+          <a:solidFill>
+            <a:schemeClr val="tx1"/>
+          </a:solidFill>
+          <a:latin typeface="+mn-lt"/>
+          <a:ea typeface="+mn-ea"/>
+          <a:cs typeface="+mn-cs"/>
+        </a:defRPr>
+      </a:lvl3pPr>
+      <a:lvl4pPr marL="1600200" indent="-228600" algn="l" defTabSz="914400" rtl="0" eaLnBrk="1" latinLnBrk="0" hangingPunct="1">
+        <a:lnSpc>
+          <a:spcPct val="90000"/>
+        </a:lnSpc>
+        <a:spcBef>
+          <a:spcPts val="500"/>
+        </a:spcBef>
+        <a:buFont typeface="Arial" panose="020B0604020202020204" pitchFamily="34" charset="0"/>
+        <a:buChar char="•"/>
+        <a:defRPr sz="1800" kern="1200">
+          <a:solidFill>
+            <a:schemeClr val="tx1"/>
+          </a:solidFill>
+          <a:latin typeface="+mn-lt"/>
+          <a:ea typeface="+mn-ea"/>
+          <a:cs typeface="+mn-cs"/>
+        </a:defRPr>
+      </a:lvl4pPr>
+      <a:lvl5pPr marL="2057400" indent="-228600" algn="l" defTabSz="914400" rtl="0" eaLnBrk="1" latinLnBrk="0" hangingPunct="1">
+        <a:lnSpc>
+          <a:spcPct val="90000"/>
+        </a:lnSpc>
+        <a:spcBef>
+          <a:spcPts val="500"/>
+        </a:spcBef>
+        <a:buFont typeface="Arial" panose="020B0604020202020204" pitchFamily="34" charset="0"/>
+        <a:buChar char="•"/>
+        <a:defRPr sz="1800" kern="1200">
+          <a:solidFill>
+            <a:schemeClr val="tx1"/>
+          </a:solidFill>
+          <a:latin typeface="+mn-lt"/>
+          <a:ea typeface="+mn-ea"/>
+          <a:cs typeface="+mn-cs"/>
+        </a:defRPr>
+      </a:lvl5pPr>
+      <a:lvl6pPr marL="2514600" indent="-228600" algn="l" defTabSz="914400" rtl="0" eaLnBrk="1" latinLnBrk="0" hangingPunct="1">
+        <a:lnSpc>
+          <a:spcPct val="90000"/>
+        </a:lnSpc>
+        <a:spcBef>
+          <a:spcPts val="500"/>
+        </a:spcBef>
+        <a:buFont typeface="Arial" panose="020B0604020202020204" pitchFamily="34" charset="0"/>
+        <a:buChar char="•"/>
+        <a:defRPr sz="1800" kern="1200">
+          <a:solidFill>
+            <a:schemeClr val="tx1"/>
+          </a:solidFill>
+          <a:latin typeface="+mn-lt"/>
+          <a:ea typeface="+mn-ea"/>
+          <a:cs typeface="+mn-cs"/>
+        </a:defRPr>
+      </a:lvl6pPr>
+      <a:lvl7pPr marL="2971800" indent="-228600" algn="l" defTabSz="914400" rtl="0" eaLnBrk="1" latinLnBrk="0" hangingPunct="1">
+        <a:lnSpc>
+          <a:spcPct val="90000"/>
+        </a:lnSpc>
+        <a:spcBef>
+          <a:spcPts val="500"/>
+        </a:spcBef>
+        <a:buFont typeface="Arial" panose="020B0604020202020204" pitchFamily="34" charset="0"/>
+        <a:buChar char="•"/>
+        <a:defRPr sz="1800" kern="1200">
+          <a:solidFill>
+            <a:schemeClr val="tx1"/>
+          </a:solidFill>
+          <a:latin typeface="+mn-lt"/>
+          <a:ea typeface="+mn-ea"/>
+          <a:cs typeface="+mn-cs"/>
+        </a:defRPr>
+      </a:lvl7pPr>
+      <a:lvl8pPr marL="3429000" indent="-228600" algn="l" defTabSz="914400" rtl="0" eaLnBrk="1" latinLnBrk="0" hangingPunct="1">
+        <a:lnSpc>
+          <a:spcPct val="90000"/>
+        </a:lnSpc>
+        <a:spcBef>
+          <a:spcPts val="500"/>
+        </a:spcBef>
+        <a:buFont typeface="Arial" panose="020B0604020202020204" pitchFamily="34" charset="0"/>
+        <a:buChar char="•"/>
+        <a:defRPr sz="1800" kern="1200">
+          <a:solidFill>
+            <a:schemeClr val="tx1"/>
+          </a:solidFill>
+          <a:latin typeface="+mn-lt"/>
+          <a:ea typeface="+mn-ea"/>
+          <a:cs typeface="+mn-cs"/>
+        </a:defRPr>
+      </a:lvl8pPr>
+      <a:lvl9pPr marL="3886200" indent="-228600" algn="l" defTabSz="914400" rtl="0" eaLnBrk="1" latinLnBrk="0" hangingPunct="1">
+        <a:lnSpc>
+          <a:spcPct val="90000"/>
+        </a:lnSpc>
+        <a:spcBef>
+          <a:spcPts val="500"/>
+        </a:spcBef>
+        <a:buFont typeface="Arial" panose="020B0604020202020204" pitchFamily="34" charset="0"/>
+        <a:buChar char="•"/>
+        <a:defRPr sz="1800" kern="1200">
+          <a:solidFill>
+            <a:schemeClr val="tx1"/>
+          </a:solidFill>
+          <a:latin typeface="+mn-lt"/>
+          <a:ea typeface="+mn-ea"/>
+          <a:cs typeface="+mn-cs"/>
+        </a:defRPr>
+      </a:lvl9pPr>
+    </p:bodyStyle>
+    <p:otherStyle>
+      <a:defPPr>
+        <a:defRPr lang="es-ES"/>
+      </a:defPPr>
+      <a:lvl1pPr marL="0" algn="l" defTabSz="914400" rtl="0" eaLnBrk="1" latinLnBrk="0" hangingPunct="1">
+        <a:defRPr sz="1800" kern="1200">
+          <a:solidFill>
+            <a:schemeClr val="tx1"/>
+          </a:solidFill>
+          <a:latin typeface="+mn-lt"/>
+          <a:ea typeface="+mn-ea"/>
+          <a:cs typeface="+mn-cs"/>
+        </a:defRPr>
+      </a:lvl1pPr>
+      <a:lvl2pPr marL="457200" algn="l" defTabSz="914400" rtl="0" eaLnBrk="1" latinLnBrk="0" hangingPunct="1">
+        <a:defRPr sz="1800" kern="1200">
+          <a:solidFill>
+            <a:schemeClr val="tx1"/>
+          </a:solidFill>
+          <a:latin typeface="+mn-lt"/>
+          <a:ea typeface="+mn-ea"/>
+          <a:cs typeface="+mn-cs"/>
+        </a:defRPr>
+      </a:lvl2pPr>
+      <a:lvl3pPr marL="914400" algn="l" defTabSz="914400" rtl="0" eaLnBrk="1" latinLnBrk="0" hangingPunct="1">
+        <a:defRPr sz="1800" kern="1200">
+          <a:solidFill>
+            <a:schemeClr val="tx1"/>
+          </a:solidFill>
+          <a:latin typeface="+mn-lt"/>
+          <a:ea typeface="+mn-ea"/>
+          <a:cs typeface="+mn-cs"/>
+        </a:defRPr>
+      </a:lvl3pPr>
+      <a:lvl4pPr marL="1371600" algn="l" defTabSz="914400" rtl="0" eaLnBrk="1" latinLnBrk="0" hangingPunct="1">
+        <a:defRPr sz="1800" kern="1200">
+          <a:solidFill>
+            <a:schemeClr val="tx1"/>
+          </a:solidFill>
+          <a:latin typeface="+mn-lt"/>
+          <a:ea typeface="+mn-ea"/>
+          <a:cs typeface="+mn-cs"/>
+        </a:defRPr>
+      </a:lvl4pPr>
+      <a:lvl5pPr marL="1828800" algn="l" defTabSz="914400" rtl="0" eaLnBrk="1" latinLnBrk="0" hangingPunct="1">
+        <a:defRPr sz="1800" kern="1200">
+          <a:solidFill>
+            <a:schemeClr val="tx1"/>
+          </a:solidFill>
+          <a:latin typeface="+mn-lt"/>
+          <a:ea typeface="+mn-ea"/>
+          <a:cs typeface="+mn-cs"/>
+        </a:defRPr>
+      </a:lvl5pPr>
+      <a:lvl6pPr marL="2286000" algn="l" defTabSz="914400" rtl="0" eaLnBrk="1" latinLnBrk="0" hangingPunct="1">
+        <a:defRPr sz="1800" kern="1200">
+          <a:solidFill>
+            <a:schemeClr val="tx1"/>
+          </a:solidFill>
+          <a:latin typeface="+mn-lt"/>
+          <a:ea typeface="+mn-ea"/>
+          <a:cs typeface="+mn-cs"/>
+        </a:defRPr>
+      </a:lvl6pPr>
+      <a:lvl7pPr marL="2743200" algn="l" defTabSz="914400" rtl="0" eaLnBrk="1" latinLnBrk="0" hangingPunct="1">
+        <a:defRPr sz="1800" kern="1200">
+          <a:solidFill>
+            <a:schemeClr val="tx1"/>
+          </a:solidFill>
+          <a:latin typeface="+mn-lt"/>
+          <a:ea typeface="+mn-ea"/>
+          <a:cs typeface="+mn-cs"/>
+        </a:defRPr>
+      </a:lvl7pPr>
+      <a:lvl8pPr marL="3200400" algn="l" defTabSz="914400" rtl="0" eaLnBrk="1" latinLnBrk="0" hangingPunct="1">
+        <a:defRPr sz="1800" kern="1200">
+          <a:solidFill>
+            <a:schemeClr val="tx1"/>
+          </a:solidFill>
+          <a:latin typeface="+mn-lt"/>
+          <a:ea typeface="+mn-ea"/>
+          <a:cs typeface="+mn-cs"/>
+        </a:defRPr>
+      </a:lvl8pPr>
+      <a:lvl9pPr marL="3657600" algn="l" defTabSz="914400" rtl="0" eaLnBrk="1" latinLnBrk="0" hangingPunct="1">
+        <a:defRPr sz="1800" kern="1200">
+          <a:solidFill>
+            <a:schemeClr val="tx1"/>
+          </a:solidFill>
+          <a:latin typeface="+mn-lt"/>
+          <a:ea typeface="+mn-ea"/>
+          <a:cs typeface="+mn-cs"/>
+        </a:defRPr>
+      </a:lvl9pPr>
+    </p:otherStyle>
+  </p:txStyles>
 </p:sldMaster>
 </file>
 
 <file path=ppt/slides/slide1.xml><?xml version="1.0" encoding="utf-8"?>
-<p:sld xmlns:a="http://schemas.openxmlformats.org/drawingml/2006/main" xmlns:p="http://schemas.openxmlformats.org/presentationml/2006/main" xmlns:r="http://schemas.openxmlformats.org/officeDocument/2006/relationships" xmlns:p14="http://schemas.microsoft.com/office/powerpoint/2010/main" xmlns:p15="http://schemas.microsoft.com/office/powerpoint/2012/main" xmlns:mc="http://schemas.openxmlformats.org/markup-compatibility/2006">
+<p:sld xmlns:a="http://schemas.openxmlformats.org/drawingml/2006/main" xmlns:r="http://schemas.openxmlformats.org/officeDocument/2006/relationships" xmlns:p="http://schemas.openxmlformats.org/presentationml/2006/main">
   <p:cSld>
     <p:spTree>
       <p:nvGrpSpPr>
@@ -3714,6 +4444,7 @@
         </p:spPr>
         <p:txBody>
           <a:bodyPr anchor="b"/>
+          <a:lstStyle/>
           <a:p>
             <a:pPr algn="ctr">
               <a:lnSpc>
@@ -3721,7 +4452,7 @@
               </a:lnSpc>
             </a:pPr>
             <a:r>
-              <a:rPr b="0" lang="es-ES" sz="6000" spc="-1" strike="noStrike">
+              <a:rPr lang="es-ES" sz="6000" b="0" strike="noStrike" spc="-1">
                 <a:solidFill>
                   <a:srgbClr val="000000"/>
                 </a:solidFill>
@@ -3729,7 +4460,7 @@
               </a:rPr>
               <a:t>Diseño funcional y modelos</a:t>
             </a:r>
-            <a:endParaRPr b="0" lang="es-ES" sz="6000" spc="-1" strike="noStrike">
+            <a:endParaRPr lang="es-ES" sz="6000" b="0" strike="noStrike" spc="-1">
               <a:solidFill>
                 <a:srgbClr val="000000"/>
               </a:solidFill>
@@ -3759,6 +4490,7 @@
         </p:spPr>
         <p:txBody>
           <a:bodyPr/>
+          <a:lstStyle/>
           <a:p>
             <a:pPr algn="ctr">
               <a:lnSpc>
@@ -3769,7 +4501,7 @@
               </a:spcBef>
             </a:pPr>
             <a:r>
-              <a:rPr b="0" lang="es-ES" sz="2400" spc="-1" strike="noStrike">
+              <a:rPr lang="es-ES" sz="2400" b="0" strike="noStrike" spc="-1">
                 <a:solidFill>
                   <a:srgbClr val="000000"/>
                 </a:solidFill>
@@ -3777,7 +4509,7 @@
               </a:rPr>
               <a:t>Lucía</a:t>
             </a:r>
-            <a:endParaRPr b="0" lang="es-ES" sz="2400" spc="-1" strike="noStrike">
+            <a:endParaRPr lang="es-ES" sz="2400" b="0" strike="noStrike" spc="-1">
               <a:latin typeface="Arial"/>
             </a:endParaRPr>
           </a:p>
@@ -3785,6 +4517,9 @@
       </p:sp>
     </p:spTree>
   </p:cSld>
+  <p:clrMapOvr>
+    <a:masterClrMapping/>
+  </p:clrMapOvr>
   <p:timing>
     <p:tnLst>
       <p:par>
@@ -3793,14 +4528,14 @@
             <p:seq>
               <p:cTn id="2" dur="indefinite" nodeType="mainSeq"/>
               <p:prevCondLst>
-                <p:cond delay="0" evt="onPrev">
+                <p:cond evt="onPrev" delay="0">
                   <p:tgtEl>
                     <p:sldTgt/>
                   </p:tgtEl>
                 </p:cond>
               </p:prevCondLst>
               <p:nextCondLst>
-                <p:cond delay="0" evt="onNext">
+                <p:cond evt="onNext" delay="0">
                   <p:tgtEl>
                     <p:sldTgt/>
                   </p:tgtEl>
@@ -3816,7 +4551,7 @@
 </file>
 
 <file path=ppt/slides/slide10.xml><?xml version="1.0" encoding="utf-8"?>
-<p:sld xmlns:a="http://schemas.openxmlformats.org/drawingml/2006/main" xmlns:p="http://schemas.openxmlformats.org/presentationml/2006/main" xmlns:r="http://schemas.openxmlformats.org/officeDocument/2006/relationships" xmlns:p14="http://schemas.microsoft.com/office/powerpoint/2010/main" xmlns:p15="http://schemas.microsoft.com/office/powerpoint/2012/main" xmlns:mc="http://schemas.openxmlformats.org/markup-compatibility/2006">
+<p:sld xmlns:a="http://schemas.openxmlformats.org/drawingml/2006/main" xmlns:r="http://schemas.openxmlformats.org/officeDocument/2006/relationships" xmlns:p="http://schemas.openxmlformats.org/presentationml/2006/main">
   <p:cSld>
     <p:spTree>
       <p:nvGrpSpPr>
@@ -3834,14 +4569,14 @@
       </p:grpSpPr>
       <p:sp>
         <p:nvSpPr>
-          <p:cNvPr id="169" name="TextShape 1"/>
+          <p:cNvPr id="158" name="TextShape 1"/>
           <p:cNvSpPr txBox="1"/>
           <p:nvPr/>
         </p:nvSpPr>
         <p:spPr>
           <a:xfrm>
-            <a:off x="838080" y="365040"/>
-            <a:ext cx="10515240" cy="392040"/>
+            <a:off x="1924920" y="124200"/>
+            <a:ext cx="10515240" cy="1325160"/>
           </a:xfrm>
           <a:prstGeom prst="rect">
             <a:avLst/>
@@ -3852,25 +4587,24 @@
           </a:ln>
         </p:spPr>
         <p:txBody>
-          <a:bodyPr anchor="ctr">
-            <a:normAutofit/>
-          </a:bodyPr>
-          <a:p>
-            <a:pPr algn="ctr">
+          <a:bodyPr anchor="ctr"/>
+          <a:lstStyle/>
+          <a:p>
+            <a:pPr>
               <a:lnSpc>
                 <a:spcPct val="90000"/>
               </a:lnSpc>
             </a:pPr>
             <a:r>
-              <a:rPr b="1" lang="es-ES" sz="2800" spc="-1" strike="noStrike">
+              <a:rPr lang="es-ES" sz="4400" b="0" strike="noStrike" spc="-1">
                 <a:solidFill>
                   <a:srgbClr val="000000"/>
                 </a:solidFill>
-                <a:latin typeface="Calibri Light"/>
+                <a:latin typeface="LM Roman 10"/>
               </a:rPr>
-              <a:t>RESTRICCIONES OBLIGATORIAS</a:t>
+              <a:t>Python optimization algorithm </a:t>
             </a:r>
-            <a:endParaRPr b="0" lang="es-ES" sz="2800" spc="-1" strike="noStrike">
+            <a:endParaRPr lang="es-ES" sz="4400" b="0" strike="noStrike" spc="-1">
               <a:solidFill>
                 <a:srgbClr val="000000"/>
               </a:solidFill>
@@ -3881,14 +4615,14 @@
       </p:sp>
       <p:sp>
         <p:nvSpPr>
-          <p:cNvPr id="170" name="TextShape 2"/>
+          <p:cNvPr id="159" name="TextShape 2"/>
           <p:cNvSpPr txBox="1"/>
           <p:nvPr/>
         </p:nvSpPr>
         <p:spPr>
           <a:xfrm>
-            <a:off x="838080" y="1054800"/>
-            <a:ext cx="10515240" cy="4350960"/>
+            <a:off x="838080" y="1343880"/>
+            <a:ext cx="10515240" cy="5069880"/>
           </a:xfrm>
           <a:prstGeom prst="rect">
             <a:avLst/>
@@ -3900,6 +4634,7 @@
         </p:spPr>
         <p:txBody>
           <a:bodyPr/>
+          <a:lstStyle/>
           <a:p>
             <a:pPr marL="228600" indent="-228240">
               <a:lnSpc>
@@ -3915,24 +4650,155 @@
               <a:buChar char="•"/>
             </a:pPr>
             <a:r>
-              <a:rPr b="0" lang="es-ES" sz="2800" spc="-1" strike="noStrike">
+              <a:rPr lang="es-ES" sz="2800" b="1" u="sng" strike="noStrike" spc="-1">
+                <a:solidFill>
+                  <a:srgbClr val="0563C1"/>
+                </a:solidFill>
+                <a:uFillTx/>
+                <a:latin typeface="LM Roman 10"/>
+                <a:hlinkClick r:id="rId2"/>
+              </a:rPr>
+              <a:t>Librería: </a:t>
+            </a:r>
+            <a:r>
+              <a:rPr lang="es-ES" sz="2800" b="1" u="sng" strike="noStrike" spc="-1">
+                <a:solidFill>
+                  <a:srgbClr val="0563C1"/>
+                </a:solidFill>
+                <a:uFillTx/>
+                <a:latin typeface="LM Roman 10"/>
+                <a:hlinkClick r:id="rId2"/>
+              </a:rPr>
+              <a:t>mlrose</a:t>
+            </a:r>
+            <a:endParaRPr lang="es-ES" sz="2800" b="0" strike="noStrike" spc="-1">
+              <a:solidFill>
+                <a:srgbClr val="000000"/>
+              </a:solidFill>
+              <a:latin typeface="Calibri"/>
+            </a:endParaRPr>
+          </a:p>
+          <a:p>
+            <a:pPr marL="228600" indent="-228240">
+              <a:lnSpc>
+                <a:spcPct val="90000"/>
+              </a:lnSpc>
+              <a:spcBef>
+                <a:spcPts val="1001"/>
+              </a:spcBef>
+              <a:buClr>
+                <a:srgbClr val="000000"/>
+              </a:buClr>
+              <a:buFont typeface="Arial"/>
+              <a:buChar char="•"/>
+            </a:pPr>
+            <a:r>
+              <a:rPr lang="es-ES" sz="2800" b="0" u="sng" strike="noStrike" spc="-1">
+                <a:solidFill>
+                  <a:srgbClr val="0563C1"/>
+                </a:solidFill>
+                <a:uFillTx/>
+                <a:latin typeface="LM Roman 10"/>
+                <a:hlinkClick r:id="rId2"/>
+              </a:rPr>
+              <a:t>https://towardsdatascience.com/getting-started-with-randomized-optimization-in-python-f7df46babff0</a:t>
+            </a:r>
+            <a:endParaRPr lang="es-ES" sz="2800" b="0" strike="noStrike" spc="-1">
+              <a:solidFill>
+                <a:srgbClr val="000000"/>
+              </a:solidFill>
+              <a:latin typeface="Calibri"/>
+            </a:endParaRPr>
+          </a:p>
+          <a:p>
+            <a:pPr marL="228600" indent="-228240">
+              <a:lnSpc>
+                <a:spcPct val="90000"/>
+              </a:lnSpc>
+              <a:spcBef>
+                <a:spcPts val="1001"/>
+              </a:spcBef>
+              <a:buClr>
+                <a:srgbClr val="000000"/>
+              </a:buClr>
+              <a:buFont typeface="Arial"/>
+              <a:buChar char="•"/>
+            </a:pPr>
+            <a:r>
+              <a:rPr lang="es-ES" sz="2800" b="0" u="sng" strike="noStrike" spc="-1">
+                <a:solidFill>
+                  <a:srgbClr val="0563C1"/>
+                </a:solidFill>
+                <a:uFillTx/>
+                <a:latin typeface="LM Roman 10"/>
+                <a:hlinkClick r:id="rId3"/>
+              </a:rPr>
+              <a:t>https://towardsdatascience.com/solving-travelling-salesperson-problems-with-python-5de7e883d847</a:t>
+            </a:r>
+            <a:endParaRPr lang="es-ES" sz="2800" b="0" strike="noStrike" spc="-1">
+              <a:solidFill>
+                <a:srgbClr val="000000"/>
+              </a:solidFill>
+              <a:latin typeface="Calibri"/>
+            </a:endParaRPr>
+          </a:p>
+          <a:p>
+            <a:pPr marL="228600" indent="-228240">
+              <a:lnSpc>
+                <a:spcPct val="90000"/>
+              </a:lnSpc>
+              <a:spcBef>
+                <a:spcPts val="1001"/>
+              </a:spcBef>
+              <a:buClr>
+                <a:srgbClr val="000000"/>
+              </a:buClr>
+              <a:buFont typeface="Arial"/>
+              <a:buChar char="•"/>
+            </a:pPr>
+            <a:r>
+              <a:rPr lang="es-ES" sz="2800" b="1" u="sng" strike="noStrike" spc="-1">
                 <a:solidFill>
                   <a:srgbClr val="000000"/>
                 </a:solidFill>
-                <a:latin typeface="Calibri"/>
+                <a:uFillTx/>
+                <a:latin typeface="LM Roman 10"/>
               </a:rPr>
-              <a:t> </a:t>
+              <a:t>Librería: scipy.optimize</a:t>
             </a:r>
+            <a:endParaRPr lang="es-ES" sz="2800" b="0" strike="noStrike" spc="-1">
+              <a:solidFill>
+                <a:srgbClr val="000000"/>
+              </a:solidFill>
+              <a:latin typeface="Calibri"/>
+            </a:endParaRPr>
+          </a:p>
+          <a:p>
+            <a:pPr marL="228600" indent="-228240">
+              <a:lnSpc>
+                <a:spcPct val="90000"/>
+              </a:lnSpc>
+              <a:spcBef>
+                <a:spcPts val="1001"/>
+              </a:spcBef>
+              <a:buClr>
+                <a:srgbClr val="000000"/>
+              </a:buClr>
+              <a:buFont typeface="Arial"/>
+              <a:buChar char="•"/>
+            </a:pPr>
             <a:r>
-              <a:rPr b="0" lang="es-ES" sz="2000" spc="-1" strike="noStrike">
+              <a:rPr lang="es-ES" sz="2800" b="0" u="sng" strike="noStrike" spc="-1">
                 <a:solidFill>
-                  <a:srgbClr val="000000"/>
+                  <a:srgbClr val="0563C1"/>
                 </a:solidFill>
-                <a:latin typeface="Calibri"/>
+                <a:uFillTx/>
+                <a:latin typeface="LM Roman 10"/>
+                <a:hlinkClick r:id="rId4"/>
               </a:rPr>
-              <a:t>Una vez analizada la autonomía real del coche:</a:t>
+              <a:t>https://docs.scipy.org/doc/scipy/reference/tutorial/optimize.html</a:t>
             </a:r>
-            <a:endParaRPr b="0" lang="es-ES" sz="2000" spc="-1" strike="noStrike">
+            <a:endParaRPr lang="es-ES" sz="2800" b="0" strike="noStrike" spc="-1">
               <a:solidFill>
                 <a:srgbClr val="000000"/>
               </a:solidFill>
@@ -3948,7 +4814,7 @@
                 <a:spcPts val="1001"/>
               </a:spcBef>
             </a:pPr>
-            <a:endParaRPr b="0" lang="es-ES" sz="2000" spc="-1" strike="noStrike">
+            <a:endParaRPr lang="es-ES" sz="2800" b="0" strike="noStrike" spc="-1">
               <a:solidFill>
                 <a:srgbClr val="000000"/>
               </a:solidFill>
@@ -3964,222 +4830,36 @@
                 <a:spcPts val="1001"/>
               </a:spcBef>
             </a:pPr>
-            <a:endParaRPr b="0" lang="es-ES" sz="2000" spc="-1" strike="noStrike">
+            <a:endParaRPr lang="es-ES" sz="2800" b="0" strike="noStrike" spc="-1">
               <a:solidFill>
                 <a:srgbClr val="000000"/>
               </a:solidFill>
               <a:latin typeface="Calibri"/>
             </a:endParaRPr>
           </a:p>
-          <a:p>
-            <a:pPr>
-              <a:lnSpc>
-                <a:spcPct val="90000"/>
-              </a:lnSpc>
-              <a:spcBef>
-                <a:spcPts val="1001"/>
-              </a:spcBef>
-            </a:pPr>
-            <a:endParaRPr b="0" lang="es-ES" sz="2000" spc="-1" strike="noStrike">
-              <a:solidFill>
-                <a:srgbClr val="000000"/>
-              </a:solidFill>
-              <a:latin typeface="Calibri"/>
-            </a:endParaRPr>
-          </a:p>
-          <a:p>
-            <a:pPr marL="228600" indent="-228240">
-              <a:lnSpc>
-                <a:spcPct val="90000"/>
-              </a:lnSpc>
-              <a:spcBef>
-                <a:spcPts val="1001"/>
-              </a:spcBef>
-              <a:buClr>
-                <a:srgbClr val="000000"/>
-              </a:buClr>
-              <a:buFont typeface="Arial"/>
-              <a:buChar char="•"/>
-            </a:pPr>
-            <a:r>
-              <a:rPr b="0" lang="es-ES" sz="2400" spc="-1" strike="noStrike">
-                <a:solidFill>
-                  <a:srgbClr val="000000"/>
-                </a:solidFill>
-                <a:latin typeface="Calibri"/>
-              </a:rPr>
-              <a:t>Nº nodos  </a:t>
-            </a:r>
-            <a:r>
-              <a:rPr b="0" lang="es-ES" sz="2400" spc="-1" strike="noStrike">
-                <a:solidFill>
-                  <a:srgbClr val="000000"/>
-                </a:solidFill>
-                <a:latin typeface="Wingdings"/>
-              </a:rPr>
-              <a:t></a:t>
-            </a:r>
-            <a:r>
-              <a:rPr b="0" lang="es-ES" sz="2400" spc="-1" strike="noStrike">
-                <a:solidFill>
-                  <a:srgbClr val="000000"/>
-                </a:solidFill>
-                <a:latin typeface="Calibri"/>
-              </a:rPr>
-              <a:t> </a:t>
-            </a:r>
-            <a:r>
-              <a:rPr b="0" lang="es-ES" sz="1800" spc="-1" strike="noStrike">
-                <a:solidFill>
-                  <a:srgbClr val="000000"/>
-                </a:solidFill>
-                <a:latin typeface="Calibri"/>
-              </a:rPr>
-              <a:t>con el fin de acotar la búsqueda de rutas</a:t>
-            </a:r>
-            <a:endParaRPr b="0" lang="es-ES" sz="1800" spc="-1" strike="noStrike">
-              <a:solidFill>
-                <a:srgbClr val="000000"/>
-              </a:solidFill>
-              <a:latin typeface="Calibri"/>
-            </a:endParaRPr>
-          </a:p>
-          <a:p>
-            <a:pPr marL="457200">
-              <a:lnSpc>
-                <a:spcPct val="90000"/>
-              </a:lnSpc>
-              <a:spcBef>
-                <a:spcPts val="499"/>
-              </a:spcBef>
-            </a:pPr>
-            <a:r>
-              <a:rPr b="0" lang="es-ES" sz="2000" spc="-1" strike="noStrike">
-                <a:solidFill>
-                  <a:srgbClr val="000000"/>
-                </a:solidFill>
-                <a:latin typeface="Calibri"/>
-              </a:rPr>
-              <a:t>	</a:t>
-            </a:r>
-            <a:r>
-              <a:rPr b="0" lang="es-ES" sz="2000" spc="-1" strike="noStrike">
-                <a:solidFill>
-                  <a:srgbClr val="000000"/>
-                </a:solidFill>
-                <a:latin typeface="Calibri"/>
-              </a:rPr>
-              <a:t>	</a:t>
-            </a:r>
-            <a:r>
-              <a:rPr b="0" lang="es-ES" sz="2000" spc="-1" strike="noStrike">
-                <a:solidFill>
-                  <a:srgbClr val="000000"/>
-                </a:solidFill>
-                <a:latin typeface="Calibri"/>
-              </a:rPr>
-              <a:t>	</a:t>
-            </a:r>
-            <a:r>
-              <a:rPr b="0" lang="es-ES" sz="2000" spc="-1" strike="noStrike">
-                <a:solidFill>
-                  <a:srgbClr val="000000"/>
-                </a:solidFill>
-                <a:latin typeface="Calibri"/>
-              </a:rPr>
-              <a:t>       </a:t>
-            </a:r>
-            <a:r>
-              <a:rPr b="0" lang="es-ES" sz="2000" spc="-1" strike="noStrike">
-                <a:solidFill>
-                  <a:srgbClr val="000000"/>
-                </a:solidFill>
-                <a:latin typeface="Calibri"/>
-              </a:rPr>
-              <a:t>en vez de decretarlo nosotras, que el usuario elija un nº de paradas que desea hacer, de tal manera, que si elige algo inviable, la aplicación le dirá que es imposible en base al resto de restricciones establecidas</a:t>
-            </a:r>
-            <a:endParaRPr b="0" lang="es-ES" sz="2000" spc="-1" strike="noStrike">
-              <a:solidFill>
-                <a:srgbClr val="000000"/>
-              </a:solidFill>
-              <a:latin typeface="Calibri"/>
-            </a:endParaRPr>
-          </a:p>
-        </p:txBody>
-      </p:sp>
-      <p:sp>
-        <p:nvSpPr>
-          <p:cNvPr id="171" name="TextShape 3"/>
-          <p:cNvSpPr txBox="1"/>
-          <p:nvPr/>
-        </p:nvSpPr>
-        <p:spPr>
-          <a:xfrm>
-            <a:off x="838080" y="1054800"/>
-            <a:ext cx="10515240" cy="4350960"/>
-          </a:xfrm>
-          <a:prstGeom prst="rect">
-            <a:avLst/>
-          </a:prstGeom>
-          <a:blipFill rotWithShape="0">
-            <a:blip r:embed="rId1"/>
-            <a:stretch>
-              <a:fillRect/>
-            </a:stretch>
-          </a:blipFill>
-          <a:ln>
-            <a:noFill/>
-          </a:ln>
-        </p:spPr>
-        <p:txBody>
-          <a:bodyPr/>
-          <a:p>
-            <a:pPr marL="228600" indent="-228240">
-              <a:lnSpc>
-                <a:spcPct val="90000"/>
-              </a:lnSpc>
-              <a:spcBef>
-                <a:spcPts val="1001"/>
-              </a:spcBef>
-              <a:buClr>
-                <a:srgbClr val="000000"/>
-              </a:buClr>
-              <a:buFont typeface="Arial"/>
-              <a:buChar char="•"/>
-            </a:pPr>
-            <a:r>
-              <a:rPr b="0" lang="es-ES" sz="2800" spc="-1" strike="noStrike">
-                <a:latin typeface="Calibri"/>
-              </a:rPr>
-              <a:t> </a:t>
-            </a:r>
-            <a:endParaRPr b="0" lang="es-ES" sz="2800" spc="-1" strike="noStrike">
-              <a:solidFill>
-                <a:srgbClr val="000000"/>
-              </a:solidFill>
-              <a:latin typeface="Calibri"/>
-            </a:endParaRPr>
-          </a:p>
         </p:txBody>
       </p:sp>
     </p:spTree>
   </p:cSld>
+  <p:clrMapOvr>
+    <a:masterClrMapping/>
+  </p:clrMapOvr>
   <p:timing>
     <p:tnLst>
       <p:par>
-        <p:cTn id="19" dur="indefinite" restart="never" nodeType="tmRoot">
+        <p:cTn id="1" dur="indefinite" restart="never" nodeType="tmRoot">
           <p:childTnLst>
             <p:seq>
-              <p:cTn id="20" dur="indefinite" nodeType="mainSeq"/>
+              <p:cTn id="2" dur="indefinite" nodeType="mainSeq"/>
               <p:prevCondLst>
-                <p:cond delay="0" evt="onPrev">
+                <p:cond evt="onPrev" delay="0">
                   <p:tgtEl>
                     <p:sldTgt/>
                   </p:tgtEl>
                 </p:cond>
               </p:prevCondLst>
               <p:nextCondLst>
-                <p:cond delay="0" evt="onNext">
+                <p:cond evt="onNext" delay="0">
                   <p:tgtEl>
                     <p:sldTgt/>
                   </p:tgtEl>
@@ -4195,7 +4875,7 @@
 </file>
 
 <file path=ppt/slides/slide11.xml><?xml version="1.0" encoding="utf-8"?>
-<p:sld xmlns:a="http://schemas.openxmlformats.org/drawingml/2006/main" xmlns:p="http://schemas.openxmlformats.org/presentationml/2006/main" xmlns:r="http://schemas.openxmlformats.org/officeDocument/2006/relationships" xmlns:p14="http://schemas.microsoft.com/office/powerpoint/2010/main" xmlns:p15="http://schemas.microsoft.com/office/powerpoint/2012/main" xmlns:mc="http://schemas.openxmlformats.org/markup-compatibility/2006">
+<p:sld xmlns:a="http://schemas.openxmlformats.org/drawingml/2006/main" xmlns:r="http://schemas.openxmlformats.org/officeDocument/2006/relationships" xmlns:p="http://schemas.openxmlformats.org/presentationml/2006/main">
   <p:cSld>
     <p:spTree>
       <p:nvGrpSpPr>
@@ -4213,14 +4893,14 @@
       </p:grpSpPr>
       <p:sp>
         <p:nvSpPr>
-          <p:cNvPr id="172" name="TextShape 1"/>
+          <p:cNvPr id="160" name="TextShape 1"/>
           <p:cNvSpPr txBox="1"/>
           <p:nvPr/>
         </p:nvSpPr>
         <p:spPr>
           <a:xfrm>
-            <a:off x="838080" y="365040"/>
-            <a:ext cx="10515240" cy="405360"/>
+            <a:off x="838080" y="1627560"/>
+            <a:ext cx="10515240" cy="4630320"/>
           </a:xfrm>
           <a:prstGeom prst="rect">
             <a:avLst/>
@@ -4231,54 +4911,241 @@
           </a:ln>
         </p:spPr>
         <p:txBody>
-          <a:bodyPr anchor="ctr">
+          <a:bodyPr>
             <a:normAutofit/>
           </a:bodyPr>
-          <a:p>
-            <a:pPr algn="ctr">
+          <a:lstStyle/>
+          <a:p>
+            <a:pPr marL="228600" indent="-228240">
               <a:lnSpc>
                 <a:spcPct val="90000"/>
               </a:lnSpc>
+              <a:spcBef>
+                <a:spcPts val="1001"/>
+              </a:spcBef>
+              <a:buClr>
+                <a:srgbClr val="000000"/>
+              </a:buClr>
+              <a:buFont typeface="Arial"/>
+              <a:buChar char="•"/>
             </a:pPr>
             <a:r>
-              <a:rPr b="1" lang="es-ES" sz="2400" spc="-1" strike="noStrike">
+              <a:rPr lang="es-ES" sz="2800" b="1" u="sng" strike="noStrike" spc="-1">
+                <a:solidFill>
+                  <a:srgbClr val="0563C1"/>
+                </a:solidFill>
+                <a:uFillTx/>
+                <a:latin typeface="LM Roman 10"/>
+                <a:hlinkClick r:id="rId2"/>
+              </a:rPr>
+              <a:t>EDA Librería: pandas, </a:t>
+            </a:r>
+            <a:r>
+              <a:rPr lang="es-ES" sz="2800" b="1" u="sng" strike="noStrike" spc="-1">
+                <a:solidFill>
+                  <a:srgbClr val="0563C1"/>
+                </a:solidFill>
+                <a:uFillTx/>
+                <a:latin typeface="LM Roman 10"/>
+                <a:hlinkClick r:id="rId2"/>
+              </a:rPr>
+              <a:t>matplotlib</a:t>
+            </a:r>
+            <a:r>
+              <a:rPr lang="es-ES" sz="2800" b="1" u="sng" strike="noStrike" spc="-1">
+                <a:solidFill>
+                  <a:srgbClr val="0563C1"/>
+                </a:solidFill>
+                <a:uFillTx/>
+                <a:latin typeface="LM Roman 10"/>
+                <a:hlinkClick r:id="rId2"/>
+              </a:rPr>
+              <a:t>, </a:t>
+            </a:r>
+            <a:r>
+              <a:rPr lang="es-ES" sz="2800" b="1" u="sng" strike="noStrike" spc="-1">
+                <a:solidFill>
+                  <a:srgbClr val="0563C1"/>
+                </a:solidFill>
+                <a:uFillTx/>
+                <a:latin typeface="LM Roman 10"/>
+                <a:hlinkClick r:id="rId2"/>
+              </a:rPr>
+              <a:t>seaborn</a:t>
+            </a:r>
+            <a:endParaRPr lang="es-ES" sz="2800" b="0" strike="noStrike" spc="-1">
+              <a:solidFill>
+                <a:srgbClr val="000000"/>
+              </a:solidFill>
+              <a:latin typeface="Calibri"/>
+            </a:endParaRPr>
+          </a:p>
+          <a:p>
+            <a:pPr marL="228600" indent="-228240">
+              <a:lnSpc>
+                <a:spcPct val="90000"/>
+              </a:lnSpc>
+              <a:spcBef>
+                <a:spcPts val="1001"/>
+              </a:spcBef>
+              <a:buClr>
+                <a:srgbClr val="000000"/>
+              </a:buClr>
+              <a:buFont typeface="Arial"/>
+              <a:buChar char="•"/>
+            </a:pPr>
+            <a:r>
+              <a:rPr lang="es-ES" sz="2800" b="0" u="sng" strike="noStrike" spc="-1">
+                <a:solidFill>
+                  <a:srgbClr val="0563C1"/>
+                </a:solidFill>
+                <a:uFillTx/>
+                <a:latin typeface="LM Roman 10"/>
+                <a:hlinkClick r:id="rId3"/>
+              </a:rPr>
+              <a:t>https://towardsdatascience.com/exploratory-data-analysis-eda-python-87178e35b14#:~:text=EDA%20in%20Python%20uses%20data,which%20can%20have%20repercussions%20later</a:t>
+            </a:r>
+            <a:r>
+              <a:rPr lang="es-ES" sz="2800" b="0" strike="noStrike" spc="-1">
                 <a:solidFill>
                   <a:srgbClr val="000000"/>
                 </a:solidFill>
-                <a:latin typeface="Calibri Light"/>
+                <a:latin typeface="LM Roman 10"/>
               </a:rPr>
-              <a:t>DATOS USUARIO</a:t>
+              <a:t>.</a:t>
             </a:r>
-            <a:endParaRPr b="0" lang="es-ES" sz="2400" spc="-1" strike="noStrike">
+            <a:endParaRPr lang="es-ES" sz="2800" b="0" strike="noStrike" spc="-1">
               <a:solidFill>
                 <a:srgbClr val="000000"/>
               </a:solidFill>
               <a:latin typeface="Calibri"/>
             </a:endParaRPr>
           </a:p>
-        </p:txBody>
-      </p:sp>
-      <p:sp>
-        <p:nvSpPr>
-          <p:cNvPr id="173" name="TextShape 2"/>
-          <p:cNvSpPr txBox="1"/>
-          <p:nvPr/>
-        </p:nvSpPr>
-        <p:spPr>
-          <a:xfrm>
-            <a:off x="733680" y="1028880"/>
-            <a:ext cx="10515240" cy="4350960"/>
-          </a:xfrm>
-          <a:prstGeom prst="rect">
-            <a:avLst/>
-          </a:prstGeom>
-          <a:noFill/>
-          <a:ln>
-            <a:noFill/>
-          </a:ln>
-        </p:spPr>
-        <p:txBody>
-          <a:bodyPr/>
+          <a:p>
+            <a:pPr marL="228600" indent="-228240">
+              <a:lnSpc>
+                <a:spcPct val="90000"/>
+              </a:lnSpc>
+              <a:spcBef>
+                <a:spcPts val="1001"/>
+              </a:spcBef>
+              <a:buClr>
+                <a:srgbClr val="000000"/>
+              </a:buClr>
+              <a:buFont typeface="Arial"/>
+              <a:buChar char="•"/>
+            </a:pPr>
+            <a:r>
+              <a:rPr lang="es-ES" sz="2800" b="0" strike="noStrike" spc="-1">
+                <a:solidFill>
+                  <a:srgbClr val="000000"/>
+                </a:solidFill>
+                <a:latin typeface="LM Roman 10"/>
+              </a:rPr>
+              <a:t>Python for Data Analysis (O’Reilly)</a:t>
+            </a:r>
+            <a:endParaRPr lang="es-ES" sz="2800" b="0" strike="noStrike" spc="-1">
+              <a:solidFill>
+                <a:srgbClr val="000000"/>
+              </a:solidFill>
+              <a:latin typeface="Calibri"/>
+            </a:endParaRPr>
+          </a:p>
+          <a:p>
+            <a:pPr marL="228600" indent="-228240">
+              <a:lnSpc>
+                <a:spcPct val="90000"/>
+              </a:lnSpc>
+              <a:spcBef>
+                <a:spcPts val="1001"/>
+              </a:spcBef>
+              <a:buClr>
+                <a:srgbClr val="000000"/>
+              </a:buClr>
+              <a:buFont typeface="Arial"/>
+              <a:buChar char="•"/>
+            </a:pPr>
+            <a:r>
+              <a:rPr lang="es-ES" sz="2800" b="1" u="sng" strike="noStrike" spc="-1">
+                <a:solidFill>
+                  <a:srgbClr val="000000"/>
+                </a:solidFill>
+                <a:uFillTx/>
+                <a:latin typeface="LM Roman 10"/>
+              </a:rPr>
+              <a:t>Librería: Scikit Learn</a:t>
+            </a:r>
+            <a:endParaRPr lang="es-ES" sz="2800" b="0" strike="noStrike" spc="-1">
+              <a:solidFill>
+                <a:srgbClr val="000000"/>
+              </a:solidFill>
+              <a:latin typeface="Calibri"/>
+            </a:endParaRPr>
+          </a:p>
+          <a:p>
+            <a:pPr marL="228600" indent="-228240">
+              <a:lnSpc>
+                <a:spcPct val="90000"/>
+              </a:lnSpc>
+              <a:spcBef>
+                <a:spcPts val="1001"/>
+              </a:spcBef>
+              <a:buClr>
+                <a:srgbClr val="000000"/>
+              </a:buClr>
+              <a:buFont typeface="Arial"/>
+              <a:buChar char="•"/>
+            </a:pPr>
+            <a:r>
+              <a:rPr lang="es-ES" sz="2800" b="0" u="sng" strike="noStrike" spc="-1">
+                <a:solidFill>
+                  <a:srgbClr val="0563C1"/>
+                </a:solidFill>
+                <a:uFillTx/>
+                <a:latin typeface="LM Roman 10"/>
+                <a:hlinkClick r:id="rId4"/>
+              </a:rPr>
+              <a:t>https://towardsdatascience.com/starting-your-journey-to-master-machine-learning-with-python-d0bd47ebada9</a:t>
+            </a:r>
+            <a:endParaRPr lang="es-ES" sz="2800" b="0" strike="noStrike" spc="-1">
+              <a:solidFill>
+                <a:srgbClr val="000000"/>
+              </a:solidFill>
+              <a:latin typeface="Calibri"/>
+            </a:endParaRPr>
+          </a:p>
+          <a:p>
+            <a:pPr marL="228600" indent="-228240">
+              <a:lnSpc>
+                <a:spcPct val="90000"/>
+              </a:lnSpc>
+              <a:spcBef>
+                <a:spcPts val="1001"/>
+              </a:spcBef>
+              <a:buClr>
+                <a:srgbClr val="000000"/>
+              </a:buClr>
+              <a:buFont typeface="Arial"/>
+              <a:buChar char="•"/>
+            </a:pPr>
+            <a:r>
+              <a:rPr lang="es-ES" sz="2800" b="0" u="sng" strike="noStrike" spc="-1">
+                <a:solidFill>
+                  <a:srgbClr val="0563C1"/>
+                </a:solidFill>
+                <a:uFillTx/>
+                <a:latin typeface="LM Roman 10"/>
+                <a:hlinkClick r:id="rId5"/>
+              </a:rPr>
+              <a:t>https://towardsdatascience.com/top-10-python-libraries-for-data-science-cd82294ec266</a:t>
+            </a:r>
+            <a:endParaRPr lang="es-ES" sz="2800" b="0" strike="noStrike" spc="-1">
+              <a:solidFill>
+                <a:srgbClr val="000000"/>
+              </a:solidFill>
+              <a:latin typeface="Calibri"/>
+            </a:endParaRPr>
+          </a:p>
           <a:p>
             <a:pPr>
               <a:lnSpc>
@@ -4288,16 +5155,7 @@
                 <a:spcPts val="1001"/>
               </a:spcBef>
             </a:pPr>
-            <a:r>
-              <a:rPr b="0" lang="es-ES" sz="2800" spc="-1" strike="noStrike">
-                <a:solidFill>
-                  <a:srgbClr val="000000"/>
-                </a:solidFill>
-                <a:latin typeface="Calibri"/>
-              </a:rPr>
-              <a:t>A partir de la info que nos proporcione el usuario, calcular la autonomía real del coche. Dependerá de:</a:t>
-            </a:r>
-            <a:endParaRPr b="0" lang="es-ES" sz="2800" spc="-1" strike="noStrike">
+            <a:endParaRPr lang="es-ES" sz="2800" b="0" strike="noStrike" spc="-1">
               <a:solidFill>
                 <a:srgbClr val="000000"/>
               </a:solidFill>
@@ -4305,202 +5163,7 @@
             </a:endParaRPr>
           </a:p>
           <a:p>
-            <a:pPr marL="228600" indent="-228240">
-              <a:lnSpc>
-                <a:spcPct val="90000"/>
-              </a:lnSpc>
-              <a:spcBef>
-                <a:spcPts val="1001"/>
-              </a:spcBef>
-              <a:buClr>
-                <a:srgbClr val="000000"/>
-              </a:buClr>
-              <a:buFont typeface="Wingdings" charset="2"/>
-              <a:buChar char=""/>
-            </a:pPr>
-            <a:r>
-              <a:rPr b="0" lang="es-ES" sz="2800" spc="-1" strike="noStrike">
-                <a:solidFill>
-                  <a:srgbClr val="000000"/>
-                </a:solidFill>
-                <a:latin typeface="Calibri"/>
-              </a:rPr>
-              <a:t> </a:t>
-            </a:r>
-            <a:r>
-              <a:rPr b="0" lang="es-ES" sz="2800" spc="-1" strike="noStrike">
-                <a:solidFill>
-                  <a:srgbClr val="000000"/>
-                </a:solidFill>
-                <a:latin typeface="Calibri"/>
-              </a:rPr>
-              <a:t>El tipo de coche</a:t>
-            </a:r>
-            <a:endParaRPr b="0" lang="es-ES" sz="2800" spc="-1" strike="noStrike">
-              <a:solidFill>
-                <a:srgbClr val="000000"/>
-              </a:solidFill>
-              <a:latin typeface="Calibri"/>
-            </a:endParaRPr>
-          </a:p>
-          <a:p>
-            <a:pPr marL="228600" indent="-228240">
-              <a:lnSpc>
-                <a:spcPct val="90000"/>
-              </a:lnSpc>
-              <a:spcBef>
-                <a:spcPts val="1001"/>
-              </a:spcBef>
-              <a:buClr>
-                <a:srgbClr val="000000"/>
-              </a:buClr>
-              <a:buFont typeface="Wingdings" charset="2"/>
-              <a:buChar char=""/>
-            </a:pPr>
-            <a:r>
-              <a:rPr b="0" lang="es-ES" sz="2800" spc="-1" strike="noStrike">
-                <a:solidFill>
-                  <a:srgbClr val="000000"/>
-                </a:solidFill>
-                <a:latin typeface="Calibri"/>
-              </a:rPr>
-              <a:t> </a:t>
-            </a:r>
-            <a:r>
-              <a:rPr b="0" lang="es-ES" sz="2800" spc="-1" strike="noStrike">
-                <a:solidFill>
-                  <a:srgbClr val="000000"/>
-                </a:solidFill>
-                <a:latin typeface="Calibri"/>
-              </a:rPr>
-              <a:t>Velocidad media</a:t>
-            </a:r>
-            <a:endParaRPr b="0" lang="es-ES" sz="2800" spc="-1" strike="noStrike">
-              <a:solidFill>
-                <a:srgbClr val="000000"/>
-              </a:solidFill>
-              <a:latin typeface="Calibri"/>
-            </a:endParaRPr>
-          </a:p>
-          <a:p>
-            <a:pPr marL="228600" indent="-228240">
-              <a:lnSpc>
-                <a:spcPct val="90000"/>
-              </a:lnSpc>
-              <a:spcBef>
-                <a:spcPts val="1001"/>
-              </a:spcBef>
-              <a:buClr>
-                <a:srgbClr val="000000"/>
-              </a:buClr>
-              <a:buFont typeface="Wingdings" charset="2"/>
-              <a:buChar char=""/>
-            </a:pPr>
-            <a:r>
-              <a:rPr b="0" lang="es-ES" sz="2800" spc="-1" strike="noStrike">
-                <a:solidFill>
-                  <a:srgbClr val="000000"/>
-                </a:solidFill>
-                <a:latin typeface="Calibri"/>
-              </a:rPr>
-              <a:t> </a:t>
-            </a:r>
-            <a:r>
-              <a:rPr b="0" lang="es-ES" sz="2800" spc="-1" strike="noStrike">
-                <a:solidFill>
-                  <a:srgbClr val="000000"/>
-                </a:solidFill>
-                <a:latin typeface="Calibri"/>
-              </a:rPr>
-              <a:t>Carga del coche</a:t>
-            </a:r>
-            <a:endParaRPr b="0" lang="es-ES" sz="2800" spc="-1" strike="noStrike">
-              <a:solidFill>
-                <a:srgbClr val="000000"/>
-              </a:solidFill>
-              <a:latin typeface="Calibri"/>
-            </a:endParaRPr>
-          </a:p>
-          <a:p>
-            <a:pPr marL="228600" indent="-228240">
-              <a:lnSpc>
-                <a:spcPct val="90000"/>
-              </a:lnSpc>
-              <a:spcBef>
-                <a:spcPts val="1001"/>
-              </a:spcBef>
-              <a:buClr>
-                <a:srgbClr val="000000"/>
-              </a:buClr>
-              <a:buFont typeface="Wingdings" charset="2"/>
-              <a:buChar char=""/>
-            </a:pPr>
-            <a:r>
-              <a:rPr b="0" lang="es-ES" sz="2800" spc="-1" strike="noStrike">
-                <a:solidFill>
-                  <a:srgbClr val="000000"/>
-                </a:solidFill>
-                <a:latin typeface="Calibri"/>
-              </a:rPr>
-              <a:t> </a:t>
-            </a:r>
-            <a:r>
-              <a:rPr b="0" lang="es-ES" sz="2800" spc="-1" strike="noStrike">
-                <a:solidFill>
-                  <a:srgbClr val="000000"/>
-                </a:solidFill>
-                <a:latin typeface="Calibri"/>
-              </a:rPr>
-              <a:t>¿Clima?</a:t>
-            </a:r>
-            <a:endParaRPr b="0" lang="es-ES" sz="2800" spc="-1" strike="noStrike">
-              <a:solidFill>
-                <a:srgbClr val="000000"/>
-              </a:solidFill>
-              <a:latin typeface="Calibri"/>
-            </a:endParaRPr>
-          </a:p>
-          <a:p>
-            <a:pPr marL="228600" indent="-228240">
-              <a:lnSpc>
-                <a:spcPct val="90000"/>
-              </a:lnSpc>
-              <a:spcBef>
-                <a:spcPts val="1001"/>
-              </a:spcBef>
-              <a:buClr>
-                <a:srgbClr val="000000"/>
-              </a:buClr>
-              <a:buFont typeface="Wingdings" charset="2"/>
-              <a:buChar char=""/>
-            </a:pPr>
-            <a:r>
-              <a:rPr b="0" lang="es-ES" sz="2800" spc="-1" strike="noStrike">
-                <a:solidFill>
-                  <a:srgbClr val="000000"/>
-                </a:solidFill>
-                <a:latin typeface="Calibri"/>
-              </a:rPr>
-              <a:t> </a:t>
-            </a:r>
-            <a:r>
-              <a:rPr b="0" lang="es-ES" sz="2800" spc="-1" strike="noStrike">
-                <a:solidFill>
-                  <a:srgbClr val="000000"/>
-                </a:solidFill>
-                <a:latin typeface="Calibri"/>
-              </a:rPr>
-              <a:t>¿Algo más…?</a:t>
-            </a:r>
-            <a:endParaRPr b="0" lang="es-ES" sz="2800" spc="-1" strike="noStrike">
-              <a:solidFill>
-                <a:srgbClr val="000000"/>
-              </a:solidFill>
-              <a:latin typeface="Calibri"/>
-            </a:endParaRPr>
-          </a:p>
-          <a:p>
-            <a:pPr algn="ctr">
+            <a:pPr>
               <a:lnSpc>
                 <a:spcPct val="90000"/>
               </a:lnSpc>
@@ -4508,16 +5171,53 @@
                 <a:spcPts val="1001"/>
               </a:spcBef>
             </a:pPr>
+            <a:endParaRPr lang="es-ES" sz="2800" b="0" strike="noStrike" spc="-1">
+              <a:solidFill>
+                <a:srgbClr val="000000"/>
+              </a:solidFill>
+              <a:latin typeface="Calibri"/>
+            </a:endParaRPr>
+          </a:p>
+        </p:txBody>
+      </p:sp>
+      <p:sp>
+        <p:nvSpPr>
+          <p:cNvPr id="161" name="TextShape 2"/>
+          <p:cNvSpPr txBox="1"/>
+          <p:nvPr/>
+        </p:nvSpPr>
+        <p:spPr>
+          <a:xfrm>
+            <a:off x="2394720" y="90720"/>
+            <a:ext cx="6455520" cy="1325160"/>
+          </a:xfrm>
+          <a:prstGeom prst="rect">
+            <a:avLst/>
+          </a:prstGeom>
+          <a:noFill/>
+          <a:ln>
+            <a:noFill/>
+          </a:ln>
+        </p:spPr>
+        <p:txBody>
+          <a:bodyPr anchor="ctr"/>
+          <a:lstStyle/>
+          <a:p>
+            <a:pPr>
+              <a:lnSpc>
+                <a:spcPct val="90000"/>
+              </a:lnSpc>
+            </a:pPr>
             <a:r>
-              <a:rPr b="0" lang="es-ES" sz="2800" spc="-1" strike="noStrike">
+              <a:rPr lang="es-ES" sz="4400" b="0" strike="noStrike" spc="-1">
                 <a:solidFill>
                   <a:srgbClr val="000000"/>
                 </a:solidFill>
-                <a:latin typeface="Calibri"/>
+                <a:latin typeface="LM Roman 10"/>
               </a:rPr>
-              <a:t>¿Cómo lo ponderamos?</a:t>
+              <a:t>Python EDA and ML </a:t>
             </a:r>
-            <a:endParaRPr b="0" lang="es-ES" sz="2800" spc="-1" strike="noStrike">
+            <a:endParaRPr lang="es-ES" sz="4400" b="0" strike="noStrike" spc="-1">
               <a:solidFill>
                 <a:srgbClr val="000000"/>
               </a:solidFill>
@@ -4528,22 +5228,25 @@
       </p:sp>
     </p:spTree>
   </p:cSld>
+  <p:clrMapOvr>
+    <a:masterClrMapping/>
+  </p:clrMapOvr>
   <p:timing>
     <p:tnLst>
       <p:par>
-        <p:cTn id="21" dur="indefinite" restart="never" nodeType="tmRoot">
+        <p:cTn id="1" dur="indefinite" restart="never" nodeType="tmRoot">
           <p:childTnLst>
             <p:seq>
-              <p:cTn id="22" dur="indefinite" nodeType="mainSeq"/>
+              <p:cTn id="2" dur="indefinite" nodeType="mainSeq"/>
               <p:prevCondLst>
-                <p:cond delay="0" evt="onPrev">
+                <p:cond evt="onPrev" delay="0">
                   <p:tgtEl>
                     <p:sldTgt/>
                   </p:tgtEl>
                 </p:cond>
               </p:prevCondLst>
               <p:nextCondLst>
-                <p:cond delay="0" evt="onNext">
+                <p:cond evt="onNext" delay="0">
                   <p:tgtEl>
                     <p:sldTgt/>
                   </p:tgtEl>
@@ -4559,7 +5262,7 @@
 </file>
 
 <file path=ppt/slides/slide2.xml><?xml version="1.0" encoding="utf-8"?>
-<p:sld xmlns:a="http://schemas.openxmlformats.org/drawingml/2006/main" xmlns:p="http://schemas.openxmlformats.org/presentationml/2006/main" xmlns:r="http://schemas.openxmlformats.org/officeDocument/2006/relationships" xmlns:p14="http://schemas.microsoft.com/office/powerpoint/2010/main" xmlns:p15="http://schemas.microsoft.com/office/powerpoint/2012/main" xmlns:mc="http://schemas.openxmlformats.org/markup-compatibility/2006">
+<p:sld xmlns:a="http://schemas.openxmlformats.org/drawingml/2006/main" xmlns:r="http://schemas.openxmlformats.org/officeDocument/2006/relationships" xmlns:p="http://schemas.openxmlformats.org/presentationml/2006/main">
   <p:cSld>
     <p:spTree>
       <p:nvGrpSpPr>
@@ -4634,6 +5337,7 @@
           <a:bodyPr anchor="ctr">
             <a:normAutofit/>
           </a:bodyPr>
+          <a:lstStyle/>
           <a:p>
             <a:pPr>
               <a:lnSpc>
@@ -4641,7 +5345,7 @@
               </a:lnSpc>
             </a:pPr>
             <a:r>
-              <a:rPr b="0" lang="es-ES" sz="4400" spc="-1" strike="noStrike">
+              <a:rPr lang="es-ES" sz="4400" b="0" strike="noStrike" spc="-1">
                 <a:solidFill>
                   <a:srgbClr val="000000"/>
                 </a:solidFill>
@@ -4649,7 +5353,7 @@
               </a:rPr>
               <a:t>Diseño funcional de la app</a:t>
             </a:r>
-            <a:endParaRPr b="0" lang="es-ES" sz="4400" spc="-1" strike="noStrike">
+            <a:endParaRPr lang="es-ES" sz="4400" b="0" strike="noStrike" spc="-1">
               <a:solidFill>
                 <a:srgbClr val="000000"/>
               </a:solidFill>
@@ -4693,7 +5397,8 @@
           <a:fontRef idx="minor"/>
         </p:style>
         <p:txBody>
-          <a:bodyPr lIns="90000" rIns="90000" tIns="45000" bIns="45000" anchor="ctr"/>
+          <a:bodyPr lIns="90000" tIns="45000" rIns="90000" bIns="45000" anchor="ctr"/>
+          <a:lstStyle/>
           <a:p>
             <a:pPr algn="ctr">
               <a:lnSpc>
@@ -4701,7 +5406,7 @@
               </a:lnSpc>
             </a:pPr>
             <a:r>
-              <a:rPr b="1" lang="es-ES" sz="1800" spc="-1" strike="noStrike">
+              <a:rPr lang="es-ES" sz="1800" b="1" strike="noStrike" spc="-1">
                 <a:solidFill>
                   <a:srgbClr val="000000"/>
                 </a:solidFill>
@@ -4709,7 +5414,7 @@
               </a:rPr>
               <a:t>INPUT</a:t>
             </a:r>
-            <a:endParaRPr b="0" lang="es-ES" sz="1800" spc="-1" strike="noStrike">
+            <a:endParaRPr lang="es-ES" sz="1800" b="0" strike="noStrike" spc="-1">
               <a:latin typeface="Arial"/>
             </a:endParaRPr>
           </a:p>
@@ -4750,7 +5455,8 @@
           <a:fontRef idx="minor"/>
         </p:style>
         <p:txBody>
-          <a:bodyPr lIns="90000" rIns="90000" tIns="45000" bIns="45000" anchor="ctr"/>
+          <a:bodyPr lIns="90000" tIns="45000" rIns="90000" bIns="45000" anchor="ctr"/>
+          <a:lstStyle/>
           <a:p>
             <a:pPr algn="ctr">
               <a:lnSpc>
@@ -4758,7 +5464,7 @@
               </a:lnSpc>
             </a:pPr>
             <a:r>
-              <a:rPr b="1" lang="es-ES" sz="1800" spc="-1" strike="noStrike">
+              <a:rPr lang="es-ES" sz="1800" b="1" strike="noStrike" spc="-1">
                 <a:solidFill>
                   <a:srgbClr val="000000"/>
                 </a:solidFill>
@@ -4766,7 +5472,7 @@
               </a:rPr>
               <a:t>MODELO</a:t>
             </a:r>
-            <a:endParaRPr b="0" lang="es-ES" sz="1800" spc="-1" strike="noStrike">
+            <a:endParaRPr lang="es-ES" sz="1800" b="0" strike="noStrike" spc="-1">
               <a:latin typeface="Arial"/>
             </a:endParaRPr>
           </a:p>
@@ -4792,13 +5498,20 @@
           </a:ln>
         </p:spPr>
         <p:style>
-          <a:lnRef idx="0"/>
-          <a:fillRef idx="0"/>
-          <a:effectRef idx="0"/>
+          <a:lnRef idx="0">
+            <a:scrgbClr r="0" g="0" b="0"/>
+          </a:lnRef>
+          <a:fillRef idx="0">
+            <a:scrgbClr r="0" g="0" b="0"/>
+          </a:fillRef>
+          <a:effectRef idx="0">
+            <a:scrgbClr r="0" g="0" b="0"/>
+          </a:effectRef>
           <a:fontRef idx="minor"/>
         </p:style>
         <p:txBody>
-          <a:bodyPr lIns="90000" rIns="90000" tIns="45000" bIns="45000"/>
+          <a:bodyPr lIns="90000" tIns="45000" rIns="90000" bIns="45000"/>
+          <a:lstStyle/>
           <a:p>
             <a:pPr>
               <a:lnSpc>
@@ -4806,7 +5519,7 @@
               </a:lnSpc>
             </a:pPr>
             <a:r>
-              <a:rPr b="0" lang="es-ES" sz="1800" spc="-1" strike="noStrike">
+              <a:rPr lang="es-ES" sz="1800" b="0" strike="noStrike" spc="-1">
                 <a:solidFill>
                   <a:srgbClr val="000000"/>
                 </a:solidFill>
@@ -4814,7 +5527,7 @@
               </a:rPr>
               <a:t>Datos del usuario</a:t>
             </a:r>
-            <a:endParaRPr b="0" lang="es-ES" sz="1800" spc="-1" strike="noStrike">
+            <a:endParaRPr lang="es-ES" sz="1800" b="0" strike="noStrike" spc="-1">
               <a:latin typeface="Arial"/>
             </a:endParaRPr>
           </a:p>
@@ -4835,6 +5548,7 @@
             <a:avLst/>
             <a:gdLst/>
             <a:ahLst/>
+            <a:cxnLst/>
             <a:rect l="l" t="t" r="r" b="b"/>
             <a:pathLst>
               <a:path w="21600" h="21600">
@@ -4849,7 +5563,7 @@
           </a:custGeom>
           <a:noFill/>
           <a:ln w="38160">
-            <a:tailEnd len="med" type="triangle" w="med"/>
+            <a:tailEnd type="triangle" w="med" len="med"/>
           </a:ln>
         </p:spPr>
         <p:style>
@@ -4867,30 +5581,7 @@
       </p:sp>
       <p:pic>
         <p:nvPicPr>
-          <p:cNvPr id="90" name="Imagen 52" descr=""/>
-          <p:cNvPicPr/>
-          <p:nvPr/>
-        </p:nvPicPr>
-        <p:blipFill>
-          <a:blip r:embed="rId1"/>
-          <a:stretch/>
-        </p:blipFill>
-        <p:spPr>
-          <a:xfrm>
-            <a:off x="357840" y="5254560"/>
-            <a:ext cx="807840" cy="807840"/>
-          </a:xfrm>
-          <a:prstGeom prst="rect">
-            <a:avLst/>
-          </a:prstGeom>
-          <a:ln>
-            <a:noFill/>
-          </a:ln>
-        </p:spPr>
-      </p:pic>
-      <p:pic>
-        <p:nvPicPr>
-          <p:cNvPr id="91" name="Imagen 57" descr=""/>
+          <p:cNvPr id="90" name="Imagen 52"/>
           <p:cNvPicPr/>
           <p:nvPr/>
         </p:nvPicPr>
@@ -4900,7 +5591,7 @@
         </p:blipFill>
         <p:spPr>
           <a:xfrm>
-            <a:off x="8501760" y="3129840"/>
+            <a:off x="357840" y="5254560"/>
             <a:ext cx="807840" cy="807840"/>
           </a:xfrm>
           <a:prstGeom prst="rect">
@@ -4913,12 +5604,35 @@
       </p:pic>
       <p:pic>
         <p:nvPicPr>
-          <p:cNvPr id="92" name="Imagen 59" descr=""/>
+          <p:cNvPr id="91" name="Imagen 57"/>
           <p:cNvPicPr/>
           <p:nvPr/>
         </p:nvPicPr>
         <p:blipFill>
           <a:blip r:embed="rId3"/>
+          <a:stretch/>
+        </p:blipFill>
+        <p:spPr>
+          <a:xfrm>
+            <a:off x="8501760" y="3129840"/>
+            <a:ext cx="807840" cy="807840"/>
+          </a:xfrm>
+          <a:prstGeom prst="rect">
+            <a:avLst/>
+          </a:prstGeom>
+          <a:ln>
+            <a:noFill/>
+          </a:ln>
+        </p:spPr>
+      </p:pic>
+      <p:pic>
+        <p:nvPicPr>
+          <p:cNvPr id="92" name="Imagen 59"/>
+          <p:cNvPicPr/>
+          <p:nvPr/>
+        </p:nvPicPr>
+        <p:blipFill>
+          <a:blip r:embed="rId4"/>
           <a:stretch/>
         </p:blipFill>
         <p:spPr>
@@ -4969,7 +5683,8 @@
           <a:fontRef idx="minor"/>
         </p:style>
         <p:txBody>
-          <a:bodyPr lIns="90000" rIns="90000" tIns="45000" bIns="45000" anchor="ctr"/>
+          <a:bodyPr lIns="90000" tIns="45000" rIns="90000" bIns="45000" anchor="ctr"/>
+          <a:lstStyle/>
           <a:p>
             <a:pPr algn="ctr">
               <a:lnSpc>
@@ -4977,7 +5692,7 @@
               </a:lnSpc>
             </a:pPr>
             <a:r>
-              <a:rPr b="1" lang="es-ES" sz="1800" spc="-1" strike="noStrike">
+              <a:rPr lang="es-ES" sz="1800" b="1" strike="noStrike" spc="-1">
                 <a:solidFill>
                   <a:srgbClr val="000000"/>
                 </a:solidFill>
@@ -4985,7 +5700,7 @@
               </a:rPr>
               <a:t>OUTPUT</a:t>
             </a:r>
-            <a:endParaRPr b="0" lang="es-ES" sz="1800" spc="-1" strike="noStrike">
+            <a:endParaRPr lang="es-ES" sz="1800" b="0" strike="noStrike" spc="-1">
               <a:latin typeface="Arial"/>
             </a:endParaRPr>
           </a:p>
@@ -5012,7 +5727,7 @@
             <a:solidFill>
               <a:schemeClr val="tx1"/>
             </a:solidFill>
-            <a:tailEnd len="med" type="triangle" w="med"/>
+            <a:tailEnd type="triangle" w="med" len="med"/>
           </a:ln>
         </p:spPr>
         <p:style>
@@ -5049,7 +5764,7 @@
             <a:solidFill>
               <a:schemeClr val="tx1"/>
             </a:solidFill>
-            <a:tailEnd len="med" type="triangle" w="med"/>
+            <a:tailEnd type="triangle" w="med" len="med"/>
           </a:ln>
         </p:spPr>
         <p:style>
@@ -5085,13 +5800,20 @@
           </a:ln>
         </p:spPr>
         <p:style>
-          <a:lnRef idx="0"/>
-          <a:fillRef idx="0"/>
-          <a:effectRef idx="0"/>
+          <a:lnRef idx="0">
+            <a:scrgbClr r="0" g="0" b="0"/>
+          </a:lnRef>
+          <a:fillRef idx="0">
+            <a:scrgbClr r="0" g="0" b="0"/>
+          </a:fillRef>
+          <a:effectRef idx="0">
+            <a:scrgbClr r="0" g="0" b="0"/>
+          </a:effectRef>
           <a:fontRef idx="minor"/>
         </p:style>
         <p:txBody>
-          <a:bodyPr lIns="90000" rIns="90000" tIns="45000" bIns="45000"/>
+          <a:bodyPr lIns="90000" tIns="45000" rIns="90000" bIns="45000"/>
+          <a:lstStyle/>
           <a:p>
             <a:pPr>
               <a:lnSpc>
@@ -5099,7 +5821,7 @@
               </a:lnSpc>
             </a:pPr>
             <a:r>
-              <a:rPr b="0" lang="es-ES" sz="1800" spc="-1" strike="noStrike">
+              <a:rPr lang="es-ES" sz="1800" b="0" strike="noStrike" spc="-1">
                 <a:solidFill>
                   <a:srgbClr val="000000"/>
                 </a:solidFill>
@@ -5107,7 +5829,7 @@
               </a:rPr>
               <a:t>Datos de la BBDD</a:t>
             </a:r>
-            <a:endParaRPr b="0" lang="es-ES" sz="1800" spc="-1" strike="noStrike">
+            <a:endParaRPr lang="es-ES" sz="1800" b="0" strike="noStrike" spc="-1">
               <a:latin typeface="Arial"/>
             </a:endParaRPr>
           </a:p>
@@ -5164,6 +5886,7 @@
             <a:avLst/>
             <a:gdLst/>
             <a:ahLst/>
+            <a:cxnLst/>
             <a:rect l="l" t="t" r="r" b="b"/>
             <a:pathLst>
               <a:path w="21600" h="21600">
@@ -5178,7 +5901,7 @@
           </a:custGeom>
           <a:noFill/>
           <a:ln w="38160">
-            <a:tailEnd len="med" type="triangle" w="med"/>
+            <a:tailEnd type="triangle" w="med" len="med"/>
           </a:ln>
         </p:spPr>
         <p:style>
@@ -5196,30 +5919,7 @@
       </p:sp>
       <p:pic>
         <p:nvPicPr>
-          <p:cNvPr id="99" name="Imagen 115" descr=""/>
-          <p:cNvPicPr/>
-          <p:nvPr/>
-        </p:nvPicPr>
-        <p:blipFill>
-          <a:blip r:embed="rId4"/>
-          <a:stretch/>
-        </p:blipFill>
-        <p:spPr>
-          <a:xfrm>
-            <a:off x="274320" y="301680"/>
-            <a:ext cx="965520" cy="965520"/>
-          </a:xfrm>
-          <a:prstGeom prst="rect">
-            <a:avLst/>
-          </a:prstGeom>
-          <a:ln>
-            <a:noFill/>
-          </a:ln>
-        </p:spPr>
-      </p:pic>
-      <p:pic>
-        <p:nvPicPr>
-          <p:cNvPr id="100" name="Imagen 117" descr=""/>
+          <p:cNvPr id="99" name="Imagen 115"/>
           <p:cNvPicPr/>
           <p:nvPr/>
         </p:nvPicPr>
@@ -5229,8 +5929,8 @@
         </p:blipFill>
         <p:spPr>
           <a:xfrm>
-            <a:off x="10817280" y="1362240"/>
-            <a:ext cx="922320" cy="922320"/>
+            <a:off x="274320" y="301680"/>
+            <a:ext cx="965520" cy="965520"/>
           </a:xfrm>
           <a:prstGeom prst="rect">
             <a:avLst/>
@@ -5242,7 +5942,7 @@
       </p:pic>
       <p:pic>
         <p:nvPicPr>
-          <p:cNvPr id="101" name="Imagen 118" descr=""/>
+          <p:cNvPr id="100" name="Imagen 117"/>
           <p:cNvPicPr/>
           <p:nvPr/>
         </p:nvPicPr>
@@ -5252,6 +5952,29 @@
         </p:blipFill>
         <p:spPr>
           <a:xfrm>
+            <a:off x="10817280" y="1362240"/>
+            <a:ext cx="922320" cy="922320"/>
+          </a:xfrm>
+          <a:prstGeom prst="rect">
+            <a:avLst/>
+          </a:prstGeom>
+          <a:ln>
+            <a:noFill/>
+          </a:ln>
+        </p:spPr>
+      </p:pic>
+      <p:pic>
+        <p:nvPicPr>
+          <p:cNvPr id="101" name="Imagen 118"/>
+          <p:cNvPicPr/>
+          <p:nvPr/>
+        </p:nvPicPr>
+        <p:blipFill>
+          <a:blip r:embed="rId2"/>
+          <a:stretch/>
+        </p:blipFill>
+        <p:spPr>
+          <a:xfrm>
             <a:off x="9939600" y="1432800"/>
             <a:ext cx="813960" cy="813960"/>
           </a:xfrm>
@@ -5284,7 +6007,7 @@
             <a:solidFill>
               <a:schemeClr val="tx1"/>
             </a:solidFill>
-            <a:tailEnd len="med" type="triangle" w="med"/>
+            <a:tailEnd type="triangle" w="med" len="med"/>
           </a:ln>
         </p:spPr>
         <p:style>
@@ -5320,13 +6043,20 @@
           </a:ln>
         </p:spPr>
         <p:style>
-          <a:lnRef idx="0"/>
-          <a:fillRef idx="0"/>
-          <a:effectRef idx="0"/>
+          <a:lnRef idx="0">
+            <a:scrgbClr r="0" g="0" b="0"/>
+          </a:lnRef>
+          <a:fillRef idx="0">
+            <a:scrgbClr r="0" g="0" b="0"/>
+          </a:fillRef>
+          <a:effectRef idx="0">
+            <a:scrgbClr r="0" g="0" b="0"/>
+          </a:effectRef>
           <a:fontRef idx="minor"/>
         </p:style>
         <p:txBody>
-          <a:bodyPr lIns="90000" rIns="90000" tIns="45000" bIns="45000"/>
+          <a:bodyPr lIns="90000" tIns="45000" rIns="90000" bIns="45000"/>
+          <a:lstStyle/>
           <a:p>
             <a:pPr>
               <a:lnSpc>
@@ -5334,7 +6064,7 @@
               </a:lnSpc>
             </a:pPr>
             <a:r>
-              <a:rPr b="0" lang="es-ES" sz="1800" spc="-1" strike="noStrike">
+              <a:rPr lang="es-ES" sz="1800" b="0" strike="noStrike" spc="-1">
                 <a:solidFill>
                   <a:srgbClr val="000000"/>
                 </a:solidFill>
@@ -5342,7 +6072,7 @@
               </a:rPr>
               <a:t>Monitorización</a:t>
             </a:r>
-            <a:endParaRPr b="0" lang="es-ES" sz="1800" spc="-1" strike="noStrike">
+            <a:endParaRPr lang="es-ES" sz="1800" b="0" strike="noStrike" spc="-1">
               <a:latin typeface="Arial"/>
             </a:endParaRPr>
           </a:p>
@@ -5350,7 +6080,7 @@
       </p:sp>
       <p:pic>
         <p:nvPicPr>
-          <p:cNvPr id="104" name="Picture 4" descr=""/>
+          <p:cNvPr id="104" name="Picture 4"/>
           <p:cNvPicPr/>
           <p:nvPr/>
         </p:nvPicPr>
@@ -5392,7 +6122,7 @@
             <a:solidFill>
               <a:schemeClr val="tx1"/>
             </a:solidFill>
-            <a:tailEnd len="med" type="triangle" w="med"/>
+            <a:tailEnd type="triangle" w="med" len="med"/>
           </a:ln>
         </p:spPr>
         <p:style>
@@ -5410,7 +6140,7 @@
       </p:sp>
       <p:pic>
         <p:nvPicPr>
-          <p:cNvPr id="106" name="Imagen 150" descr=""/>
+          <p:cNvPr id="106" name="Imagen 150"/>
           <p:cNvPicPr/>
           <p:nvPr/>
         </p:nvPicPr>
@@ -5451,13 +6181,20 @@
           </a:ln>
         </p:spPr>
         <p:style>
-          <a:lnRef idx="0"/>
-          <a:fillRef idx="0"/>
-          <a:effectRef idx="0"/>
+          <a:lnRef idx="0">
+            <a:scrgbClr r="0" g="0" b="0"/>
+          </a:lnRef>
+          <a:fillRef idx="0">
+            <a:scrgbClr r="0" g="0" b="0"/>
+          </a:fillRef>
+          <a:effectRef idx="0">
+            <a:scrgbClr r="0" g="0" b="0"/>
+          </a:effectRef>
           <a:fontRef idx="minor"/>
         </p:style>
         <p:txBody>
-          <a:bodyPr lIns="90000" rIns="90000" tIns="45000" bIns="45000"/>
+          <a:bodyPr lIns="90000" tIns="45000" rIns="90000" bIns="45000"/>
+          <a:lstStyle/>
           <a:p>
             <a:pPr>
               <a:lnSpc>
@@ -5465,7 +6202,7 @@
               </a:lnSpc>
             </a:pPr>
             <a:r>
-              <a:rPr b="0" lang="es-ES" sz="1800" spc="-1" strike="noStrike">
+              <a:rPr lang="es-ES" sz="1800" b="0" strike="noStrike" spc="-1">
                 <a:solidFill>
                   <a:srgbClr val="000000"/>
                 </a:solidFill>
@@ -5473,7 +6210,7 @@
               </a:rPr>
               <a:t>Salida al usuario</a:t>
             </a:r>
-            <a:endParaRPr b="0" lang="es-ES" sz="1800" spc="-1" strike="noStrike">
+            <a:endParaRPr lang="es-ES" sz="1800" b="0" strike="noStrike" spc="-1">
               <a:latin typeface="Arial"/>
             </a:endParaRPr>
           </a:p>
@@ -5481,22 +6218,25 @@
       </p:sp>
     </p:spTree>
   </p:cSld>
+  <p:clrMapOvr>
+    <a:masterClrMapping/>
+  </p:clrMapOvr>
   <p:timing>
     <p:tnLst>
       <p:par>
-        <p:cTn id="3" dur="indefinite" restart="never" nodeType="tmRoot">
+        <p:cTn id="1" dur="indefinite" restart="never" nodeType="tmRoot">
           <p:childTnLst>
             <p:seq>
-              <p:cTn id="4" dur="indefinite" nodeType="mainSeq"/>
+              <p:cTn id="2" dur="indefinite" nodeType="mainSeq"/>
               <p:prevCondLst>
-                <p:cond delay="0" evt="onPrev">
+                <p:cond evt="onPrev" delay="0">
                   <p:tgtEl>
                     <p:sldTgt/>
                   </p:tgtEl>
                 </p:cond>
               </p:prevCondLst>
               <p:nextCondLst>
-                <p:cond delay="0" evt="onNext">
+                <p:cond evt="onNext" delay="0">
                   <p:tgtEl>
                     <p:sldTgt/>
                   </p:tgtEl>
@@ -5512,7 +6252,7 @@
 </file>
 
 <file path=ppt/slides/slide3.xml><?xml version="1.0" encoding="utf-8"?>
-<p:sld xmlns:a="http://schemas.openxmlformats.org/drawingml/2006/main" xmlns:p="http://schemas.openxmlformats.org/presentationml/2006/main" xmlns:r="http://schemas.openxmlformats.org/officeDocument/2006/relationships" xmlns:p14="http://schemas.microsoft.com/office/powerpoint/2010/main" xmlns:p15="http://schemas.microsoft.com/office/powerpoint/2012/main" xmlns:mc="http://schemas.openxmlformats.org/markup-compatibility/2006">
+<p:sld xmlns:a="http://schemas.openxmlformats.org/drawingml/2006/main" xmlns:r="http://schemas.openxmlformats.org/officeDocument/2006/relationships" xmlns:p="http://schemas.openxmlformats.org/presentationml/2006/main">
   <p:cSld>
     <p:spTree>
       <p:nvGrpSpPr>
@@ -5549,6 +6289,7 @@
         </p:spPr>
         <p:txBody>
           <a:bodyPr anchor="ctr"/>
+          <a:lstStyle/>
           <a:p>
             <a:pPr>
               <a:lnSpc>
@@ -5556,7 +6297,7 @@
               </a:lnSpc>
             </a:pPr>
             <a:r>
-              <a:rPr b="0" lang="es-ES" sz="4400" spc="-1" strike="noStrike">
+              <a:rPr lang="es-ES" sz="4400" b="0" strike="noStrike" spc="-1">
                 <a:solidFill>
                   <a:srgbClr val="000000"/>
                 </a:solidFill>
@@ -5564,7 +6305,7 @@
               </a:rPr>
               <a:t>Input</a:t>
             </a:r>
-            <a:endParaRPr b="0" lang="es-ES" sz="4400" spc="-1" strike="noStrike">
+            <a:endParaRPr lang="es-ES" sz="4400" b="0" strike="noStrike" spc="-1">
               <a:solidFill>
                 <a:srgbClr val="000000"/>
               </a:solidFill>
@@ -5624,6 +6365,7 @@
             <a:avLst/>
             <a:gdLst/>
             <a:ahLst/>
+            <a:cxnLst/>
             <a:rect l="l" t="t" r="r" b="b"/>
             <a:pathLst>
               <a:path w="21600" h="21600">
@@ -5638,7 +6380,7 @@
           </a:custGeom>
           <a:noFill/>
           <a:ln w="38160">
-            <a:tailEnd len="med" type="triangle" w="med"/>
+            <a:tailEnd type="triangle" w="med" len="med"/>
           </a:ln>
         </p:spPr>
         <p:style>
@@ -5674,13 +6416,20 @@
           </a:ln>
         </p:spPr>
         <p:style>
-          <a:lnRef idx="0"/>
-          <a:fillRef idx="0"/>
-          <a:effectRef idx="0"/>
+          <a:lnRef idx="0">
+            <a:scrgbClr r="0" g="0" b="0"/>
+          </a:lnRef>
+          <a:fillRef idx="0">
+            <a:scrgbClr r="0" g="0" b="0"/>
+          </a:fillRef>
+          <a:effectRef idx="0">
+            <a:scrgbClr r="0" g="0" b="0"/>
+          </a:effectRef>
           <a:fontRef idx="minor"/>
         </p:style>
         <p:txBody>
-          <a:bodyPr lIns="90000" rIns="90000" tIns="45000" bIns="45000"/>
+          <a:bodyPr lIns="90000" tIns="45000" rIns="90000" bIns="45000"/>
+          <a:lstStyle/>
           <a:p>
             <a:pPr>
               <a:lnSpc>
@@ -5688,7 +6437,7 @@
               </a:lnSpc>
             </a:pPr>
             <a:r>
-              <a:rPr b="0" lang="es-ES" sz="1800" spc="-1" strike="noStrike">
+              <a:rPr lang="es-ES" sz="1800" b="0" strike="noStrike" spc="-1">
                 <a:solidFill>
                   <a:srgbClr val="000000"/>
                 </a:solidFill>
@@ -5696,7 +6445,7 @@
               </a:rPr>
               <a:t>Datos del usuario:</a:t>
             </a:r>
-            <a:endParaRPr b="0" lang="es-ES" sz="1800" spc="-1" strike="noStrike">
+            <a:endParaRPr lang="es-ES" sz="1800" b="0" strike="noStrike" spc="-1">
               <a:latin typeface="Arial"/>
             </a:endParaRPr>
           </a:p>
@@ -5712,7 +6461,7 @@
               <a:buChar char="-"/>
             </a:pPr>
             <a:r>
-              <a:rPr b="0" lang="es-ES" sz="1800" spc="-1" strike="noStrike">
+              <a:rPr lang="es-ES" sz="1800" b="0" strike="noStrike" spc="-1">
                 <a:solidFill>
                   <a:srgbClr val="000000"/>
                 </a:solidFill>
@@ -5720,7 +6469,7 @@
               </a:rPr>
               <a:t>Origen y Destino</a:t>
             </a:r>
-            <a:endParaRPr b="0" lang="es-ES" sz="1800" spc="-1" strike="noStrike">
+            <a:endParaRPr lang="es-ES" sz="1800" b="0" strike="noStrike" spc="-1">
               <a:latin typeface="Arial"/>
             </a:endParaRPr>
           </a:p>
@@ -5736,7 +6485,7 @@
               <a:buChar char="-"/>
             </a:pPr>
             <a:r>
-              <a:rPr b="0" lang="es-ES" sz="1800" spc="-1" strike="noStrike">
+              <a:rPr lang="es-ES" sz="1800" b="0" strike="noStrike" spc="-1">
                 <a:solidFill>
                   <a:srgbClr val="000000"/>
                 </a:solidFill>
@@ -5744,7 +6493,7 @@
               </a:rPr>
               <a:t>Modelo del coche</a:t>
             </a:r>
-            <a:endParaRPr b="0" lang="es-ES" sz="1800" spc="-1" strike="noStrike">
+            <a:endParaRPr lang="es-ES" sz="1800" b="0" strike="noStrike" spc="-1">
               <a:latin typeface="Arial"/>
             </a:endParaRPr>
           </a:p>
@@ -5806,13 +6555,20 @@
           </a:ln>
         </p:spPr>
         <p:style>
-          <a:lnRef idx="0"/>
-          <a:fillRef idx="0"/>
-          <a:effectRef idx="0"/>
+          <a:lnRef idx="0">
+            <a:scrgbClr r="0" g="0" b="0"/>
+          </a:lnRef>
+          <a:fillRef idx="0">
+            <a:scrgbClr r="0" g="0" b="0"/>
+          </a:fillRef>
+          <a:effectRef idx="0">
+            <a:scrgbClr r="0" g="0" b="0"/>
+          </a:effectRef>
           <a:fontRef idx="minor"/>
         </p:style>
         <p:txBody>
-          <a:bodyPr lIns="90000" rIns="90000" tIns="45000" bIns="45000"/>
+          <a:bodyPr lIns="90000" tIns="45000" rIns="90000" bIns="45000"/>
+          <a:lstStyle/>
           <a:p>
             <a:pPr>
               <a:lnSpc>
@@ -5820,7 +6576,7 @@
               </a:lnSpc>
             </a:pPr>
             <a:r>
-              <a:rPr b="1" i="1" lang="es-ES" sz="1800" spc="-1" strike="noStrike">
+              <a:rPr lang="es-ES" sz="1800" b="1" i="1" strike="noStrike" spc="-1">
                 <a:solidFill>
                   <a:srgbClr val="000000"/>
                 </a:solidFill>
@@ -5829,7 +6585,7 @@
               <a:t>Coche </a:t>
             </a:r>
             <a:r>
-              <a:rPr b="0" lang="es-ES" sz="1800" spc="-1" strike="noStrike">
+              <a:rPr lang="es-ES" sz="1800" b="0" strike="noStrike" spc="-1">
                 <a:solidFill>
                   <a:srgbClr val="000000"/>
                 </a:solidFill>
@@ -5837,7 +6593,7 @@
               </a:rPr>
               <a:t>para obtener:</a:t>
             </a:r>
-            <a:endParaRPr b="0" lang="es-ES" sz="1800" spc="-1" strike="noStrike">
+            <a:endParaRPr lang="es-ES" sz="1800" b="0" strike="noStrike" spc="-1">
               <a:latin typeface="Arial"/>
             </a:endParaRPr>
           </a:p>
@@ -5853,7 +6609,7 @@
               <a:buChar char="-"/>
             </a:pPr>
             <a:r>
-              <a:rPr b="0" lang="es-ES" sz="1800" spc="-1" strike="noStrike">
+              <a:rPr lang="es-ES" sz="1800" b="0" strike="noStrike" spc="-1">
                 <a:solidFill>
                   <a:srgbClr val="000000"/>
                 </a:solidFill>
@@ -5861,7 +6617,7 @@
               </a:rPr>
               <a:t>Autonomía</a:t>
             </a:r>
-            <a:endParaRPr b="0" lang="es-ES" sz="1800" spc="-1" strike="noStrike">
+            <a:endParaRPr lang="es-ES" sz="1800" b="0" strike="noStrike" spc="-1">
               <a:latin typeface="Arial"/>
             </a:endParaRPr>
           </a:p>
@@ -5877,7 +6633,7 @@
               <a:buChar char="-"/>
             </a:pPr>
             <a:r>
-              <a:rPr b="0" lang="es-ES" sz="1800" spc="-1" strike="noStrike">
+              <a:rPr lang="es-ES" sz="1800" b="0" strike="noStrike" spc="-1">
                 <a:solidFill>
                   <a:srgbClr val="000000"/>
                 </a:solidFill>
@@ -5885,7 +6641,7 @@
               </a:rPr>
               <a:t>Velocidad de carga</a:t>
             </a:r>
-            <a:endParaRPr b="0" lang="es-ES" sz="1800" spc="-1" strike="noStrike">
+            <a:endParaRPr lang="es-ES" sz="1800" b="0" strike="noStrike" spc="-1">
               <a:latin typeface="Arial"/>
             </a:endParaRPr>
           </a:p>
@@ -5901,7 +6657,7 @@
               <a:buChar char="-"/>
             </a:pPr>
             <a:r>
-              <a:rPr b="0" lang="es-ES" sz="1800" spc="-1" strike="noStrike">
+              <a:rPr lang="es-ES" sz="1800" b="0" strike="noStrike" spc="-1">
                 <a:solidFill>
                   <a:srgbClr val="000000"/>
                 </a:solidFill>
@@ -5909,7 +6665,7 @@
               </a:rPr>
               <a:t>Velocidad máxima</a:t>
             </a:r>
-            <a:endParaRPr b="0" lang="es-ES" sz="1800" spc="-1" strike="noStrike">
+            <a:endParaRPr lang="es-ES" sz="1800" b="0" strike="noStrike" spc="-1">
               <a:latin typeface="Arial"/>
             </a:endParaRPr>
           </a:p>
@@ -5919,7 +6675,7 @@
                 <a:spcPct val="100000"/>
               </a:lnSpc>
             </a:pPr>
-            <a:endParaRPr b="0" lang="es-ES" sz="1800" spc="-1" strike="noStrike">
+            <a:endParaRPr lang="es-ES" sz="1800" b="0" strike="noStrike" spc="-1">
               <a:latin typeface="Arial"/>
             </a:endParaRPr>
           </a:p>
@@ -5981,13 +6737,20 @@
           </a:ln>
         </p:spPr>
         <p:style>
-          <a:lnRef idx="0"/>
-          <a:fillRef idx="0"/>
-          <a:effectRef idx="0"/>
+          <a:lnRef idx="0">
+            <a:scrgbClr r="0" g="0" b="0"/>
+          </a:lnRef>
+          <a:fillRef idx="0">
+            <a:scrgbClr r="0" g="0" b="0"/>
+          </a:fillRef>
+          <a:effectRef idx="0">
+            <a:scrgbClr r="0" g="0" b="0"/>
+          </a:effectRef>
           <a:fontRef idx="minor"/>
         </p:style>
         <p:txBody>
-          <a:bodyPr lIns="90000" rIns="90000" tIns="45000" bIns="45000"/>
+          <a:bodyPr lIns="90000" tIns="45000" rIns="90000" bIns="45000"/>
+          <a:lstStyle/>
           <a:p>
             <a:pPr>
               <a:lnSpc>
@@ -5995,7 +6758,7 @@
               </a:lnSpc>
             </a:pPr>
             <a:r>
-              <a:rPr b="1" i="1" lang="es-ES" sz="1800" spc="-1" strike="noStrike">
+              <a:rPr lang="es-ES" sz="1800" b="1" i="1" strike="noStrike" spc="-1">
                 <a:solidFill>
                   <a:srgbClr val="000000"/>
                 </a:solidFill>
@@ -6003,7 +6766,7 @@
               </a:rPr>
               <a:t>Puntos de recarga (GMAPI) </a:t>
             </a:r>
-            <a:endParaRPr b="0" lang="es-ES" sz="1800" spc="-1" strike="noStrike">
+            <a:endParaRPr lang="es-ES" sz="1800" b="0" strike="noStrike" spc="-1">
               <a:latin typeface="Arial"/>
             </a:endParaRPr>
           </a:p>
@@ -6014,7 +6777,7 @@
               </a:lnSpc>
             </a:pPr>
             <a:r>
-              <a:rPr b="1" i="1" lang="es-ES" sz="1800" spc="-1" strike="noStrike">
+              <a:rPr lang="es-ES" sz="1800" b="1" i="1" strike="noStrike" spc="-1">
                 <a:solidFill>
                   <a:srgbClr val="000000"/>
                 </a:solidFill>
@@ -6023,7 +6786,7 @@
               <a:t>- </a:t>
             </a:r>
             <a:r>
-              <a:rPr b="0" lang="es-ES" sz="1800" spc="-1" strike="noStrike">
+              <a:rPr lang="es-ES" sz="1800" b="0" strike="noStrike" spc="-1">
                 <a:solidFill>
                   <a:srgbClr val="000000"/>
                 </a:solidFill>
@@ -6031,7 +6794,7 @@
               </a:rPr>
               <a:t>Nombre, dirección, coordenadas</a:t>
             </a:r>
-            <a:endParaRPr b="0" lang="es-ES" sz="1800" spc="-1" strike="noStrike">
+            <a:endParaRPr lang="es-ES" sz="1800" b="0" strike="noStrike" spc="-1">
               <a:latin typeface="Arial"/>
             </a:endParaRPr>
           </a:p>
@@ -6041,7 +6804,7 @@
                 <a:spcPct val="100000"/>
               </a:lnSpc>
             </a:pPr>
-            <a:endParaRPr b="0" lang="es-ES" sz="1800" spc="-1" strike="noStrike">
+            <a:endParaRPr lang="es-ES" sz="1800" b="0" strike="noStrike" spc="-1">
               <a:latin typeface="Arial"/>
             </a:endParaRPr>
           </a:p>
@@ -6062,6 +6825,7 @@
             <a:avLst/>
             <a:gdLst/>
             <a:ahLst/>
+            <a:cxnLst/>
             <a:rect l="l" t="t" r="r" b="b"/>
             <a:pathLst>
               <a:path w="21600" h="21600">
@@ -6076,7 +6840,7 @@
           </a:custGeom>
           <a:noFill/>
           <a:ln w="38160">
-            <a:tailEnd len="med" type="triangle" w="med"/>
+            <a:tailEnd type="triangle" w="med" len="med"/>
           </a:ln>
         </p:spPr>
         <p:style>
@@ -6112,13 +6876,20 @@
           </a:ln>
         </p:spPr>
         <p:style>
-          <a:lnRef idx="0"/>
-          <a:fillRef idx="0"/>
-          <a:effectRef idx="0"/>
+          <a:lnRef idx="0">
+            <a:scrgbClr r="0" g="0" b="0"/>
+          </a:lnRef>
+          <a:fillRef idx="0">
+            <a:scrgbClr r="0" g="0" b="0"/>
+          </a:fillRef>
+          <a:effectRef idx="0">
+            <a:scrgbClr r="0" g="0" b="0"/>
+          </a:effectRef>
           <a:fontRef idx="minor"/>
         </p:style>
         <p:txBody>
-          <a:bodyPr lIns="90000" rIns="90000" tIns="45000" bIns="45000"/>
+          <a:bodyPr lIns="90000" tIns="45000" rIns="90000" bIns="45000"/>
+          <a:lstStyle/>
           <a:p>
             <a:pPr>
               <a:lnSpc>
@@ -6126,7 +6897,7 @@
               </a:lnSpc>
             </a:pPr>
             <a:r>
-              <a:rPr b="1" i="1" lang="es-ES" sz="1800" spc="-1" strike="noStrike">
+              <a:rPr lang="es-ES" sz="1800" b="1" i="1" strike="noStrike" spc="-1">
                 <a:solidFill>
                   <a:srgbClr val="000000"/>
                 </a:solidFill>
@@ -6134,7 +6905,7 @@
               </a:rPr>
               <a:t>Opciones Origen/Destino (desplegable) (GMAPI) </a:t>
             </a:r>
-            <a:endParaRPr b="0" lang="es-ES" sz="1800" spc="-1" strike="noStrike">
+            <a:endParaRPr lang="es-ES" sz="1800" b="0" strike="noStrike" spc="-1">
               <a:latin typeface="Arial"/>
             </a:endParaRPr>
           </a:p>
@@ -6145,7 +6916,7 @@
               </a:lnSpc>
             </a:pPr>
             <a:r>
-              <a:rPr b="1" i="1" lang="es-ES" sz="1800" spc="-1" strike="noStrike">
+              <a:rPr lang="es-ES" sz="1800" b="1" i="1" strike="noStrike" spc="-1">
                 <a:solidFill>
                   <a:srgbClr val="000000"/>
                 </a:solidFill>
@@ -6154,7 +6925,7 @@
               <a:t>- </a:t>
             </a:r>
             <a:r>
-              <a:rPr b="0" lang="es-ES" sz="1800" spc="-1" strike="noStrike">
+              <a:rPr lang="es-ES" sz="1800" b="0" strike="noStrike" spc="-1">
                 <a:solidFill>
                   <a:srgbClr val="000000"/>
                 </a:solidFill>
@@ -6162,7 +6933,7 @@
               </a:rPr>
               <a:t>Nombre, dirección, coordenadas</a:t>
             </a:r>
-            <a:endParaRPr b="0" lang="es-ES" sz="1800" spc="-1" strike="noStrike">
+            <a:endParaRPr lang="es-ES" sz="1800" b="0" strike="noStrike" spc="-1">
               <a:latin typeface="Arial"/>
             </a:endParaRPr>
           </a:p>
@@ -6185,7 +6956,7 @@
           <a:noFill/>
           <a:ln w="38160">
             <a:solidFill>
-              <a:srgbClr val="ff0000"/>
+              <a:srgbClr val="FF0000"/>
             </a:solidFill>
           </a:ln>
         </p:spPr>
@@ -6221,7 +6992,7 @@
           <a:noFill/>
           <a:ln w="38160">
             <a:solidFill>
-              <a:srgbClr val="ff0000"/>
+              <a:srgbClr val="FF0000"/>
             </a:solidFill>
           </a:ln>
         </p:spPr>
@@ -6260,13 +7031,20 @@
           </a:ln>
         </p:spPr>
         <p:style>
-          <a:lnRef idx="0"/>
-          <a:fillRef idx="0"/>
-          <a:effectRef idx="0"/>
+          <a:lnRef idx="0">
+            <a:scrgbClr r="0" g="0" b="0"/>
+          </a:lnRef>
+          <a:fillRef idx="0">
+            <a:scrgbClr r="0" g="0" b="0"/>
+          </a:fillRef>
+          <a:effectRef idx="0">
+            <a:scrgbClr r="0" g="0" b="0"/>
+          </a:effectRef>
           <a:fontRef idx="minor"/>
         </p:style>
         <p:txBody>
-          <a:bodyPr lIns="90000" rIns="90000" tIns="45000" bIns="45000"/>
+          <a:bodyPr lIns="90000" tIns="45000" rIns="90000" bIns="45000"/>
+          <a:lstStyle/>
           <a:p>
             <a:pPr>
               <a:lnSpc>
@@ -6274,7 +7052,7 @@
               </a:lnSpc>
             </a:pPr>
             <a:r>
-              <a:rPr b="1" i="1" lang="es-ES" sz="1800" spc="-1" strike="noStrike">
+              <a:rPr lang="es-ES" sz="1800" b="1" i="1" strike="noStrike" spc="-1">
                 <a:solidFill>
                   <a:srgbClr val="000000"/>
                 </a:solidFill>
@@ -6282,7 +7060,7 @@
               </a:rPr>
               <a:t>Gasolineras de España </a:t>
             </a:r>
-            <a:endParaRPr b="0" lang="es-ES" sz="1800" spc="-1" strike="noStrike">
+            <a:endParaRPr lang="es-ES" sz="1800" b="0" strike="noStrike" spc="-1">
               <a:latin typeface="Arial"/>
             </a:endParaRPr>
           </a:p>
@@ -6293,7 +7071,7 @@
               </a:lnSpc>
             </a:pPr>
             <a:r>
-              <a:rPr b="1" i="1" lang="es-ES" sz="1800" spc="-1" strike="noStrike">
+              <a:rPr lang="es-ES" sz="1800" b="1" i="1" strike="noStrike" spc="-1">
                 <a:solidFill>
                   <a:srgbClr val="000000"/>
                 </a:solidFill>
@@ -6302,7 +7080,7 @@
               <a:t>- </a:t>
             </a:r>
             <a:r>
-              <a:rPr b="0" lang="es-ES" sz="1800" spc="-1" strike="noStrike">
+              <a:rPr lang="es-ES" sz="1800" b="0" strike="noStrike" spc="-1">
                 <a:solidFill>
                   <a:srgbClr val="000000"/>
                 </a:solidFill>
@@ -6310,7 +7088,7 @@
               </a:rPr>
               <a:t>Nombre, dirección, coordenadas, ??</a:t>
             </a:r>
-            <a:endParaRPr b="0" lang="es-ES" sz="1800" spc="-1" strike="noStrike">
+            <a:endParaRPr lang="es-ES" sz="1800" b="0" strike="noStrike" spc="-1">
               <a:latin typeface="Arial"/>
             </a:endParaRPr>
           </a:p>
@@ -6318,22 +7096,25 @@
       </p:sp>
     </p:spTree>
   </p:cSld>
+  <p:clrMapOvr>
+    <a:masterClrMapping/>
+  </p:clrMapOvr>
   <p:timing>
     <p:tnLst>
       <p:par>
-        <p:cTn id="5" dur="indefinite" restart="never" nodeType="tmRoot">
+        <p:cTn id="1" dur="indefinite" restart="never" nodeType="tmRoot">
           <p:childTnLst>
             <p:seq>
-              <p:cTn id="6" dur="indefinite" nodeType="mainSeq"/>
+              <p:cTn id="2" dur="indefinite" nodeType="mainSeq"/>
               <p:prevCondLst>
-                <p:cond delay="0" evt="onPrev">
+                <p:cond evt="onPrev" delay="0">
                   <p:tgtEl>
                     <p:sldTgt/>
                   </p:tgtEl>
                 </p:cond>
               </p:prevCondLst>
               <p:nextCondLst>
-                <p:cond delay="0" evt="onNext">
+                <p:cond evt="onNext" delay="0">
                   <p:tgtEl>
                     <p:sldTgt/>
                   </p:tgtEl>
@@ -6349,7 +7130,7 @@
 </file>
 
 <file path=ppt/slides/slide4.xml><?xml version="1.0" encoding="utf-8"?>
-<p:sld xmlns:a="http://schemas.openxmlformats.org/drawingml/2006/main" xmlns:p="http://schemas.openxmlformats.org/presentationml/2006/main" xmlns:r="http://schemas.openxmlformats.org/officeDocument/2006/relationships" xmlns:p14="http://schemas.microsoft.com/office/powerpoint/2010/main" xmlns:p15="http://schemas.microsoft.com/office/powerpoint/2012/main" xmlns:mc="http://schemas.openxmlformats.org/markup-compatibility/2006">
+<p:sld xmlns:a="http://schemas.openxmlformats.org/drawingml/2006/main" xmlns:r="http://schemas.openxmlformats.org/officeDocument/2006/relationships" xmlns:p="http://schemas.openxmlformats.org/presentationml/2006/main">
   <p:cSld>
     <p:spTree>
       <p:nvGrpSpPr>
@@ -6386,6 +7167,7 @@
         </p:spPr>
         <p:txBody>
           <a:bodyPr anchor="ctr"/>
+          <a:lstStyle/>
           <a:p>
             <a:pPr>
               <a:lnSpc>
@@ -6393,7 +7175,7 @@
               </a:lnSpc>
             </a:pPr>
             <a:r>
-              <a:rPr b="0" lang="es-ES" sz="4400" spc="-1" strike="noStrike">
+              <a:rPr lang="es-ES" sz="4400" b="0" strike="noStrike" spc="-1">
                 <a:solidFill>
                   <a:srgbClr val="000000"/>
                 </a:solidFill>
@@ -6401,7 +7183,7 @@
               </a:rPr>
               <a:t>Modelo</a:t>
             </a:r>
-            <a:endParaRPr b="0" lang="es-ES" sz="4400" spc="-1" strike="noStrike">
+            <a:endParaRPr lang="es-ES" sz="4400" b="0" strike="noStrike" spc="-1">
               <a:solidFill>
                 <a:srgbClr val="000000"/>
               </a:solidFill>
@@ -6502,13 +7284,20 @@
           </a:ln>
         </p:spPr>
         <p:style>
-          <a:lnRef idx="0"/>
-          <a:fillRef idx="0"/>
-          <a:effectRef idx="0"/>
+          <a:lnRef idx="0">
+            <a:scrgbClr r="0" g="0" b="0"/>
+          </a:lnRef>
+          <a:fillRef idx="0">
+            <a:scrgbClr r="0" g="0" b="0"/>
+          </a:fillRef>
+          <a:effectRef idx="0">
+            <a:scrgbClr r="0" g="0" b="0"/>
+          </a:effectRef>
           <a:fontRef idx="minor"/>
         </p:style>
         <p:txBody>
-          <a:bodyPr lIns="90000" rIns="90000" tIns="45000" bIns="45000"/>
+          <a:bodyPr lIns="90000" tIns="45000" rIns="90000" bIns="45000"/>
+          <a:lstStyle/>
           <a:p>
             <a:pPr>
               <a:lnSpc>
@@ -6516,7 +7305,7 @@
               </a:lnSpc>
             </a:pPr>
             <a:r>
-              <a:rPr b="0" lang="es-ES" sz="1800" spc="-1" strike="noStrike">
+              <a:rPr lang="es-ES" sz="1800" b="0" strike="noStrike" spc="-1">
                 <a:solidFill>
                   <a:srgbClr val="000000"/>
                 </a:solidFill>
@@ -6524,7 +7313,7 @@
               </a:rPr>
               <a:t>Definir la función </a:t>
             </a:r>
-            <a:endParaRPr b="0" lang="es-ES" sz="1800" spc="-1" strike="noStrike">
+            <a:endParaRPr lang="es-ES" sz="1800" b="0" strike="noStrike" spc="-1">
               <a:latin typeface="Arial"/>
             </a:endParaRPr>
           </a:p>
@@ -6535,7 +7324,7 @@
               </a:lnSpc>
             </a:pPr>
             <a:r>
-              <a:rPr b="0" lang="es-ES" sz="1800" spc="-1" strike="noStrike">
+              <a:rPr lang="es-ES" sz="1800" b="0" strike="noStrike" spc="-1">
                 <a:solidFill>
                   <a:srgbClr val="000000"/>
                 </a:solidFill>
@@ -6543,7 +7332,7 @@
               </a:rPr>
               <a:t>Objetivo (aka fitness</a:t>
             </a:r>
-            <a:endParaRPr b="0" lang="es-ES" sz="1800" spc="-1" strike="noStrike">
+            <a:endParaRPr lang="es-ES" sz="1800" b="0" strike="noStrike" spc="-1">
               <a:latin typeface="Arial"/>
             </a:endParaRPr>
           </a:p>
@@ -6554,7 +7343,7 @@
               </a:lnSpc>
             </a:pPr>
             <a:r>
-              <a:rPr b="0" lang="es-ES" sz="1800" spc="-1" strike="noStrike">
+              <a:rPr lang="es-ES" sz="1800" b="0" strike="noStrike" spc="-1">
                 <a:solidFill>
                   <a:srgbClr val="000000"/>
                 </a:solidFill>
@@ -6562,7 +7351,7 @@
               </a:rPr>
               <a:t>Function) y las </a:t>
             </a:r>
-            <a:endParaRPr b="0" lang="es-ES" sz="1800" spc="-1" strike="noStrike">
+            <a:endParaRPr lang="es-ES" sz="1800" b="0" strike="noStrike" spc="-1">
               <a:latin typeface="Arial"/>
             </a:endParaRPr>
           </a:p>
@@ -6573,7 +7362,7 @@
               </a:lnSpc>
             </a:pPr>
             <a:r>
-              <a:rPr b="0" lang="es-ES" sz="1800" spc="-1" strike="noStrike">
+              <a:rPr lang="es-ES" sz="1800" b="0" strike="noStrike" spc="-1">
                 <a:solidFill>
                   <a:srgbClr val="000000"/>
                 </a:solidFill>
@@ -6581,7 +7370,7 @@
               </a:rPr>
               <a:t>Restricciones.</a:t>
             </a:r>
-            <a:endParaRPr b="0" lang="es-ES" sz="1800" spc="-1" strike="noStrike">
+            <a:endParaRPr lang="es-ES" sz="1800" b="0" strike="noStrike" spc="-1">
               <a:latin typeface="Arial"/>
             </a:endParaRPr>
           </a:p>
@@ -6602,6 +7391,7 @@
             <a:avLst/>
             <a:gdLst/>
             <a:ahLst/>
+            <a:cxnLst/>
             <a:rect l="l" t="t" r="r" b="b"/>
             <a:pathLst>
               <a:path w="21600" h="21600">
@@ -6616,7 +7406,7 @@
           </a:custGeom>
           <a:noFill/>
           <a:ln w="38160">
-            <a:tailEnd len="med" type="triangle" w="med"/>
+            <a:tailEnd type="triangle" w="med" len="med"/>
           </a:ln>
         </p:spPr>
         <p:style>
@@ -6688,13 +7478,20 @@
           </a:ln>
         </p:spPr>
         <p:style>
-          <a:lnRef idx="0"/>
-          <a:fillRef idx="0"/>
-          <a:effectRef idx="0"/>
+          <a:lnRef idx="0">
+            <a:scrgbClr r="0" g="0" b="0"/>
+          </a:lnRef>
+          <a:fillRef idx="0">
+            <a:scrgbClr r="0" g="0" b="0"/>
+          </a:fillRef>
+          <a:effectRef idx="0">
+            <a:scrgbClr r="0" g="0" b="0"/>
+          </a:effectRef>
           <a:fontRef idx="minor"/>
         </p:style>
         <p:txBody>
-          <a:bodyPr wrap="none" lIns="90000" rIns="90000" tIns="45000" bIns="45000"/>
+          <a:bodyPr wrap="none" lIns="90000" tIns="45000" rIns="90000" bIns="45000"/>
+          <a:lstStyle/>
           <a:p>
             <a:pPr>
               <a:lnSpc>
@@ -6702,7 +7499,7 @@
               </a:lnSpc>
             </a:pPr>
             <a:r>
-              <a:rPr b="0" lang="es-ES" sz="1800" spc="-1" strike="noStrike">
+              <a:rPr lang="es-ES" sz="1800" b="0" strike="noStrike" spc="-1">
                 <a:solidFill>
                   <a:srgbClr val="000000"/>
                 </a:solidFill>
@@ -6710,7 +7507,7 @@
               </a:rPr>
               <a:t>Modelo optimización ruta -&gt; Problema del viajero</a:t>
             </a:r>
-            <a:endParaRPr b="0" lang="es-ES" sz="1800" spc="-1" strike="noStrike">
+            <a:endParaRPr lang="es-ES" sz="1800" b="0" strike="noStrike" spc="-1">
               <a:latin typeface="Arial"/>
             </a:endParaRPr>
           </a:p>
@@ -6772,13 +7569,20 @@
           </a:ln>
         </p:spPr>
         <p:style>
-          <a:lnRef idx="0"/>
-          <a:fillRef idx="0"/>
-          <a:effectRef idx="0"/>
+          <a:lnRef idx="0">
+            <a:scrgbClr r="0" g="0" b="0"/>
+          </a:lnRef>
+          <a:fillRef idx="0">
+            <a:scrgbClr r="0" g="0" b="0"/>
+          </a:fillRef>
+          <a:effectRef idx="0">
+            <a:scrgbClr r="0" g="0" b="0"/>
+          </a:effectRef>
           <a:fontRef idx="minor"/>
         </p:style>
         <p:txBody>
-          <a:bodyPr lIns="90000" rIns="90000" tIns="45000" bIns="45000"/>
+          <a:bodyPr lIns="90000" tIns="45000" rIns="90000" bIns="45000"/>
+          <a:lstStyle/>
           <a:p>
             <a:pPr>
               <a:lnSpc>
@@ -6786,7 +7590,7 @@
               </a:lnSpc>
             </a:pPr>
             <a:r>
-              <a:rPr b="0" lang="es-ES" sz="1800" spc="-1" strike="noStrike">
+              <a:rPr lang="es-ES" sz="1800" b="0" strike="noStrike" spc="-1">
                 <a:solidFill>
                   <a:srgbClr val="000000"/>
                 </a:solidFill>
@@ -6794,7 +7598,7 @@
               </a:rPr>
               <a:t>Predicción modelo ML puntos de recarga: predecir cuales son los puntos de recarga adicionales que convendría instalar.</a:t>
             </a:r>
-            <a:endParaRPr b="0" lang="es-ES" sz="1800" spc="-1" strike="noStrike">
+            <a:endParaRPr lang="es-ES" sz="1800" b="0" strike="noStrike" spc="-1">
               <a:latin typeface="Arial"/>
             </a:endParaRPr>
           </a:p>
@@ -6887,6 +7691,7 @@
             <a:avLst/>
             <a:gdLst/>
             <a:ahLst/>
+            <a:cxnLst/>
             <a:rect l="l" t="t" r="r" b="b"/>
             <a:pathLst>
               <a:path w="21600" h="21600">
@@ -6902,9 +7707,9 @@
           <a:noFill/>
           <a:ln w="38160">
             <a:solidFill>
-              <a:srgbClr val="ff0000"/>
+              <a:srgbClr val="FF0000"/>
             </a:solidFill>
-            <a:tailEnd len="med" type="triangle" w="med"/>
+            <a:tailEnd type="triangle" w="med" len="med"/>
           </a:ln>
         </p:spPr>
         <p:style>
@@ -6935,6 +7740,7 @@
             <a:avLst/>
             <a:gdLst/>
             <a:ahLst/>
+            <a:cxnLst/>
             <a:rect l="l" t="t" r="r" b="b"/>
             <a:pathLst>
               <a:path w="21600" h="21600">
@@ -6950,9 +7756,9 @@
           <a:noFill/>
           <a:ln w="38160">
             <a:solidFill>
-              <a:srgbClr val="ff0000"/>
+              <a:srgbClr val="FF0000"/>
             </a:solidFill>
-            <a:tailEnd len="med" type="triangle" w="med"/>
+            <a:tailEnd type="triangle" w="med" len="med"/>
           </a:ln>
         </p:spPr>
         <p:style>
@@ -6983,6 +7789,7 @@
             <a:avLst/>
             <a:gdLst/>
             <a:ahLst/>
+            <a:cxnLst/>
             <a:rect l="l" t="t" r="r" b="b"/>
             <a:pathLst>
               <a:path w="21600" h="21600">
@@ -6998,9 +7805,9 @@
           <a:noFill/>
           <a:ln w="38160">
             <a:solidFill>
-              <a:srgbClr val="00b0f0"/>
+              <a:srgbClr val="00B0F0"/>
             </a:solidFill>
-            <a:tailEnd len="med" type="triangle" w="med"/>
+            <a:tailEnd type="triangle" w="med" len="med"/>
           </a:ln>
         </p:spPr>
         <p:style>
@@ -7036,13 +7843,20 @@
           </a:ln>
         </p:spPr>
         <p:style>
-          <a:lnRef idx="0"/>
-          <a:fillRef idx="0"/>
-          <a:effectRef idx="0"/>
+          <a:lnRef idx="0">
+            <a:scrgbClr r="0" g="0" b="0"/>
+          </a:lnRef>
+          <a:fillRef idx="0">
+            <a:scrgbClr r="0" g="0" b="0"/>
+          </a:fillRef>
+          <a:effectRef idx="0">
+            <a:scrgbClr r="0" g="0" b="0"/>
+          </a:effectRef>
           <a:fontRef idx="minor"/>
         </p:style>
         <p:txBody>
-          <a:bodyPr lIns="90000" rIns="90000" tIns="45000" bIns="45000"/>
+          <a:bodyPr lIns="90000" tIns="45000" rIns="90000" bIns="45000"/>
+          <a:lstStyle/>
           <a:p>
             <a:pPr>
               <a:lnSpc>
@@ -7050,7 +7864,7 @@
               </a:lnSpc>
             </a:pPr>
             <a:r>
-              <a:rPr b="0" lang="es-ES" sz="1800" spc="-1" strike="noStrike">
+              <a:rPr lang="es-ES" sz="1800" b="0" strike="noStrike" spc="-1">
                 <a:solidFill>
                   <a:srgbClr val="000000"/>
                 </a:solidFill>
@@ -7058,7 +7872,7 @@
               </a:rPr>
               <a:t>Aplicar el modelo de optimización al problema definido y obtener ruta deseada.</a:t>
             </a:r>
-            <a:endParaRPr b="0" lang="es-ES" sz="1800" spc="-1" strike="noStrike">
+            <a:endParaRPr lang="es-ES" sz="1800" b="0" strike="noStrike" spc="-1">
               <a:latin typeface="Arial"/>
             </a:endParaRPr>
           </a:p>
@@ -7084,13 +7898,20 @@
           </a:ln>
         </p:spPr>
         <p:style>
-          <a:lnRef idx="0"/>
-          <a:fillRef idx="0"/>
-          <a:effectRef idx="0"/>
+          <a:lnRef idx="0">
+            <a:scrgbClr r="0" g="0" b="0"/>
+          </a:lnRef>
+          <a:fillRef idx="0">
+            <a:scrgbClr r="0" g="0" b="0"/>
+          </a:fillRef>
+          <a:effectRef idx="0">
+            <a:scrgbClr r="0" g="0" b="0"/>
+          </a:effectRef>
           <a:fontRef idx="minor"/>
         </p:style>
         <p:txBody>
-          <a:bodyPr lIns="90000" rIns="90000" tIns="45000" bIns="45000"/>
+          <a:bodyPr lIns="90000" tIns="45000" rIns="90000" bIns="45000"/>
+          <a:lstStyle/>
           <a:p>
             <a:pPr>
               <a:lnSpc>
@@ -7098,7 +7919,7 @@
               </a:lnSpc>
             </a:pPr>
             <a:r>
-              <a:rPr b="0" lang="es-ES" sz="1800" spc="-1" strike="noStrike">
+              <a:rPr lang="es-ES" sz="1800" b="0" strike="noStrike" spc="-1">
                 <a:solidFill>
                   <a:srgbClr val="000000"/>
                 </a:solidFill>
@@ -7106,7 +7927,7 @@
               </a:rPr>
               <a:t>Transformar las variables para adecuarlas al problema de optimización.</a:t>
             </a:r>
-            <a:endParaRPr b="0" lang="es-ES" sz="1800" spc="-1" strike="noStrike">
+            <a:endParaRPr lang="es-ES" sz="1800" b="0" strike="noStrike" spc="-1">
               <a:latin typeface="Arial"/>
             </a:endParaRPr>
           </a:p>
@@ -7127,6 +7948,7 @@
             <a:avLst/>
             <a:gdLst/>
             <a:ahLst/>
+            <a:cxnLst/>
             <a:rect l="l" t="t" r="r" b="b"/>
             <a:pathLst>
               <a:path w="21600" h="21600">
@@ -7142,9 +7964,9 @@
           <a:noFill/>
           <a:ln w="38160">
             <a:solidFill>
-              <a:srgbClr val="00b0f0"/>
+              <a:srgbClr val="00B0F0"/>
             </a:solidFill>
-            <a:tailEnd len="med" type="triangle" w="med"/>
+            <a:tailEnd type="triangle" w="med" len="med"/>
           </a:ln>
         </p:spPr>
         <p:style>
@@ -7180,13 +8002,20 @@
           </a:ln>
         </p:spPr>
         <p:style>
-          <a:lnRef idx="0"/>
-          <a:fillRef idx="0"/>
-          <a:effectRef idx="0"/>
+          <a:lnRef idx="0">
+            <a:scrgbClr r="0" g="0" b="0"/>
+          </a:lnRef>
+          <a:fillRef idx="0">
+            <a:scrgbClr r="0" g="0" b="0"/>
+          </a:fillRef>
+          <a:effectRef idx="0">
+            <a:scrgbClr r="0" g="0" b="0"/>
+          </a:effectRef>
           <a:fontRef idx="minor"/>
         </p:style>
         <p:txBody>
-          <a:bodyPr lIns="90000" rIns="90000" tIns="45000" bIns="45000"/>
+          <a:bodyPr lIns="90000" tIns="45000" rIns="90000" bIns="45000"/>
+          <a:lstStyle/>
           <a:p>
             <a:pPr>
               <a:lnSpc>
@@ -7194,15 +8023,15 @@
               </a:lnSpc>
             </a:pPr>
             <a:r>
-              <a:rPr b="0" lang="es-ES" sz="1600" spc="-1" strike="noStrike">
+              <a:rPr lang="es-ES" sz="1600" b="0" strike="noStrike" spc="-1">
                 <a:solidFill>
-                  <a:srgbClr val="ff0000"/>
+                  <a:srgbClr val="FF0000"/>
                 </a:solidFill>
                 <a:latin typeface="LM Roman 10"/>
               </a:rPr>
               <a:t>Puntos reales</a:t>
             </a:r>
-            <a:endParaRPr b="0" lang="es-ES" sz="1600" spc="-1" strike="noStrike">
+            <a:endParaRPr lang="es-ES" sz="1600" b="0" strike="noStrike" spc="-1">
               <a:latin typeface="Arial"/>
             </a:endParaRPr>
           </a:p>
@@ -7228,13 +8057,20 @@
           </a:ln>
         </p:spPr>
         <p:style>
-          <a:lnRef idx="0"/>
-          <a:fillRef idx="0"/>
-          <a:effectRef idx="0"/>
+          <a:lnRef idx="0">
+            <a:scrgbClr r="0" g="0" b="0"/>
+          </a:lnRef>
+          <a:fillRef idx="0">
+            <a:scrgbClr r="0" g="0" b="0"/>
+          </a:fillRef>
+          <a:effectRef idx="0">
+            <a:scrgbClr r="0" g="0" b="0"/>
+          </a:effectRef>
           <a:fontRef idx="minor"/>
         </p:style>
         <p:txBody>
-          <a:bodyPr lIns="90000" rIns="90000" tIns="45000" bIns="45000"/>
+          <a:bodyPr lIns="90000" tIns="45000" rIns="90000" bIns="45000"/>
+          <a:lstStyle/>
           <a:p>
             <a:pPr>
               <a:lnSpc>
@@ -7242,15 +8078,15 @@
               </a:lnSpc>
             </a:pPr>
             <a:r>
-              <a:rPr b="0" lang="es-ES" sz="1600" spc="-1" strike="noStrike">
+              <a:rPr lang="es-ES" sz="1600" b="0" strike="noStrike" spc="-1">
                 <a:solidFill>
-                  <a:srgbClr val="00b0f0"/>
+                  <a:srgbClr val="00B0F0"/>
                 </a:solidFill>
                 <a:latin typeface="LM Roman 10"/>
               </a:rPr>
               <a:t>Puntos reales + predichos</a:t>
             </a:r>
-            <a:endParaRPr b="0" lang="es-ES" sz="1600" spc="-1" strike="noStrike">
+            <a:endParaRPr lang="es-ES" sz="1600" b="0" strike="noStrike" spc="-1">
               <a:latin typeface="Arial"/>
             </a:endParaRPr>
           </a:p>
@@ -7276,13 +8112,20 @@
           </a:ln>
         </p:spPr>
         <p:style>
-          <a:lnRef idx="0"/>
-          <a:fillRef idx="0"/>
-          <a:effectRef idx="0"/>
+          <a:lnRef idx="0">
+            <a:scrgbClr r="0" g="0" b="0"/>
+          </a:lnRef>
+          <a:fillRef idx="0">
+            <a:scrgbClr r="0" g="0" b="0"/>
+          </a:fillRef>
+          <a:effectRef idx="0">
+            <a:scrgbClr r="0" g="0" b="0"/>
+          </a:effectRef>
           <a:fontRef idx="minor"/>
         </p:style>
         <p:txBody>
-          <a:bodyPr lIns="90000" rIns="90000" tIns="45000" bIns="45000"/>
+          <a:bodyPr lIns="90000" tIns="45000" rIns="90000" bIns="45000"/>
+          <a:lstStyle/>
           <a:p>
             <a:pPr>
               <a:lnSpc>
@@ -7290,15 +8133,15 @@
               </a:lnSpc>
             </a:pPr>
             <a:r>
-              <a:rPr b="0" lang="es-ES" sz="1600" spc="-1" strike="noStrike">
+              <a:rPr lang="es-ES" sz="1600" b="0" strike="noStrike" spc="-1">
                 <a:solidFill>
-                  <a:srgbClr val="00b0f0"/>
+                  <a:srgbClr val="00B0F0"/>
                 </a:solidFill>
                 <a:latin typeface="LM Roman 10"/>
               </a:rPr>
               <a:t>Puntos reales + predichos</a:t>
             </a:r>
-            <a:endParaRPr b="0" lang="es-ES" sz="1600" spc="-1" strike="noStrike">
+            <a:endParaRPr lang="es-ES" sz="1600" b="0" strike="noStrike" spc="-1">
               <a:latin typeface="Arial"/>
             </a:endParaRPr>
           </a:p>
@@ -7324,13 +8167,20 @@
           </a:ln>
         </p:spPr>
         <p:style>
-          <a:lnRef idx="0"/>
-          <a:fillRef idx="0"/>
-          <a:effectRef idx="0"/>
+          <a:lnRef idx="0">
+            <a:scrgbClr r="0" g="0" b="0"/>
+          </a:lnRef>
+          <a:fillRef idx="0">
+            <a:scrgbClr r="0" g="0" b="0"/>
+          </a:fillRef>
+          <a:effectRef idx="0">
+            <a:scrgbClr r="0" g="0" b="0"/>
+          </a:effectRef>
           <a:fontRef idx="minor"/>
         </p:style>
         <p:txBody>
-          <a:bodyPr lIns="90000" rIns="90000" tIns="45000" bIns="45000"/>
+          <a:bodyPr lIns="90000" tIns="45000" rIns="90000" bIns="45000"/>
+          <a:lstStyle/>
           <a:p>
             <a:pPr>
               <a:lnSpc>
@@ -7338,15 +8188,15 @@
               </a:lnSpc>
             </a:pPr>
             <a:r>
-              <a:rPr b="0" lang="es-ES" sz="1600" spc="-1" strike="noStrike">
+              <a:rPr lang="es-ES" sz="1600" b="0" strike="noStrike" spc="-1">
                 <a:solidFill>
-                  <a:srgbClr val="ff0000"/>
+                  <a:srgbClr val="FF0000"/>
                 </a:solidFill>
                 <a:latin typeface="LM Roman 10"/>
               </a:rPr>
               <a:t>Ruta óptima con puntos reales</a:t>
             </a:r>
-            <a:endParaRPr b="0" lang="es-ES" sz="1600" spc="-1" strike="noStrike">
+            <a:endParaRPr lang="es-ES" sz="1600" b="0" strike="noStrike" spc="-1">
               <a:latin typeface="Arial"/>
             </a:endParaRPr>
           </a:p>
@@ -7367,6 +8217,7 @@
             <a:avLst/>
             <a:gdLst/>
             <a:ahLst/>
+            <a:cxnLst/>
             <a:rect l="l" t="t" r="r" b="b"/>
             <a:pathLst>
               <a:path w="21600" h="21600">
@@ -7381,7 +8232,7 @@
           </a:custGeom>
           <a:noFill/>
           <a:ln w="38160">
-            <a:tailEnd len="med" type="triangle" w="med"/>
+            <a:tailEnd type="triangle" w="med" len="med"/>
           </a:ln>
         </p:spPr>
         <p:style>
@@ -7412,6 +8263,7 @@
             <a:avLst/>
             <a:gdLst/>
             <a:ahLst/>
+            <a:cxnLst/>
             <a:rect l="l" t="t" r="r" b="b"/>
             <a:pathLst>
               <a:path w="21600" h="21600">
@@ -7426,7 +8278,7 @@
           </a:custGeom>
           <a:noFill/>
           <a:ln w="38160">
-            <a:tailEnd len="med" type="triangle" w="med"/>
+            <a:tailEnd type="triangle" w="med" len="med"/>
           </a:ln>
         </p:spPr>
         <p:style>
@@ -7444,22 +8296,25 @@
       </p:sp>
     </p:spTree>
   </p:cSld>
+  <p:clrMapOvr>
+    <a:masterClrMapping/>
+  </p:clrMapOvr>
   <p:timing>
     <p:tnLst>
       <p:par>
-        <p:cTn id="7" dur="indefinite" restart="never" nodeType="tmRoot">
+        <p:cTn id="1" dur="indefinite" restart="never" nodeType="tmRoot">
           <p:childTnLst>
             <p:seq>
-              <p:cTn id="8" dur="indefinite" nodeType="mainSeq"/>
+              <p:cTn id="2" dur="indefinite" nodeType="mainSeq"/>
               <p:prevCondLst>
-                <p:cond delay="0" evt="onPrev">
+                <p:cond evt="onPrev" delay="0">
                   <p:tgtEl>
                     <p:sldTgt/>
                   </p:tgtEl>
                 </p:cond>
               </p:prevCondLst>
               <p:nextCondLst>
-                <p:cond delay="0" evt="onNext">
+                <p:cond evt="onNext" delay="0">
                   <p:tgtEl>
                     <p:sldTgt/>
                   </p:tgtEl>
@@ -7475,7 +8330,7 @@
 </file>
 
 <file path=ppt/slides/slide5.xml><?xml version="1.0" encoding="utf-8"?>
-<p:sld xmlns:a="http://schemas.openxmlformats.org/drawingml/2006/main" xmlns:p="http://schemas.openxmlformats.org/presentationml/2006/main" xmlns:r="http://schemas.openxmlformats.org/officeDocument/2006/relationships" xmlns:p14="http://schemas.microsoft.com/office/powerpoint/2010/main" xmlns:p15="http://schemas.microsoft.com/office/powerpoint/2012/main" xmlns:mc="http://schemas.openxmlformats.org/markup-compatibility/2006">
+<p:sld xmlns:a="http://schemas.openxmlformats.org/drawingml/2006/main" xmlns:r="http://schemas.openxmlformats.org/officeDocument/2006/relationships" xmlns:p="http://schemas.openxmlformats.org/presentationml/2006/main">
   <p:cSld>
     <p:spTree>
       <p:nvGrpSpPr>
@@ -7512,6 +8367,7 @@
         </p:spPr>
         <p:txBody>
           <a:bodyPr anchor="ctr"/>
+          <a:lstStyle/>
           <a:p>
             <a:pPr>
               <a:lnSpc>
@@ -7519,7 +8375,7 @@
               </a:lnSpc>
             </a:pPr>
             <a:r>
-              <a:rPr b="0" lang="es-ES" sz="4400" spc="-1" strike="noStrike">
+              <a:rPr lang="es-ES" sz="4400" b="0" strike="noStrike" spc="-1">
                 <a:solidFill>
                   <a:srgbClr val="000000"/>
                 </a:solidFill>
@@ -7527,7 +8383,7 @@
               </a:rPr>
               <a:t>Output</a:t>
             </a:r>
-            <a:endParaRPr b="0" lang="es-ES" sz="4400" spc="-1" strike="noStrike">
+            <a:endParaRPr lang="es-ES" sz="4400" b="0" strike="noStrike" spc="-1">
               <a:solidFill>
                 <a:srgbClr val="000000"/>
               </a:solidFill>
@@ -7623,6 +8479,7 @@
             <a:avLst/>
             <a:gdLst/>
             <a:ahLst/>
+            <a:cxnLst/>
             <a:rect l="l" t="t" r="r" b="b"/>
             <a:pathLst>
               <a:path w="21600" h="21600">
@@ -7638,9 +8495,9 @@
           <a:noFill/>
           <a:ln w="38160">
             <a:solidFill>
-              <a:srgbClr val="ff0000"/>
+              <a:srgbClr val="FF0000"/>
             </a:solidFill>
-            <a:tailEnd len="med" type="triangle" w="med"/>
+            <a:tailEnd type="triangle" w="med" len="med"/>
           </a:ln>
         </p:spPr>
         <p:style>
@@ -7671,6 +8528,7 @@
             <a:avLst/>
             <a:gdLst/>
             <a:ahLst/>
+            <a:cxnLst/>
             <a:rect l="l" t="t" r="r" b="b"/>
             <a:pathLst>
               <a:path w="21600" h="21600">
@@ -7686,9 +8544,9 @@
           <a:noFill/>
           <a:ln w="38160">
             <a:solidFill>
-              <a:srgbClr val="00b0f0"/>
+              <a:srgbClr val="00B0F0"/>
             </a:solidFill>
-            <a:tailEnd len="med" type="triangle" w="med"/>
+            <a:tailEnd type="triangle" w="med" len="med"/>
           </a:ln>
         </p:spPr>
         <p:style>
@@ -7724,13 +8582,20 @@
           </a:ln>
         </p:spPr>
         <p:style>
-          <a:lnRef idx="0"/>
-          <a:fillRef idx="0"/>
-          <a:effectRef idx="0"/>
+          <a:lnRef idx="0">
+            <a:scrgbClr r="0" g="0" b="0"/>
+          </a:lnRef>
+          <a:fillRef idx="0">
+            <a:scrgbClr r="0" g="0" b="0"/>
+          </a:fillRef>
+          <a:effectRef idx="0">
+            <a:scrgbClr r="0" g="0" b="0"/>
+          </a:effectRef>
           <a:fontRef idx="minor"/>
         </p:style>
         <p:txBody>
-          <a:bodyPr lIns="90000" rIns="90000" tIns="45000" bIns="45000"/>
+          <a:bodyPr lIns="90000" tIns="45000" rIns="90000" bIns="45000"/>
+          <a:lstStyle/>
           <a:p>
             <a:pPr>
               <a:lnSpc>
@@ -7738,15 +8603,15 @@
               </a:lnSpc>
             </a:pPr>
             <a:r>
-              <a:rPr b="0" lang="es-ES" sz="1600" spc="-1" strike="noStrike">
+              <a:rPr lang="es-ES" sz="1600" b="0" strike="noStrike" spc="-1">
                 <a:solidFill>
-                  <a:srgbClr val="ff0000"/>
+                  <a:srgbClr val="FF0000"/>
                 </a:solidFill>
                 <a:latin typeface="LM Roman 10"/>
               </a:rPr>
               <a:t>Ruta óptima con puntos reales</a:t>
             </a:r>
-            <a:endParaRPr b="0" lang="es-ES" sz="1600" spc="-1" strike="noStrike">
+            <a:endParaRPr lang="es-ES" sz="1600" b="0" strike="noStrike" spc="-1">
               <a:latin typeface="Arial"/>
             </a:endParaRPr>
           </a:p>
@@ -7772,13 +8637,20 @@
           </a:ln>
         </p:spPr>
         <p:style>
-          <a:lnRef idx="0"/>
-          <a:fillRef idx="0"/>
-          <a:effectRef idx="0"/>
+          <a:lnRef idx="0">
+            <a:scrgbClr r="0" g="0" b="0"/>
+          </a:lnRef>
+          <a:fillRef idx="0">
+            <a:scrgbClr r="0" g="0" b="0"/>
+          </a:fillRef>
+          <a:effectRef idx="0">
+            <a:scrgbClr r="0" g="0" b="0"/>
+          </a:effectRef>
           <a:fontRef idx="minor"/>
         </p:style>
         <p:txBody>
-          <a:bodyPr lIns="90000" rIns="90000" tIns="45000" bIns="45000"/>
+          <a:bodyPr lIns="90000" tIns="45000" rIns="90000" bIns="45000"/>
+          <a:lstStyle/>
           <a:p>
             <a:pPr>
               <a:lnSpc>
@@ -7786,15 +8658,15 @@
               </a:lnSpc>
             </a:pPr>
             <a:r>
-              <a:rPr b="0" lang="es-ES" sz="1600" spc="-1" strike="noStrike">
+              <a:rPr lang="es-ES" sz="1600" b="0" strike="noStrike" spc="-1">
                 <a:solidFill>
-                  <a:srgbClr val="00b0f0"/>
+                  <a:srgbClr val="00B0F0"/>
                 </a:solidFill>
                 <a:latin typeface="LM Roman 10"/>
               </a:rPr>
               <a:t>Puntos reales + predichos</a:t>
             </a:r>
-            <a:endParaRPr b="0" lang="es-ES" sz="1600" spc="-1" strike="noStrike">
+            <a:endParaRPr lang="es-ES" sz="1600" b="0" strike="noStrike" spc="-1">
               <a:latin typeface="Arial"/>
             </a:endParaRPr>
           </a:p>
@@ -7820,13 +8692,20 @@
           </a:ln>
         </p:spPr>
         <p:style>
-          <a:lnRef idx="0"/>
-          <a:fillRef idx="0"/>
-          <a:effectRef idx="0"/>
+          <a:lnRef idx="0">
+            <a:scrgbClr r="0" g="0" b="0"/>
+          </a:lnRef>
+          <a:fillRef idx="0">
+            <a:scrgbClr r="0" g="0" b="0"/>
+          </a:fillRef>
+          <a:effectRef idx="0">
+            <a:scrgbClr r="0" g="0" b="0"/>
+          </a:effectRef>
           <a:fontRef idx="minor"/>
         </p:style>
         <p:txBody>
-          <a:bodyPr lIns="90000" rIns="90000" tIns="45000" bIns="45000"/>
+          <a:bodyPr lIns="90000" tIns="45000" rIns="90000" bIns="45000"/>
+          <a:lstStyle/>
           <a:p>
             <a:pPr>
               <a:lnSpc>
@@ -7834,7 +8713,7 @@
               </a:lnSpc>
             </a:pPr>
             <a:r>
-              <a:rPr b="0" lang="es-ES" sz="1800" spc="-1" strike="noStrike">
+              <a:rPr lang="es-ES" sz="1800" b="0" strike="noStrike" spc="-1">
                 <a:solidFill>
                   <a:srgbClr val="000000"/>
                 </a:solidFill>
@@ -7842,7 +8721,7 @@
               </a:rPr>
               <a:t>Comparación de rutas y volcado de datos de salida al usuario</a:t>
             </a:r>
-            <a:endParaRPr b="0" lang="es-ES" sz="1800" spc="-1" strike="noStrike">
+            <a:endParaRPr lang="es-ES" sz="1800" b="0" strike="noStrike" spc="-1">
               <a:latin typeface="Arial"/>
             </a:endParaRPr>
           </a:p>
@@ -7868,13 +8747,20 @@
           </a:ln>
         </p:spPr>
         <p:style>
-          <a:lnRef idx="0"/>
-          <a:fillRef idx="0"/>
-          <a:effectRef idx="0"/>
+          <a:lnRef idx="0">
+            <a:scrgbClr r="0" g="0" b="0"/>
+          </a:lnRef>
+          <a:fillRef idx="0">
+            <a:scrgbClr r="0" g="0" b="0"/>
+          </a:fillRef>
+          <a:effectRef idx="0">
+            <a:scrgbClr r="0" g="0" b="0"/>
+          </a:effectRef>
           <a:fontRef idx="minor"/>
         </p:style>
         <p:txBody>
-          <a:bodyPr lIns="90000" rIns="90000" tIns="45000" bIns="45000"/>
+          <a:bodyPr lIns="90000" tIns="45000" rIns="90000" bIns="45000"/>
+          <a:lstStyle/>
           <a:p>
             <a:pPr>
               <a:lnSpc>
@@ -7882,7 +8768,7 @@
               </a:lnSpc>
             </a:pPr>
             <a:r>
-              <a:rPr b="0" lang="es-ES" sz="1800" spc="-1" strike="noStrike">
+              <a:rPr lang="es-ES" sz="1800" b="0" strike="noStrike" spc="-1">
                 <a:solidFill>
                   <a:srgbClr val="000000"/>
                 </a:solidFill>
@@ -7891,7 +8777,7 @@
               <a:t>Volcado de datos (queries) a la </a:t>
             </a:r>
             <a:r>
-              <a:rPr b="1" i="1" lang="es-ES" sz="1800" spc="-1" strike="noStrike">
+              <a:rPr lang="es-ES" sz="1800" b="1" i="1" strike="noStrike" spc="-1">
                 <a:solidFill>
                   <a:srgbClr val="000000"/>
                 </a:solidFill>
@@ -7899,7 +8785,7 @@
               </a:rPr>
               <a:t>BBDD de monitorización</a:t>
             </a:r>
-            <a:endParaRPr b="0" lang="es-ES" sz="1800" spc="-1" strike="noStrike">
+            <a:endParaRPr lang="es-ES" sz="1800" b="0" strike="noStrike" spc="-1">
               <a:latin typeface="Arial"/>
             </a:endParaRPr>
           </a:p>
@@ -7956,6 +8842,7 @@
             <a:avLst/>
             <a:gdLst/>
             <a:ahLst/>
+            <a:cxnLst/>
             <a:rect l="l" t="t" r="r" b="b"/>
             <a:pathLst>
               <a:path w="21600" h="21600">
@@ -7970,7 +8857,7 @@
           </a:custGeom>
           <a:noFill/>
           <a:ln w="38160">
-            <a:tailEnd len="med" type="triangle" w="med"/>
+            <a:tailEnd type="triangle" w="med" len="med"/>
           </a:ln>
         </p:spPr>
         <p:style>
@@ -8001,6 +8888,7 @@
             <a:avLst/>
             <a:gdLst/>
             <a:ahLst/>
+            <a:cxnLst/>
             <a:rect l="l" t="t" r="r" b="b"/>
             <a:pathLst>
               <a:path w="21600" h="21600">
@@ -8015,7 +8903,7 @@
           </a:custGeom>
           <a:noFill/>
           <a:ln w="38160">
-            <a:tailEnd len="med" type="triangle" w="med"/>
+            <a:tailEnd type="triangle" w="med" len="med"/>
           </a:ln>
         </p:spPr>
         <p:style>
@@ -8051,13 +8939,20 @@
           </a:ln>
         </p:spPr>
         <p:style>
-          <a:lnRef idx="0"/>
-          <a:fillRef idx="0"/>
-          <a:effectRef idx="0"/>
+          <a:lnRef idx="0">
+            <a:scrgbClr r="0" g="0" b="0"/>
+          </a:lnRef>
+          <a:fillRef idx="0">
+            <a:scrgbClr r="0" g="0" b="0"/>
+          </a:fillRef>
+          <a:effectRef idx="0">
+            <a:scrgbClr r="0" g="0" b="0"/>
+          </a:effectRef>
           <a:fontRef idx="minor"/>
         </p:style>
         <p:txBody>
-          <a:bodyPr lIns="90000" rIns="90000" tIns="45000" bIns="45000"/>
+          <a:bodyPr lIns="90000" tIns="45000" rIns="90000" bIns="45000"/>
+          <a:lstStyle/>
           <a:p>
             <a:pPr>
               <a:lnSpc>
@@ -8065,7 +8960,7 @@
               </a:lnSpc>
             </a:pPr>
             <a:r>
-              <a:rPr b="0" lang="es-ES" sz="1800" spc="-1" strike="noStrike">
+              <a:rPr lang="es-ES" sz="1800" b="0" strike="noStrike" spc="-1">
                 <a:solidFill>
                   <a:srgbClr val="000000"/>
                 </a:solidFill>
@@ -8073,7 +8968,7 @@
               </a:rPr>
               <a:t>Salida al usuario</a:t>
             </a:r>
-            <a:endParaRPr b="0" lang="es-ES" sz="1800" spc="-1" strike="noStrike">
+            <a:endParaRPr lang="es-ES" sz="1800" b="0" strike="noStrike" spc="-1">
               <a:latin typeface="Arial"/>
             </a:endParaRPr>
           </a:p>
@@ -8099,13 +8994,20 @@
           </a:ln>
         </p:spPr>
         <p:style>
-          <a:lnRef idx="0"/>
-          <a:fillRef idx="0"/>
-          <a:effectRef idx="0"/>
+          <a:lnRef idx="0">
+            <a:scrgbClr r="0" g="0" b="0"/>
+          </a:lnRef>
+          <a:fillRef idx="0">
+            <a:scrgbClr r="0" g="0" b="0"/>
+          </a:fillRef>
+          <a:effectRef idx="0">
+            <a:scrgbClr r="0" g="0" b="0"/>
+          </a:effectRef>
           <a:fontRef idx="minor"/>
         </p:style>
         <p:txBody>
-          <a:bodyPr lIns="90000" rIns="90000" tIns="45000" bIns="45000"/>
+          <a:bodyPr lIns="90000" tIns="45000" rIns="90000" bIns="45000"/>
+          <a:lstStyle/>
           <a:p>
             <a:pPr>
               <a:lnSpc>
@@ -8113,7 +9015,7 @@
               </a:lnSpc>
             </a:pPr>
             <a:r>
-              <a:rPr b="0" lang="es-ES" sz="1800" spc="-1" strike="noStrike">
+              <a:rPr lang="es-ES" sz="1800" b="0" strike="noStrike" spc="-1">
                 <a:solidFill>
                   <a:srgbClr val="000000"/>
                 </a:solidFill>
@@ -8121,7 +9023,7 @@
               </a:rPr>
               <a:t>Salida para monitorización</a:t>
             </a:r>
-            <a:endParaRPr b="0" lang="es-ES" sz="1800" spc="-1" strike="noStrike">
+            <a:endParaRPr lang="es-ES" sz="1800" b="0" strike="noStrike" spc="-1">
               <a:latin typeface="Arial"/>
             </a:endParaRPr>
           </a:p>
@@ -8129,22 +9031,25 @@
       </p:sp>
     </p:spTree>
   </p:cSld>
+  <p:clrMapOvr>
+    <a:masterClrMapping/>
+  </p:clrMapOvr>
   <p:timing>
     <p:tnLst>
       <p:par>
-        <p:cTn id="9" dur="indefinite" restart="never" nodeType="tmRoot">
+        <p:cTn id="1" dur="indefinite" restart="never" nodeType="tmRoot">
           <p:childTnLst>
             <p:seq>
-              <p:cTn id="10" dur="indefinite" nodeType="mainSeq"/>
+              <p:cTn id="2" dur="indefinite" nodeType="mainSeq"/>
               <p:prevCondLst>
-                <p:cond delay="0" evt="onPrev">
+                <p:cond evt="onPrev" delay="0">
                   <p:tgtEl>
                     <p:sldTgt/>
                   </p:tgtEl>
                 </p:cond>
               </p:prevCondLst>
               <p:nextCondLst>
-                <p:cond delay="0" evt="onNext">
+                <p:cond evt="onNext" delay="0">
                   <p:tgtEl>
                     <p:sldTgt/>
                   </p:tgtEl>
@@ -8160,7 +9065,7 @@
 </file>
 
 <file path=ppt/slides/slide6.xml><?xml version="1.0" encoding="utf-8"?>
-<p:sld xmlns:a="http://schemas.openxmlformats.org/drawingml/2006/main" xmlns:p="http://schemas.openxmlformats.org/presentationml/2006/main" xmlns:r="http://schemas.openxmlformats.org/officeDocument/2006/relationships" xmlns:p14="http://schemas.microsoft.com/office/powerpoint/2010/main" xmlns:p15="http://schemas.microsoft.com/office/powerpoint/2012/main" xmlns:mc="http://schemas.openxmlformats.org/markup-compatibility/2006">
+<p:sld xmlns:a="http://schemas.openxmlformats.org/drawingml/2006/main" xmlns:r="http://schemas.openxmlformats.org/officeDocument/2006/relationships" xmlns:p="http://schemas.openxmlformats.org/presentationml/2006/main">
   <p:cSld>
     <p:spTree>
       <p:nvGrpSpPr>
@@ -8178,14 +9083,14 @@
       </p:grpSpPr>
       <p:sp>
         <p:nvSpPr>
-          <p:cNvPr id="158" name="TextShape 1"/>
+          <p:cNvPr id="162" name="TextShape 1"/>
           <p:cNvSpPr txBox="1"/>
           <p:nvPr/>
         </p:nvSpPr>
         <p:spPr>
           <a:xfrm>
-            <a:off x="1924920" y="124200"/>
-            <a:ext cx="10515240" cy="1325160"/>
+            <a:off x="838080" y="365040"/>
+            <a:ext cx="10515240" cy="379080"/>
           </a:xfrm>
           <a:prstGeom prst="rect">
             <a:avLst/>
@@ -8196,23 +9101,26 @@
           </a:ln>
         </p:spPr>
         <p:txBody>
-          <a:bodyPr anchor="ctr"/>
-          <a:p>
-            <a:pPr>
+          <a:bodyPr anchor="ctr">
+            <a:normAutofit/>
+          </a:bodyPr>
+          <a:lstStyle/>
+          <a:p>
+            <a:pPr algn="ctr">
               <a:lnSpc>
                 <a:spcPct val="90000"/>
               </a:lnSpc>
             </a:pPr>
             <a:r>
-              <a:rPr b="0" lang="es-ES" sz="4400" spc="-1" strike="noStrike">
+              <a:rPr lang="es-ES" sz="2400" b="1" strike="noStrike" spc="-1">
                 <a:solidFill>
                   <a:srgbClr val="000000"/>
                 </a:solidFill>
-                <a:latin typeface="LM Roman 10"/>
+                <a:latin typeface="Calibri Light"/>
               </a:rPr>
-              <a:t>Python optimization algorithm </a:t>
+              <a:t>OPTIMIZAR, ¿QUÉ?</a:t>
             </a:r>
-            <a:endParaRPr b="0" lang="es-ES" sz="4400" spc="-1" strike="noStrike">
+            <a:endParaRPr lang="es-ES" sz="2400" b="0" strike="noStrike" spc="-1">
               <a:solidFill>
                 <a:srgbClr val="000000"/>
               </a:solidFill>
@@ -8223,27 +9131,33 @@
       </p:sp>
       <p:sp>
         <p:nvSpPr>
-          <p:cNvPr id="159" name="TextShape 2"/>
+          <p:cNvPr id="164" name="TextShape 3"/>
           <p:cNvSpPr txBox="1"/>
           <p:nvPr/>
         </p:nvSpPr>
         <p:spPr>
           <a:xfrm>
-            <a:off x="838080" y="1343880"/>
-            <a:ext cx="10515240" cy="5069880"/>
-          </a:xfrm>
-          <a:prstGeom prst="rect">
-            <a:avLst/>
-          </a:prstGeom>
-          <a:noFill/>
+            <a:off x="838080" y="847620"/>
+            <a:ext cx="10515240" cy="5162760"/>
+          </a:xfrm>
+          <a:prstGeom prst="rect">
+            <a:avLst/>
+          </a:prstGeom>
+          <a:blipFill rotWithShape="0">
+            <a:blip r:embed="rId2"/>
+            <a:stretch>
+              <a:fillRect/>
+            </a:stretch>
+          </a:blipFill>
           <a:ln>
             <a:noFill/>
           </a:ln>
         </p:spPr>
         <p:txBody>
           <a:bodyPr/>
-          <a:p>
-            <a:pPr marL="228600" indent="-228240">
+          <a:lstStyle/>
+          <a:p>
+            <a:pPr marL="360">
               <a:lnSpc>
                 <a:spcPct val="90000"/>
               </a:lnSpc>
@@ -8253,217 +9167,43 @@
               <a:buClr>
                 <a:srgbClr val="000000"/>
               </a:buClr>
-              <a:buFont typeface="Arial"/>
-              <a:buChar char="•"/>
             </a:pPr>
             <a:r>
-              <a:rPr b="1" lang="es-ES" sz="2800" spc="-1" strike="noStrike" u="sng">
-                <a:solidFill>
-                  <a:srgbClr val="0563c1"/>
-                </a:solidFill>
-                <a:uFillTx/>
-                <a:latin typeface="LM Roman 10"/>
-                <a:hlinkClick r:id="rId1"/>
+              <a:rPr lang="es-ES" sz="2800" b="0" strike="noStrike" spc="-1" dirty="0">
+                <a:latin typeface="Calibri"/>
               </a:rPr>
-              <a:t>Librería: </a:t>
+              <a:t> </a:t>
             </a:r>
-            <a:r>
-              <a:rPr b="1" lang="es-ES" sz="2800" spc="-1" strike="noStrike" u="sng">
-                <a:solidFill>
-                  <a:srgbClr val="0563c1"/>
-                </a:solidFill>
-                <a:uFillTx/>
-                <a:latin typeface="LM Roman 10"/>
-                <a:hlinkClick r:id="rId2"/>
-              </a:rPr>
-              <a:t>mlrose</a:t>
-            </a:r>
-            <a:endParaRPr b="0" lang="es-ES" sz="2800" spc="-1" strike="noStrike">
+            <a:endParaRPr lang="es-ES" sz="2800" b="0" strike="noStrike" spc="-1" dirty="0">
               <a:solidFill>
                 <a:srgbClr val="000000"/>
               </a:solidFill>
               <a:latin typeface="Calibri"/>
             </a:endParaRPr>
           </a:p>
-          <a:p>
-            <a:pPr marL="228600" indent="-228240">
-              <a:lnSpc>
-                <a:spcPct val="90000"/>
-              </a:lnSpc>
-              <a:spcBef>
-                <a:spcPts val="1001"/>
-              </a:spcBef>
-              <a:buClr>
-                <a:srgbClr val="000000"/>
-              </a:buClr>
-              <a:buFont typeface="Arial"/>
-              <a:buChar char="•"/>
-            </a:pPr>
-            <a:r>
-              <a:rPr b="0" lang="es-ES" sz="2800" spc="-1" strike="noStrike" u="sng">
-                <a:solidFill>
-                  <a:srgbClr val="0563c1"/>
-                </a:solidFill>
-                <a:uFillTx/>
-                <a:latin typeface="LM Roman 10"/>
-                <a:hlinkClick r:id="rId3"/>
-              </a:rPr>
-              <a:t>https://towardsdatascience.com/getting-started-with-randomized-optimization-in-python-f7df46babff0</a:t>
-            </a:r>
-            <a:endParaRPr b="0" lang="es-ES" sz="2800" spc="-1" strike="noStrike">
-              <a:solidFill>
-                <a:srgbClr val="000000"/>
-              </a:solidFill>
-              <a:latin typeface="Calibri"/>
-            </a:endParaRPr>
-          </a:p>
-          <a:p>
-            <a:pPr marL="228600" indent="-228240">
-              <a:lnSpc>
-                <a:spcPct val="90000"/>
-              </a:lnSpc>
-              <a:spcBef>
-                <a:spcPts val="1001"/>
-              </a:spcBef>
-              <a:buClr>
-                <a:srgbClr val="000000"/>
-              </a:buClr>
-              <a:buFont typeface="Arial"/>
-              <a:buChar char="•"/>
-            </a:pPr>
-            <a:r>
-              <a:rPr b="0" lang="es-ES" sz="2800" spc="-1" strike="noStrike" u="sng">
-                <a:solidFill>
-                  <a:srgbClr val="0563c1"/>
-                </a:solidFill>
-                <a:uFillTx/>
-                <a:latin typeface="LM Roman 10"/>
-                <a:hlinkClick r:id="rId4"/>
-              </a:rPr>
-              <a:t>https://towardsdatascience.com/solving-travelling-salesperson-problems-with-python-5de7e883d847</a:t>
-            </a:r>
-            <a:endParaRPr b="0" lang="es-ES" sz="2800" spc="-1" strike="noStrike">
-              <a:solidFill>
-                <a:srgbClr val="000000"/>
-              </a:solidFill>
-              <a:latin typeface="Calibri"/>
-            </a:endParaRPr>
-          </a:p>
-          <a:p>
-            <a:pPr marL="228600" indent="-228240">
-              <a:lnSpc>
-                <a:spcPct val="90000"/>
-              </a:lnSpc>
-              <a:spcBef>
-                <a:spcPts val="1001"/>
-              </a:spcBef>
-              <a:buClr>
-                <a:srgbClr val="000000"/>
-              </a:buClr>
-              <a:buFont typeface="Arial"/>
-              <a:buChar char="•"/>
-            </a:pPr>
-            <a:r>
-              <a:rPr b="1" lang="es-ES" sz="2800" spc="-1" strike="noStrike" u="sng">
-                <a:solidFill>
-                  <a:srgbClr val="000000"/>
-                </a:solidFill>
-                <a:uFillTx/>
-                <a:latin typeface="LM Roman 10"/>
-              </a:rPr>
-              <a:t>Librería: scipy.optimize</a:t>
-            </a:r>
-            <a:endParaRPr b="0" lang="es-ES" sz="2800" spc="-1" strike="noStrike">
-              <a:solidFill>
-                <a:srgbClr val="000000"/>
-              </a:solidFill>
-              <a:latin typeface="Calibri"/>
-            </a:endParaRPr>
-          </a:p>
-          <a:p>
-            <a:pPr marL="228600" indent="-228240">
-              <a:lnSpc>
-                <a:spcPct val="90000"/>
-              </a:lnSpc>
-              <a:spcBef>
-                <a:spcPts val="1001"/>
-              </a:spcBef>
-              <a:buClr>
-                <a:srgbClr val="000000"/>
-              </a:buClr>
-              <a:buFont typeface="Arial"/>
-              <a:buChar char="•"/>
-            </a:pPr>
-            <a:r>
-              <a:rPr b="0" lang="es-ES" sz="2800" spc="-1" strike="noStrike" u="sng">
-                <a:solidFill>
-                  <a:srgbClr val="0563c1"/>
-                </a:solidFill>
-                <a:uFillTx/>
-                <a:latin typeface="LM Roman 10"/>
-                <a:hlinkClick r:id="rId5"/>
-              </a:rPr>
-              <a:t>https://docs.scipy.org/doc/scipy/reference/tutorial/optimize.html</a:t>
-            </a:r>
-            <a:endParaRPr b="0" lang="es-ES" sz="2800" spc="-1" strike="noStrike">
-              <a:solidFill>
-                <a:srgbClr val="000000"/>
-              </a:solidFill>
-              <a:latin typeface="Calibri"/>
-            </a:endParaRPr>
-          </a:p>
-          <a:p>
-            <a:pPr>
-              <a:lnSpc>
-                <a:spcPct val="90000"/>
-              </a:lnSpc>
-              <a:spcBef>
-                <a:spcPts val="1001"/>
-              </a:spcBef>
-            </a:pPr>
-            <a:endParaRPr b="0" lang="es-ES" sz="2800" spc="-1" strike="noStrike">
-              <a:solidFill>
-                <a:srgbClr val="000000"/>
-              </a:solidFill>
-              <a:latin typeface="Calibri"/>
-            </a:endParaRPr>
-          </a:p>
-          <a:p>
-            <a:pPr>
-              <a:lnSpc>
-                <a:spcPct val="90000"/>
-              </a:lnSpc>
-              <a:spcBef>
-                <a:spcPts val="1001"/>
-              </a:spcBef>
-            </a:pPr>
-            <a:endParaRPr b="0" lang="es-ES" sz="2800" spc="-1" strike="noStrike">
-              <a:solidFill>
-                <a:srgbClr val="000000"/>
-              </a:solidFill>
-              <a:latin typeface="Calibri"/>
-            </a:endParaRPr>
-          </a:p>
         </p:txBody>
       </p:sp>
     </p:spTree>
   </p:cSld>
+  <p:clrMapOvr>
+    <a:masterClrMapping/>
+  </p:clrMapOvr>
   <p:timing>
     <p:tnLst>
       <p:par>
-        <p:cTn id="11" dur="indefinite" restart="never" nodeType="tmRoot">
+        <p:cTn id="1" dur="indefinite" restart="never" nodeType="tmRoot">
           <p:childTnLst>
             <p:seq>
-              <p:cTn id="12" dur="indefinite" nodeType="mainSeq"/>
+              <p:cTn id="2" dur="indefinite" nodeType="mainSeq"/>
               <p:prevCondLst>
-                <p:cond delay="0" evt="onPrev">
+                <p:cond evt="onPrev" delay="0">
                   <p:tgtEl>
                     <p:sldTgt/>
                   </p:tgtEl>
                 </p:cond>
               </p:prevCondLst>
               <p:nextCondLst>
-                <p:cond delay="0" evt="onNext">
+                <p:cond evt="onNext" delay="0">
                   <p:tgtEl>
                     <p:sldTgt/>
                   </p:tgtEl>
@@ -8479,7 +9219,7 @@
 </file>
 
 <file path=ppt/slides/slide7.xml><?xml version="1.0" encoding="utf-8"?>
-<p:sld xmlns:a="http://schemas.openxmlformats.org/drawingml/2006/main" xmlns:p="http://schemas.openxmlformats.org/presentationml/2006/main" xmlns:r="http://schemas.openxmlformats.org/officeDocument/2006/relationships" xmlns:p14="http://schemas.microsoft.com/office/powerpoint/2010/main" xmlns:p15="http://schemas.microsoft.com/office/powerpoint/2012/main" xmlns:mc="http://schemas.openxmlformats.org/markup-compatibility/2006">
+<p:sld xmlns:a="http://schemas.openxmlformats.org/drawingml/2006/main" xmlns:r="http://schemas.openxmlformats.org/officeDocument/2006/relationships" xmlns:p="http://schemas.openxmlformats.org/presentationml/2006/main">
   <p:cSld>
     <p:spTree>
       <p:nvGrpSpPr>
@@ -8497,29 +9237,81 @@
       </p:grpSpPr>
       <p:sp>
         <p:nvSpPr>
-          <p:cNvPr id="160" name="TextShape 1"/>
+          <p:cNvPr id="166" name="TextShape 2"/>
           <p:cNvSpPr txBox="1"/>
           <p:nvPr/>
         </p:nvSpPr>
         <p:spPr>
           <a:xfrm>
-            <a:off x="838080" y="1627560"/>
-            <a:ext cx="10515240" cy="4630320"/>
-          </a:xfrm>
-          <a:prstGeom prst="rect">
-            <a:avLst/>
-          </a:prstGeom>
-          <a:noFill/>
+            <a:off x="838080" y="534108"/>
+            <a:ext cx="10515240" cy="444240"/>
+          </a:xfrm>
+          <a:prstGeom prst="rect">
+            <a:avLst/>
+          </a:prstGeom>
+          <a:blipFill rotWithShape="0">
+            <a:blip r:embed="rId2"/>
+            <a:stretch>
+              <a:fillRect/>
+            </a:stretch>
+          </a:blipFill>
           <a:ln>
             <a:noFill/>
           </a:ln>
         </p:spPr>
         <p:txBody>
-          <a:bodyPr>
-            <a:normAutofit/>
-          </a:bodyPr>
-          <a:p>
-            <a:pPr marL="228600" indent="-228240">
+          <a:bodyPr anchor="ctr"/>
+          <a:lstStyle/>
+          <a:p>
+            <a:pPr>
+              <a:lnSpc>
+                <a:spcPct val="90000"/>
+              </a:lnSpc>
+            </a:pPr>
+            <a:r>
+              <a:rPr lang="es-ES" sz="4400" b="0" strike="noStrike" spc="-1">
+                <a:latin typeface="Calibri Light"/>
+              </a:rPr>
+              <a:t> </a:t>
+            </a:r>
+            <a:endParaRPr lang="es-ES" sz="4400" b="0" strike="noStrike" spc="-1">
+              <a:solidFill>
+                <a:srgbClr val="000000"/>
+              </a:solidFill>
+              <a:latin typeface="Calibri"/>
+            </a:endParaRPr>
+          </a:p>
+        </p:txBody>
+      </p:sp>
+      <p:sp>
+        <p:nvSpPr>
+          <p:cNvPr id="168" name="TextShape 4"/>
+          <p:cNvSpPr txBox="1"/>
+          <p:nvPr/>
+        </p:nvSpPr>
+        <p:spPr>
+          <a:xfrm>
+            <a:off x="838080" y="1377950"/>
+            <a:ext cx="10515240" cy="4350960"/>
+          </a:xfrm>
+          <a:prstGeom prst="rect">
+            <a:avLst/>
+          </a:prstGeom>
+          <a:blipFill rotWithShape="0">
+            <a:blip r:embed="rId3"/>
+            <a:stretch>
+              <a:fillRect/>
+            </a:stretch>
+          </a:blipFill>
+          <a:ln>
+            <a:noFill/>
+          </a:ln>
+        </p:spPr>
+        <p:txBody>
+          <a:bodyPr/>
+          <a:lstStyle/>
+          <a:p>
+            <a:pPr marL="360">
               <a:lnSpc>
                 <a:spcPct val="90000"/>
               </a:lnSpc>
@@ -8529,323 +9321,43 @@
               <a:buClr>
                 <a:srgbClr val="000000"/>
               </a:buClr>
-              <a:buFont typeface="Arial"/>
-              <a:buChar char="•"/>
             </a:pPr>
             <a:r>
-              <a:rPr b="1" lang="es-ES" sz="2800" spc="-1" strike="noStrike" u="sng">
-                <a:solidFill>
-                  <a:srgbClr val="0563c1"/>
-                </a:solidFill>
-                <a:uFillTx/>
-                <a:latin typeface="LM Roman 10"/>
-                <a:hlinkClick r:id="rId1"/>
+              <a:rPr lang="es-ES" sz="2800" b="0" strike="noStrike" spc="-1" dirty="0">
+                <a:latin typeface="Calibri"/>
               </a:rPr>
-              <a:t>EDA Librería: pandas, </a:t>
+              <a:t> </a:t>
             </a:r>
-            <a:r>
-              <a:rPr b="1" lang="es-ES" sz="2800" spc="-1" strike="noStrike" u="sng">
-                <a:solidFill>
-                  <a:srgbClr val="0563c1"/>
-                </a:solidFill>
-                <a:uFillTx/>
-                <a:latin typeface="LM Roman 10"/>
-                <a:hlinkClick r:id="rId2"/>
-              </a:rPr>
-              <a:t>matplotlib</a:t>
-            </a:r>
-            <a:r>
-              <a:rPr b="1" lang="es-ES" sz="2800" spc="-1" strike="noStrike" u="sng">
-                <a:solidFill>
-                  <a:srgbClr val="0563c1"/>
-                </a:solidFill>
-                <a:uFillTx/>
-                <a:latin typeface="LM Roman 10"/>
-                <a:hlinkClick r:id="rId3"/>
-              </a:rPr>
-              <a:t>, </a:t>
-            </a:r>
-            <a:r>
-              <a:rPr b="1" lang="es-ES" sz="2800" spc="-1" strike="noStrike" u="sng">
-                <a:solidFill>
-                  <a:srgbClr val="0563c1"/>
-                </a:solidFill>
-                <a:uFillTx/>
-                <a:latin typeface="LM Roman 10"/>
-                <a:hlinkClick r:id="rId4"/>
-              </a:rPr>
-              <a:t>seaborn</a:t>
-            </a:r>
-            <a:endParaRPr b="0" lang="es-ES" sz="2800" spc="-1" strike="noStrike">
+            <a:endParaRPr lang="es-ES" sz="2800" b="0" strike="noStrike" spc="-1" dirty="0">
               <a:solidFill>
                 <a:srgbClr val="000000"/>
               </a:solidFill>
               <a:latin typeface="Calibri"/>
             </a:endParaRPr>
           </a:p>
-          <a:p>
-            <a:pPr marL="228600" indent="-228240">
-              <a:lnSpc>
-                <a:spcPct val="90000"/>
-              </a:lnSpc>
-              <a:spcBef>
-                <a:spcPts val="1001"/>
-              </a:spcBef>
-              <a:buClr>
-                <a:srgbClr val="000000"/>
-              </a:buClr>
-              <a:buFont typeface="Arial"/>
-              <a:buChar char="•"/>
-            </a:pPr>
-            <a:r>
-              <a:rPr b="0" lang="es-ES" sz="2800" spc="-1" strike="noStrike" u="sng">
-                <a:solidFill>
-                  <a:srgbClr val="0563c1"/>
-                </a:solidFill>
-                <a:uFillTx/>
-                <a:latin typeface="LM Roman 10"/>
-                <a:hlinkClick r:id="rId5"/>
-              </a:rPr>
-              <a:t>https://towardsdatascience.com/exploratory-data-analysis-eda-python-87178e35b14#:~:text=EDA%20in%20Python%20uses%20data,which%20can%20have%20repercussions%20later</a:t>
-            </a:r>
-            <a:r>
-              <a:rPr b="0" lang="es-ES" sz="2800" spc="-1" strike="noStrike">
-                <a:solidFill>
-                  <a:srgbClr val="000000"/>
-                </a:solidFill>
-                <a:latin typeface="LM Roman 10"/>
-              </a:rPr>
-              <a:t>.</a:t>
-            </a:r>
-            <a:endParaRPr b="0" lang="es-ES" sz="2800" spc="-1" strike="noStrike">
-              <a:solidFill>
-                <a:srgbClr val="000000"/>
-              </a:solidFill>
-              <a:latin typeface="Calibri"/>
-            </a:endParaRPr>
-          </a:p>
-          <a:p>
-            <a:pPr marL="228600" indent="-228240">
-              <a:lnSpc>
-                <a:spcPct val="90000"/>
-              </a:lnSpc>
-              <a:spcBef>
-                <a:spcPts val="1001"/>
-              </a:spcBef>
-              <a:buClr>
-                <a:srgbClr val="000000"/>
-              </a:buClr>
-              <a:buFont typeface="Arial"/>
-              <a:buChar char="•"/>
-            </a:pPr>
-            <a:r>
-              <a:rPr b="0" lang="es-ES" sz="2800" spc="-1" strike="noStrike">
-                <a:solidFill>
-                  <a:srgbClr val="000000"/>
-                </a:solidFill>
-                <a:latin typeface="LM Roman 10"/>
-              </a:rPr>
-              <a:t>Python for Data Analysis (O’Reilly)</a:t>
-            </a:r>
-            <a:endParaRPr b="0" lang="es-ES" sz="2800" spc="-1" strike="noStrike">
-              <a:solidFill>
-                <a:srgbClr val="000000"/>
-              </a:solidFill>
-              <a:latin typeface="Calibri"/>
-            </a:endParaRPr>
-          </a:p>
-          <a:p>
-            <a:pPr marL="228600" indent="-228240">
-              <a:lnSpc>
-                <a:spcPct val="90000"/>
-              </a:lnSpc>
-              <a:spcBef>
-                <a:spcPts val="1001"/>
-              </a:spcBef>
-              <a:buClr>
-                <a:srgbClr val="000000"/>
-              </a:buClr>
-              <a:buFont typeface="Arial"/>
-              <a:buChar char="•"/>
-            </a:pPr>
-            <a:r>
-              <a:rPr b="1" lang="es-ES" sz="2800" spc="-1" strike="noStrike" u="sng">
-                <a:solidFill>
-                  <a:srgbClr val="000000"/>
-                </a:solidFill>
-                <a:uFillTx/>
-                <a:latin typeface="LM Roman 10"/>
-              </a:rPr>
-              <a:t>Librería: Scikit Learn</a:t>
-            </a:r>
-            <a:endParaRPr b="0" lang="es-ES" sz="2800" spc="-1" strike="noStrike">
-              <a:solidFill>
-                <a:srgbClr val="000000"/>
-              </a:solidFill>
-              <a:latin typeface="Calibri"/>
-            </a:endParaRPr>
-          </a:p>
-          <a:p>
-            <a:pPr marL="228600" indent="-228240">
-              <a:lnSpc>
-                <a:spcPct val="90000"/>
-              </a:lnSpc>
-              <a:spcBef>
-                <a:spcPts val="1001"/>
-              </a:spcBef>
-              <a:buClr>
-                <a:srgbClr val="000000"/>
-              </a:buClr>
-              <a:buFont typeface="Arial"/>
-              <a:buChar char="•"/>
-            </a:pPr>
-            <a:r>
-              <a:rPr b="0" lang="es-ES" sz="2800" spc="-1" strike="noStrike" u="sng">
-                <a:solidFill>
-                  <a:srgbClr val="0563c1"/>
-                </a:solidFill>
-                <a:uFillTx/>
-                <a:latin typeface="LM Roman 10"/>
-                <a:hlinkClick r:id="rId6"/>
-              </a:rPr>
-              <a:t>https://towardsdatascience.com/starting-your-journey-to-master-machine-learning-with-python-d0bd47ebada9</a:t>
-            </a:r>
-            <a:endParaRPr b="0" lang="es-ES" sz="2800" spc="-1" strike="noStrike">
-              <a:solidFill>
-                <a:srgbClr val="000000"/>
-              </a:solidFill>
-              <a:latin typeface="Calibri"/>
-            </a:endParaRPr>
-          </a:p>
-          <a:p>
-            <a:pPr marL="228600" indent="-228240">
-              <a:lnSpc>
-                <a:spcPct val="90000"/>
-              </a:lnSpc>
-              <a:spcBef>
-                <a:spcPts val="1001"/>
-              </a:spcBef>
-              <a:buClr>
-                <a:srgbClr val="000000"/>
-              </a:buClr>
-              <a:buFont typeface="Arial"/>
-              <a:buChar char="•"/>
-            </a:pPr>
-            <a:r>
-              <a:rPr b="0" lang="es-ES" sz="2800" spc="-1" strike="noStrike" u="sng">
-                <a:solidFill>
-                  <a:srgbClr val="0563c1"/>
-                </a:solidFill>
-                <a:uFillTx/>
-                <a:latin typeface="LM Roman 10"/>
-                <a:hlinkClick r:id="rId7"/>
-              </a:rPr>
-              <a:t>https://towardsdatascience.com/top-10-python-libraries-for-data-science-cd82294ec266</a:t>
-            </a:r>
-            <a:endParaRPr b="0" lang="es-ES" sz="2800" spc="-1" strike="noStrike">
-              <a:solidFill>
-                <a:srgbClr val="000000"/>
-              </a:solidFill>
-              <a:latin typeface="Calibri"/>
-            </a:endParaRPr>
-          </a:p>
-          <a:p>
-            <a:pPr>
-              <a:lnSpc>
-                <a:spcPct val="90000"/>
-              </a:lnSpc>
-              <a:spcBef>
-                <a:spcPts val="1001"/>
-              </a:spcBef>
-            </a:pPr>
-            <a:endParaRPr b="0" lang="es-ES" sz="2800" spc="-1" strike="noStrike">
-              <a:solidFill>
-                <a:srgbClr val="000000"/>
-              </a:solidFill>
-              <a:latin typeface="Calibri"/>
-            </a:endParaRPr>
-          </a:p>
-          <a:p>
-            <a:pPr>
-              <a:lnSpc>
-                <a:spcPct val="90000"/>
-              </a:lnSpc>
-              <a:spcBef>
-                <a:spcPts val="1001"/>
-              </a:spcBef>
-            </a:pPr>
-            <a:endParaRPr b="0" lang="es-ES" sz="2800" spc="-1" strike="noStrike">
-              <a:solidFill>
-                <a:srgbClr val="000000"/>
-              </a:solidFill>
-              <a:latin typeface="Calibri"/>
-            </a:endParaRPr>
-          </a:p>
-        </p:txBody>
-      </p:sp>
-      <p:sp>
-        <p:nvSpPr>
-          <p:cNvPr id="161" name="TextShape 2"/>
-          <p:cNvSpPr txBox="1"/>
-          <p:nvPr/>
-        </p:nvSpPr>
-        <p:spPr>
-          <a:xfrm>
-            <a:off x="2394720" y="90720"/>
-            <a:ext cx="6455520" cy="1325160"/>
-          </a:xfrm>
-          <a:prstGeom prst="rect">
-            <a:avLst/>
-          </a:prstGeom>
-          <a:noFill/>
-          <a:ln>
-            <a:noFill/>
-          </a:ln>
-        </p:spPr>
-        <p:txBody>
-          <a:bodyPr anchor="ctr"/>
-          <a:p>
-            <a:pPr>
-              <a:lnSpc>
-                <a:spcPct val="90000"/>
-              </a:lnSpc>
-            </a:pPr>
-            <a:r>
-              <a:rPr b="0" lang="es-ES" sz="4400" spc="-1" strike="noStrike">
-                <a:solidFill>
-                  <a:srgbClr val="000000"/>
-                </a:solidFill>
-                <a:latin typeface="LM Roman 10"/>
-              </a:rPr>
-              <a:t>Python EDA and ML </a:t>
-            </a:r>
-            <a:endParaRPr b="0" lang="es-ES" sz="4400" spc="-1" strike="noStrike">
-              <a:solidFill>
-                <a:srgbClr val="000000"/>
-              </a:solidFill>
-              <a:latin typeface="Calibri"/>
-            </a:endParaRPr>
-          </a:p>
         </p:txBody>
       </p:sp>
     </p:spTree>
   </p:cSld>
+  <p:clrMapOvr>
+    <a:masterClrMapping/>
+  </p:clrMapOvr>
   <p:timing>
     <p:tnLst>
       <p:par>
-        <p:cTn id="13" dur="indefinite" restart="never" nodeType="tmRoot">
+        <p:cTn id="1" dur="indefinite" restart="never" nodeType="tmRoot">
           <p:childTnLst>
             <p:seq>
-              <p:cTn id="14" dur="indefinite" nodeType="mainSeq"/>
+              <p:cTn id="2" dur="indefinite" nodeType="mainSeq"/>
               <p:prevCondLst>
-                <p:cond delay="0" evt="onPrev">
+                <p:cond evt="onPrev" delay="0">
                   <p:tgtEl>
                     <p:sldTgt/>
                   </p:tgtEl>
                 </p:cond>
               </p:prevCondLst>
               <p:nextCondLst>
-                <p:cond delay="0" evt="onNext">
+                <p:cond evt="onNext" delay="0">
                   <p:tgtEl>
                     <p:sldTgt/>
                   </p:tgtEl>
@@ -8861,7 +9373,7 @@
 </file>
 
 <file path=ppt/slides/slide8.xml><?xml version="1.0" encoding="utf-8"?>
-<p:sld xmlns:a="http://schemas.openxmlformats.org/drawingml/2006/main" xmlns:p="http://schemas.openxmlformats.org/presentationml/2006/main" xmlns:r="http://schemas.openxmlformats.org/officeDocument/2006/relationships" xmlns:p14="http://schemas.microsoft.com/office/powerpoint/2010/main" xmlns:p15="http://schemas.microsoft.com/office/powerpoint/2012/main" xmlns:mc="http://schemas.openxmlformats.org/markup-compatibility/2006">
+<p:sld xmlns:a="http://schemas.openxmlformats.org/drawingml/2006/main" xmlns:r="http://schemas.openxmlformats.org/officeDocument/2006/relationships" xmlns:p="http://schemas.openxmlformats.org/presentationml/2006/main">
   <p:cSld>
     <p:spTree>
       <p:nvGrpSpPr>
@@ -8879,14 +9391,14 @@
       </p:grpSpPr>
       <p:sp>
         <p:nvSpPr>
-          <p:cNvPr id="162" name="TextShape 1"/>
+          <p:cNvPr id="169" name="TextShape 1"/>
           <p:cNvSpPr txBox="1"/>
           <p:nvPr/>
         </p:nvSpPr>
         <p:spPr>
           <a:xfrm>
             <a:off x="838080" y="365040"/>
-            <a:ext cx="10515240" cy="379080"/>
+            <a:ext cx="10515240" cy="392040"/>
           </a:xfrm>
           <a:prstGeom prst="rect">
             <a:avLst/>
@@ -8900,6 +9412,7 @@
           <a:bodyPr anchor="ctr">
             <a:normAutofit/>
           </a:bodyPr>
+          <a:lstStyle/>
           <a:p>
             <a:pPr algn="ctr">
               <a:lnSpc>
@@ -8907,15 +9420,15 @@
               </a:lnSpc>
             </a:pPr>
             <a:r>
-              <a:rPr b="1" lang="es-ES" sz="2400" spc="-1" strike="noStrike">
+              <a:rPr lang="es-ES" sz="2800" b="1" strike="noStrike" spc="-1">
                 <a:solidFill>
                   <a:srgbClr val="000000"/>
                 </a:solidFill>
                 <a:latin typeface="Calibri Light"/>
               </a:rPr>
-              <a:t>OPTIMIZAR, ¿QUÉ?</a:t>
+              <a:t>RESTRICCIONES OBLIGATORIAS</a:t>
             </a:r>
-            <a:endParaRPr b="0" lang="es-ES" sz="2400" spc="-1" strike="noStrike">
+            <a:endParaRPr lang="es-ES" sz="2800" b="0" strike="noStrike" spc="-1">
               <a:solidFill>
                 <a:srgbClr val="000000"/>
               </a:solidFill>
@@ -8926,166 +9439,33 @@
       </p:sp>
       <p:sp>
         <p:nvSpPr>
-          <p:cNvPr id="163" name="TextShape 2"/>
+          <p:cNvPr id="171" name="TextShape 3"/>
           <p:cNvSpPr txBox="1"/>
           <p:nvPr/>
         </p:nvSpPr>
         <p:spPr>
           <a:xfrm>
-            <a:off x="838080" y="1159560"/>
-            <a:ext cx="10515240" cy="5162760"/>
-          </a:xfrm>
-          <a:prstGeom prst="rect">
-            <a:avLst/>
-          </a:prstGeom>
-          <a:noFill/>
+            <a:off x="1139921" y="1125822"/>
+            <a:ext cx="10515240" cy="4350960"/>
+          </a:xfrm>
+          <a:prstGeom prst="rect">
+            <a:avLst/>
+          </a:prstGeom>
+          <a:blipFill rotWithShape="0">
+            <a:blip r:embed="rId2"/>
+            <a:stretch>
+              <a:fillRect/>
+            </a:stretch>
+          </a:blipFill>
           <a:ln>
             <a:noFill/>
           </a:ln>
         </p:spPr>
         <p:txBody>
           <a:bodyPr/>
-          <a:p>
-            <a:pPr>
-              <a:lnSpc>
-                <a:spcPct val="90000"/>
-              </a:lnSpc>
-              <a:spcBef>
-                <a:spcPts val="1001"/>
-              </a:spcBef>
-            </a:pPr>
-            <a:r>
-              <a:rPr b="0" lang="es-ES" sz="2800" spc="-1" strike="noStrike">
-                <a:solidFill>
-                  <a:srgbClr val="000000"/>
-                </a:solidFill>
-                <a:latin typeface="Calibri"/>
-              </a:rPr>
-              <a:t>TIEMPO</a:t>
-            </a:r>
-            <a:endParaRPr b="0" lang="es-ES" sz="2800" spc="-1" strike="noStrike">
-              <a:solidFill>
-                <a:srgbClr val="000000"/>
-              </a:solidFill>
-              <a:latin typeface="Calibri"/>
-            </a:endParaRPr>
-          </a:p>
-          <a:p>
-            <a:pPr>
-              <a:lnSpc>
-                <a:spcPct val="90000"/>
-              </a:lnSpc>
-              <a:spcBef>
-                <a:spcPts val="1001"/>
-              </a:spcBef>
-            </a:pPr>
-            <a:endParaRPr b="0" lang="es-ES" sz="2800" spc="-1" strike="noStrike">
-              <a:solidFill>
-                <a:srgbClr val="000000"/>
-              </a:solidFill>
-              <a:latin typeface="Calibri"/>
-            </a:endParaRPr>
-          </a:p>
-          <a:p>
-            <a:pPr algn="ctr">
-              <a:lnSpc>
-                <a:spcPct val="90000"/>
-              </a:lnSpc>
-              <a:spcBef>
-                <a:spcPts val="1001"/>
-              </a:spcBef>
-            </a:pPr>
-            <a:r>
-              <a:rPr b="0" lang="es-ES" sz="2800" spc="-1" strike="noStrike">
-                <a:solidFill>
-                  <a:srgbClr val="000000"/>
-                </a:solidFill>
-                <a:latin typeface="Calibri"/>
-              </a:rPr>
-              <a:t>Función objetivo</a:t>
-            </a:r>
-            <a:endParaRPr b="0" lang="es-ES" sz="2800" spc="-1" strike="noStrike">
-              <a:solidFill>
-                <a:srgbClr val="000000"/>
-              </a:solidFill>
-              <a:latin typeface="Calibri"/>
-            </a:endParaRPr>
-          </a:p>
-          <a:p>
-            <a:pPr algn="ctr">
-              <a:lnSpc>
-                <a:spcPct val="90000"/>
-              </a:lnSpc>
-              <a:spcBef>
-                <a:spcPts val="1001"/>
-              </a:spcBef>
-            </a:pPr>
-            <a:endParaRPr b="0" lang="es-ES" sz="2800" spc="-1" strike="noStrike">
-              <a:solidFill>
-                <a:srgbClr val="000000"/>
-              </a:solidFill>
-              <a:latin typeface="Calibri"/>
-            </a:endParaRPr>
-          </a:p>
-          <a:p>
-            <a:pPr algn="ctr">
-              <a:lnSpc>
-                <a:spcPct val="90000"/>
-              </a:lnSpc>
-              <a:spcBef>
-                <a:spcPts val="1001"/>
-              </a:spcBef>
-            </a:pPr>
-            <a:endParaRPr b="0" lang="es-ES" sz="2800" spc="-1" strike="noStrike">
-              <a:solidFill>
-                <a:srgbClr val="000000"/>
-              </a:solidFill>
-              <a:latin typeface="Calibri"/>
-            </a:endParaRPr>
-          </a:p>
-          <a:p>
-            <a:pPr algn="ctr">
-              <a:lnSpc>
-                <a:spcPct val="90000"/>
-              </a:lnSpc>
-              <a:spcBef>
-                <a:spcPts val="1001"/>
-              </a:spcBef>
-            </a:pPr>
-            <a:endParaRPr b="0" lang="es-ES" sz="2800" spc="-1" strike="noStrike">
-              <a:solidFill>
-                <a:srgbClr val="000000"/>
-              </a:solidFill>
-              <a:latin typeface="Calibri"/>
-            </a:endParaRPr>
-          </a:p>
-          <a:p>
-            <a:pPr algn="ctr">
-              <a:lnSpc>
-                <a:spcPct val="90000"/>
-              </a:lnSpc>
-              <a:spcBef>
-                <a:spcPts val="1001"/>
-              </a:spcBef>
-            </a:pPr>
-            <a:r>
-              <a:rPr b="0" lang="es-ES" sz="1800" spc="-1" strike="noStrike">
-                <a:solidFill>
-                  <a:srgbClr val="000000"/>
-                </a:solidFill>
-                <a:latin typeface="Calibri"/>
-              </a:rPr>
-              <a:t>Donde </a:t>
-            </a:r>
-            <a:endParaRPr b="0" lang="es-ES" sz="1800" spc="-1" strike="noStrike">
-              <a:solidFill>
-                <a:srgbClr val="000000"/>
-              </a:solidFill>
-              <a:latin typeface="Calibri"/>
-            </a:endParaRPr>
-          </a:p>
-          <a:p>
-            <a:pPr marL="343080" indent="-342720" algn="ctr">
+          <a:lstStyle/>
+          <a:p>
+            <a:pPr marL="360">
               <a:lnSpc>
                 <a:spcPct val="90000"/>
               </a:lnSpc>
@@ -9095,154 +9475,14 @@
               <a:buClr>
                 <a:srgbClr val="000000"/>
               </a:buClr>
-              <a:buFont typeface="Arial"/>
-              <a:buAutoNum type="arabicParenR"/>
             </a:pPr>
             <a:r>
-              <a:rPr b="0" lang="es-ES" sz="1800" spc="-1" strike="noStrike">
-                <a:solidFill>
-                  <a:srgbClr val="000000"/>
-                </a:solidFill>
-                <a:latin typeface="Calibri"/>
-              </a:rPr>
-              <a:t>Cómo esté de cargado el coche en el momento de la carga</a:t>
-            </a:r>
-            <a:endParaRPr b="0" lang="es-ES" sz="1800" spc="-1" strike="noStrike">
-              <a:solidFill>
-                <a:srgbClr val="000000"/>
-              </a:solidFill>
-              <a:latin typeface="Calibri"/>
-            </a:endParaRPr>
-          </a:p>
-          <a:p>
-            <a:pPr marL="343080" indent="-342720" algn="ctr">
-              <a:lnSpc>
-                <a:spcPct val="90000"/>
-              </a:lnSpc>
-              <a:spcBef>
-                <a:spcPts val="1001"/>
-              </a:spcBef>
-              <a:buClr>
-                <a:srgbClr val="000000"/>
-              </a:buClr>
-              <a:buFont typeface="Arial"/>
-              <a:buAutoNum type="arabicParenR"/>
-            </a:pPr>
-            <a:r>
-              <a:rPr b="0" lang="es-ES" sz="1800" spc="-1" strike="noStrike">
-                <a:solidFill>
-                  <a:srgbClr val="000000"/>
-                </a:solidFill>
-                <a:latin typeface="Calibri"/>
-              </a:rPr>
-              <a:t>Del tipo de carga que ofrezca el punto de carga</a:t>
-            </a:r>
-            <a:endParaRPr b="0" lang="es-ES" sz="1800" spc="-1" strike="noStrike">
-              <a:solidFill>
-                <a:srgbClr val="000000"/>
-              </a:solidFill>
-              <a:latin typeface="Calibri"/>
-            </a:endParaRPr>
-          </a:p>
-          <a:p>
-            <a:pPr>
-              <a:lnSpc>
-                <a:spcPct val="90000"/>
-              </a:lnSpc>
-              <a:spcBef>
-                <a:spcPts val="1001"/>
-              </a:spcBef>
-            </a:pPr>
-            <a:endParaRPr b="0" lang="es-ES" sz="1800" spc="-1" strike="noStrike">
-              <a:solidFill>
-                <a:srgbClr val="000000"/>
-              </a:solidFill>
-              <a:latin typeface="Calibri"/>
-            </a:endParaRPr>
-          </a:p>
-          <a:p>
-            <a:pPr>
-              <a:lnSpc>
-                <a:spcPct val="90000"/>
-              </a:lnSpc>
-              <a:spcBef>
-                <a:spcPts val="1001"/>
-              </a:spcBef>
-            </a:pPr>
-            <a:r>
-              <a:rPr b="0" lang="es-ES" sz="1800" spc="-1" strike="noStrike">
-                <a:solidFill>
-                  <a:srgbClr val="000000"/>
-                </a:solidFill>
-                <a:latin typeface="Calibri"/>
-              </a:rPr>
-              <a:t>	</a:t>
-            </a:r>
-            <a:r>
-              <a:rPr b="1" lang="es-ES" sz="1800" spc="-1" strike="noStrike">
-                <a:solidFill>
-                  <a:srgbClr val="2f5597"/>
-                </a:solidFill>
-                <a:latin typeface="Calibri"/>
-              </a:rPr>
-              <a:t>+ tiempo de espera para realizar la carga</a:t>
-            </a:r>
-            <a:endParaRPr b="0" lang="es-ES" sz="1800" spc="-1" strike="noStrike">
-              <a:solidFill>
-                <a:srgbClr val="000000"/>
-              </a:solidFill>
-              <a:latin typeface="Calibri"/>
-            </a:endParaRPr>
-          </a:p>
-        </p:txBody>
-      </p:sp>
-      <p:sp>
-        <p:nvSpPr>
-          <p:cNvPr id="164" name="TextShape 3"/>
-          <p:cNvSpPr txBox="1"/>
-          <p:nvPr/>
-        </p:nvSpPr>
-        <p:spPr>
-          <a:xfrm>
-            <a:off x="838080" y="1159560"/>
-            <a:ext cx="10515240" cy="5162760"/>
-          </a:xfrm>
-          <a:prstGeom prst="rect">
-            <a:avLst/>
-          </a:prstGeom>
-          <a:blipFill rotWithShape="0">
-            <a:blip r:embed="rId1"/>
-            <a:stretch>
-              <a:fillRect/>
-            </a:stretch>
-          </a:blipFill>
-          <a:ln>
-            <a:noFill/>
-          </a:ln>
-        </p:spPr>
-        <p:txBody>
-          <a:bodyPr/>
-          <a:p>
-            <a:pPr marL="228600" indent="-228240">
-              <a:lnSpc>
-                <a:spcPct val="90000"/>
-              </a:lnSpc>
-              <a:spcBef>
-                <a:spcPts val="1001"/>
-              </a:spcBef>
-              <a:buClr>
-                <a:srgbClr val="000000"/>
-              </a:buClr>
-              <a:buFont typeface="Arial"/>
-              <a:buChar char="•"/>
-            </a:pPr>
-            <a:r>
-              <a:rPr b="0" lang="es-ES" sz="2800" spc="-1" strike="noStrike">
+              <a:rPr lang="es-ES" sz="2800" b="0" strike="noStrike" spc="-1" dirty="0">
                 <a:latin typeface="Calibri"/>
               </a:rPr>
               <a:t> </a:t>
             </a:r>
-            <a:endParaRPr b="0" lang="es-ES" sz="2800" spc="-1" strike="noStrike">
+            <a:endParaRPr lang="es-ES" sz="2800" b="0" strike="noStrike" spc="-1" dirty="0">
               <a:solidFill>
                 <a:srgbClr val="000000"/>
               </a:solidFill>
@@ -9253,22 +9493,25 @@
       </p:sp>
     </p:spTree>
   </p:cSld>
+  <p:clrMapOvr>
+    <a:masterClrMapping/>
+  </p:clrMapOvr>
   <p:timing>
     <p:tnLst>
       <p:par>
-        <p:cTn id="15" dur="indefinite" restart="never" nodeType="tmRoot">
+        <p:cTn id="1" dur="indefinite" restart="never" nodeType="tmRoot">
           <p:childTnLst>
             <p:seq>
-              <p:cTn id="16" dur="indefinite" nodeType="mainSeq"/>
+              <p:cTn id="2" dur="indefinite" nodeType="mainSeq"/>
               <p:prevCondLst>
-                <p:cond delay="0" evt="onPrev">
+                <p:cond evt="onPrev" delay="0">
                   <p:tgtEl>
                     <p:sldTgt/>
                   </p:tgtEl>
                 </p:cond>
               </p:prevCondLst>
               <p:nextCondLst>
-                <p:cond delay="0" evt="onNext">
+                <p:cond evt="onNext" delay="0">
                   <p:tgtEl>
                     <p:sldTgt/>
                   </p:tgtEl>
@@ -9284,7 +9527,7 @@
 </file>
 
 <file path=ppt/slides/slide9.xml><?xml version="1.0" encoding="utf-8"?>
-<p:sld xmlns:a="http://schemas.openxmlformats.org/drawingml/2006/main" xmlns:p="http://schemas.openxmlformats.org/presentationml/2006/main" xmlns:r="http://schemas.openxmlformats.org/officeDocument/2006/relationships" xmlns:p14="http://schemas.microsoft.com/office/powerpoint/2010/main" xmlns:p15="http://schemas.microsoft.com/office/powerpoint/2012/main" xmlns:mc="http://schemas.openxmlformats.org/markup-compatibility/2006">
+<p:sld xmlns:a="http://schemas.openxmlformats.org/drawingml/2006/main" xmlns:r="http://schemas.openxmlformats.org/officeDocument/2006/relationships" xmlns:p="http://schemas.openxmlformats.org/presentationml/2006/main">
   <p:cSld>
     <p:spTree>
       <p:nvGrpSpPr>
@@ -9302,14 +9545,14 @@
       </p:grpSpPr>
       <p:sp>
         <p:nvSpPr>
-          <p:cNvPr id="165" name="TextShape 1"/>
+          <p:cNvPr id="172" name="TextShape 1"/>
           <p:cNvSpPr txBox="1"/>
           <p:nvPr/>
         </p:nvSpPr>
         <p:spPr>
           <a:xfrm>
             <a:off x="838080" y="365040"/>
-            <a:ext cx="10515240" cy="444240"/>
+            <a:ext cx="10515240" cy="405360"/>
           </a:xfrm>
           <a:prstGeom prst="rect">
             <a:avLst/>
@@ -9323,6 +9566,7 @@
           <a:bodyPr anchor="ctr">
             <a:normAutofit/>
           </a:bodyPr>
+          <a:lstStyle/>
           <a:p>
             <a:pPr algn="ctr">
               <a:lnSpc>
@@ -9330,15 +9574,15 @@
               </a:lnSpc>
             </a:pPr>
             <a:r>
-              <a:rPr b="1" lang="es-ES" sz="2400" spc="-1" strike="noStrike">
+              <a:rPr lang="es-ES" sz="2400" b="1" strike="noStrike" spc="-1">
                 <a:solidFill>
                   <a:srgbClr val="000000"/>
                 </a:solidFill>
                 <a:latin typeface="Calibri Light"/>
               </a:rPr>
-              <a:t>¿ Cómo calculamos  ?</a:t>
+              <a:t>DATOS USUARIO</a:t>
             </a:r>
-            <a:endParaRPr b="0" lang="es-ES" sz="2400" spc="-1" strike="noStrike">
+            <a:endParaRPr lang="es-ES" sz="2400" b="0" strike="noStrike" spc="-1">
               <a:solidFill>
                 <a:srgbClr val="000000"/>
               </a:solidFill>
@@ -9349,60 +9593,13 @@
       </p:sp>
       <p:sp>
         <p:nvSpPr>
-          <p:cNvPr id="166" name="TextShape 2"/>
+          <p:cNvPr id="173" name="TextShape 2"/>
           <p:cNvSpPr txBox="1"/>
           <p:nvPr/>
         </p:nvSpPr>
         <p:spPr>
           <a:xfrm>
-            <a:off x="838080" y="365040"/>
-            <a:ext cx="10515240" cy="444240"/>
-          </a:xfrm>
-          <a:prstGeom prst="rect">
-            <a:avLst/>
-          </a:prstGeom>
-          <a:blipFill rotWithShape="0">
-            <a:blip r:embed="rId1"/>
-            <a:stretch>
-              <a:fillRect/>
-            </a:stretch>
-          </a:blipFill>
-          <a:ln>
-            <a:noFill/>
-          </a:ln>
-        </p:spPr>
-        <p:txBody>
-          <a:bodyPr anchor="ctr"/>
-          <a:p>
-            <a:pPr>
-              <a:lnSpc>
-                <a:spcPct val="90000"/>
-              </a:lnSpc>
-            </a:pPr>
-            <a:r>
-              <a:rPr b="0" lang="es-ES" sz="4400" spc="-1" strike="noStrike">
-                <a:latin typeface="Calibri Light"/>
-              </a:rPr>
-              <a:t> </a:t>
-            </a:r>
-            <a:endParaRPr b="0" lang="es-ES" sz="4400" spc="-1" strike="noStrike">
-              <a:solidFill>
-                <a:srgbClr val="000000"/>
-              </a:solidFill>
-              <a:latin typeface="Calibri"/>
-            </a:endParaRPr>
-          </a:p>
-        </p:txBody>
-      </p:sp>
-      <p:sp>
-        <p:nvSpPr>
-          <p:cNvPr id="167" name="TextShape 3"/>
-          <p:cNvSpPr txBox="1"/>
-          <p:nvPr/>
-        </p:nvSpPr>
-        <p:spPr>
-          <a:xfrm>
-            <a:off x="838080" y="1342440"/>
+            <a:off x="733680" y="1028880"/>
             <a:ext cx="10515240" cy="4350960"/>
           </a:xfrm>
           <a:prstGeom prst="rect">
@@ -9414,9 +9611,8 @@
           </a:ln>
         </p:spPr>
         <p:txBody>
-          <a:bodyPr>
-            <a:normAutofit/>
-          </a:bodyPr>
+          <a:bodyPr/>
+          <a:lstStyle/>
           <a:p>
             <a:pPr>
               <a:lnSpc>
@@ -9427,83 +9623,134 @@
               </a:spcBef>
             </a:pPr>
             <a:r>
-              <a:rPr b="0" lang="es-ES" sz="1800" spc="-1" strike="noStrike">
+              <a:rPr lang="es-ES" sz="2800" b="0" strike="noStrike" spc="-1">
                 <a:solidFill>
                   <a:srgbClr val="000000"/>
                 </a:solidFill>
                 <a:latin typeface="Calibri"/>
               </a:rPr>
-              <a:t>1 hora </a:t>
+              <a:t>A partir de la info que nos proporcione el usuario, calcular la autonomía real del coche. Dependerá de:</a:t>
             </a:r>
+          </a:p>
+          <a:p>
+            <a:pPr marL="228600" indent="-228240">
+              <a:lnSpc>
+                <a:spcPct val="90000"/>
+              </a:lnSpc>
+              <a:spcBef>
+                <a:spcPts val="1001"/>
+              </a:spcBef>
+              <a:buClr>
+                <a:srgbClr val="000000"/>
+              </a:buClr>
+              <a:buFont typeface="Wingdings" charset="2"/>
+              <a:buChar char=""/>
+            </a:pPr>
             <a:r>
-              <a:rPr b="0" lang="es-ES" sz="1800" spc="-1" strike="noStrike">
-                <a:solidFill>
-                  <a:srgbClr val="000000"/>
-                </a:solidFill>
-                <a:latin typeface="Wingdings"/>
-              </a:rPr>
-              <a:t></a:t>
-            </a:r>
-            <a:r>
-              <a:rPr b="0" lang="es-ES" sz="1800" spc="-1" strike="noStrike">
+              <a:rPr lang="es-ES" sz="2800" b="0" strike="noStrike" spc="-1">
                 <a:solidFill>
                   <a:srgbClr val="000000"/>
                 </a:solidFill>
                 <a:latin typeface="Calibri"/>
               </a:rPr>
-              <a:t> consumimos Q km ( esta info la obtenemos de la BBDD de coches eléctricos con la variable de </a:t>
+              <a:t> El tipo de coche</a:t>
             </a:r>
+          </a:p>
+          <a:p>
+            <a:pPr marL="228600" indent="-228240">
+              <a:lnSpc>
+                <a:spcPct val="90000"/>
+              </a:lnSpc>
+              <a:spcBef>
+                <a:spcPts val="1001"/>
+              </a:spcBef>
+              <a:buClr>
+                <a:srgbClr val="000000"/>
+              </a:buClr>
+              <a:buFont typeface="Wingdings" charset="2"/>
+              <a:buChar char=""/>
+            </a:pPr>
             <a:r>
-              <a:rPr b="0" lang="es-ES" sz="1800" spc="-1" strike="noStrike">
+              <a:rPr lang="es-ES" sz="2800" b="0" strike="noStrike" spc="-1">
                 <a:solidFill>
                   <a:srgbClr val="000000"/>
                 </a:solidFill>
                 <a:latin typeface="Calibri"/>
               </a:rPr>
-              <a:t>	</a:t>
+              <a:t> Velocidad media</a:t>
             </a:r>
+          </a:p>
+          <a:p>
+            <a:pPr marL="228600" indent="-228240">
+              <a:lnSpc>
+                <a:spcPct val="90000"/>
+              </a:lnSpc>
+              <a:spcBef>
+                <a:spcPts val="1001"/>
+              </a:spcBef>
+              <a:buClr>
+                <a:srgbClr val="000000"/>
+              </a:buClr>
+              <a:buFont typeface="Wingdings" charset="2"/>
+              <a:buChar char=""/>
+            </a:pPr>
             <a:r>
-              <a:rPr b="0" lang="es-ES" sz="1800" spc="-1" strike="noStrike">
+              <a:rPr lang="es-ES" sz="2800" b="0" strike="noStrike" spc="-1">
                 <a:solidFill>
                   <a:srgbClr val="000000"/>
                 </a:solidFill>
                 <a:latin typeface="Calibri"/>
               </a:rPr>
-              <a:t>	</a:t>
+              <a:t> Carga del coche</a:t>
             </a:r>
+          </a:p>
+          <a:p>
+            <a:pPr marL="228600" indent="-228240">
+              <a:lnSpc>
+                <a:spcPct val="90000"/>
+              </a:lnSpc>
+              <a:spcBef>
+                <a:spcPts val="1001"/>
+              </a:spcBef>
+              <a:buClr>
+                <a:srgbClr val="000000"/>
+              </a:buClr>
+              <a:buFont typeface="Wingdings" charset="2"/>
+              <a:buChar char=""/>
+            </a:pPr>
             <a:r>
-              <a:rPr b="0" lang="es-ES" sz="1800" spc="-1" strike="noStrike">
+              <a:rPr lang="es-ES" sz="2800" b="0" strike="noStrike" spc="-1">
                 <a:solidFill>
                   <a:srgbClr val="000000"/>
                 </a:solidFill>
                 <a:latin typeface="Calibri"/>
               </a:rPr>
-              <a:t>	</a:t>
+              <a:t> ¿Clima?</a:t>
             </a:r>
+          </a:p>
+          <a:p>
+            <a:pPr marL="228600" indent="-228240">
+              <a:lnSpc>
+                <a:spcPct val="90000"/>
+              </a:lnSpc>
+              <a:spcBef>
+                <a:spcPts val="1001"/>
+              </a:spcBef>
+              <a:buClr>
+                <a:srgbClr val="000000"/>
+              </a:buClr>
+              <a:buFont typeface="Wingdings" charset="2"/>
+              <a:buChar char=""/>
+            </a:pPr>
             <a:r>
-              <a:rPr b="0" lang="es-ES" sz="1800" spc="-1" strike="noStrike">
+              <a:rPr lang="es-ES" sz="2800" b="0" strike="noStrike" spc="-1">
                 <a:solidFill>
                   <a:srgbClr val="000000"/>
                 </a:solidFill>
                 <a:latin typeface="Calibri"/>
               </a:rPr>
-              <a:t>	</a:t>
+              <a:t> ¿Algo más…?</a:t>
             </a:r>
-            <a:r>
-              <a:rPr b="0" lang="es-ES" sz="1800" spc="-1" strike="noStrike">
-                <a:solidFill>
-                  <a:srgbClr val="000000"/>
-                </a:solidFill>
-                <a:latin typeface="Calibri"/>
-              </a:rPr>
-              <a:t>consumo km/h)</a:t>
-            </a:r>
-            <a:endParaRPr b="0" lang="es-ES" sz="1800" spc="-1" strike="noStrike">
-              <a:solidFill>
-                <a:srgbClr val="000000"/>
-              </a:solidFill>
-              <a:latin typeface="Calibri"/>
-            </a:endParaRPr>
           </a:p>
           <a:p>
             <a:pPr algn="ctr">
@@ -9515,234 +9762,38 @@
               </a:spcBef>
             </a:pPr>
             <a:r>
-              <a:rPr b="0" lang="es-ES" sz="1800" spc="-1" strike="noStrike">
+              <a:rPr lang="es-ES" sz="2800" b="0" strike="noStrike" spc="-1">
                 <a:solidFill>
                   <a:srgbClr val="000000"/>
                 </a:solidFill>
                 <a:latin typeface="Calibri"/>
               </a:rPr>
-              <a:t> </a:t>
+              <a:t>¿Cómo lo ponderamos?</a:t>
             </a:r>
-            <a:r>
-              <a:rPr b="0" lang="es-ES" sz="1800" spc="-1" strike="noStrike">
-                <a:solidFill>
-                  <a:srgbClr val="000000"/>
-                </a:solidFill>
-                <a:latin typeface="Calibri"/>
-              </a:rPr>
-              <a:t>t          </a:t>
-            </a:r>
-            <a:r>
-              <a:rPr b="0" lang="es-ES" sz="1800" spc="-1" strike="noStrike">
-                <a:solidFill>
-                  <a:srgbClr val="000000"/>
-                </a:solidFill>
-                <a:latin typeface="Wingdings"/>
-              </a:rPr>
-              <a:t></a:t>
-            </a:r>
-            <a:r>
-              <a:rPr b="0" lang="es-ES" sz="1800" spc="-1" strike="noStrike">
-                <a:solidFill>
-                  <a:srgbClr val="000000"/>
-                </a:solidFill>
-                <a:latin typeface="Calibri"/>
-              </a:rPr>
-              <a:t> </a:t>
-            </a:r>
-            <a:r>
-              <a:rPr b="0" lang="es-ES" sz="2400" spc="-1" strike="noStrike">
-                <a:solidFill>
-                  <a:srgbClr val="000000"/>
-                </a:solidFill>
-                <a:latin typeface="Calibri"/>
-              </a:rPr>
-              <a:t>	</a:t>
-            </a:r>
-            <a:r>
-              <a:rPr b="0" lang="es-ES" sz="2400" spc="-1" strike="noStrike">
-                <a:solidFill>
-                  <a:srgbClr val="000000"/>
-                </a:solidFill>
-                <a:latin typeface="Calibri"/>
-              </a:rPr>
-              <a:t>	</a:t>
-            </a:r>
-            <a:r>
-              <a:rPr b="0" lang="es-ES" sz="2400" spc="-1" strike="noStrike">
-                <a:solidFill>
-                  <a:srgbClr val="000000"/>
-                </a:solidFill>
-                <a:latin typeface="Calibri"/>
-              </a:rPr>
-              <a:t>	</a:t>
-            </a:r>
-            <a:r>
-              <a:rPr b="0" lang="es-ES" sz="3200" spc="-1" strike="noStrike">
-                <a:solidFill>
-                  <a:srgbClr val="000000"/>
-                </a:solidFill>
-                <a:latin typeface="Calibri"/>
-              </a:rPr>
-              <a:t>t =   </a:t>
-            </a:r>
-            <a:r>
-              <a:rPr b="0" lang="es-ES" sz="2000" spc="-1" strike="noStrike">
-                <a:solidFill>
-                  <a:srgbClr val="000000"/>
-                </a:solidFill>
-                <a:latin typeface="Calibri"/>
-              </a:rPr>
-              <a:t>horas (teniendo en cuenta que carga por completo la batería)</a:t>
-            </a:r>
-            <a:endParaRPr b="0" lang="es-ES" sz="2000" spc="-1" strike="noStrike">
-              <a:solidFill>
-                <a:srgbClr val="000000"/>
-              </a:solidFill>
-              <a:latin typeface="Calibri"/>
-            </a:endParaRPr>
-          </a:p>
-          <a:p>
-            <a:pPr algn="ctr">
-              <a:lnSpc>
-                <a:spcPct val="90000"/>
-              </a:lnSpc>
-              <a:spcBef>
-                <a:spcPts val="1001"/>
-              </a:spcBef>
-            </a:pPr>
-            <a:r>
-              <a:rPr b="1" lang="es-ES" sz="2000" spc="-1" strike="noStrike">
-                <a:solidFill>
-                  <a:srgbClr val="000000"/>
-                </a:solidFill>
-                <a:latin typeface="Calibri"/>
-              </a:rPr>
-              <a:t>Donde </a:t>
-            </a:r>
-            <a:endParaRPr b="0" lang="es-ES" sz="2000" spc="-1" strike="noStrike">
-              <a:solidFill>
-                <a:srgbClr val="000000"/>
-              </a:solidFill>
-              <a:latin typeface="Calibri"/>
-            </a:endParaRPr>
-          </a:p>
-          <a:p>
-            <a:pPr algn="ctr">
-              <a:lnSpc>
-                <a:spcPct val="90000"/>
-              </a:lnSpc>
-              <a:spcBef>
-                <a:spcPts val="1001"/>
-              </a:spcBef>
-            </a:pPr>
-            <a:endParaRPr b="0" lang="es-ES" sz="2000" spc="-1" strike="noStrike">
-              <a:solidFill>
-                <a:srgbClr val="000000"/>
-              </a:solidFill>
-              <a:latin typeface="Calibri"/>
-            </a:endParaRPr>
-          </a:p>
-          <a:p>
-            <a:pPr algn="ctr">
-              <a:lnSpc>
-                <a:spcPct val="90000"/>
-              </a:lnSpc>
-              <a:spcBef>
-                <a:spcPts val="1001"/>
-              </a:spcBef>
-            </a:pPr>
-            <a:r>
-              <a:rPr b="1" lang="es-ES" sz="1800" spc="-1" strike="noStrike">
-                <a:solidFill>
-                  <a:srgbClr val="2f5597"/>
-                </a:solidFill>
-                <a:latin typeface="Calibri"/>
-              </a:rPr>
-              <a:t>+ Velocidad de carga: rápida (tenemos cifra) o ultraRápida (yes/no)</a:t>
-            </a:r>
-            <a:endParaRPr b="0" lang="es-ES" sz="1800" spc="-1" strike="noStrike">
-              <a:solidFill>
-                <a:srgbClr val="000000"/>
-              </a:solidFill>
-              <a:latin typeface="Calibri"/>
-            </a:endParaRPr>
-          </a:p>
-        </p:txBody>
-      </p:sp>
-      <p:sp>
-        <p:nvSpPr>
-          <p:cNvPr id="168" name="TextShape 4"/>
-          <p:cNvSpPr txBox="1"/>
-          <p:nvPr/>
-        </p:nvSpPr>
-        <p:spPr>
-          <a:xfrm>
-            <a:off x="838080" y="1342440"/>
-            <a:ext cx="10515240" cy="4350960"/>
-          </a:xfrm>
-          <a:prstGeom prst="rect">
-            <a:avLst/>
-          </a:prstGeom>
-          <a:blipFill rotWithShape="0">
-            <a:blip r:embed="rId2"/>
-            <a:stretch>
-              <a:fillRect/>
-            </a:stretch>
-          </a:blipFill>
-          <a:ln>
-            <a:noFill/>
-          </a:ln>
-        </p:spPr>
-        <p:txBody>
-          <a:bodyPr/>
-          <a:p>
-            <a:pPr marL="228600" indent="-228240">
-              <a:lnSpc>
-                <a:spcPct val="90000"/>
-              </a:lnSpc>
-              <a:spcBef>
-                <a:spcPts val="1001"/>
-              </a:spcBef>
-              <a:buClr>
-                <a:srgbClr val="000000"/>
-              </a:buClr>
-              <a:buFont typeface="Arial"/>
-              <a:buChar char="•"/>
-            </a:pPr>
-            <a:r>
-              <a:rPr b="0" lang="es-ES" sz="2800" spc="-1" strike="noStrike">
-                <a:latin typeface="Calibri"/>
-              </a:rPr>
-              <a:t> </a:t>
-            </a:r>
-            <a:endParaRPr b="0" lang="es-ES" sz="2800" spc="-1" strike="noStrike">
-              <a:solidFill>
-                <a:srgbClr val="000000"/>
-              </a:solidFill>
-              <a:latin typeface="Calibri"/>
-            </a:endParaRPr>
           </a:p>
         </p:txBody>
       </p:sp>
     </p:spTree>
   </p:cSld>
+  <p:clrMapOvr>
+    <a:masterClrMapping/>
+  </p:clrMapOvr>
   <p:timing>
     <p:tnLst>
       <p:par>
-        <p:cTn id="17" dur="indefinite" restart="never" nodeType="tmRoot">
+        <p:cTn id="1" dur="indefinite" restart="never" nodeType="tmRoot">
           <p:childTnLst>
             <p:seq>
-              <p:cTn id="18" dur="indefinite" nodeType="mainSeq"/>
+              <p:cTn id="2" dur="indefinite" nodeType="mainSeq"/>
               <p:prevCondLst>
-                <p:cond delay="0" evt="onPrev">
+                <p:cond evt="onPrev" delay="0">
                   <p:tgtEl>
                     <p:sldTgt/>
                   </p:tgtEl>
                 </p:cond>
               </p:prevCondLst>
               <p:nextCondLst>
-                <p:cond delay="0" evt="onNext">
+                <p:cond evt="onNext" delay="0">
                   <p:tgtEl>
                     <p:sldTgt/>
                   </p:tgtEl>
@@ -9768,34 +9819,34 @@
         <a:sysClr val="window" lastClr="FFFFFF"/>
       </a:lt1>
       <a:dk2>
-        <a:srgbClr val="44546a"/>
+        <a:srgbClr val="44546A"/>
       </a:dk2>
       <a:lt2>
-        <a:srgbClr val="e7e6e6"/>
+        <a:srgbClr val="E7E6E6"/>
       </a:lt2>
       <a:accent1>
-        <a:srgbClr val="4472c4"/>
+        <a:srgbClr val="4472C4"/>
       </a:accent1>
       <a:accent2>
-        <a:srgbClr val="ed7d31"/>
+        <a:srgbClr val="ED7D31"/>
       </a:accent2>
       <a:accent3>
-        <a:srgbClr val="a5a5a5"/>
+        <a:srgbClr val="A5A5A5"/>
       </a:accent3>
       <a:accent4>
-        <a:srgbClr val="ffc000"/>
+        <a:srgbClr val="FFC000"/>
       </a:accent4>
       <a:accent5>
-        <a:srgbClr val="5b9bd5"/>
+        <a:srgbClr val="5B9BD5"/>
       </a:accent5>
       <a:accent6>
-        <a:srgbClr val="70ad47"/>
+        <a:srgbClr val="70AD47"/>
       </a:accent6>
       <a:hlink>
-        <a:srgbClr val="0563c1"/>
+        <a:srgbClr val="0563C1"/>
       </a:hlink>
       <a:folHlink>
-        <a:srgbClr val="954f72"/>
+        <a:srgbClr val="954F72"/>
       </a:folHlink>
     </a:clrScheme>
     <a:fontScheme name="Office">
@@ -9977,6 +10028,8 @@
       </a:bgFillStyleLst>
     </a:fmtScheme>
   </a:themeElements>
+  <a:objectDefaults/>
+  <a:extraClrSchemeLst/>
 </a:theme>
 </file>
 
@@ -9991,34 +10044,34 @@
         <a:sysClr val="window" lastClr="FFFFFF"/>
       </a:lt1>
       <a:dk2>
-        <a:srgbClr val="44546a"/>
+        <a:srgbClr val="44546A"/>
       </a:dk2>
       <a:lt2>
-        <a:srgbClr val="e7e6e6"/>
+        <a:srgbClr val="E7E6E6"/>
       </a:lt2>
       <a:accent1>
-        <a:srgbClr val="4472c4"/>
+        <a:srgbClr val="4472C4"/>
       </a:accent1>
       <a:accent2>
-        <a:srgbClr val="ed7d31"/>
+        <a:srgbClr val="ED7D31"/>
       </a:accent2>
       <a:accent3>
-        <a:srgbClr val="a5a5a5"/>
+        <a:srgbClr val="A5A5A5"/>
       </a:accent3>
       <a:accent4>
-        <a:srgbClr val="ffc000"/>
+        <a:srgbClr val="FFC000"/>
       </a:accent4>
       <a:accent5>
-        <a:srgbClr val="5b9bd5"/>
+        <a:srgbClr val="5B9BD5"/>
       </a:accent5>
       <a:accent6>
-        <a:srgbClr val="70ad47"/>
+        <a:srgbClr val="70AD47"/>
       </a:accent6>
       <a:hlink>
-        <a:srgbClr val="0563c1"/>
+        <a:srgbClr val="0563C1"/>
       </a:hlink>
       <a:folHlink>
-        <a:srgbClr val="954f72"/>
+        <a:srgbClr val="954F72"/>
       </a:folHlink>
     </a:clrScheme>
     <a:fontScheme name="Office">
@@ -10200,5 +10253,7 @@
       </a:bgFillStyleLst>
     </a:fmtScheme>
   </a:themeElements>
+  <a:objectDefaults/>
+  <a:extraClrSchemeLst/>
 </a:theme>
 </file>